--- a/Slides/01. Programação Windows.pptx
+++ b/Slides/01. Programação Windows.pptx
@@ -172,13 +172,1448 @@
 <file path=ppt/revisionInfo.xml><?xml version="1.0" encoding="utf-8"?>
 <p1510:revInfo xmlns:a="http://schemas.openxmlformats.org/drawingml/2006/main" xmlns:r="http://schemas.openxmlformats.org/officeDocument/2006/relationships" xmlns:p1510="http://schemas.microsoft.com/office/powerpoint/2015/10/main">
   <p1510:revLst>
-    <p1510:client id="{9576BB9B-55C2-4474-AD52-4F4E17F6C3AF}" v="194" dt="2019-04-30T18:15:34.088"/>
+    <p1510:client id="{AC23AAFD-E953-FE46-870F-C9EAF980E401}" v="25" dt="2021-07-14T18:24:47.605"/>
+    <p1510:client id="{B2577A40-AC3A-4371-B7A6-031E3A1B294D}" v="1" dt="2021-07-14T21:47:17.574"/>
   </p1510:revLst>
 </p1510:revInfo>
 </file>
 
 <file path=ppt/changesInfos/changesInfo1.xml><?xml version="1.0" encoding="utf-8"?>
 <pc:chgInfo xmlns:a="http://schemas.openxmlformats.org/drawingml/2006/main" xmlns:r="http://schemas.openxmlformats.org/officeDocument/2006/relationships" xmlns:ac="http://schemas.microsoft.com/office/drawing/2013/main/command" xmlns:pc="http://schemas.microsoft.com/office/powerpoint/2013/main/command">
+  <pc:docChgLst>
+    <pc:chgData name="Judson Santiago" userId="ebb108da2f256286" providerId="LiveId" clId="{AC23AAFD-E953-FE46-870F-C9EAF980E401}"/>
+    <pc:docChg chg="undo custSel modSld modMainMaster">
+      <pc:chgData name="Judson Santiago" userId="ebb108da2f256286" providerId="LiveId" clId="{AC23AAFD-E953-FE46-870F-C9EAF980E401}" dt="2021-07-14T18:39:05.033" v="317" actId="21"/>
+      <pc:docMkLst>
+        <pc:docMk/>
+      </pc:docMkLst>
+      <pc:sldChg chg="modTransition">
+        <pc:chgData name="Judson Santiago" userId="ebb108da2f256286" providerId="LiveId" clId="{AC23AAFD-E953-FE46-870F-C9EAF980E401}" dt="2021-07-14T18:36:30.995" v="316"/>
+        <pc:sldMkLst>
+          <pc:docMk/>
+          <pc:sldMk cId="460992010" sldId="266"/>
+        </pc:sldMkLst>
+      </pc:sldChg>
+      <pc:sldChg chg="modSp mod modTransition">
+        <pc:chgData name="Judson Santiago" userId="ebb108da2f256286" providerId="LiveId" clId="{AC23AAFD-E953-FE46-870F-C9EAF980E401}" dt="2021-07-14T18:36:30.995" v="316"/>
+        <pc:sldMkLst>
+          <pc:docMk/>
+          <pc:sldMk cId="779981392" sldId="267"/>
+        </pc:sldMkLst>
+        <pc:spChg chg="mod">
+          <ac:chgData name="Judson Santiago" userId="ebb108da2f256286" providerId="LiveId" clId="{AC23AAFD-E953-FE46-870F-C9EAF980E401}" dt="2021-07-14T17:36:25.234" v="15" actId="20577"/>
+          <ac:spMkLst>
+            <pc:docMk/>
+            <pc:sldMk cId="779981392" sldId="267"/>
+            <ac:spMk id="3" creationId="{00000000-0000-0000-0000-000000000000}"/>
+          </ac:spMkLst>
+        </pc:spChg>
+        <pc:spChg chg="mod">
+          <ac:chgData name="Judson Santiago" userId="ebb108da2f256286" providerId="LiveId" clId="{AC23AAFD-E953-FE46-870F-C9EAF980E401}" dt="2021-07-14T17:37:10.312" v="17" actId="20577"/>
+          <ac:spMkLst>
+            <pc:docMk/>
+            <pc:sldMk cId="779981392" sldId="267"/>
+            <ac:spMk id="5" creationId="{D91E2F43-5E56-4A93-839F-F301A368B197}"/>
+          </ac:spMkLst>
+        </pc:spChg>
+      </pc:sldChg>
+      <pc:sldChg chg="modSp mod modTransition">
+        <pc:chgData name="Judson Santiago" userId="ebb108da2f256286" providerId="LiveId" clId="{AC23AAFD-E953-FE46-870F-C9EAF980E401}" dt="2021-07-14T18:36:30.995" v="316"/>
+        <pc:sldMkLst>
+          <pc:docMk/>
+          <pc:sldMk cId="2037286507" sldId="269"/>
+        </pc:sldMkLst>
+        <pc:spChg chg="mod">
+          <ac:chgData name="Judson Santiago" userId="ebb108da2f256286" providerId="LiveId" clId="{AC23AAFD-E953-FE46-870F-C9EAF980E401}" dt="2021-07-14T17:38:57.991" v="22" actId="20577"/>
+          <ac:spMkLst>
+            <pc:docMk/>
+            <pc:sldMk cId="2037286507" sldId="269"/>
+            <ac:spMk id="3" creationId="{00000000-0000-0000-0000-000000000000}"/>
+          </ac:spMkLst>
+        </pc:spChg>
+        <pc:grpChg chg="mod">
+          <ac:chgData name="Judson Santiago" userId="ebb108da2f256286" providerId="LiveId" clId="{AC23AAFD-E953-FE46-870F-C9EAF980E401}" dt="2021-07-14T17:58:02.617" v="105" actId="1035"/>
+          <ac:grpSpMkLst>
+            <pc:docMk/>
+            <pc:sldMk cId="2037286507" sldId="269"/>
+            <ac:grpSpMk id="6" creationId="{841988D0-912B-433A-BEAE-5066E441AAA1}"/>
+          </ac:grpSpMkLst>
+        </pc:grpChg>
+      </pc:sldChg>
+      <pc:sldChg chg="modSp mod modTransition">
+        <pc:chgData name="Judson Santiago" userId="ebb108da2f256286" providerId="LiveId" clId="{AC23AAFD-E953-FE46-870F-C9EAF980E401}" dt="2021-07-14T18:36:30.995" v="316"/>
+        <pc:sldMkLst>
+          <pc:docMk/>
+          <pc:sldMk cId="747188046" sldId="270"/>
+        </pc:sldMkLst>
+        <pc:spChg chg="mod">
+          <ac:chgData name="Judson Santiago" userId="ebb108da2f256286" providerId="LiveId" clId="{AC23AAFD-E953-FE46-870F-C9EAF980E401}" dt="2021-07-14T17:38:06.609" v="18" actId="20577"/>
+          <ac:spMkLst>
+            <pc:docMk/>
+            <pc:sldMk cId="747188046" sldId="270"/>
+            <ac:spMk id="3" creationId="{00000000-0000-0000-0000-000000000000}"/>
+          </ac:spMkLst>
+        </pc:spChg>
+      </pc:sldChg>
+      <pc:sldChg chg="addSp modSp mod modTransition">
+        <pc:chgData name="Judson Santiago" userId="ebb108da2f256286" providerId="LiveId" clId="{AC23AAFD-E953-FE46-870F-C9EAF980E401}" dt="2021-07-14T18:36:30.995" v="316"/>
+        <pc:sldMkLst>
+          <pc:docMk/>
+          <pc:sldMk cId="1522748564" sldId="273"/>
+        </pc:sldMkLst>
+        <pc:spChg chg="mod">
+          <ac:chgData name="Judson Santiago" userId="ebb108da2f256286" providerId="LiveId" clId="{AC23AAFD-E953-FE46-870F-C9EAF980E401}" dt="2021-07-14T17:43:16.515" v="102" actId="20577"/>
+          <ac:spMkLst>
+            <pc:docMk/>
+            <pc:sldMk cId="1522748564" sldId="273"/>
+            <ac:spMk id="3" creationId="{00000000-0000-0000-0000-000000000000}"/>
+          </ac:spMkLst>
+        </pc:spChg>
+        <pc:spChg chg="add mod">
+          <ac:chgData name="Judson Santiago" userId="ebb108da2f256286" providerId="LiveId" clId="{AC23AAFD-E953-FE46-870F-C9EAF980E401}" dt="2021-07-14T18:00:31.635" v="109" actId="13822"/>
+          <ac:spMkLst>
+            <pc:docMk/>
+            <pc:sldMk cId="1522748564" sldId="273"/>
+            <ac:spMk id="4" creationId="{1468B01B-6C2F-8D4F-A292-DA250B40F686}"/>
+          </ac:spMkLst>
+        </pc:spChg>
+        <pc:spChg chg="add mod">
+          <ac:chgData name="Judson Santiago" userId="ebb108da2f256286" providerId="LiveId" clId="{AC23AAFD-E953-FE46-870F-C9EAF980E401}" dt="2021-07-14T18:00:35.245" v="110" actId="1076"/>
+          <ac:spMkLst>
+            <pc:docMk/>
+            <pc:sldMk cId="1522748564" sldId="273"/>
+            <ac:spMk id="5" creationId="{2A5FB073-C275-E844-ABFA-83F42A6B159A}"/>
+          </ac:spMkLst>
+        </pc:spChg>
+        <pc:spChg chg="add mod">
+          <ac:chgData name="Judson Santiago" userId="ebb108da2f256286" providerId="LiveId" clId="{AC23AAFD-E953-FE46-870F-C9EAF980E401}" dt="2021-07-14T18:02:40.801" v="124" actId="1076"/>
+          <ac:spMkLst>
+            <pc:docMk/>
+            <pc:sldMk cId="1522748564" sldId="273"/>
+            <ac:spMk id="9" creationId="{20B9267D-C3E3-9E4D-9E7B-D9BCEDEDE1B3}"/>
+          </ac:spMkLst>
+        </pc:spChg>
+        <pc:cxnChg chg="add mod">
+          <ac:chgData name="Judson Santiago" userId="ebb108da2f256286" providerId="LiveId" clId="{AC23AAFD-E953-FE46-870F-C9EAF980E401}" dt="2021-07-14T18:01:00.659" v="113" actId="1582"/>
+          <ac:cxnSpMkLst>
+            <pc:docMk/>
+            <pc:sldMk cId="1522748564" sldId="273"/>
+            <ac:cxnSpMk id="7" creationId="{60CD823D-0FEC-174E-911C-4FA3B47AEBB8}"/>
+          </ac:cxnSpMkLst>
+        </pc:cxnChg>
+      </pc:sldChg>
+      <pc:sldChg chg="modSp mod modTransition">
+        <pc:chgData name="Judson Santiago" userId="ebb108da2f256286" providerId="LiveId" clId="{AC23AAFD-E953-FE46-870F-C9EAF980E401}" dt="2021-07-14T18:36:30.995" v="316"/>
+        <pc:sldMkLst>
+          <pc:docMk/>
+          <pc:sldMk cId="863263535" sldId="274"/>
+        </pc:sldMkLst>
+        <pc:spChg chg="mod">
+          <ac:chgData name="Judson Santiago" userId="ebb108da2f256286" providerId="LiveId" clId="{AC23AAFD-E953-FE46-870F-C9EAF980E401}" dt="2021-07-14T17:42:24.586" v="80" actId="948"/>
+          <ac:spMkLst>
+            <pc:docMk/>
+            <pc:sldMk cId="863263535" sldId="274"/>
+            <ac:spMk id="3" creationId="{00000000-0000-0000-0000-000000000000}"/>
+          </ac:spMkLst>
+        </pc:spChg>
+      </pc:sldChg>
+      <pc:sldChg chg="addSp delSp modSp mod modTransition">
+        <pc:chgData name="Judson Santiago" userId="ebb108da2f256286" providerId="LiveId" clId="{AC23AAFD-E953-FE46-870F-C9EAF980E401}" dt="2021-07-14T18:36:30.995" v="316"/>
+        <pc:sldMkLst>
+          <pc:docMk/>
+          <pc:sldMk cId="244664431" sldId="275"/>
+        </pc:sldMkLst>
+        <pc:spChg chg="mod">
+          <ac:chgData name="Judson Santiago" userId="ebb108da2f256286" providerId="LiveId" clId="{AC23AAFD-E953-FE46-870F-C9EAF980E401}" dt="2021-07-14T18:13:07.201" v="225" actId="1035"/>
+          <ac:spMkLst>
+            <pc:docMk/>
+            <pc:sldMk cId="244664431" sldId="275"/>
+            <ac:spMk id="3" creationId="{00000000-0000-0000-0000-000000000000}"/>
+          </ac:spMkLst>
+        </pc:spChg>
+        <pc:spChg chg="mod topLvl">
+          <ac:chgData name="Judson Santiago" userId="ebb108da2f256286" providerId="LiveId" clId="{AC23AAFD-E953-FE46-870F-C9EAF980E401}" dt="2021-07-14T18:13:07.201" v="225" actId="1035"/>
+          <ac:spMkLst>
+            <pc:docMk/>
+            <pc:sldMk cId="244664431" sldId="275"/>
+            <ac:spMk id="56" creationId="{00000000-0000-0000-0000-000000000000}"/>
+          </ac:spMkLst>
+        </pc:spChg>
+        <pc:spChg chg="mod topLvl">
+          <ac:chgData name="Judson Santiago" userId="ebb108da2f256286" providerId="LiveId" clId="{AC23AAFD-E953-FE46-870F-C9EAF980E401}" dt="2021-07-14T18:13:07.201" v="225" actId="1035"/>
+          <ac:spMkLst>
+            <pc:docMk/>
+            <pc:sldMk cId="244664431" sldId="275"/>
+            <ac:spMk id="57" creationId="{00000000-0000-0000-0000-000000000000}"/>
+          </ac:spMkLst>
+        </pc:spChg>
+        <pc:spChg chg="mod">
+          <ac:chgData name="Judson Santiago" userId="ebb108da2f256286" providerId="LiveId" clId="{AC23AAFD-E953-FE46-870F-C9EAF980E401}" dt="2021-07-14T18:13:07.201" v="225" actId="1035"/>
+          <ac:spMkLst>
+            <pc:docMk/>
+            <pc:sldMk cId="244664431" sldId="275"/>
+            <ac:spMk id="60" creationId="{00000000-0000-0000-0000-000000000000}"/>
+          </ac:spMkLst>
+        </pc:spChg>
+        <pc:spChg chg="mod topLvl">
+          <ac:chgData name="Judson Santiago" userId="ebb108da2f256286" providerId="LiveId" clId="{AC23AAFD-E953-FE46-870F-C9EAF980E401}" dt="2021-07-14T18:13:07.201" v="225" actId="1035"/>
+          <ac:spMkLst>
+            <pc:docMk/>
+            <pc:sldMk cId="244664431" sldId="275"/>
+            <ac:spMk id="68" creationId="{00000000-0000-0000-0000-000000000000}"/>
+          </ac:spMkLst>
+        </pc:spChg>
+        <pc:spChg chg="mod">
+          <ac:chgData name="Judson Santiago" userId="ebb108da2f256286" providerId="LiveId" clId="{AC23AAFD-E953-FE46-870F-C9EAF980E401}" dt="2021-07-14T18:13:07.201" v="225" actId="1035"/>
+          <ac:spMkLst>
+            <pc:docMk/>
+            <pc:sldMk cId="244664431" sldId="275"/>
+            <ac:spMk id="69" creationId="{00000000-0000-0000-0000-000000000000}"/>
+          </ac:spMkLst>
+        </pc:spChg>
+        <pc:spChg chg="mod">
+          <ac:chgData name="Judson Santiago" userId="ebb108da2f256286" providerId="LiveId" clId="{AC23AAFD-E953-FE46-870F-C9EAF980E401}" dt="2021-07-14T18:13:07.201" v="225" actId="1035"/>
+          <ac:spMkLst>
+            <pc:docMk/>
+            <pc:sldMk cId="244664431" sldId="275"/>
+            <ac:spMk id="76" creationId="{00000000-0000-0000-0000-000000000000}"/>
+          </ac:spMkLst>
+        </pc:spChg>
+        <pc:spChg chg="mod">
+          <ac:chgData name="Judson Santiago" userId="ebb108da2f256286" providerId="LiveId" clId="{AC23AAFD-E953-FE46-870F-C9EAF980E401}" dt="2021-07-14T18:13:07.201" v="225" actId="1035"/>
+          <ac:spMkLst>
+            <pc:docMk/>
+            <pc:sldMk cId="244664431" sldId="275"/>
+            <ac:spMk id="77" creationId="{00000000-0000-0000-0000-000000000000}"/>
+          </ac:spMkLst>
+        </pc:spChg>
+        <pc:spChg chg="mod">
+          <ac:chgData name="Judson Santiago" userId="ebb108da2f256286" providerId="LiveId" clId="{AC23AAFD-E953-FE46-870F-C9EAF980E401}" dt="2021-07-14T18:13:07.201" v="225" actId="1035"/>
+          <ac:spMkLst>
+            <pc:docMk/>
+            <pc:sldMk cId="244664431" sldId="275"/>
+            <ac:spMk id="78" creationId="{00000000-0000-0000-0000-000000000000}"/>
+          </ac:spMkLst>
+        </pc:spChg>
+        <pc:spChg chg="mod">
+          <ac:chgData name="Judson Santiago" userId="ebb108da2f256286" providerId="LiveId" clId="{AC23AAFD-E953-FE46-870F-C9EAF980E401}" dt="2021-07-14T18:13:07.201" v="225" actId="1035"/>
+          <ac:spMkLst>
+            <pc:docMk/>
+            <pc:sldMk cId="244664431" sldId="275"/>
+            <ac:spMk id="79" creationId="{00000000-0000-0000-0000-000000000000}"/>
+          </ac:spMkLst>
+        </pc:spChg>
+        <pc:spChg chg="mod topLvl">
+          <ac:chgData name="Judson Santiago" userId="ebb108da2f256286" providerId="LiveId" clId="{AC23AAFD-E953-FE46-870F-C9EAF980E401}" dt="2021-07-14T18:13:07.201" v="225" actId="1035"/>
+          <ac:spMkLst>
+            <pc:docMk/>
+            <pc:sldMk cId="244664431" sldId="275"/>
+            <ac:spMk id="80" creationId="{00000000-0000-0000-0000-000000000000}"/>
+          </ac:spMkLst>
+        </pc:spChg>
+        <pc:spChg chg="mod">
+          <ac:chgData name="Judson Santiago" userId="ebb108da2f256286" providerId="LiveId" clId="{AC23AAFD-E953-FE46-870F-C9EAF980E401}" dt="2021-07-14T18:13:07.201" v="225" actId="1035"/>
+          <ac:spMkLst>
+            <pc:docMk/>
+            <pc:sldMk cId="244664431" sldId="275"/>
+            <ac:spMk id="81" creationId="{00000000-0000-0000-0000-000000000000}"/>
+          </ac:spMkLst>
+        </pc:spChg>
+        <pc:spChg chg="mod topLvl">
+          <ac:chgData name="Judson Santiago" userId="ebb108da2f256286" providerId="LiveId" clId="{AC23AAFD-E953-FE46-870F-C9EAF980E401}" dt="2021-07-14T18:13:07.201" v="225" actId="1035"/>
+          <ac:spMkLst>
+            <pc:docMk/>
+            <pc:sldMk cId="244664431" sldId="275"/>
+            <ac:spMk id="82" creationId="{00000000-0000-0000-0000-000000000000}"/>
+          </ac:spMkLst>
+        </pc:spChg>
+        <pc:spChg chg="mod topLvl">
+          <ac:chgData name="Judson Santiago" userId="ebb108da2f256286" providerId="LiveId" clId="{AC23AAFD-E953-FE46-870F-C9EAF980E401}" dt="2021-07-14T18:13:07.201" v="225" actId="1035"/>
+          <ac:spMkLst>
+            <pc:docMk/>
+            <pc:sldMk cId="244664431" sldId="275"/>
+            <ac:spMk id="83" creationId="{00000000-0000-0000-0000-000000000000}"/>
+          </ac:spMkLst>
+        </pc:spChg>
+        <pc:spChg chg="mod topLvl">
+          <ac:chgData name="Judson Santiago" userId="ebb108da2f256286" providerId="LiveId" clId="{AC23AAFD-E953-FE46-870F-C9EAF980E401}" dt="2021-07-14T18:13:07.201" v="225" actId="1035"/>
+          <ac:spMkLst>
+            <pc:docMk/>
+            <pc:sldMk cId="244664431" sldId="275"/>
+            <ac:spMk id="85" creationId="{00000000-0000-0000-0000-000000000000}"/>
+          </ac:spMkLst>
+        </pc:spChg>
+        <pc:spChg chg="mod topLvl">
+          <ac:chgData name="Judson Santiago" userId="ebb108da2f256286" providerId="LiveId" clId="{AC23AAFD-E953-FE46-870F-C9EAF980E401}" dt="2021-07-14T18:13:07.201" v="225" actId="1035"/>
+          <ac:spMkLst>
+            <pc:docMk/>
+            <pc:sldMk cId="244664431" sldId="275"/>
+            <ac:spMk id="86" creationId="{00000000-0000-0000-0000-000000000000}"/>
+          </ac:spMkLst>
+        </pc:spChg>
+        <pc:spChg chg="mod">
+          <ac:chgData name="Judson Santiago" userId="ebb108da2f256286" providerId="LiveId" clId="{AC23AAFD-E953-FE46-870F-C9EAF980E401}" dt="2021-07-14T18:13:07.201" v="225" actId="1035"/>
+          <ac:spMkLst>
+            <pc:docMk/>
+            <pc:sldMk cId="244664431" sldId="275"/>
+            <ac:spMk id="134" creationId="{00000000-0000-0000-0000-000000000000}"/>
+          </ac:spMkLst>
+        </pc:spChg>
+        <pc:spChg chg="mod">
+          <ac:chgData name="Judson Santiago" userId="ebb108da2f256286" providerId="LiveId" clId="{AC23AAFD-E953-FE46-870F-C9EAF980E401}" dt="2021-07-14T18:13:07.201" v="225" actId="1035"/>
+          <ac:spMkLst>
+            <pc:docMk/>
+            <pc:sldMk cId="244664431" sldId="275"/>
+            <ac:spMk id="135" creationId="{00000000-0000-0000-0000-000000000000}"/>
+          </ac:spMkLst>
+        </pc:spChg>
+        <pc:spChg chg="mod">
+          <ac:chgData name="Judson Santiago" userId="ebb108da2f256286" providerId="LiveId" clId="{AC23AAFD-E953-FE46-870F-C9EAF980E401}" dt="2021-07-14T18:13:07.201" v="225" actId="1035"/>
+          <ac:spMkLst>
+            <pc:docMk/>
+            <pc:sldMk cId="244664431" sldId="275"/>
+            <ac:spMk id="136" creationId="{00000000-0000-0000-0000-000000000000}"/>
+          </ac:spMkLst>
+        </pc:spChg>
+        <pc:spChg chg="mod topLvl">
+          <ac:chgData name="Judson Santiago" userId="ebb108da2f256286" providerId="LiveId" clId="{AC23AAFD-E953-FE46-870F-C9EAF980E401}" dt="2021-07-14T18:13:07.201" v="225" actId="1035"/>
+          <ac:spMkLst>
+            <pc:docMk/>
+            <pc:sldMk cId="244664431" sldId="275"/>
+            <ac:spMk id="137" creationId="{00000000-0000-0000-0000-000000000000}"/>
+          </ac:spMkLst>
+        </pc:spChg>
+        <pc:grpChg chg="mod topLvl">
+          <ac:chgData name="Judson Santiago" userId="ebb108da2f256286" providerId="LiveId" clId="{AC23AAFD-E953-FE46-870F-C9EAF980E401}" dt="2021-07-14T18:13:07.201" v="225" actId="1035"/>
+          <ac:grpSpMkLst>
+            <pc:docMk/>
+            <pc:sldMk cId="244664431" sldId="275"/>
+            <ac:grpSpMk id="4" creationId="{00000000-0000-0000-0000-000000000000}"/>
+          </ac:grpSpMkLst>
+        </pc:grpChg>
+        <pc:grpChg chg="mod topLvl">
+          <ac:chgData name="Judson Santiago" userId="ebb108da2f256286" providerId="LiveId" clId="{AC23AAFD-E953-FE46-870F-C9EAF980E401}" dt="2021-07-14T18:13:07.201" v="225" actId="1035"/>
+          <ac:grpSpMkLst>
+            <pc:docMk/>
+            <pc:sldMk cId="244664431" sldId="275"/>
+            <ac:grpSpMk id="5" creationId="{00000000-0000-0000-0000-000000000000}"/>
+          </ac:grpSpMkLst>
+        </pc:grpChg>
+        <pc:grpChg chg="del">
+          <ac:chgData name="Judson Santiago" userId="ebb108da2f256286" providerId="LiveId" clId="{AC23AAFD-E953-FE46-870F-C9EAF980E401}" dt="2021-07-14T18:05:10.358" v="129" actId="165"/>
+          <ac:grpSpMkLst>
+            <pc:docMk/>
+            <pc:sldMk cId="244664431" sldId="275"/>
+            <ac:grpSpMk id="6" creationId="{B62C3ACA-BE8D-48DF-8E8C-CE6F0E0AADF5}"/>
+          </ac:grpSpMkLst>
+        </pc:grpChg>
+        <pc:grpChg chg="add mod">
+          <ac:chgData name="Judson Santiago" userId="ebb108da2f256286" providerId="LiveId" clId="{AC23AAFD-E953-FE46-870F-C9EAF980E401}" dt="2021-07-14T18:13:07.201" v="225" actId="1035"/>
+          <ac:grpSpMkLst>
+            <pc:docMk/>
+            <pc:sldMk cId="244664431" sldId="275"/>
+            <ac:grpSpMk id="13" creationId="{831FFCF3-1DC4-6445-B6AC-B1143D7A4DE5}"/>
+          </ac:grpSpMkLst>
+        </pc:grpChg>
+        <pc:grpChg chg="mod">
+          <ac:chgData name="Judson Santiago" userId="ebb108da2f256286" providerId="LiveId" clId="{AC23AAFD-E953-FE46-870F-C9EAF980E401}" dt="2021-07-14T18:13:07.201" v="225" actId="1035"/>
+          <ac:grpSpMkLst>
+            <pc:docMk/>
+            <pc:sldMk cId="244664431" sldId="275"/>
+            <ac:grpSpMk id="59" creationId="{00000000-0000-0000-0000-000000000000}"/>
+          </ac:grpSpMkLst>
+        </pc:grpChg>
+        <pc:grpChg chg="mod topLvl">
+          <ac:chgData name="Judson Santiago" userId="ebb108da2f256286" providerId="LiveId" clId="{AC23AAFD-E953-FE46-870F-C9EAF980E401}" dt="2021-07-14T18:13:07.201" v="225" actId="1035"/>
+          <ac:grpSpMkLst>
+            <pc:docMk/>
+            <pc:sldMk cId="244664431" sldId="275"/>
+            <ac:grpSpMk id="99" creationId="{00000000-0000-0000-0000-000000000000}"/>
+          </ac:grpSpMkLst>
+        </pc:grpChg>
+        <pc:grpChg chg="mod topLvl">
+          <ac:chgData name="Judson Santiago" userId="ebb108da2f256286" providerId="LiveId" clId="{AC23AAFD-E953-FE46-870F-C9EAF980E401}" dt="2021-07-14T18:13:07.201" v="225" actId="1035"/>
+          <ac:grpSpMkLst>
+            <pc:docMk/>
+            <pc:sldMk cId="244664431" sldId="275"/>
+            <ac:grpSpMk id="100" creationId="{00000000-0000-0000-0000-000000000000}"/>
+          </ac:grpSpMkLst>
+        </pc:grpChg>
+        <pc:picChg chg="mod topLvl">
+          <ac:chgData name="Judson Santiago" userId="ebb108da2f256286" providerId="LiveId" clId="{AC23AAFD-E953-FE46-870F-C9EAF980E401}" dt="2021-07-14T18:13:07.201" v="225" actId="1035"/>
+          <ac:picMkLst>
+            <pc:docMk/>
+            <pc:sldMk cId="244664431" sldId="275"/>
+            <ac:picMk id="1027" creationId="{00000000-0000-0000-0000-000000000000}"/>
+          </ac:picMkLst>
+        </pc:picChg>
+        <pc:cxnChg chg="add mod">
+          <ac:chgData name="Judson Santiago" userId="ebb108da2f256286" providerId="LiveId" clId="{AC23AAFD-E953-FE46-870F-C9EAF980E401}" dt="2021-07-14T18:13:07.201" v="225" actId="1035"/>
+          <ac:cxnSpMkLst>
+            <pc:docMk/>
+            <pc:sldMk cId="244664431" sldId="275"/>
+            <ac:cxnSpMk id="45" creationId="{7B3C2E23-97B7-DE47-8FFE-6CC4D5B8ACE6}"/>
+          </ac:cxnSpMkLst>
+        </pc:cxnChg>
+        <pc:cxnChg chg="del mod topLvl">
+          <ac:chgData name="Judson Santiago" userId="ebb108da2f256286" providerId="LiveId" clId="{AC23AAFD-E953-FE46-870F-C9EAF980E401}" dt="2021-07-14T18:06:03.502" v="189" actId="478"/>
+          <ac:cxnSpMkLst>
+            <pc:docMk/>
+            <pc:sldMk cId="244664431" sldId="275"/>
+            <ac:cxnSpMk id="46" creationId="{00000000-0000-0000-0000-000000000000}"/>
+          </ac:cxnSpMkLst>
+        </pc:cxnChg>
+        <pc:cxnChg chg="mod topLvl">
+          <ac:chgData name="Judson Santiago" userId="ebb108da2f256286" providerId="LiveId" clId="{AC23AAFD-E953-FE46-870F-C9EAF980E401}" dt="2021-07-14T18:13:07.201" v="225" actId="1035"/>
+          <ac:cxnSpMkLst>
+            <pc:docMk/>
+            <pc:sldMk cId="244664431" sldId="275"/>
+            <ac:cxnSpMk id="58" creationId="{00000000-0000-0000-0000-000000000000}"/>
+          </ac:cxnSpMkLst>
+        </pc:cxnChg>
+        <pc:cxnChg chg="mod">
+          <ac:chgData name="Judson Santiago" userId="ebb108da2f256286" providerId="LiveId" clId="{AC23AAFD-E953-FE46-870F-C9EAF980E401}" dt="2021-07-14T18:13:07.201" v="225" actId="1035"/>
+          <ac:cxnSpMkLst>
+            <pc:docMk/>
+            <pc:sldMk cId="244664431" sldId="275"/>
+            <ac:cxnSpMk id="61" creationId="{00000000-0000-0000-0000-000000000000}"/>
+          </ac:cxnSpMkLst>
+        </pc:cxnChg>
+        <pc:cxnChg chg="mod">
+          <ac:chgData name="Judson Santiago" userId="ebb108da2f256286" providerId="LiveId" clId="{AC23AAFD-E953-FE46-870F-C9EAF980E401}" dt="2021-07-14T18:13:07.201" v="225" actId="1035"/>
+          <ac:cxnSpMkLst>
+            <pc:docMk/>
+            <pc:sldMk cId="244664431" sldId="275"/>
+            <ac:cxnSpMk id="62" creationId="{00000000-0000-0000-0000-000000000000}"/>
+          </ac:cxnSpMkLst>
+        </pc:cxnChg>
+        <pc:cxnChg chg="mod">
+          <ac:chgData name="Judson Santiago" userId="ebb108da2f256286" providerId="LiveId" clId="{AC23AAFD-E953-FE46-870F-C9EAF980E401}" dt="2021-07-14T18:13:07.201" v="225" actId="1035"/>
+          <ac:cxnSpMkLst>
+            <pc:docMk/>
+            <pc:sldMk cId="244664431" sldId="275"/>
+            <ac:cxnSpMk id="63" creationId="{00000000-0000-0000-0000-000000000000}"/>
+          </ac:cxnSpMkLst>
+        </pc:cxnChg>
+        <pc:cxnChg chg="mod">
+          <ac:chgData name="Judson Santiago" userId="ebb108da2f256286" providerId="LiveId" clId="{AC23AAFD-E953-FE46-870F-C9EAF980E401}" dt="2021-07-14T18:13:07.201" v="225" actId="1035"/>
+          <ac:cxnSpMkLst>
+            <pc:docMk/>
+            <pc:sldMk cId="244664431" sldId="275"/>
+            <ac:cxnSpMk id="64" creationId="{00000000-0000-0000-0000-000000000000}"/>
+          </ac:cxnSpMkLst>
+        </pc:cxnChg>
+        <pc:cxnChg chg="mod">
+          <ac:chgData name="Judson Santiago" userId="ebb108da2f256286" providerId="LiveId" clId="{AC23AAFD-E953-FE46-870F-C9EAF980E401}" dt="2021-07-14T18:13:07.201" v="225" actId="1035"/>
+          <ac:cxnSpMkLst>
+            <pc:docMk/>
+            <pc:sldMk cId="244664431" sldId="275"/>
+            <ac:cxnSpMk id="65" creationId="{00000000-0000-0000-0000-000000000000}"/>
+          </ac:cxnSpMkLst>
+        </pc:cxnChg>
+        <pc:cxnChg chg="mod">
+          <ac:chgData name="Judson Santiago" userId="ebb108da2f256286" providerId="LiveId" clId="{AC23AAFD-E953-FE46-870F-C9EAF980E401}" dt="2021-07-14T18:13:07.201" v="225" actId="1035"/>
+          <ac:cxnSpMkLst>
+            <pc:docMk/>
+            <pc:sldMk cId="244664431" sldId="275"/>
+            <ac:cxnSpMk id="66" creationId="{00000000-0000-0000-0000-000000000000}"/>
+          </ac:cxnSpMkLst>
+        </pc:cxnChg>
+        <pc:cxnChg chg="mod">
+          <ac:chgData name="Judson Santiago" userId="ebb108da2f256286" providerId="LiveId" clId="{AC23AAFD-E953-FE46-870F-C9EAF980E401}" dt="2021-07-14T18:13:07.201" v="225" actId="1035"/>
+          <ac:cxnSpMkLst>
+            <pc:docMk/>
+            <pc:sldMk cId="244664431" sldId="275"/>
+            <ac:cxnSpMk id="67" creationId="{00000000-0000-0000-0000-000000000000}"/>
+          </ac:cxnSpMkLst>
+        </pc:cxnChg>
+        <pc:cxnChg chg="mod topLvl">
+          <ac:chgData name="Judson Santiago" userId="ebb108da2f256286" providerId="LiveId" clId="{AC23AAFD-E953-FE46-870F-C9EAF980E401}" dt="2021-07-14T18:13:07.201" v="225" actId="1035"/>
+          <ac:cxnSpMkLst>
+            <pc:docMk/>
+            <pc:sldMk cId="244664431" sldId="275"/>
+            <ac:cxnSpMk id="72" creationId="{00000000-0000-0000-0000-000000000000}"/>
+          </ac:cxnSpMkLst>
+        </pc:cxnChg>
+        <pc:cxnChg chg="mod topLvl">
+          <ac:chgData name="Judson Santiago" userId="ebb108da2f256286" providerId="LiveId" clId="{AC23AAFD-E953-FE46-870F-C9EAF980E401}" dt="2021-07-14T18:13:07.201" v="225" actId="1035"/>
+          <ac:cxnSpMkLst>
+            <pc:docMk/>
+            <pc:sldMk cId="244664431" sldId="275"/>
+            <ac:cxnSpMk id="73" creationId="{00000000-0000-0000-0000-000000000000}"/>
+          </ac:cxnSpMkLst>
+        </pc:cxnChg>
+        <pc:cxnChg chg="mod topLvl">
+          <ac:chgData name="Judson Santiago" userId="ebb108da2f256286" providerId="LiveId" clId="{AC23AAFD-E953-FE46-870F-C9EAF980E401}" dt="2021-07-14T18:13:07.201" v="225" actId="1035"/>
+          <ac:cxnSpMkLst>
+            <pc:docMk/>
+            <pc:sldMk cId="244664431" sldId="275"/>
+            <ac:cxnSpMk id="74" creationId="{00000000-0000-0000-0000-000000000000}"/>
+          </ac:cxnSpMkLst>
+        </pc:cxnChg>
+        <pc:cxnChg chg="mod topLvl">
+          <ac:chgData name="Judson Santiago" userId="ebb108da2f256286" providerId="LiveId" clId="{AC23AAFD-E953-FE46-870F-C9EAF980E401}" dt="2021-07-14T18:13:07.201" v="225" actId="1035"/>
+          <ac:cxnSpMkLst>
+            <pc:docMk/>
+            <pc:sldMk cId="244664431" sldId="275"/>
+            <ac:cxnSpMk id="84" creationId="{00000000-0000-0000-0000-000000000000}"/>
+          </ac:cxnSpMkLst>
+        </pc:cxnChg>
+        <pc:cxnChg chg="mod topLvl">
+          <ac:chgData name="Judson Santiago" userId="ebb108da2f256286" providerId="LiveId" clId="{AC23AAFD-E953-FE46-870F-C9EAF980E401}" dt="2021-07-14T18:13:07.201" v="225" actId="1035"/>
+          <ac:cxnSpMkLst>
+            <pc:docMk/>
+            <pc:sldMk cId="244664431" sldId="275"/>
+            <ac:cxnSpMk id="142" creationId="{00000000-0000-0000-0000-000000000000}"/>
+          </ac:cxnSpMkLst>
+        </pc:cxnChg>
+      </pc:sldChg>
+      <pc:sldChg chg="modSp mod modTransition">
+        <pc:chgData name="Judson Santiago" userId="ebb108da2f256286" providerId="LiveId" clId="{AC23AAFD-E953-FE46-870F-C9EAF980E401}" dt="2021-07-14T18:36:30.995" v="316"/>
+        <pc:sldMkLst>
+          <pc:docMk/>
+          <pc:sldMk cId="1834660" sldId="277"/>
+        </pc:sldMkLst>
+        <pc:spChg chg="mod">
+          <ac:chgData name="Judson Santiago" userId="ebb108da2f256286" providerId="LiveId" clId="{AC23AAFD-E953-FE46-870F-C9EAF980E401}" dt="2021-07-14T18:12:24.380" v="217" actId="1036"/>
+          <ac:spMkLst>
+            <pc:docMk/>
+            <pc:sldMk cId="1834660" sldId="277"/>
+            <ac:spMk id="3" creationId="{00000000-0000-0000-0000-000000000000}"/>
+          </ac:spMkLst>
+        </pc:spChg>
+        <pc:spChg chg="mod">
+          <ac:chgData name="Judson Santiago" userId="ebb108da2f256286" providerId="LiveId" clId="{AC23AAFD-E953-FE46-870F-C9EAF980E401}" dt="2021-07-14T18:12:24.380" v="217" actId="1036"/>
+          <ac:spMkLst>
+            <pc:docMk/>
+            <pc:sldMk cId="1834660" sldId="277"/>
+            <ac:spMk id="7" creationId="{00000000-0000-0000-0000-000000000000}"/>
+          </ac:spMkLst>
+        </pc:spChg>
+        <pc:picChg chg="mod">
+          <ac:chgData name="Judson Santiago" userId="ebb108da2f256286" providerId="LiveId" clId="{AC23AAFD-E953-FE46-870F-C9EAF980E401}" dt="2021-07-14T18:12:24.380" v="217" actId="1036"/>
+          <ac:picMkLst>
+            <pc:docMk/>
+            <pc:sldMk cId="1834660" sldId="277"/>
+            <ac:picMk id="6" creationId="{014C21E8-3BD3-4753-8E90-7F3ECA049CBE}"/>
+          </ac:picMkLst>
+        </pc:picChg>
+      </pc:sldChg>
+      <pc:sldChg chg="modTransition">
+        <pc:chgData name="Judson Santiago" userId="ebb108da2f256286" providerId="LiveId" clId="{AC23AAFD-E953-FE46-870F-C9EAF980E401}" dt="2021-07-14T18:36:30.995" v="316"/>
+        <pc:sldMkLst>
+          <pc:docMk/>
+          <pc:sldMk cId="3125221653" sldId="278"/>
+        </pc:sldMkLst>
+      </pc:sldChg>
+      <pc:sldChg chg="modSp mod modTransition">
+        <pc:chgData name="Judson Santiago" userId="ebb108da2f256286" providerId="LiveId" clId="{AC23AAFD-E953-FE46-870F-C9EAF980E401}" dt="2021-07-14T18:36:30.995" v="316"/>
+        <pc:sldMkLst>
+          <pc:docMk/>
+          <pc:sldMk cId="151049974" sldId="279"/>
+        </pc:sldMkLst>
+        <pc:spChg chg="mod">
+          <ac:chgData name="Judson Santiago" userId="ebb108da2f256286" providerId="LiveId" clId="{AC23AAFD-E953-FE46-870F-C9EAF980E401}" dt="2021-07-14T18:17:30.640" v="251" actId="20577"/>
+          <ac:spMkLst>
+            <pc:docMk/>
+            <pc:sldMk cId="151049974" sldId="279"/>
+            <ac:spMk id="3" creationId="{00000000-0000-0000-0000-000000000000}"/>
+          </ac:spMkLst>
+        </pc:spChg>
+      </pc:sldChg>
+      <pc:sldChg chg="modSp mod modTransition">
+        <pc:chgData name="Judson Santiago" userId="ebb108da2f256286" providerId="LiveId" clId="{AC23AAFD-E953-FE46-870F-C9EAF980E401}" dt="2021-07-14T18:36:30.995" v="316"/>
+        <pc:sldMkLst>
+          <pc:docMk/>
+          <pc:sldMk cId="2296200739" sldId="280"/>
+        </pc:sldMkLst>
+        <pc:spChg chg="mod">
+          <ac:chgData name="Judson Santiago" userId="ebb108da2f256286" providerId="LiveId" clId="{AC23AAFD-E953-FE46-870F-C9EAF980E401}" dt="2021-07-14T18:18:01.239" v="253" actId="20577"/>
+          <ac:spMkLst>
+            <pc:docMk/>
+            <pc:sldMk cId="2296200739" sldId="280"/>
+            <ac:spMk id="3" creationId="{00000000-0000-0000-0000-000000000000}"/>
+          </ac:spMkLst>
+        </pc:spChg>
+      </pc:sldChg>
+      <pc:sldChg chg="modSp mod modTransition">
+        <pc:chgData name="Judson Santiago" userId="ebb108da2f256286" providerId="LiveId" clId="{AC23AAFD-E953-FE46-870F-C9EAF980E401}" dt="2021-07-14T18:36:30.995" v="316"/>
+        <pc:sldMkLst>
+          <pc:docMk/>
+          <pc:sldMk cId="2052914448" sldId="281"/>
+        </pc:sldMkLst>
+        <pc:spChg chg="mod">
+          <ac:chgData name="Judson Santiago" userId="ebb108da2f256286" providerId="LiveId" clId="{AC23AAFD-E953-FE46-870F-C9EAF980E401}" dt="2021-07-14T18:18:36.345" v="259" actId="1036"/>
+          <ac:spMkLst>
+            <pc:docMk/>
+            <pc:sldMk cId="2052914448" sldId="281"/>
+            <ac:spMk id="3" creationId="{00000000-0000-0000-0000-000000000000}"/>
+          </ac:spMkLst>
+        </pc:spChg>
+        <pc:spChg chg="mod">
+          <ac:chgData name="Judson Santiago" userId="ebb108da2f256286" providerId="LiveId" clId="{AC23AAFD-E953-FE46-870F-C9EAF980E401}" dt="2021-07-14T18:18:36.345" v="259" actId="1036"/>
+          <ac:spMkLst>
+            <pc:docMk/>
+            <pc:sldMk cId="2052914448" sldId="281"/>
+            <ac:spMk id="5" creationId="{92753EF6-B91B-4ABC-8614-F9155C9B27C3}"/>
+          </ac:spMkLst>
+        </pc:spChg>
+      </pc:sldChg>
+      <pc:sldChg chg="modSp mod modTransition">
+        <pc:chgData name="Judson Santiago" userId="ebb108da2f256286" providerId="LiveId" clId="{AC23AAFD-E953-FE46-870F-C9EAF980E401}" dt="2021-07-14T18:36:30.995" v="316"/>
+        <pc:sldMkLst>
+          <pc:docMk/>
+          <pc:sldMk cId="1297749608" sldId="282"/>
+        </pc:sldMkLst>
+        <pc:spChg chg="mod">
+          <ac:chgData name="Judson Santiago" userId="ebb108da2f256286" providerId="LiveId" clId="{AC23AAFD-E953-FE46-870F-C9EAF980E401}" dt="2021-07-14T18:19:05.569" v="260" actId="20577"/>
+          <ac:spMkLst>
+            <pc:docMk/>
+            <pc:sldMk cId="1297749608" sldId="282"/>
+            <ac:spMk id="3" creationId="{00000000-0000-0000-0000-000000000000}"/>
+          </ac:spMkLst>
+        </pc:spChg>
+      </pc:sldChg>
+      <pc:sldChg chg="modSp mod modTransition">
+        <pc:chgData name="Judson Santiago" userId="ebb108da2f256286" providerId="LiveId" clId="{AC23AAFD-E953-FE46-870F-C9EAF980E401}" dt="2021-07-14T18:36:30.995" v="316"/>
+        <pc:sldMkLst>
+          <pc:docMk/>
+          <pc:sldMk cId="3239716200" sldId="289"/>
+        </pc:sldMkLst>
+        <pc:spChg chg="mod">
+          <ac:chgData name="Judson Santiago" userId="ebb108da2f256286" providerId="LiveId" clId="{AC23AAFD-E953-FE46-870F-C9EAF980E401}" dt="2021-07-14T18:19:42.009" v="275" actId="20577"/>
+          <ac:spMkLst>
+            <pc:docMk/>
+            <pc:sldMk cId="3239716200" sldId="289"/>
+            <ac:spMk id="3" creationId="{00000000-0000-0000-0000-000000000000}"/>
+          </ac:spMkLst>
+        </pc:spChg>
+      </pc:sldChg>
+      <pc:sldChg chg="modSp mod modTransition">
+        <pc:chgData name="Judson Santiago" userId="ebb108da2f256286" providerId="LiveId" clId="{AC23AAFD-E953-FE46-870F-C9EAF980E401}" dt="2021-07-14T18:36:30.995" v="316"/>
+        <pc:sldMkLst>
+          <pc:docMk/>
+          <pc:sldMk cId="2517474828" sldId="291"/>
+        </pc:sldMkLst>
+        <pc:spChg chg="mod">
+          <ac:chgData name="Judson Santiago" userId="ebb108da2f256286" providerId="LiveId" clId="{AC23AAFD-E953-FE46-870F-C9EAF980E401}" dt="2021-07-14T18:25:22.704" v="302" actId="20577"/>
+          <ac:spMkLst>
+            <pc:docMk/>
+            <pc:sldMk cId="2517474828" sldId="291"/>
+            <ac:spMk id="4" creationId="{00000000-0000-0000-0000-000000000000}"/>
+          </ac:spMkLst>
+        </pc:spChg>
+      </pc:sldChg>
+      <pc:sldChg chg="modTransition">
+        <pc:chgData name="Judson Santiago" userId="ebb108da2f256286" providerId="LiveId" clId="{AC23AAFD-E953-FE46-870F-C9EAF980E401}" dt="2021-07-14T18:36:30.995" v="316"/>
+        <pc:sldMkLst>
+          <pc:docMk/>
+          <pc:sldMk cId="3819405866" sldId="292"/>
+        </pc:sldMkLst>
+      </pc:sldChg>
+      <pc:sldChg chg="modTransition">
+        <pc:chgData name="Judson Santiago" userId="ebb108da2f256286" providerId="LiveId" clId="{AC23AAFD-E953-FE46-870F-C9EAF980E401}" dt="2021-07-14T18:36:30.995" v="316"/>
+        <pc:sldMkLst>
+          <pc:docMk/>
+          <pc:sldMk cId="3054160552" sldId="293"/>
+        </pc:sldMkLst>
+      </pc:sldChg>
+      <pc:sldChg chg="modSp mod modTransition">
+        <pc:chgData name="Judson Santiago" userId="ebb108da2f256286" providerId="LiveId" clId="{AC23AAFD-E953-FE46-870F-C9EAF980E401}" dt="2021-07-14T18:36:30.995" v="316"/>
+        <pc:sldMkLst>
+          <pc:docMk/>
+          <pc:sldMk cId="2326228413" sldId="294"/>
+        </pc:sldMkLst>
+        <pc:spChg chg="mod">
+          <ac:chgData name="Judson Santiago" userId="ebb108da2f256286" providerId="LiveId" clId="{AC23AAFD-E953-FE46-870F-C9EAF980E401}" dt="2021-07-14T18:27:16.561" v="305" actId="20577"/>
+          <ac:spMkLst>
+            <pc:docMk/>
+            <pc:sldMk cId="2326228413" sldId="294"/>
+            <ac:spMk id="3" creationId="{00000000-0000-0000-0000-000000000000}"/>
+          </ac:spMkLst>
+        </pc:spChg>
+        <pc:picChg chg="mod">
+          <ac:chgData name="Judson Santiago" userId="ebb108da2f256286" providerId="LiveId" clId="{AC23AAFD-E953-FE46-870F-C9EAF980E401}" dt="2021-07-14T18:27:22.909" v="311" actId="1035"/>
+          <ac:picMkLst>
+            <pc:docMk/>
+            <pc:sldMk cId="2326228413" sldId="294"/>
+            <ac:picMk id="8" creationId="{C217F47C-5105-4F8B-A5A0-A538CA0E1014}"/>
+          </ac:picMkLst>
+        </pc:picChg>
+      </pc:sldChg>
+      <pc:sldChg chg="modSp mod modTransition">
+        <pc:chgData name="Judson Santiago" userId="ebb108da2f256286" providerId="LiveId" clId="{AC23AAFD-E953-FE46-870F-C9EAF980E401}" dt="2021-07-14T18:36:30.995" v="316"/>
+        <pc:sldMkLst>
+          <pc:docMk/>
+          <pc:sldMk cId="1681242643" sldId="295"/>
+        </pc:sldMkLst>
+        <pc:spChg chg="mod">
+          <ac:chgData name="Judson Santiago" userId="ebb108da2f256286" providerId="LiveId" clId="{AC23AAFD-E953-FE46-870F-C9EAF980E401}" dt="2021-07-14T18:29:43.735" v="312" actId="20577"/>
+          <ac:spMkLst>
+            <pc:docMk/>
+            <pc:sldMk cId="1681242643" sldId="295"/>
+            <ac:spMk id="4" creationId="{00000000-0000-0000-0000-000000000000}"/>
+          </ac:spMkLst>
+        </pc:spChg>
+      </pc:sldChg>
+      <pc:sldChg chg="modTransition">
+        <pc:chgData name="Judson Santiago" userId="ebb108da2f256286" providerId="LiveId" clId="{AC23AAFD-E953-FE46-870F-C9EAF980E401}" dt="2021-07-14T18:36:30.995" v="316"/>
+        <pc:sldMkLst>
+          <pc:docMk/>
+          <pc:sldMk cId="2965633247" sldId="296"/>
+        </pc:sldMkLst>
+      </pc:sldChg>
+      <pc:sldChg chg="modSp mod modTransition">
+        <pc:chgData name="Judson Santiago" userId="ebb108da2f256286" providerId="LiveId" clId="{AC23AAFD-E953-FE46-870F-C9EAF980E401}" dt="2021-07-14T18:36:30.995" v="316"/>
+        <pc:sldMkLst>
+          <pc:docMk/>
+          <pc:sldMk cId="1330220736" sldId="297"/>
+        </pc:sldMkLst>
+        <pc:spChg chg="mod">
+          <ac:chgData name="Judson Santiago" userId="ebb108da2f256286" providerId="LiveId" clId="{AC23AAFD-E953-FE46-870F-C9EAF980E401}" dt="2021-07-14T18:32:34.320" v="315" actId="20577"/>
+          <ac:spMkLst>
+            <pc:docMk/>
+            <pc:sldMk cId="1330220736" sldId="297"/>
+            <ac:spMk id="3" creationId="{00000000-0000-0000-0000-000000000000}"/>
+          </ac:spMkLst>
+        </pc:spChg>
+      </pc:sldChg>
+      <pc:sldChg chg="modSp mod modTransition">
+        <pc:chgData name="Judson Santiago" userId="ebb108da2f256286" providerId="LiveId" clId="{AC23AAFD-E953-FE46-870F-C9EAF980E401}" dt="2021-07-14T18:36:30.995" v="316"/>
+        <pc:sldMkLst>
+          <pc:docMk/>
+          <pc:sldMk cId="1478868772" sldId="298"/>
+        </pc:sldMkLst>
+        <pc:spChg chg="mod">
+          <ac:chgData name="Judson Santiago" userId="ebb108da2f256286" providerId="LiveId" clId="{AC23AAFD-E953-FE46-870F-C9EAF980E401}" dt="2021-07-14T18:30:11.621" v="314" actId="20577"/>
+          <ac:spMkLst>
+            <pc:docMk/>
+            <pc:sldMk cId="1478868772" sldId="298"/>
+            <ac:spMk id="3" creationId="{00000000-0000-0000-0000-000000000000}"/>
+          </ac:spMkLst>
+        </pc:spChg>
+      </pc:sldChg>
+      <pc:sldChg chg="modSp mod modTransition">
+        <pc:chgData name="Judson Santiago" userId="ebb108da2f256286" providerId="LiveId" clId="{AC23AAFD-E953-FE46-870F-C9EAF980E401}" dt="2021-07-14T18:36:30.995" v="316"/>
+        <pc:sldMkLst>
+          <pc:docMk/>
+          <pc:sldMk cId="1544587090" sldId="305"/>
+        </pc:sldMkLst>
+        <pc:spChg chg="mod">
+          <ac:chgData name="Judson Santiago" userId="ebb108da2f256286" providerId="LiveId" clId="{AC23AAFD-E953-FE46-870F-C9EAF980E401}" dt="2021-07-14T18:18:11.430" v="254" actId="20577"/>
+          <ac:spMkLst>
+            <pc:docMk/>
+            <pc:sldMk cId="1544587090" sldId="305"/>
+            <ac:spMk id="3" creationId="{00000000-0000-0000-0000-000000000000}"/>
+          </ac:spMkLst>
+        </pc:spChg>
+      </pc:sldChg>
+      <pc:sldChg chg="addSp delSp modSp mod modTransition">
+        <pc:chgData name="Judson Santiago" userId="ebb108da2f256286" providerId="LiveId" clId="{AC23AAFD-E953-FE46-870F-C9EAF980E401}" dt="2021-07-14T18:36:30.995" v="316"/>
+        <pc:sldMkLst>
+          <pc:docMk/>
+          <pc:sldMk cId="220714113" sldId="306"/>
+        </pc:sldMkLst>
+        <pc:spChg chg="mod topLvl">
+          <ac:chgData name="Judson Santiago" userId="ebb108da2f256286" providerId="LiveId" clId="{AC23AAFD-E953-FE46-870F-C9EAF980E401}" dt="2021-07-14T18:24:47.604" v="296" actId="164"/>
+          <ac:spMkLst>
+            <pc:docMk/>
+            <pc:sldMk cId="220714113" sldId="306"/>
+            <ac:spMk id="4" creationId="{00000000-0000-0000-0000-000000000000}"/>
+          </ac:spMkLst>
+        </pc:spChg>
+        <pc:spChg chg="mod topLvl">
+          <ac:chgData name="Judson Santiago" userId="ebb108da2f256286" providerId="LiveId" clId="{AC23AAFD-E953-FE46-870F-C9EAF980E401}" dt="2021-07-14T18:24:47.604" v="296" actId="164"/>
+          <ac:spMkLst>
+            <pc:docMk/>
+            <pc:sldMk cId="220714113" sldId="306"/>
+            <ac:spMk id="5" creationId="{00000000-0000-0000-0000-000000000000}"/>
+          </ac:spMkLst>
+        </pc:spChg>
+        <pc:spChg chg="mod topLvl">
+          <ac:chgData name="Judson Santiago" userId="ebb108da2f256286" providerId="LiveId" clId="{AC23AAFD-E953-FE46-870F-C9EAF980E401}" dt="2021-07-14T18:24:47.604" v="296" actId="164"/>
+          <ac:spMkLst>
+            <pc:docMk/>
+            <pc:sldMk cId="220714113" sldId="306"/>
+            <ac:spMk id="6" creationId="{00000000-0000-0000-0000-000000000000}"/>
+          </ac:spMkLst>
+        </pc:spChg>
+        <pc:spChg chg="mod topLvl">
+          <ac:chgData name="Judson Santiago" userId="ebb108da2f256286" providerId="LiveId" clId="{AC23AAFD-E953-FE46-870F-C9EAF980E401}" dt="2021-07-14T18:24:47.604" v="296" actId="164"/>
+          <ac:spMkLst>
+            <pc:docMk/>
+            <pc:sldMk cId="220714113" sldId="306"/>
+            <ac:spMk id="8" creationId="{00000000-0000-0000-0000-000000000000}"/>
+          </ac:spMkLst>
+        </pc:spChg>
+        <pc:spChg chg="mod topLvl">
+          <ac:chgData name="Judson Santiago" userId="ebb108da2f256286" providerId="LiveId" clId="{AC23AAFD-E953-FE46-870F-C9EAF980E401}" dt="2021-07-14T18:24:47.604" v="296" actId="164"/>
+          <ac:spMkLst>
+            <pc:docMk/>
+            <pc:sldMk cId="220714113" sldId="306"/>
+            <ac:spMk id="9" creationId="{00000000-0000-0000-0000-000000000000}"/>
+          </ac:spMkLst>
+        </pc:spChg>
+        <pc:spChg chg="mod topLvl">
+          <ac:chgData name="Judson Santiago" userId="ebb108da2f256286" providerId="LiveId" clId="{AC23AAFD-E953-FE46-870F-C9EAF980E401}" dt="2021-07-14T18:24:47.604" v="296" actId="164"/>
+          <ac:spMkLst>
+            <pc:docMk/>
+            <pc:sldMk cId="220714113" sldId="306"/>
+            <ac:spMk id="10" creationId="{00000000-0000-0000-0000-000000000000}"/>
+          </ac:spMkLst>
+        </pc:spChg>
+        <pc:spChg chg="mod topLvl">
+          <ac:chgData name="Judson Santiago" userId="ebb108da2f256286" providerId="LiveId" clId="{AC23AAFD-E953-FE46-870F-C9EAF980E401}" dt="2021-07-14T18:24:47.604" v="296" actId="164"/>
+          <ac:spMkLst>
+            <pc:docMk/>
+            <pc:sldMk cId="220714113" sldId="306"/>
+            <ac:spMk id="14" creationId="{00000000-0000-0000-0000-000000000000}"/>
+          </ac:spMkLst>
+        </pc:spChg>
+        <pc:spChg chg="mod topLvl">
+          <ac:chgData name="Judson Santiago" userId="ebb108da2f256286" providerId="LiveId" clId="{AC23AAFD-E953-FE46-870F-C9EAF980E401}" dt="2021-07-14T18:24:47.604" v="296" actId="164"/>
+          <ac:spMkLst>
+            <pc:docMk/>
+            <pc:sldMk cId="220714113" sldId="306"/>
+            <ac:spMk id="22" creationId="{00000000-0000-0000-0000-000000000000}"/>
+          </ac:spMkLst>
+        </pc:spChg>
+        <pc:spChg chg="mod topLvl">
+          <ac:chgData name="Judson Santiago" userId="ebb108da2f256286" providerId="LiveId" clId="{AC23AAFD-E953-FE46-870F-C9EAF980E401}" dt="2021-07-14T18:24:47.604" v="296" actId="164"/>
+          <ac:spMkLst>
+            <pc:docMk/>
+            <pc:sldMk cId="220714113" sldId="306"/>
+            <ac:spMk id="23" creationId="{00000000-0000-0000-0000-000000000000}"/>
+          </ac:spMkLst>
+        </pc:spChg>
+        <pc:spChg chg="mod">
+          <ac:chgData name="Judson Santiago" userId="ebb108da2f256286" providerId="LiveId" clId="{AC23AAFD-E953-FE46-870F-C9EAF980E401}" dt="2021-07-14T18:23:48.169" v="287" actId="165"/>
+          <ac:spMkLst>
+            <pc:docMk/>
+            <pc:sldMk cId="220714113" sldId="306"/>
+            <ac:spMk id="27" creationId="{5C33AF02-4187-4BDF-AC0F-3DB6B9926C98}"/>
+          </ac:spMkLst>
+        </pc:spChg>
+        <pc:spChg chg="mod topLvl">
+          <ac:chgData name="Judson Santiago" userId="ebb108da2f256286" providerId="LiveId" clId="{AC23AAFD-E953-FE46-870F-C9EAF980E401}" dt="2021-07-14T18:24:47.604" v="296" actId="164"/>
+          <ac:spMkLst>
+            <pc:docMk/>
+            <pc:sldMk cId="220714113" sldId="306"/>
+            <ac:spMk id="28" creationId="{00000000-0000-0000-0000-000000000000}"/>
+          </ac:spMkLst>
+        </pc:spChg>
+        <pc:spChg chg="mod topLvl">
+          <ac:chgData name="Judson Santiago" userId="ebb108da2f256286" providerId="LiveId" clId="{AC23AAFD-E953-FE46-870F-C9EAF980E401}" dt="2021-07-14T18:24:47.604" v="296" actId="164"/>
+          <ac:spMkLst>
+            <pc:docMk/>
+            <pc:sldMk cId="220714113" sldId="306"/>
+            <ac:spMk id="29" creationId="{00000000-0000-0000-0000-000000000000}"/>
+          </ac:spMkLst>
+        </pc:spChg>
+        <pc:spChg chg="mod topLvl">
+          <ac:chgData name="Judson Santiago" userId="ebb108da2f256286" providerId="LiveId" clId="{AC23AAFD-E953-FE46-870F-C9EAF980E401}" dt="2021-07-14T18:24:47.604" v="296" actId="164"/>
+          <ac:spMkLst>
+            <pc:docMk/>
+            <pc:sldMk cId="220714113" sldId="306"/>
+            <ac:spMk id="30" creationId="{00000000-0000-0000-0000-000000000000}"/>
+          </ac:spMkLst>
+        </pc:spChg>
+        <pc:spChg chg="mod">
+          <ac:chgData name="Judson Santiago" userId="ebb108da2f256286" providerId="LiveId" clId="{AC23AAFD-E953-FE46-870F-C9EAF980E401}" dt="2021-07-14T18:23:48.169" v="287" actId="165"/>
+          <ac:spMkLst>
+            <pc:docMk/>
+            <pc:sldMk cId="220714113" sldId="306"/>
+            <ac:spMk id="40" creationId="{B74603A4-9D89-4103-89C6-F54D35BC2114}"/>
+          </ac:spMkLst>
+        </pc:spChg>
+        <pc:grpChg chg="add mod">
+          <ac:chgData name="Judson Santiago" userId="ebb108da2f256286" providerId="LiveId" clId="{AC23AAFD-E953-FE46-870F-C9EAF980E401}" dt="2021-07-14T18:24:47.604" v="296" actId="164"/>
+          <ac:grpSpMkLst>
+            <pc:docMk/>
+            <pc:sldMk cId="220714113" sldId="306"/>
+            <ac:grpSpMk id="26" creationId="{9E56944E-37EC-EC42-B6B3-2DBD066ACC1C}"/>
+          </ac:grpSpMkLst>
+        </pc:grpChg>
+        <pc:grpChg chg="mod topLvl">
+          <ac:chgData name="Judson Santiago" userId="ebb108da2f256286" providerId="LiveId" clId="{AC23AAFD-E953-FE46-870F-C9EAF980E401}" dt="2021-07-14T18:24:47.604" v="296" actId="164"/>
+          <ac:grpSpMkLst>
+            <pc:docMk/>
+            <pc:sldMk cId="220714113" sldId="306"/>
+            <ac:grpSpMk id="39" creationId="{057CCD8A-CE39-4509-B1B5-904DB7D679B2}"/>
+          </ac:grpSpMkLst>
+        </pc:grpChg>
+        <pc:grpChg chg="mod topLvl">
+          <ac:chgData name="Judson Santiago" userId="ebb108da2f256286" providerId="LiveId" clId="{AC23AAFD-E953-FE46-870F-C9EAF980E401}" dt="2021-07-14T18:24:47.604" v="296" actId="164"/>
+          <ac:grpSpMkLst>
+            <pc:docMk/>
+            <pc:sldMk cId="220714113" sldId="306"/>
+            <ac:grpSpMk id="41" creationId="{69BD8357-A0A8-421C-B0B2-78B71DB20151}"/>
+          </ac:grpSpMkLst>
+        </pc:grpChg>
+        <pc:grpChg chg="del">
+          <ac:chgData name="Judson Santiago" userId="ebb108da2f256286" providerId="LiveId" clId="{AC23AAFD-E953-FE46-870F-C9EAF980E401}" dt="2021-07-14T18:23:48.169" v="287" actId="165"/>
+          <ac:grpSpMkLst>
+            <pc:docMk/>
+            <pc:sldMk cId="220714113" sldId="306"/>
+            <ac:grpSpMk id="42" creationId="{9559FBCE-47D9-4C6A-854A-76446E628D37}"/>
+          </ac:grpSpMkLst>
+        </pc:grpChg>
+        <pc:picChg chg="mod">
+          <ac:chgData name="Judson Santiago" userId="ebb108da2f256286" providerId="LiveId" clId="{AC23AAFD-E953-FE46-870F-C9EAF980E401}" dt="2021-07-14T18:23:48.169" v="287" actId="165"/>
+          <ac:picMkLst>
+            <pc:docMk/>
+            <pc:sldMk cId="220714113" sldId="306"/>
+            <ac:picMk id="35" creationId="{590B807F-0218-48CD-ADF0-4EACBF8D7173}"/>
+          </ac:picMkLst>
+        </pc:picChg>
+        <pc:picChg chg="mod">
+          <ac:chgData name="Judson Santiago" userId="ebb108da2f256286" providerId="LiveId" clId="{AC23AAFD-E953-FE46-870F-C9EAF980E401}" dt="2021-07-14T18:23:48.169" v="287" actId="165"/>
+          <ac:picMkLst>
+            <pc:docMk/>
+            <pc:sldMk cId="220714113" sldId="306"/>
+            <ac:picMk id="36" creationId="{3EC777D5-84D7-4E59-BE1F-67E92F716EA2}"/>
+          </ac:picMkLst>
+        </pc:picChg>
+        <pc:cxnChg chg="mod topLvl">
+          <ac:chgData name="Judson Santiago" userId="ebb108da2f256286" providerId="LiveId" clId="{AC23AAFD-E953-FE46-870F-C9EAF980E401}" dt="2021-07-14T18:24:47.604" v="296" actId="164"/>
+          <ac:cxnSpMkLst>
+            <pc:docMk/>
+            <pc:sldMk cId="220714113" sldId="306"/>
+            <ac:cxnSpMk id="15" creationId="{00000000-0000-0000-0000-000000000000}"/>
+          </ac:cxnSpMkLst>
+        </pc:cxnChg>
+        <pc:cxnChg chg="mod topLvl">
+          <ac:chgData name="Judson Santiago" userId="ebb108da2f256286" providerId="LiveId" clId="{AC23AAFD-E953-FE46-870F-C9EAF980E401}" dt="2021-07-14T18:24:47.604" v="296" actId="164"/>
+          <ac:cxnSpMkLst>
+            <pc:docMk/>
+            <pc:sldMk cId="220714113" sldId="306"/>
+            <ac:cxnSpMk id="16" creationId="{00000000-0000-0000-0000-000000000000}"/>
+          </ac:cxnSpMkLst>
+        </pc:cxnChg>
+        <pc:cxnChg chg="mod topLvl">
+          <ac:chgData name="Judson Santiago" userId="ebb108da2f256286" providerId="LiveId" clId="{AC23AAFD-E953-FE46-870F-C9EAF980E401}" dt="2021-07-14T18:24:47.604" v="296" actId="164"/>
+          <ac:cxnSpMkLst>
+            <pc:docMk/>
+            <pc:sldMk cId="220714113" sldId="306"/>
+            <ac:cxnSpMk id="19" creationId="{00000000-0000-0000-0000-000000000000}"/>
+          </ac:cxnSpMkLst>
+        </pc:cxnChg>
+        <pc:cxnChg chg="mod topLvl">
+          <ac:chgData name="Judson Santiago" userId="ebb108da2f256286" providerId="LiveId" clId="{AC23AAFD-E953-FE46-870F-C9EAF980E401}" dt="2021-07-14T18:24:47.604" v="296" actId="164"/>
+          <ac:cxnSpMkLst>
+            <pc:docMk/>
+            <pc:sldMk cId="220714113" sldId="306"/>
+            <ac:cxnSpMk id="25" creationId="{00000000-0000-0000-0000-000000000000}"/>
+          </ac:cxnSpMkLst>
+        </pc:cxnChg>
+        <pc:cxnChg chg="mod topLvl">
+          <ac:chgData name="Judson Santiago" userId="ebb108da2f256286" providerId="LiveId" clId="{AC23AAFD-E953-FE46-870F-C9EAF980E401}" dt="2021-07-14T18:24:47.604" v="296" actId="164"/>
+          <ac:cxnSpMkLst>
+            <pc:docMk/>
+            <pc:sldMk cId="220714113" sldId="306"/>
+            <ac:cxnSpMk id="31" creationId="{00000000-0000-0000-0000-000000000000}"/>
+          </ac:cxnSpMkLst>
+        </pc:cxnChg>
+        <pc:cxnChg chg="mod topLvl">
+          <ac:chgData name="Judson Santiago" userId="ebb108da2f256286" providerId="LiveId" clId="{AC23AAFD-E953-FE46-870F-C9EAF980E401}" dt="2021-07-14T18:24:47.604" v="296" actId="164"/>
+          <ac:cxnSpMkLst>
+            <pc:docMk/>
+            <pc:sldMk cId="220714113" sldId="306"/>
+            <ac:cxnSpMk id="32" creationId="{00000000-0000-0000-0000-000000000000}"/>
+          </ac:cxnSpMkLst>
+        </pc:cxnChg>
+        <pc:cxnChg chg="mod topLvl">
+          <ac:chgData name="Judson Santiago" userId="ebb108da2f256286" providerId="LiveId" clId="{AC23AAFD-E953-FE46-870F-C9EAF980E401}" dt="2021-07-14T18:24:47.604" v="296" actId="164"/>
+          <ac:cxnSpMkLst>
+            <pc:docMk/>
+            <pc:sldMk cId="220714113" sldId="306"/>
+            <ac:cxnSpMk id="33" creationId="{00000000-0000-0000-0000-000000000000}"/>
+          </ac:cxnSpMkLst>
+        </pc:cxnChg>
+        <pc:cxnChg chg="mod topLvl">
+          <ac:chgData name="Judson Santiago" userId="ebb108da2f256286" providerId="LiveId" clId="{AC23AAFD-E953-FE46-870F-C9EAF980E401}" dt="2021-07-14T18:24:47.604" v="296" actId="164"/>
+          <ac:cxnSpMkLst>
+            <pc:docMk/>
+            <pc:sldMk cId="220714113" sldId="306"/>
+            <ac:cxnSpMk id="38" creationId="{00000000-0000-0000-0000-000000000000}"/>
+          </ac:cxnSpMkLst>
+        </pc:cxnChg>
+        <pc:cxnChg chg="add del mod">
+          <ac:chgData name="Judson Santiago" userId="ebb108da2f256286" providerId="LiveId" clId="{AC23AAFD-E953-FE46-870F-C9EAF980E401}" dt="2021-07-14T18:24:14.582" v="293"/>
+          <ac:cxnSpMkLst>
+            <pc:docMk/>
+            <pc:sldMk cId="220714113" sldId="306"/>
+            <ac:cxnSpMk id="43" creationId="{4541950A-7523-7C42-8EA0-A3422EF4BBDE}"/>
+          </ac:cxnSpMkLst>
+        </pc:cxnChg>
+        <pc:cxnChg chg="add del mod">
+          <ac:chgData name="Judson Santiago" userId="ebb108da2f256286" providerId="LiveId" clId="{AC23AAFD-E953-FE46-870F-C9EAF980E401}" dt="2021-07-14T18:24:14.582" v="293"/>
+          <ac:cxnSpMkLst>
+            <pc:docMk/>
+            <pc:sldMk cId="220714113" sldId="306"/>
+            <ac:cxnSpMk id="44" creationId="{7E465438-CD48-FE4E-B1D4-4DCE873976B6}"/>
+          </ac:cxnSpMkLst>
+        </pc:cxnChg>
+        <pc:cxnChg chg="del mod topLvl">
+          <ac:chgData name="Judson Santiago" userId="ebb108da2f256286" providerId="LiveId" clId="{AC23AAFD-E953-FE46-870F-C9EAF980E401}" dt="2021-07-14T18:24:04.256" v="289" actId="478"/>
+          <ac:cxnSpMkLst>
+            <pc:docMk/>
+            <pc:sldMk cId="220714113" sldId="306"/>
+            <ac:cxnSpMk id="45" creationId="{00000000-0000-0000-0000-000000000000}"/>
+          </ac:cxnSpMkLst>
+        </pc:cxnChg>
+        <pc:cxnChg chg="del mod topLvl">
+          <ac:chgData name="Judson Santiago" userId="ebb108da2f256286" providerId="LiveId" clId="{AC23AAFD-E953-FE46-870F-C9EAF980E401}" dt="2021-07-14T18:24:02.404" v="288" actId="478"/>
+          <ac:cxnSpMkLst>
+            <pc:docMk/>
+            <pc:sldMk cId="220714113" sldId="306"/>
+            <ac:cxnSpMk id="46" creationId="{00000000-0000-0000-0000-000000000000}"/>
+          </ac:cxnSpMkLst>
+        </pc:cxnChg>
+        <pc:cxnChg chg="add mod">
+          <ac:chgData name="Judson Santiago" userId="ebb108da2f256286" providerId="LiveId" clId="{AC23AAFD-E953-FE46-870F-C9EAF980E401}" dt="2021-07-14T18:24:47.604" v="296" actId="164"/>
+          <ac:cxnSpMkLst>
+            <pc:docMk/>
+            <pc:sldMk cId="220714113" sldId="306"/>
+            <ac:cxnSpMk id="47" creationId="{4254CABB-45DB-4645-908C-DA42146639D6}"/>
+          </ac:cxnSpMkLst>
+        </pc:cxnChg>
+        <pc:cxnChg chg="add mod">
+          <ac:chgData name="Judson Santiago" userId="ebb108da2f256286" providerId="LiveId" clId="{AC23AAFD-E953-FE46-870F-C9EAF980E401}" dt="2021-07-14T18:24:47.604" v="296" actId="164"/>
+          <ac:cxnSpMkLst>
+            <pc:docMk/>
+            <pc:sldMk cId="220714113" sldId="306"/>
+            <ac:cxnSpMk id="48" creationId="{3C77B926-D3F8-354F-8D87-22C5E9F99D77}"/>
+          </ac:cxnSpMkLst>
+        </pc:cxnChg>
+      </pc:sldChg>
+      <pc:sldChg chg="modTransition">
+        <pc:chgData name="Judson Santiago" userId="ebb108da2f256286" providerId="LiveId" clId="{AC23AAFD-E953-FE46-870F-C9EAF980E401}" dt="2021-07-14T18:36:30.995" v="316"/>
+        <pc:sldMkLst>
+          <pc:docMk/>
+          <pc:sldMk cId="293691231" sldId="307"/>
+        </pc:sldMkLst>
+      </pc:sldChg>
+      <pc:sldChg chg="modTransition">
+        <pc:chgData name="Judson Santiago" userId="ebb108da2f256286" providerId="LiveId" clId="{AC23AAFD-E953-FE46-870F-C9EAF980E401}" dt="2021-07-14T18:36:30.995" v="316"/>
+        <pc:sldMkLst>
+          <pc:docMk/>
+          <pc:sldMk cId="4071884125" sldId="308"/>
+        </pc:sldMkLst>
+      </pc:sldChg>
+      <pc:sldChg chg="modTransition">
+        <pc:chgData name="Judson Santiago" userId="ebb108da2f256286" providerId="LiveId" clId="{AC23AAFD-E953-FE46-870F-C9EAF980E401}" dt="2021-07-14T18:36:30.995" v="316"/>
+        <pc:sldMkLst>
+          <pc:docMk/>
+          <pc:sldMk cId="884259098" sldId="309"/>
+        </pc:sldMkLst>
+      </pc:sldChg>
+      <pc:sldChg chg="modTransition">
+        <pc:chgData name="Judson Santiago" userId="ebb108da2f256286" providerId="LiveId" clId="{AC23AAFD-E953-FE46-870F-C9EAF980E401}" dt="2021-07-14T18:36:30.995" v="316"/>
+        <pc:sldMkLst>
+          <pc:docMk/>
+          <pc:sldMk cId="561024684" sldId="310"/>
+        </pc:sldMkLst>
+      </pc:sldChg>
+      <pc:sldChg chg="modTransition">
+        <pc:chgData name="Judson Santiago" userId="ebb108da2f256286" providerId="LiveId" clId="{AC23AAFD-E953-FE46-870F-C9EAF980E401}" dt="2021-07-14T18:36:30.995" v="316"/>
+        <pc:sldMkLst>
+          <pc:docMk/>
+          <pc:sldMk cId="2473980374" sldId="312"/>
+        </pc:sldMkLst>
+      </pc:sldChg>
+      <pc:sldChg chg="modSp mod modTransition">
+        <pc:chgData name="Judson Santiago" userId="ebb108da2f256286" providerId="LiveId" clId="{AC23AAFD-E953-FE46-870F-C9EAF980E401}" dt="2021-07-14T18:36:30.995" v="316"/>
+        <pc:sldMkLst>
+          <pc:docMk/>
+          <pc:sldMk cId="40710744" sldId="313"/>
+        </pc:sldMkLst>
+        <pc:graphicFrameChg chg="mod">
+          <ac:chgData name="Judson Santiago" userId="ebb108da2f256286" providerId="LiveId" clId="{AC23AAFD-E953-FE46-870F-C9EAF980E401}" dt="2021-07-14T18:26:46.371" v="303" actId="1035"/>
+          <ac:graphicFrameMkLst>
+            <pc:docMk/>
+            <pc:sldMk cId="40710744" sldId="313"/>
+            <ac:graphicFrameMk id="5" creationId="{00000000-0000-0000-0000-000000000000}"/>
+          </ac:graphicFrameMkLst>
+        </pc:graphicFrameChg>
+      </pc:sldChg>
+      <pc:sldChg chg="modSp mod modTransition">
+        <pc:chgData name="Judson Santiago" userId="ebb108da2f256286" providerId="LiveId" clId="{AC23AAFD-E953-FE46-870F-C9EAF980E401}" dt="2021-07-14T18:36:30.995" v="316"/>
+        <pc:sldMkLst>
+          <pc:docMk/>
+          <pc:sldMk cId="4290361747" sldId="314"/>
+        </pc:sldMkLst>
+        <pc:spChg chg="mod">
+          <ac:chgData name="Judson Santiago" userId="ebb108da2f256286" providerId="LiveId" clId="{AC23AAFD-E953-FE46-870F-C9EAF980E401}" dt="2021-07-14T18:30:00.049" v="313" actId="20577"/>
+          <ac:spMkLst>
+            <pc:docMk/>
+            <pc:sldMk cId="4290361747" sldId="314"/>
+            <ac:spMk id="2" creationId="{00000000-0000-0000-0000-000000000000}"/>
+          </ac:spMkLst>
+        </pc:spChg>
+      </pc:sldChg>
+      <pc:sldChg chg="modSp mod modTransition">
+        <pc:chgData name="Judson Santiago" userId="ebb108da2f256286" providerId="LiveId" clId="{AC23AAFD-E953-FE46-870F-C9EAF980E401}" dt="2021-07-14T18:36:30.995" v="316"/>
+        <pc:sldMkLst>
+          <pc:docMk/>
+          <pc:sldMk cId="3898252251" sldId="320"/>
+        </pc:sldMkLst>
+        <pc:grpChg chg="mod">
+          <ac:chgData name="Judson Santiago" userId="ebb108da2f256286" providerId="LiveId" clId="{AC23AAFD-E953-FE46-870F-C9EAF980E401}" dt="2021-07-14T18:15:40.207" v="245" actId="1036"/>
+          <ac:grpSpMkLst>
+            <pc:docMk/>
+            <pc:sldMk cId="3898252251" sldId="320"/>
+            <ac:grpSpMk id="6" creationId="{832D5030-A066-4984-82B0-AAD879A666E5}"/>
+          </ac:grpSpMkLst>
+        </pc:grpChg>
+      </pc:sldChg>
+      <pc:sldChg chg="modTransition">
+        <pc:chgData name="Judson Santiago" userId="ebb108da2f256286" providerId="LiveId" clId="{AC23AAFD-E953-FE46-870F-C9EAF980E401}" dt="2021-07-14T18:36:30.995" v="316"/>
+        <pc:sldMkLst>
+          <pc:docMk/>
+          <pc:sldMk cId="4256074526" sldId="321"/>
+        </pc:sldMkLst>
+      </pc:sldChg>
+      <pc:sldChg chg="modTransition">
+        <pc:chgData name="Judson Santiago" userId="ebb108da2f256286" providerId="LiveId" clId="{AC23AAFD-E953-FE46-870F-C9EAF980E401}" dt="2021-07-14T18:36:30.995" v="316"/>
+        <pc:sldMkLst>
+          <pc:docMk/>
+          <pc:sldMk cId="767644760" sldId="322"/>
+        </pc:sldMkLst>
+      </pc:sldChg>
+      <pc:sldChg chg="modSp mod modTransition">
+        <pc:chgData name="Judson Santiago" userId="ebb108da2f256286" providerId="LiveId" clId="{AC23AAFD-E953-FE46-870F-C9EAF980E401}" dt="2021-07-14T18:36:30.995" v="316"/>
+        <pc:sldMkLst>
+          <pc:docMk/>
+          <pc:sldMk cId="3044930773" sldId="323"/>
+        </pc:sldMkLst>
+        <pc:grpChg chg="mod">
+          <ac:chgData name="Judson Santiago" userId="ebb108da2f256286" providerId="LiveId" clId="{AC23AAFD-E953-FE46-870F-C9EAF980E401}" dt="2021-07-14T18:16:05.696" v="247" actId="1035"/>
+          <ac:grpSpMkLst>
+            <pc:docMk/>
+            <pc:sldMk cId="3044930773" sldId="323"/>
+            <ac:grpSpMk id="9" creationId="{761F6FA9-1843-4134-A744-B47D586C02AA}"/>
+          </ac:grpSpMkLst>
+        </pc:grpChg>
+      </pc:sldChg>
+      <pc:sldChg chg="modSp mod modTransition">
+        <pc:chgData name="Judson Santiago" userId="ebb108da2f256286" providerId="LiveId" clId="{AC23AAFD-E953-FE46-870F-C9EAF980E401}" dt="2021-07-14T18:36:30.995" v="316"/>
+        <pc:sldMkLst>
+          <pc:docMk/>
+          <pc:sldMk cId="3903927280" sldId="324"/>
+        </pc:sldMkLst>
+        <pc:picChg chg="mod">
+          <ac:chgData name="Judson Santiago" userId="ebb108da2f256286" providerId="LiveId" clId="{AC23AAFD-E953-FE46-870F-C9EAF980E401}" dt="2021-07-14T18:16:16.048" v="248" actId="1035"/>
+          <ac:picMkLst>
+            <pc:docMk/>
+            <pc:sldMk cId="3903927280" sldId="324"/>
+            <ac:picMk id="4" creationId="{404F064C-8D66-45ED-8017-6AB358531E3C}"/>
+          </ac:picMkLst>
+        </pc:picChg>
+      </pc:sldChg>
+      <pc:sldChg chg="modTransition">
+        <pc:chgData name="Judson Santiago" userId="ebb108da2f256286" providerId="LiveId" clId="{AC23AAFD-E953-FE46-870F-C9EAF980E401}" dt="2021-07-14T18:36:30.995" v="316"/>
+        <pc:sldMkLst>
+          <pc:docMk/>
+          <pc:sldMk cId="904695914" sldId="325"/>
+        </pc:sldMkLst>
+      </pc:sldChg>
+      <pc:sldChg chg="modSp mod modTransition">
+        <pc:chgData name="Judson Santiago" userId="ebb108da2f256286" providerId="LiveId" clId="{AC23AAFD-E953-FE46-870F-C9EAF980E401}" dt="2021-07-14T18:36:30.995" v="316"/>
+        <pc:sldMkLst>
+          <pc:docMk/>
+          <pc:sldMk cId="1875757961" sldId="326"/>
+        </pc:sldMkLst>
+        <pc:spChg chg="mod">
+          <ac:chgData name="Judson Santiago" userId="ebb108da2f256286" providerId="LiveId" clId="{AC23AAFD-E953-FE46-870F-C9EAF980E401}" dt="2021-07-14T18:12:39.558" v="221" actId="1036"/>
+          <ac:spMkLst>
+            <pc:docMk/>
+            <pc:sldMk cId="1875757961" sldId="326"/>
+            <ac:spMk id="3" creationId="{00000000-0000-0000-0000-000000000000}"/>
+          </ac:spMkLst>
+        </pc:spChg>
+        <pc:spChg chg="mod">
+          <ac:chgData name="Judson Santiago" userId="ebb108da2f256286" providerId="LiveId" clId="{AC23AAFD-E953-FE46-870F-C9EAF980E401}" dt="2021-07-14T18:14:13.681" v="229" actId="403"/>
+          <ac:spMkLst>
+            <pc:docMk/>
+            <pc:sldMk cId="1875757961" sldId="326"/>
+            <ac:spMk id="4" creationId="{00000000-0000-0000-0000-000000000000}"/>
+          </ac:spMkLst>
+        </pc:spChg>
+        <pc:picChg chg="mod">
+          <ac:chgData name="Judson Santiago" userId="ebb108da2f256286" providerId="LiveId" clId="{AC23AAFD-E953-FE46-870F-C9EAF980E401}" dt="2021-07-14T18:13:59.426" v="228" actId="1036"/>
+          <ac:picMkLst>
+            <pc:docMk/>
+            <pc:sldMk cId="1875757961" sldId="326"/>
+            <ac:picMk id="5" creationId="{13FE2CF6-7AAF-4594-AC11-58FBAA7CBD14}"/>
+          </ac:picMkLst>
+        </pc:picChg>
+      </pc:sldChg>
+      <pc:sldChg chg="modTransition">
+        <pc:chgData name="Judson Santiago" userId="ebb108da2f256286" providerId="LiveId" clId="{AC23AAFD-E953-FE46-870F-C9EAF980E401}" dt="2021-07-14T18:36:30.995" v="316"/>
+        <pc:sldMkLst>
+          <pc:docMk/>
+          <pc:sldMk cId="3650626143" sldId="327"/>
+        </pc:sldMkLst>
+      </pc:sldChg>
+      <pc:sldChg chg="modTransition">
+        <pc:chgData name="Judson Santiago" userId="ebb108da2f256286" providerId="LiveId" clId="{AC23AAFD-E953-FE46-870F-C9EAF980E401}" dt="2021-07-14T18:36:30.995" v="316"/>
+        <pc:sldMkLst>
+          <pc:docMk/>
+          <pc:sldMk cId="4108327957" sldId="328"/>
+        </pc:sldMkLst>
+      </pc:sldChg>
+      <pc:sldChg chg="modTransition">
+        <pc:chgData name="Judson Santiago" userId="ebb108da2f256286" providerId="LiveId" clId="{AC23AAFD-E953-FE46-870F-C9EAF980E401}" dt="2021-07-14T18:36:30.995" v="316"/>
+        <pc:sldMkLst>
+          <pc:docMk/>
+          <pc:sldMk cId="4277682171" sldId="329"/>
+        </pc:sldMkLst>
+      </pc:sldChg>
+      <pc:sldChg chg="modSp mod">
+        <pc:chgData name="Judson Santiago" userId="ebb108da2f256286" providerId="LiveId" clId="{AC23AAFD-E953-FE46-870F-C9EAF980E401}" dt="2021-07-14T17:34:41.086" v="11"/>
+        <pc:sldMkLst>
+          <pc:docMk/>
+          <pc:sldMk cId="2960599646" sldId="330"/>
+        </pc:sldMkLst>
+        <pc:spChg chg="mod">
+          <ac:chgData name="Judson Santiago" userId="ebb108da2f256286" providerId="LiveId" clId="{AC23AAFD-E953-FE46-870F-C9EAF980E401}" dt="2021-07-14T17:34:19.154" v="10" actId="403"/>
+          <ac:spMkLst>
+            <pc:docMk/>
+            <pc:sldMk cId="2960599646" sldId="330"/>
+            <ac:spMk id="2" creationId="{A0CFC37E-E1D3-44D7-8B41-F073751EC8BD}"/>
+          </ac:spMkLst>
+        </pc:spChg>
+        <pc:spChg chg="mod">
+          <ac:chgData name="Judson Santiago" userId="ebb108da2f256286" providerId="LiveId" clId="{AC23AAFD-E953-FE46-870F-C9EAF980E401}" dt="2021-07-14T17:34:41.086" v="11"/>
+          <ac:spMkLst>
+            <pc:docMk/>
+            <pc:sldMk cId="2960599646" sldId="330"/>
+            <ac:spMk id="3" creationId="{5EC15F51-7345-4749-84BD-440F8B68EF4F}"/>
+          </ac:spMkLst>
+        </pc:spChg>
+      </pc:sldChg>
+      <pc:sldChg chg="modSp mod modTransition">
+        <pc:chgData name="Judson Santiago" userId="ebb108da2f256286" providerId="LiveId" clId="{AC23AAFD-E953-FE46-870F-C9EAF980E401}" dt="2021-07-14T18:36:30.995" v="316"/>
+        <pc:sldMkLst>
+          <pc:docMk/>
+          <pc:sldMk cId="3298935572" sldId="331"/>
+        </pc:sldMkLst>
+        <pc:picChg chg="mod">
+          <ac:chgData name="Judson Santiago" userId="ebb108da2f256286" providerId="LiveId" clId="{AC23AAFD-E953-FE46-870F-C9EAF980E401}" dt="2021-07-14T18:15:03.043" v="233" actId="1036"/>
+          <ac:picMkLst>
+            <pc:docMk/>
+            <pc:sldMk cId="3298935572" sldId="331"/>
+            <ac:picMk id="4" creationId="{93CEE232-DB6B-49C1-B018-FC64336F952F}"/>
+          </ac:picMkLst>
+        </pc:picChg>
+      </pc:sldChg>
+      <pc:sldChg chg="modSp mod modTransition">
+        <pc:chgData name="Judson Santiago" userId="ebb108da2f256286" providerId="LiveId" clId="{AC23AAFD-E953-FE46-870F-C9EAF980E401}" dt="2021-07-14T18:36:30.995" v="316"/>
+        <pc:sldMkLst>
+          <pc:docMk/>
+          <pc:sldMk cId="3216889578" sldId="332"/>
+        </pc:sldMkLst>
+        <pc:picChg chg="mod">
+          <ac:chgData name="Judson Santiago" userId="ebb108da2f256286" providerId="LiveId" clId="{AC23AAFD-E953-FE46-870F-C9EAF980E401}" dt="2021-07-14T18:15:25.584" v="238" actId="1036"/>
+          <ac:picMkLst>
+            <pc:docMk/>
+            <pc:sldMk cId="3216889578" sldId="332"/>
+            <ac:picMk id="4" creationId="{2A7B3331-C05E-4E73-8821-6666AC432955}"/>
+          </ac:picMkLst>
+        </pc:picChg>
+      </pc:sldChg>
+      <pc:sldMasterChg chg="addSp delSp modSp mod modSldLayout">
+        <pc:chgData name="Judson Santiago" userId="ebb108da2f256286" providerId="LiveId" clId="{AC23AAFD-E953-FE46-870F-C9EAF980E401}" dt="2021-07-14T18:39:05.033" v="317" actId="21"/>
+        <pc:sldMasterMkLst>
+          <pc:docMk/>
+          <pc:sldMasterMk cId="0" sldId="2147483780"/>
+        </pc:sldMasterMkLst>
+        <pc:spChg chg="mod">
+          <ac:chgData name="Judson Santiago" userId="ebb108da2f256286" providerId="LiveId" clId="{AC23AAFD-E953-FE46-870F-C9EAF980E401}" dt="2021-07-14T18:10:22.915" v="209" actId="164"/>
+          <ac:spMkLst>
+            <pc:docMk/>
+            <pc:sldMasterMk cId="0" sldId="2147483780"/>
+            <ac:spMk id="12" creationId="{00000000-0000-0000-0000-000000000000}"/>
+          </ac:spMkLst>
+        </pc:spChg>
+        <pc:spChg chg="mod">
+          <ac:chgData name="Judson Santiago" userId="ebb108da2f256286" providerId="LiveId" clId="{AC23AAFD-E953-FE46-870F-C9EAF980E401}" dt="2021-07-14T18:10:22.915" v="209" actId="164"/>
+          <ac:spMkLst>
+            <pc:docMk/>
+            <pc:sldMasterMk cId="0" sldId="2147483780"/>
+            <ac:spMk id="13" creationId="{00000000-0000-0000-0000-000000000000}"/>
+          </ac:spMkLst>
+        </pc:spChg>
+        <pc:spChg chg="mod">
+          <ac:chgData name="Judson Santiago" userId="ebb108da2f256286" providerId="LiveId" clId="{AC23AAFD-E953-FE46-870F-C9EAF980E401}" dt="2021-07-14T18:10:22.915" v="209" actId="164"/>
+          <ac:spMkLst>
+            <pc:docMk/>
+            <pc:sldMasterMk cId="0" sldId="2147483780"/>
+            <ac:spMk id="14" creationId="{00000000-0000-0000-0000-000000000000}"/>
+          </ac:spMkLst>
+        </pc:spChg>
+        <pc:spChg chg="add mod">
+          <ac:chgData name="Judson Santiago" userId="ebb108da2f256286" providerId="LiveId" clId="{AC23AAFD-E953-FE46-870F-C9EAF980E401}" dt="2021-07-14T17:33:38.844" v="7" actId="167"/>
+          <ac:spMkLst>
+            <pc:docMk/>
+            <pc:sldMasterMk cId="0" sldId="2147483780"/>
+            <ac:spMk id="17" creationId="{466A3D22-8800-764B-BCA8-6C92133492C5}"/>
+          </ac:spMkLst>
+        </pc:spChg>
+        <pc:grpChg chg="add mod">
+          <ac:chgData name="Judson Santiago" userId="ebb108da2f256286" providerId="LiveId" clId="{AC23AAFD-E953-FE46-870F-C9EAF980E401}" dt="2021-07-14T18:10:41.721" v="211" actId="14100"/>
+          <ac:grpSpMkLst>
+            <pc:docMk/>
+            <pc:sldMasterMk cId="0" sldId="2147483780"/>
+            <ac:grpSpMk id="2" creationId="{64F171BC-6975-CC42-9D38-938B18FDFE2E}"/>
+          </ac:grpSpMkLst>
+        </pc:grpChg>
+        <pc:grpChg chg="del">
+          <ac:chgData name="Judson Santiago" userId="ebb108da2f256286" providerId="LiveId" clId="{AC23AAFD-E953-FE46-870F-C9EAF980E401}" dt="2021-07-14T18:39:05.033" v="317" actId="21"/>
+          <ac:grpSpMkLst>
+            <pc:docMk/>
+            <pc:sldMasterMk cId="0" sldId="2147483780"/>
+            <ac:grpSpMk id="11" creationId="{8D488CA1-84A7-49F8-BF15-7F10E6B61C0D}"/>
+          </ac:grpSpMkLst>
+        </pc:grpChg>
+        <pc:sldLayoutChg chg="addSp delSp modSp mod">
+          <pc:chgData name="Judson Santiago" userId="ebb108da2f256286" providerId="LiveId" clId="{AC23AAFD-E953-FE46-870F-C9EAF980E401}" dt="2021-07-14T17:33:09.855" v="5"/>
+          <pc:sldLayoutMkLst>
+            <pc:docMk/>
+            <pc:sldMasterMk cId="0" sldId="2147483780"/>
+            <pc:sldLayoutMk cId="0" sldId="2147483781"/>
+          </pc:sldLayoutMkLst>
+          <pc:spChg chg="add del mod">
+            <ac:chgData name="Judson Santiago" userId="ebb108da2f256286" providerId="LiveId" clId="{AC23AAFD-E953-FE46-870F-C9EAF980E401}" dt="2021-07-14T17:33:08.525" v="4" actId="478"/>
+            <ac:spMkLst>
+              <pc:docMk/>
+              <pc:sldMasterMk cId="0" sldId="2147483780"/>
+              <pc:sldLayoutMk cId="0" sldId="2147483781"/>
+              <ac:spMk id="10" creationId="{E14E07D8-52B0-FB4B-B61E-90E434FDF0C1}"/>
+            </ac:spMkLst>
+          </pc:spChg>
+          <pc:spChg chg="add del mod">
+            <ac:chgData name="Judson Santiago" userId="ebb108da2f256286" providerId="LiveId" clId="{AC23AAFD-E953-FE46-870F-C9EAF980E401}" dt="2021-07-14T17:33:08.525" v="4" actId="478"/>
+            <ac:spMkLst>
+              <pc:docMk/>
+              <pc:sldMasterMk cId="0" sldId="2147483780"/>
+              <pc:sldLayoutMk cId="0" sldId="2147483781"/>
+              <ac:spMk id="11" creationId="{BD466127-EEFA-A54B-AD98-2C8B4512813F}"/>
+            </ac:spMkLst>
+          </pc:spChg>
+          <pc:spChg chg="add del mod">
+            <ac:chgData name="Judson Santiago" userId="ebb108da2f256286" providerId="LiveId" clId="{AC23AAFD-E953-FE46-870F-C9EAF980E401}" dt="2021-07-14T17:33:08.525" v="4" actId="478"/>
+            <ac:spMkLst>
+              <pc:docMk/>
+              <pc:sldMasterMk cId="0" sldId="2147483780"/>
+              <pc:sldLayoutMk cId="0" sldId="2147483781"/>
+              <ac:spMk id="13" creationId="{5618D386-9DC5-3B4F-9F3D-B44C79D50B40}"/>
+            </ac:spMkLst>
+          </pc:spChg>
+          <pc:spChg chg="add mod">
+            <ac:chgData name="Judson Santiago" userId="ebb108da2f256286" providerId="LiveId" clId="{AC23AAFD-E953-FE46-870F-C9EAF980E401}" dt="2021-07-14T17:32:13.242" v="3"/>
+            <ac:spMkLst>
+              <pc:docMk/>
+              <pc:sldMasterMk cId="0" sldId="2147483780"/>
+              <pc:sldLayoutMk cId="0" sldId="2147483781"/>
+              <ac:spMk id="14" creationId="{FD21A46A-43A2-8840-83D7-223B3FA855C2}"/>
+            </ac:spMkLst>
+          </pc:spChg>
+          <pc:spChg chg="add mod">
+            <ac:chgData name="Judson Santiago" userId="ebb108da2f256286" providerId="LiveId" clId="{AC23AAFD-E953-FE46-870F-C9EAF980E401}" dt="2021-07-14T17:32:13.242" v="3"/>
+            <ac:spMkLst>
+              <pc:docMk/>
+              <pc:sldMasterMk cId="0" sldId="2147483780"/>
+              <pc:sldLayoutMk cId="0" sldId="2147483781"/>
+              <ac:spMk id="15" creationId="{782DCE2E-43AB-A649-AFE9-41FD54D1B576}"/>
+            </ac:spMkLst>
+          </pc:spChg>
+          <pc:spChg chg="add mod">
+            <ac:chgData name="Judson Santiago" userId="ebb108da2f256286" providerId="LiveId" clId="{AC23AAFD-E953-FE46-870F-C9EAF980E401}" dt="2021-07-14T17:33:09.855" v="5"/>
+            <ac:spMkLst>
+              <pc:docMk/>
+              <pc:sldMasterMk cId="0" sldId="2147483780"/>
+              <pc:sldLayoutMk cId="0" sldId="2147483781"/>
+              <ac:spMk id="16" creationId="{E3E564AB-DCA1-2745-A970-AE20FC8E4C20}"/>
+            </ac:spMkLst>
+          </pc:spChg>
+          <pc:spChg chg="add mod">
+            <ac:chgData name="Judson Santiago" userId="ebb108da2f256286" providerId="LiveId" clId="{AC23AAFD-E953-FE46-870F-C9EAF980E401}" dt="2021-07-14T17:33:09.855" v="5"/>
+            <ac:spMkLst>
+              <pc:docMk/>
+              <pc:sldMasterMk cId="0" sldId="2147483780"/>
+              <pc:sldLayoutMk cId="0" sldId="2147483781"/>
+              <ac:spMk id="17" creationId="{3436E75A-2ED3-3D4D-8B6B-F0C501B2813A}"/>
+            </ac:spMkLst>
+          </pc:spChg>
+          <pc:spChg chg="add mod">
+            <ac:chgData name="Judson Santiago" userId="ebb108da2f256286" providerId="LiveId" clId="{AC23AAFD-E953-FE46-870F-C9EAF980E401}" dt="2021-07-14T17:33:09.855" v="5"/>
+            <ac:spMkLst>
+              <pc:docMk/>
+              <pc:sldMasterMk cId="0" sldId="2147483780"/>
+              <pc:sldLayoutMk cId="0" sldId="2147483781"/>
+              <ac:spMk id="18" creationId="{2131DB62-6A5D-1F42-89F1-AD2040967F89}"/>
+            </ac:spMkLst>
+          </pc:spChg>
+          <pc:spChg chg="add mod">
+            <ac:chgData name="Judson Santiago" userId="ebb108da2f256286" providerId="LiveId" clId="{AC23AAFD-E953-FE46-870F-C9EAF980E401}" dt="2021-07-14T17:33:09.855" v="5"/>
+            <ac:spMkLst>
+              <pc:docMk/>
+              <pc:sldMasterMk cId="0" sldId="2147483780"/>
+              <pc:sldLayoutMk cId="0" sldId="2147483781"/>
+              <ac:spMk id="19" creationId="{A90F7F40-3067-5F4A-A329-9D905519EB6A}"/>
+            </ac:spMkLst>
+          </pc:spChg>
+          <pc:spChg chg="add mod">
+            <ac:chgData name="Judson Santiago" userId="ebb108da2f256286" providerId="LiveId" clId="{AC23AAFD-E953-FE46-870F-C9EAF980E401}" dt="2021-07-14T17:33:09.855" v="5"/>
+            <ac:spMkLst>
+              <pc:docMk/>
+              <pc:sldMasterMk cId="0" sldId="2147483780"/>
+              <pc:sldLayoutMk cId="0" sldId="2147483781"/>
+              <ac:spMk id="20" creationId="{60C37057-FFC0-E245-9321-587F9447D2B6}"/>
+            </ac:spMkLst>
+          </pc:spChg>
+          <pc:spChg chg="del">
+            <ac:chgData name="Judson Santiago" userId="ebb108da2f256286" providerId="LiveId" clId="{AC23AAFD-E953-FE46-870F-C9EAF980E401}" dt="2021-07-14T17:32:10.829" v="2" actId="478"/>
+            <ac:spMkLst>
+              <pc:docMk/>
+              <pc:sldMasterMk cId="0" sldId="2147483780"/>
+              <pc:sldLayoutMk cId="0" sldId="2147483781"/>
+              <ac:spMk id="23" creationId="{33DF5570-8256-4FE0-8B2A-377730BECF00}"/>
+            </ac:spMkLst>
+          </pc:spChg>
+          <pc:spChg chg="del">
+            <ac:chgData name="Judson Santiago" userId="ebb108da2f256286" providerId="LiveId" clId="{AC23AAFD-E953-FE46-870F-C9EAF980E401}" dt="2021-07-14T17:32:08" v="0" actId="478"/>
+            <ac:spMkLst>
+              <pc:docMk/>
+              <pc:sldMasterMk cId="0" sldId="2147483780"/>
+              <pc:sldLayoutMk cId="0" sldId="2147483781"/>
+              <ac:spMk id="24" creationId="{E86DE0A5-FEBF-4169-9198-8C0C93047016}"/>
+            </ac:spMkLst>
+          </pc:spChg>
+          <pc:spChg chg="del">
+            <ac:chgData name="Judson Santiago" userId="ebb108da2f256286" providerId="LiveId" clId="{AC23AAFD-E953-FE46-870F-C9EAF980E401}" dt="2021-07-14T17:33:08.525" v="4" actId="478"/>
+            <ac:spMkLst>
+              <pc:docMk/>
+              <pc:sldMasterMk cId="0" sldId="2147483780"/>
+              <pc:sldLayoutMk cId="0" sldId="2147483781"/>
+              <ac:spMk id="25" creationId="{35C6C970-9AB2-4DFA-8763-81C659A5810A}"/>
+            </ac:spMkLst>
+          </pc:spChg>
+          <pc:spChg chg="del">
+            <ac:chgData name="Judson Santiago" userId="ebb108da2f256286" providerId="LiveId" clId="{AC23AAFD-E953-FE46-870F-C9EAF980E401}" dt="2021-07-14T17:32:09.372" v="1" actId="478"/>
+            <ac:spMkLst>
+              <pc:docMk/>
+              <pc:sldMasterMk cId="0" sldId="2147483780"/>
+              <pc:sldLayoutMk cId="0" sldId="2147483781"/>
+              <ac:spMk id="26" creationId="{0701E8EB-5283-4786-8333-ADA06B122D41}"/>
+            </ac:spMkLst>
+          </pc:spChg>
+        </pc:sldLayoutChg>
+      </pc:sldMasterChg>
+    </pc:docChg>
+  </pc:docChgLst>
   <pc:docChgLst>
     <pc:chgData name="Judson Santiago" userId="ebb108da2f256286" providerId="LiveId" clId="{9576BB9B-55C2-4474-AD52-4F4E17F6C3AF}"/>
     <pc:docChg chg="undo custSel addSld delSld modSld modMainMaster">
@@ -2230,6 +3665,152 @@
             </ac:grpSpMkLst>
           </pc:grpChg>
         </pc:sldLayoutChg>
+      </pc:sldMasterChg>
+    </pc:docChg>
+  </pc:docChgLst>
+  <pc:docChgLst>
+    <pc:chgData name="Judson Santiago" userId="ebb108da2f256286" providerId="LiveId" clId="{B2577A40-AC3A-4371-B7A6-031E3A1B294D}"/>
+    <pc:docChg chg="modSld modMainMaster">
+      <pc:chgData name="Judson Santiago" userId="ebb108da2f256286" providerId="LiveId" clId="{B2577A40-AC3A-4371-B7A6-031E3A1B294D}" dt="2021-07-14T22:52:18.955" v="13"/>
+      <pc:docMkLst>
+        <pc:docMk/>
+      </pc:docMkLst>
+      <pc:sldChg chg="modSp mod">
+        <pc:chgData name="Judson Santiago" userId="ebb108da2f256286" providerId="LiveId" clId="{B2577A40-AC3A-4371-B7A6-031E3A1B294D}" dt="2021-07-14T21:45:15.971" v="1" actId="6549"/>
+        <pc:sldMkLst>
+          <pc:docMk/>
+          <pc:sldMk cId="779981392" sldId="267"/>
+        </pc:sldMkLst>
+        <pc:spChg chg="mod">
+          <ac:chgData name="Judson Santiago" userId="ebb108da2f256286" providerId="LiveId" clId="{B2577A40-AC3A-4371-B7A6-031E3A1B294D}" dt="2021-07-14T21:45:15.971" v="1" actId="6549"/>
+          <ac:spMkLst>
+            <pc:docMk/>
+            <pc:sldMk cId="779981392" sldId="267"/>
+            <ac:spMk id="3" creationId="{00000000-0000-0000-0000-000000000000}"/>
+          </ac:spMkLst>
+        </pc:spChg>
+      </pc:sldChg>
+      <pc:sldChg chg="modSp mod">
+        <pc:chgData name="Judson Santiago" userId="ebb108da2f256286" providerId="LiveId" clId="{B2577A40-AC3A-4371-B7A6-031E3A1B294D}" dt="2021-07-14T22:01:11.569" v="12" actId="1076"/>
+        <pc:sldMkLst>
+          <pc:docMk/>
+          <pc:sldMk cId="4290361747" sldId="314"/>
+        </pc:sldMkLst>
+        <pc:spChg chg="mod">
+          <ac:chgData name="Judson Santiago" userId="ebb108da2f256286" providerId="LiveId" clId="{B2577A40-AC3A-4371-B7A6-031E3A1B294D}" dt="2021-07-14T22:01:11.569" v="12" actId="1076"/>
+          <ac:spMkLst>
+            <pc:docMk/>
+            <pc:sldMk cId="4290361747" sldId="314"/>
+            <ac:spMk id="5" creationId="{00000000-0000-0000-0000-000000000000}"/>
+          </ac:spMkLst>
+        </pc:spChg>
+      </pc:sldChg>
+      <pc:sldChg chg="modSp mod">
+        <pc:chgData name="Judson Santiago" userId="ebb108da2f256286" providerId="LiveId" clId="{B2577A40-AC3A-4371-B7A6-031E3A1B294D}" dt="2021-07-14T21:49:36.291" v="5" actId="14100"/>
+        <pc:sldMkLst>
+          <pc:docMk/>
+          <pc:sldMk cId="4256074526" sldId="321"/>
+        </pc:sldMkLst>
+        <pc:grpChg chg="mod">
+          <ac:chgData name="Judson Santiago" userId="ebb108da2f256286" providerId="LiveId" clId="{B2577A40-AC3A-4371-B7A6-031E3A1B294D}" dt="2021-07-14T21:49:36.291" v="5" actId="14100"/>
+          <ac:grpSpMkLst>
+            <pc:docMk/>
+            <pc:sldMk cId="4256074526" sldId="321"/>
+            <ac:grpSpMk id="11" creationId="{663D8EA1-FD6B-419F-82F8-E3F07875C402}"/>
+          </ac:grpSpMkLst>
+        </pc:grpChg>
+      </pc:sldChg>
+      <pc:sldChg chg="modSp mod">
+        <pc:chgData name="Judson Santiago" userId="ebb108da2f256286" providerId="LiveId" clId="{B2577A40-AC3A-4371-B7A6-031E3A1B294D}" dt="2021-07-14T21:47:52.995" v="4" actId="14100"/>
+        <pc:sldMkLst>
+          <pc:docMk/>
+          <pc:sldMk cId="4108327957" sldId="328"/>
+        </pc:sldMkLst>
+        <pc:grpChg chg="mod">
+          <ac:chgData name="Judson Santiago" userId="ebb108da2f256286" providerId="LiveId" clId="{B2577A40-AC3A-4371-B7A6-031E3A1B294D}" dt="2021-07-14T21:47:52.995" v="4" actId="14100"/>
+          <ac:grpSpMkLst>
+            <pc:docMk/>
+            <pc:sldMk cId="4108327957" sldId="328"/>
+            <ac:grpSpMk id="7" creationId="{C2BE716E-D085-4F02-9892-CA0F928DBA17}"/>
+          </ac:grpSpMkLst>
+        </pc:grpChg>
+      </pc:sldChg>
+      <pc:sldChg chg="addSp modSp mod">
+        <pc:chgData name="Judson Santiago" userId="ebb108da2f256286" providerId="LiveId" clId="{B2577A40-AC3A-4371-B7A6-031E3A1B294D}" dt="2021-07-14T21:47:23.558" v="3" actId="14100"/>
+        <pc:sldMkLst>
+          <pc:docMk/>
+          <pc:sldMk cId="4277682171" sldId="329"/>
+        </pc:sldMkLst>
+        <pc:spChg chg="mod">
+          <ac:chgData name="Judson Santiago" userId="ebb108da2f256286" providerId="LiveId" clId="{B2577A40-AC3A-4371-B7A6-031E3A1B294D}" dt="2021-07-14T21:47:17.574" v="2" actId="164"/>
+          <ac:spMkLst>
+            <pc:docMk/>
+            <pc:sldMk cId="4277682171" sldId="329"/>
+            <ac:spMk id="5" creationId="{00000000-0000-0000-0000-000000000000}"/>
+          </ac:spMkLst>
+        </pc:spChg>
+        <pc:spChg chg="mod">
+          <ac:chgData name="Judson Santiago" userId="ebb108da2f256286" providerId="LiveId" clId="{B2577A40-AC3A-4371-B7A6-031E3A1B294D}" dt="2021-07-14T21:47:17.574" v="2" actId="164"/>
+          <ac:spMkLst>
+            <pc:docMk/>
+            <pc:sldMk cId="4277682171" sldId="329"/>
+            <ac:spMk id="6" creationId="{00000000-0000-0000-0000-000000000000}"/>
+          </ac:spMkLst>
+        </pc:spChg>
+        <pc:grpChg chg="add mod">
+          <ac:chgData name="Judson Santiago" userId="ebb108da2f256286" providerId="LiveId" clId="{B2577A40-AC3A-4371-B7A6-031E3A1B294D}" dt="2021-07-14T21:47:23.558" v="3" actId="14100"/>
+          <ac:grpSpMkLst>
+            <pc:docMk/>
+            <pc:sldMk cId="4277682171" sldId="329"/>
+            <ac:grpSpMk id="7" creationId="{8DED1956-317D-40BB-B414-0525B454F0CE}"/>
+          </ac:grpSpMkLst>
+        </pc:grpChg>
+        <pc:picChg chg="mod">
+          <ac:chgData name="Judson Santiago" userId="ebb108da2f256286" providerId="LiveId" clId="{B2577A40-AC3A-4371-B7A6-031E3A1B294D}" dt="2021-07-14T21:47:17.574" v="2" actId="164"/>
+          <ac:picMkLst>
+            <pc:docMk/>
+            <pc:sldMk cId="4277682171" sldId="329"/>
+            <ac:picMk id="4" creationId="{B207BFB7-A87F-475D-A90B-824D11DDD57A}"/>
+          </ac:picMkLst>
+        </pc:picChg>
+      </pc:sldChg>
+      <pc:sldChg chg="modNotesTx">
+        <pc:chgData name="Judson Santiago" userId="ebb108da2f256286" providerId="LiveId" clId="{B2577A40-AC3A-4371-B7A6-031E3A1B294D}" dt="2021-07-14T22:52:18.955" v="13"/>
+        <pc:sldMkLst>
+          <pc:docMk/>
+          <pc:sldMk cId="2960599646" sldId="330"/>
+        </pc:sldMkLst>
+      </pc:sldChg>
+      <pc:sldMasterChg chg="addSp modSp">
+        <pc:chgData name="Judson Santiago" userId="ebb108da2f256286" providerId="LiveId" clId="{B2577A40-AC3A-4371-B7A6-031E3A1B294D}" dt="2021-07-06T04:09:47.048" v="0"/>
+        <pc:sldMasterMkLst>
+          <pc:docMk/>
+          <pc:sldMasterMk cId="0" sldId="2147483780"/>
+        </pc:sldMasterMkLst>
+        <pc:spChg chg="mod">
+          <ac:chgData name="Judson Santiago" userId="ebb108da2f256286" providerId="LiveId" clId="{B2577A40-AC3A-4371-B7A6-031E3A1B294D}" dt="2021-07-06T04:09:47.048" v="0"/>
+          <ac:spMkLst>
+            <pc:docMk/>
+            <pc:sldMasterMk cId="0" sldId="2147483780"/>
+            <ac:spMk id="16" creationId="{2A15BBCF-8EEE-49D1-9A2E-99BCEBEAB401}"/>
+          </ac:spMkLst>
+        </pc:spChg>
+        <pc:grpChg chg="add mod">
+          <ac:chgData name="Judson Santiago" userId="ebb108da2f256286" providerId="LiveId" clId="{B2577A40-AC3A-4371-B7A6-031E3A1B294D}" dt="2021-07-06T04:09:47.048" v="0"/>
+          <ac:grpSpMkLst>
+            <pc:docMk/>
+            <pc:sldMasterMk cId="0" sldId="2147483780"/>
+            <ac:grpSpMk id="11" creationId="{8D488CA1-84A7-49F8-BF15-7F10E6B61C0D}"/>
+          </ac:grpSpMkLst>
+        </pc:grpChg>
+        <pc:picChg chg="mod">
+          <ac:chgData name="Judson Santiago" userId="ebb108da2f256286" providerId="LiveId" clId="{B2577A40-AC3A-4371-B7A6-031E3A1B294D}" dt="2021-07-06T04:09:47.048" v="0"/>
+          <ac:picMkLst>
+            <pc:docMk/>
+            <pc:sldMasterMk cId="0" sldId="2147483780"/>
+            <ac:picMk id="15" creationId="{7B524584-5A5F-4850-BAE1-D93917E3F117}"/>
+          </ac:picMkLst>
+        </pc:picChg>
       </pc:sldMasterChg>
     </pc:docChg>
   </pc:docChgLst>
@@ -9584,7 +11165,7 @@
             <a:fld id="{4C457FC9-8E1D-4A40-BFF1-0E630693B1AB}" type="datetimeFigureOut">
               <a:rPr lang="pt-BR" smtClean="0"/>
               <a:pPr/>
-              <a:t>30/04/2019</a:t>
+              <a:t>14/07/2021</a:t>
             </a:fld>
             <a:endParaRPr lang="pt-BR"/>
           </a:p>
@@ -9881,12 +11462,7 @@
             <p:ph type="sldImg"/>
           </p:nvPr>
         </p:nvSpPr>
-        <p:spPr>
-          <a:xfrm>
-            <a:off x="381000" y="685800"/>
-            <a:ext cx="6096000" cy="3429000"/>
-          </a:xfrm>
-        </p:spPr>
+        <p:spPr/>
       </p:sp>
       <p:sp>
         <p:nvSpPr>
@@ -9903,6 +11479,16 @@
           <a:bodyPr/>
           <a:lstStyle/>
           <a:p>
+            <a:r>
+              <a:rPr lang="pt-BR" b="0" i="0" dirty="0">
+                <a:solidFill>
+                  <a:srgbClr val="000000"/>
+                </a:solidFill>
+                <a:effectLst/>
+                <a:latin typeface="Verdana" panose="020B0604030504040204" pitchFamily="34" charset="0"/>
+              </a:rPr>
+              <a:t>Principais características do sistema operacional Windows e o seu modelo de programação. Apresentação do ambiente de trabalho e construção do primeiro programa para Windows. Criação de caixas de mensagens e janelas.</a:t>
+            </a:r>
             <a:endParaRPr lang="pt-BR" dirty="0"/>
           </a:p>
         </p:txBody>
@@ -9914,7 +11500,7 @@
             <a:spLocks noGrp="1"/>
           </p:cNvSpPr>
           <p:nvPr>
-            <p:ph type="sldNum" sz="quarter" idx="10"/>
+            <p:ph type="sldNum" sz="quarter" idx="5"/>
           </p:nvPr>
         </p:nvSpPr>
         <p:spPr/>
@@ -9925,16 +11511,16 @@
             <a:fld id="{EF334A8D-C5BE-432D-90D0-92D67DD437AB}" type="slidenum">
               <a:rPr lang="pt-BR" smtClean="0"/>
               <a:pPr/>
-              <a:t>3</a:t>
+              <a:t>1</a:t>
             </a:fld>
-            <a:endParaRPr lang="pt-BR" dirty="0"/>
+            <a:endParaRPr lang="pt-BR"/>
           </a:p>
         </p:txBody>
       </p:sp>
     </p:spTree>
     <p:extLst>
       <p:ext uri="{BB962C8B-B14F-4D97-AF65-F5344CB8AC3E}">
-        <p14:creationId xmlns:p14="http://schemas.microsoft.com/office/powerpoint/2010/main" val="335834023"/>
+        <p14:creationId xmlns:p14="http://schemas.microsoft.com/office/powerpoint/2010/main" val="2185404667"/>
       </p:ext>
     </p:extLst>
   </p:cSld>
@@ -9997,19 +11583,23 @@
           <a:p>
             <a:r>
               <a:rPr lang="pt-BR" dirty="0"/>
-              <a:t>Diferentes</a:t>
+              <a:t>Os programas serão escritos dentro de arquivos com a extensão .</a:t>
+            </a:r>
+            <a:r>
+              <a:rPr lang="pt-BR" dirty="0" err="1"/>
+              <a:t>cpp</a:t>
+            </a:r>
+            <a:r>
+              <a:rPr lang="pt-BR" dirty="0"/>
+              <a:t> e devem ser adicionados em Arquivos de Origem (</a:t>
+            </a:r>
+            <a:r>
+              <a:rPr lang="pt-BR" dirty="0" err="1"/>
+              <a:t>Source</a:t>
             </a:r>
             <a:r>
               <a:rPr lang="pt-BR" baseline="0" dirty="0"/>
-              <a:t> tipos de arquivos podem ser inseridos em um projeto. Para inserir o código fonte de um programa escolha Código &gt; Arquivo C++ (.</a:t>
-            </a:r>
-            <a:r>
-              <a:rPr lang="pt-BR" baseline="0" dirty="0" err="1"/>
-              <a:t>cpp</a:t>
-            </a:r>
-            <a:r>
-              <a:rPr lang="pt-BR" baseline="0" dirty="0"/>
-              <a:t>).</a:t>
+              <a:t> Files).</a:t>
             </a:r>
             <a:endParaRPr lang="pt-BR" dirty="0"/>
           </a:p>
@@ -10033,7 +11623,7 @@
             <a:fld id="{6AF2F81C-3F53-42F9-BE4C-7ED0FD39D783}" type="slidenum">
               <a:rPr lang="pt-BR" smtClean="0"/>
               <a:pPr/>
-              <a:t>17</a:t>
+              <a:t>16</a:t>
             </a:fld>
             <a:endParaRPr lang="pt-BR"/>
           </a:p>
@@ -10042,7 +11632,7 @@
     </p:spTree>
     <p:extLst>
       <p:ext uri="{BB962C8B-B14F-4D97-AF65-F5344CB8AC3E}">
-        <p14:creationId xmlns:p14="http://schemas.microsoft.com/office/powerpoint/2010/main" val="828735190"/>
+        <p14:creationId xmlns:p14="http://schemas.microsoft.com/office/powerpoint/2010/main" val="2411561625"/>
       </p:ext>
     </p:extLst>
   </p:cSld>
@@ -10071,7 +11661,7 @@
       </p:grpSpPr>
       <p:sp>
         <p:nvSpPr>
-          <p:cNvPr id="2" name="Espaço Reservado para Imagem de Slide 1"/>
+          <p:cNvPr id="2" name="Slide Image Placeholder 1"/>
           <p:cNvSpPr>
             <a:spLocks noGrp="1" noRot="1" noChangeAspect="1"/>
           </p:cNvSpPr>
@@ -10079,11 +11669,16 @@
             <p:ph type="sldImg"/>
           </p:nvPr>
         </p:nvSpPr>
-        <p:spPr/>
+        <p:spPr>
+          <a:xfrm>
+            <a:off x="381000" y="685800"/>
+            <a:ext cx="6096000" cy="3429000"/>
+          </a:xfrm>
+        </p:spPr>
       </p:sp>
       <p:sp>
         <p:nvSpPr>
-          <p:cNvPr id="3" name="Espaço Reservado para Anotações 2"/>
+          <p:cNvPr id="3" name="Notes Placeholder 2"/>
           <p:cNvSpPr>
             <a:spLocks noGrp="1"/>
           </p:cNvSpPr>
@@ -10093,24 +11688,39 @@
         </p:nvSpPr>
         <p:spPr/>
         <p:txBody>
-          <a:bodyPr/>
+          <a:bodyPr>
+            <a:normAutofit/>
+          </a:bodyPr>
           <a:lstStyle/>
           <a:p>
             <a:r>
               <a:rPr lang="pt-BR" dirty="0"/>
-              <a:t>Alterando para “Não Definido” estamos usando o conjunto padrão, que é o ASCII.</a:t>
-            </a:r>
+              <a:t>Diferentes</a:t>
+            </a:r>
+            <a:r>
+              <a:rPr lang="pt-BR" baseline="0" dirty="0"/>
+              <a:t> tipos de arquivos podem ser inseridos em um projeto. Para inserir o código fonte de um programa escolha Código &gt; Arquivo C++ (.</a:t>
+            </a:r>
+            <a:r>
+              <a:rPr lang="pt-BR" baseline="0" dirty="0" err="1"/>
+              <a:t>cpp</a:t>
+            </a:r>
+            <a:r>
+              <a:rPr lang="pt-BR" baseline="0" dirty="0"/>
+              <a:t>).</a:t>
+            </a:r>
+            <a:endParaRPr lang="pt-BR" dirty="0"/>
           </a:p>
         </p:txBody>
       </p:sp>
       <p:sp>
         <p:nvSpPr>
-          <p:cNvPr id="4" name="Espaço Reservado para Número de Slide 3"/>
+          <p:cNvPr id="4" name="Slide Number Placeholder 3"/>
           <p:cNvSpPr>
             <a:spLocks noGrp="1"/>
           </p:cNvSpPr>
           <p:nvPr>
-            <p:ph type="sldNum" sz="quarter" idx="5"/>
+            <p:ph type="sldNum" sz="quarter" idx="10"/>
           </p:nvPr>
         </p:nvSpPr>
         <p:spPr/>
@@ -10118,10 +11728,10 @@
           <a:bodyPr/>
           <a:lstStyle/>
           <a:p>
-            <a:fld id="{EF334A8D-C5BE-432D-90D0-92D67DD437AB}" type="slidenum">
+            <a:fld id="{6AF2F81C-3F53-42F9-BE4C-7ED0FD39D783}" type="slidenum">
               <a:rPr lang="pt-BR" smtClean="0"/>
               <a:pPr/>
-              <a:t>20</a:t>
+              <a:t>17</a:t>
             </a:fld>
             <a:endParaRPr lang="pt-BR"/>
           </a:p>
@@ -10130,7 +11740,7 @@
     </p:spTree>
     <p:extLst>
       <p:ext uri="{BB962C8B-B14F-4D97-AF65-F5344CB8AC3E}">
-        <p14:creationId xmlns:p14="http://schemas.microsoft.com/office/powerpoint/2010/main" val="2090514732"/>
+        <p14:creationId xmlns:p14="http://schemas.microsoft.com/office/powerpoint/2010/main" val="828735190"/>
       </p:ext>
     </p:extLst>
   </p:cSld>
@@ -10184,59 +11794,10 @@
           <a:bodyPr/>
           <a:lstStyle/>
           <a:p>
-            <a:pPr marL="0" marR="0" lvl="0" indent="0" algn="l" defTabSz="914400" rtl="0" eaLnBrk="1" fontAlgn="auto" latinLnBrk="0" hangingPunct="1">
-              <a:lnSpc>
-                <a:spcPct val="100000"/>
-              </a:lnSpc>
-              <a:spcBef>
-                <a:spcPts val="0"/>
-              </a:spcBef>
-              <a:spcAft>
-                <a:spcPts val="0"/>
-              </a:spcAft>
-              <a:buClrTx/>
-              <a:buSzTx/>
-              <a:buFontTx/>
-              <a:buNone/>
-              <a:tabLst/>
-              <a:defRPr/>
-            </a:pPr>
-            <a:r>
-              <a:rPr lang="pt-BR" sz="1200" dirty="0">
-                <a:solidFill>
-                  <a:schemeClr val="bg1"/>
-                </a:solidFill>
-              </a:rPr>
-              <a:t>» Copiar e colar o programa </a:t>
-            </a:r>
-            <a:r>
-              <a:rPr lang="pt-BR" sz="1200">
-                <a:solidFill>
-                  <a:schemeClr val="bg1"/>
-                </a:solidFill>
-              </a:rPr>
-              <a:t>do arquivo </a:t>
-            </a:r>
-            <a:r>
-              <a:rPr lang="pt-BR" sz="1200" dirty="0">
-                <a:solidFill>
-                  <a:schemeClr val="bg1"/>
-                </a:solidFill>
-              </a:rPr>
-              <a:t>HelloMsg.txt </a:t>
-            </a:r>
-            <a:r>
-              <a:rPr lang="pt-BR" sz="1200">
-                <a:solidFill>
-                  <a:schemeClr val="bg1"/>
-                </a:solidFill>
-              </a:rPr>
-              <a:t>(Lab01)</a:t>
-            </a:r>
-            <a:endParaRPr lang="pt-BR" b="1" dirty="0"/>
-          </a:p>
-          <a:p>
-            <a:endParaRPr lang="pt-BR" dirty="0"/>
+            <a:r>
+              <a:rPr lang="pt-BR" dirty="0"/>
+              <a:t>Alterando para “Não Definido” estamos usando o conjunto padrão, que é o ASCII.</a:t>
+            </a:r>
           </a:p>
         </p:txBody>
       </p:sp>
@@ -10258,7 +11819,7 @@
             <a:fld id="{EF334A8D-C5BE-432D-90D0-92D67DD437AB}" type="slidenum">
               <a:rPr lang="pt-BR" smtClean="0"/>
               <a:pPr/>
-              <a:t>21</a:t>
+              <a:t>20</a:t>
             </a:fld>
             <a:endParaRPr lang="pt-BR"/>
           </a:p>
@@ -10267,7 +11828,7 @@
     </p:spTree>
     <p:extLst>
       <p:ext uri="{BB962C8B-B14F-4D97-AF65-F5344CB8AC3E}">
-        <p14:creationId xmlns:p14="http://schemas.microsoft.com/office/powerpoint/2010/main" val="834620917"/>
+        <p14:creationId xmlns:p14="http://schemas.microsoft.com/office/powerpoint/2010/main" val="2090514732"/>
       </p:ext>
     </p:extLst>
   </p:cSld>
@@ -10296,7 +11857,7 @@
       </p:grpSpPr>
       <p:sp>
         <p:nvSpPr>
-          <p:cNvPr id="2" name="Slide Image Placeholder 1"/>
+          <p:cNvPr id="2" name="Espaço Reservado para Imagem de Slide 1"/>
           <p:cNvSpPr>
             <a:spLocks noGrp="1" noRot="1" noChangeAspect="1"/>
           </p:cNvSpPr>
@@ -10304,16 +11865,11 @@
             <p:ph type="sldImg"/>
           </p:nvPr>
         </p:nvSpPr>
-        <p:spPr>
-          <a:xfrm>
-            <a:off x="381000" y="685800"/>
-            <a:ext cx="6096000" cy="3429000"/>
-          </a:xfrm>
-        </p:spPr>
+        <p:spPr/>
       </p:sp>
       <p:sp>
         <p:nvSpPr>
-          <p:cNvPr id="3" name="Notes Placeholder 2"/>
+          <p:cNvPr id="3" name="Espaço Reservado para Anotações 2"/>
           <p:cNvSpPr>
             <a:spLocks noGrp="1"/>
           </p:cNvSpPr>
@@ -10326,18 +11882,70 @@
           <a:bodyPr/>
           <a:lstStyle/>
           <a:p>
-            <a:endParaRPr lang="pt-BR"/>
+            <a:pPr marL="0" marR="0" lvl="0" indent="0" algn="l" defTabSz="914400" rtl="0" eaLnBrk="1" fontAlgn="auto" latinLnBrk="0" hangingPunct="1">
+              <a:lnSpc>
+                <a:spcPct val="100000"/>
+              </a:lnSpc>
+              <a:spcBef>
+                <a:spcPts val="0"/>
+              </a:spcBef>
+              <a:spcAft>
+                <a:spcPts val="0"/>
+              </a:spcAft>
+              <a:buClrTx/>
+              <a:buSzTx/>
+              <a:buFontTx/>
+              <a:buNone/>
+              <a:tabLst/>
+              <a:defRPr/>
+            </a:pPr>
+            <a:r>
+              <a:rPr lang="pt-BR" sz="1200" dirty="0">
+                <a:solidFill>
+                  <a:schemeClr val="bg1"/>
+                </a:solidFill>
+              </a:rPr>
+              <a:t>» Copiar e colar o programa </a:t>
+            </a:r>
+            <a:r>
+              <a:rPr lang="pt-BR" sz="1200">
+                <a:solidFill>
+                  <a:schemeClr val="bg1"/>
+                </a:solidFill>
+              </a:rPr>
+              <a:t>do arquivo </a:t>
+            </a:r>
+            <a:r>
+              <a:rPr lang="pt-BR" sz="1200" dirty="0">
+                <a:solidFill>
+                  <a:schemeClr val="bg1"/>
+                </a:solidFill>
+              </a:rPr>
+              <a:t>HelloMsg.txt </a:t>
+            </a:r>
+            <a:r>
+              <a:rPr lang="pt-BR" sz="1200">
+                <a:solidFill>
+                  <a:schemeClr val="bg1"/>
+                </a:solidFill>
+              </a:rPr>
+              <a:t>(Lab01)</a:t>
+            </a:r>
+            <a:endParaRPr lang="pt-BR" b="1" dirty="0"/>
+          </a:p>
+          <a:p>
+            <a:endParaRPr lang="pt-BR" dirty="0"/>
           </a:p>
         </p:txBody>
       </p:sp>
       <p:sp>
         <p:nvSpPr>
-          <p:cNvPr id="4" name="Slide Number Placeholder 3"/>
+          <p:cNvPr id="4" name="Espaço Reservado para Número de Slide 3"/>
           <p:cNvSpPr>
             <a:spLocks noGrp="1"/>
           </p:cNvSpPr>
           <p:nvPr>
-            <p:ph type="sldNum" sz="quarter" idx="10"/>
+            <p:ph type="sldNum" sz="quarter" idx="5"/>
           </p:nvPr>
         </p:nvSpPr>
         <p:spPr/>
@@ -10345,9 +11953,10 @@
           <a:bodyPr/>
           <a:lstStyle/>
           <a:p>
-            <a:fld id="{25732CAE-24FB-40B5-80FE-C0DD30A05A09}" type="slidenum">
+            <a:fld id="{EF334A8D-C5BE-432D-90D0-92D67DD437AB}" type="slidenum">
               <a:rPr lang="pt-BR" smtClean="0"/>
-              <a:t>22</a:t>
+              <a:pPr/>
+              <a:t>21</a:t>
             </a:fld>
             <a:endParaRPr lang="pt-BR"/>
           </a:p>
@@ -10356,7 +11965,7 @@
     </p:spTree>
     <p:extLst>
       <p:ext uri="{BB962C8B-B14F-4D97-AF65-F5344CB8AC3E}">
-        <p14:creationId xmlns:p14="http://schemas.microsoft.com/office/powerpoint/2010/main" val="1799721461"/>
+        <p14:creationId xmlns:p14="http://schemas.microsoft.com/office/powerpoint/2010/main" val="834620917"/>
       </p:ext>
     </p:extLst>
   </p:cSld>
@@ -10415,109 +12024,7 @@
           <a:bodyPr/>
           <a:lstStyle/>
           <a:p>
-            <a:r>
-              <a:rPr lang="pt-BR" dirty="0"/>
-              <a:t>APIENTRY é definido como WINAPI, que é definido como __</a:t>
-            </a:r>
-            <a:r>
-              <a:rPr lang="pt-BR" dirty="0" err="1"/>
-              <a:t>stdcall</a:t>
-            </a:r>
-            <a:r>
-              <a:rPr lang="pt-BR" dirty="0"/>
-              <a:t>, </a:t>
-            </a:r>
-            <a:r>
-              <a:rPr lang="pt-BR" baseline="0" dirty="0"/>
-              <a:t>um modificador que define como deve ser usada a pilha na passagem de argumentos e no retorno de valores em uma chamada de função.</a:t>
-            </a:r>
-          </a:p>
-          <a:p>
-            <a:r>
-              <a:rPr lang="pt-BR" sz="1200" b="0" i="0" kern="1200" dirty="0">
-                <a:solidFill>
-                  <a:schemeClr val="tx1"/>
-                </a:solidFill>
-                <a:effectLst/>
-                <a:latin typeface="+mn-lt"/>
-                <a:ea typeface="+mn-ea"/>
-                <a:cs typeface="+mn-cs"/>
-              </a:rPr>
-              <a:t>As designações _In_ e _In_opt_ fazem parte da “Microsoft </a:t>
-            </a:r>
-            <a:r>
-              <a:rPr lang="pt-BR" sz="1200" b="0" i="0" kern="1200" dirty="0" err="1">
-                <a:solidFill>
-                  <a:schemeClr val="tx1"/>
-                </a:solidFill>
-                <a:effectLst/>
-                <a:latin typeface="+mn-lt"/>
-                <a:ea typeface="+mn-ea"/>
-                <a:cs typeface="+mn-cs"/>
-              </a:rPr>
-              <a:t>source-code</a:t>
-            </a:r>
-            <a:r>
-              <a:rPr lang="pt-BR" sz="1200" b="0" i="0" kern="1200" dirty="0">
-                <a:solidFill>
-                  <a:schemeClr val="tx1"/>
-                </a:solidFill>
-                <a:effectLst/>
-                <a:latin typeface="+mn-lt"/>
-                <a:ea typeface="+mn-ea"/>
-                <a:cs typeface="+mn-cs"/>
-              </a:rPr>
-              <a:t> </a:t>
-            </a:r>
-            <a:r>
-              <a:rPr lang="pt-BR" sz="1200" b="0" i="0" kern="1200" dirty="0" err="1">
-                <a:solidFill>
-                  <a:schemeClr val="tx1"/>
-                </a:solidFill>
-                <a:effectLst/>
-                <a:latin typeface="+mn-lt"/>
-                <a:ea typeface="+mn-ea"/>
-                <a:cs typeface="+mn-cs"/>
-              </a:rPr>
-              <a:t>annotation</a:t>
-            </a:r>
-            <a:r>
-              <a:rPr lang="pt-BR" sz="1200" b="0" i="0" kern="1200" dirty="0">
-                <a:solidFill>
-                  <a:schemeClr val="tx1"/>
-                </a:solidFill>
-                <a:effectLst/>
-                <a:latin typeface="+mn-lt"/>
-                <a:ea typeface="+mn-ea"/>
-                <a:cs typeface="+mn-cs"/>
-              </a:rPr>
-              <a:t> </a:t>
-            </a:r>
-            <a:r>
-              <a:rPr lang="pt-BR" sz="1200" b="0" i="0" kern="1200" dirty="0" err="1">
-                <a:solidFill>
-                  <a:schemeClr val="tx1"/>
-                </a:solidFill>
-                <a:effectLst/>
-                <a:latin typeface="+mn-lt"/>
-                <a:ea typeface="+mn-ea"/>
-                <a:cs typeface="+mn-cs"/>
-              </a:rPr>
-              <a:t>language</a:t>
-            </a:r>
-            <a:r>
-              <a:rPr lang="pt-BR" sz="1200" b="0" i="0" kern="1200" dirty="0">
-                <a:solidFill>
-                  <a:schemeClr val="tx1"/>
-                </a:solidFill>
-                <a:effectLst/>
-                <a:latin typeface="+mn-lt"/>
-                <a:ea typeface="+mn-ea"/>
-                <a:cs typeface="+mn-cs"/>
-              </a:rPr>
-              <a:t>” (SAL) e são usadas pela ferramenta de Análise de Código do Visual Studio.</a:t>
-            </a:r>
-            <a:endParaRPr lang="pt-BR" dirty="0"/>
+            <a:endParaRPr lang="pt-BR"/>
           </a:p>
         </p:txBody>
       </p:sp>
@@ -10538,7 +12045,7 @@
           <a:p>
             <a:fld id="{25732CAE-24FB-40B5-80FE-C0DD30A05A09}" type="slidenum">
               <a:rPr lang="pt-BR" smtClean="0"/>
-              <a:t>23</a:t>
+              <a:t>22</a:t>
             </a:fld>
             <a:endParaRPr lang="pt-BR"/>
           </a:p>
@@ -10547,7 +12054,7 @@
     </p:spTree>
     <p:extLst>
       <p:ext uri="{BB962C8B-B14F-4D97-AF65-F5344CB8AC3E}">
-        <p14:creationId xmlns:p14="http://schemas.microsoft.com/office/powerpoint/2010/main" val="3629976562"/>
+        <p14:creationId xmlns:p14="http://schemas.microsoft.com/office/powerpoint/2010/main" val="1799721461"/>
       </p:ext>
     </p:extLst>
   </p:cSld>
@@ -10606,6 +12113,108 @@
           <a:bodyPr/>
           <a:lstStyle/>
           <a:p>
+            <a:r>
+              <a:rPr lang="pt-BR" dirty="0"/>
+              <a:t>APIENTRY é definido como WINAPI, que é definido como __</a:t>
+            </a:r>
+            <a:r>
+              <a:rPr lang="pt-BR" dirty="0" err="1"/>
+              <a:t>stdcall</a:t>
+            </a:r>
+            <a:r>
+              <a:rPr lang="pt-BR" dirty="0"/>
+              <a:t>, </a:t>
+            </a:r>
+            <a:r>
+              <a:rPr lang="pt-BR" baseline="0" dirty="0"/>
+              <a:t>um modificador que define como deve ser usada a pilha na passagem de argumentos e no retorno de valores em uma chamada de função.</a:t>
+            </a:r>
+          </a:p>
+          <a:p>
+            <a:r>
+              <a:rPr lang="pt-BR" sz="1200" b="0" i="0" kern="1200" dirty="0">
+                <a:solidFill>
+                  <a:schemeClr val="tx1"/>
+                </a:solidFill>
+                <a:effectLst/>
+                <a:latin typeface="+mn-lt"/>
+                <a:ea typeface="+mn-ea"/>
+                <a:cs typeface="+mn-cs"/>
+              </a:rPr>
+              <a:t>As designações _In_ e _In_opt_ fazem parte da “Microsoft </a:t>
+            </a:r>
+            <a:r>
+              <a:rPr lang="pt-BR" sz="1200" b="0" i="0" kern="1200" dirty="0" err="1">
+                <a:solidFill>
+                  <a:schemeClr val="tx1"/>
+                </a:solidFill>
+                <a:effectLst/>
+                <a:latin typeface="+mn-lt"/>
+                <a:ea typeface="+mn-ea"/>
+                <a:cs typeface="+mn-cs"/>
+              </a:rPr>
+              <a:t>source-code</a:t>
+            </a:r>
+            <a:r>
+              <a:rPr lang="pt-BR" sz="1200" b="0" i="0" kern="1200" dirty="0">
+                <a:solidFill>
+                  <a:schemeClr val="tx1"/>
+                </a:solidFill>
+                <a:effectLst/>
+                <a:latin typeface="+mn-lt"/>
+                <a:ea typeface="+mn-ea"/>
+                <a:cs typeface="+mn-cs"/>
+              </a:rPr>
+              <a:t> </a:t>
+            </a:r>
+            <a:r>
+              <a:rPr lang="pt-BR" sz="1200" b="0" i="0" kern="1200" dirty="0" err="1">
+                <a:solidFill>
+                  <a:schemeClr val="tx1"/>
+                </a:solidFill>
+                <a:effectLst/>
+                <a:latin typeface="+mn-lt"/>
+                <a:ea typeface="+mn-ea"/>
+                <a:cs typeface="+mn-cs"/>
+              </a:rPr>
+              <a:t>annotation</a:t>
+            </a:r>
+            <a:r>
+              <a:rPr lang="pt-BR" sz="1200" b="0" i="0" kern="1200" dirty="0">
+                <a:solidFill>
+                  <a:schemeClr val="tx1"/>
+                </a:solidFill>
+                <a:effectLst/>
+                <a:latin typeface="+mn-lt"/>
+                <a:ea typeface="+mn-ea"/>
+                <a:cs typeface="+mn-cs"/>
+              </a:rPr>
+              <a:t> </a:t>
+            </a:r>
+            <a:r>
+              <a:rPr lang="pt-BR" sz="1200" b="0" i="0" kern="1200" dirty="0" err="1">
+                <a:solidFill>
+                  <a:schemeClr val="tx1"/>
+                </a:solidFill>
+                <a:effectLst/>
+                <a:latin typeface="+mn-lt"/>
+                <a:ea typeface="+mn-ea"/>
+                <a:cs typeface="+mn-cs"/>
+              </a:rPr>
+              <a:t>language</a:t>
+            </a:r>
+            <a:r>
+              <a:rPr lang="pt-BR" sz="1200" b="0" i="0" kern="1200" dirty="0">
+                <a:solidFill>
+                  <a:schemeClr val="tx1"/>
+                </a:solidFill>
+                <a:effectLst/>
+                <a:latin typeface="+mn-lt"/>
+                <a:ea typeface="+mn-ea"/>
+                <a:cs typeface="+mn-cs"/>
+              </a:rPr>
+              <a:t>” (SAL) e são usadas pela ferramenta de Análise de Código do Visual Studio.</a:t>
+            </a:r>
             <a:endParaRPr lang="pt-BR" dirty="0"/>
           </a:p>
         </p:txBody>
@@ -10627,7 +12236,7 @@
           <a:p>
             <a:fld id="{25732CAE-24FB-40B5-80FE-C0DD30A05A09}" type="slidenum">
               <a:rPr lang="pt-BR" smtClean="0"/>
-              <a:t>24</a:t>
+              <a:t>23</a:t>
             </a:fld>
             <a:endParaRPr lang="pt-BR"/>
           </a:p>
@@ -10695,22 +12304,6 @@
           <a:bodyPr/>
           <a:lstStyle/>
           <a:p>
-            <a:r>
-              <a:rPr lang="pt-BR" dirty="0"/>
-              <a:t>Em versões antigas do windows, ao abrir várias</a:t>
-            </a:r>
-            <a:r>
-              <a:rPr lang="pt-BR" baseline="0" dirty="0"/>
-              <a:t> cópias simultâneas do mesmo programa, </a:t>
-            </a:r>
-            <a:r>
-              <a:rPr lang="pt-BR" dirty="0"/>
-              <a:t>hPrevInstance guardava a identificação da última</a:t>
-            </a:r>
-            <a:r>
-              <a:rPr lang="pt-BR" baseline="0" dirty="0"/>
-              <a:t> instância aberta. Isso permitia que a nova cópia obtivesse dados da outra instância e se configurasse mais rapidamente.</a:t>
-            </a:r>
             <a:endParaRPr lang="pt-BR" dirty="0"/>
           </a:p>
         </p:txBody>
@@ -10732,7 +12325,7 @@
           <a:p>
             <a:fld id="{25732CAE-24FB-40B5-80FE-C0DD30A05A09}" type="slidenum">
               <a:rPr lang="pt-BR" smtClean="0"/>
-              <a:t>25</a:t>
+              <a:t>24</a:t>
             </a:fld>
             <a:endParaRPr lang="pt-BR"/>
           </a:p>
@@ -10741,7 +12334,7 @@
     </p:spTree>
     <p:extLst>
       <p:ext uri="{BB962C8B-B14F-4D97-AF65-F5344CB8AC3E}">
-        <p14:creationId xmlns:p14="http://schemas.microsoft.com/office/powerpoint/2010/main" val="3205688730"/>
+        <p14:creationId xmlns:p14="http://schemas.microsoft.com/office/powerpoint/2010/main" val="3629976562"/>
       </p:ext>
     </p:extLst>
   </p:cSld>
@@ -10801,22 +12394,22 @@
           <a:lstStyle/>
           <a:p>
             <a:r>
-              <a:rPr lang="pt-BR" sz="1200" dirty="0">
-                <a:solidFill>
-                  <a:schemeClr val="bg1"/>
-                </a:solidFill>
-              </a:rPr>
-              <a:t>» Mostrar o projeto </a:t>
-            </a:r>
-            <a:r>
-              <a:rPr lang="pt-BR" sz="1200" b="1" dirty="0" err="1">
-                <a:solidFill>
-                  <a:schemeClr val="bg1"/>
-                </a:solidFill>
-              </a:rPr>
-              <a:t>MessageBox</a:t>
-            </a:r>
-            <a:endParaRPr lang="pt-BR" b="1" dirty="0"/>
+              <a:rPr lang="pt-BR" dirty="0"/>
+              <a:t>Em versões antigas do windows, ao abrir várias</a:t>
+            </a:r>
+            <a:r>
+              <a:rPr lang="pt-BR" baseline="0" dirty="0"/>
+              <a:t> cópias simultâneas do mesmo programa, </a:t>
+            </a:r>
+            <a:r>
+              <a:rPr lang="pt-BR" dirty="0"/>
+              <a:t>hPrevInstance guardava a identificação da última</a:t>
+            </a:r>
+            <a:r>
+              <a:rPr lang="pt-BR" baseline="0" dirty="0"/>
+              <a:t> instância aberta. Isso permitia que a nova cópia obtivesse dados da outra instância e se configurasse mais rapidamente.</a:t>
+            </a:r>
+            <a:endParaRPr lang="pt-BR" dirty="0"/>
           </a:p>
         </p:txBody>
       </p:sp>
@@ -10837,6 +12430,111 @@
           <a:p>
             <a:fld id="{25732CAE-24FB-40B5-80FE-C0DD30A05A09}" type="slidenum">
               <a:rPr lang="pt-BR" smtClean="0"/>
+              <a:t>25</a:t>
+            </a:fld>
+            <a:endParaRPr lang="pt-BR"/>
+          </a:p>
+        </p:txBody>
+      </p:sp>
+    </p:spTree>
+    <p:extLst>
+      <p:ext uri="{BB962C8B-B14F-4D97-AF65-F5344CB8AC3E}">
+        <p14:creationId xmlns:p14="http://schemas.microsoft.com/office/powerpoint/2010/main" val="3205688730"/>
+      </p:ext>
+    </p:extLst>
+  </p:cSld>
+  <p:clrMapOvr>
+    <a:masterClrMapping/>
+  </p:clrMapOvr>
+</p:notes>
+</file>
+
+<file path=ppt/notesSlides/notesSlide18.xml><?xml version="1.0" encoding="utf-8"?>
+<p:notes xmlns:a="http://schemas.openxmlformats.org/drawingml/2006/main" xmlns:r="http://schemas.openxmlformats.org/officeDocument/2006/relationships" xmlns:p="http://schemas.openxmlformats.org/presentationml/2006/main">
+  <p:cSld>
+    <p:spTree>
+      <p:nvGrpSpPr>
+        <p:cNvPr id="1" name=""/>
+        <p:cNvGrpSpPr/>
+        <p:nvPr/>
+      </p:nvGrpSpPr>
+      <p:grpSpPr>
+        <a:xfrm>
+          <a:off x="0" y="0"/>
+          <a:ext cx="0" cy="0"/>
+          <a:chOff x="0" y="0"/>
+          <a:chExt cx="0" cy="0"/>
+        </a:xfrm>
+      </p:grpSpPr>
+      <p:sp>
+        <p:nvSpPr>
+          <p:cNvPr id="2" name="Slide Image Placeholder 1"/>
+          <p:cNvSpPr>
+            <a:spLocks noGrp="1" noRot="1" noChangeAspect="1"/>
+          </p:cNvSpPr>
+          <p:nvPr>
+            <p:ph type="sldImg"/>
+          </p:nvPr>
+        </p:nvSpPr>
+        <p:spPr>
+          <a:xfrm>
+            <a:off x="381000" y="685800"/>
+            <a:ext cx="6096000" cy="3429000"/>
+          </a:xfrm>
+        </p:spPr>
+      </p:sp>
+      <p:sp>
+        <p:nvSpPr>
+          <p:cNvPr id="3" name="Notes Placeholder 2"/>
+          <p:cNvSpPr>
+            <a:spLocks noGrp="1"/>
+          </p:cNvSpPr>
+          <p:nvPr>
+            <p:ph type="body" idx="1"/>
+          </p:nvPr>
+        </p:nvSpPr>
+        <p:spPr/>
+        <p:txBody>
+          <a:bodyPr/>
+          <a:lstStyle/>
+          <a:p>
+            <a:r>
+              <a:rPr lang="pt-BR" sz="1200" dirty="0">
+                <a:solidFill>
+                  <a:schemeClr val="bg1"/>
+                </a:solidFill>
+              </a:rPr>
+              <a:t>» Mostrar o projeto </a:t>
+            </a:r>
+            <a:r>
+              <a:rPr lang="pt-BR" sz="1200" b="1" dirty="0" err="1">
+                <a:solidFill>
+                  <a:schemeClr val="bg1"/>
+                </a:solidFill>
+              </a:rPr>
+              <a:t>MessageBox</a:t>
+            </a:r>
+            <a:endParaRPr lang="pt-BR" b="1" dirty="0"/>
+          </a:p>
+        </p:txBody>
+      </p:sp>
+      <p:sp>
+        <p:nvSpPr>
+          <p:cNvPr id="4" name="Slide Number Placeholder 3"/>
+          <p:cNvSpPr>
+            <a:spLocks noGrp="1"/>
+          </p:cNvSpPr>
+          <p:nvPr>
+            <p:ph type="sldNum" sz="quarter" idx="10"/>
+          </p:nvPr>
+        </p:nvSpPr>
+        <p:spPr/>
+        <p:txBody>
+          <a:bodyPr/>
+          <a:lstStyle/>
+          <a:p>
+            <a:fld id="{25732CAE-24FB-40B5-80FE-C0DD30A05A09}" type="slidenum">
+              <a:rPr lang="pt-BR" smtClean="0"/>
               <a:t>26</a:t>
             </a:fld>
             <a:endParaRPr lang="pt-BR"/>
@@ -10856,7 +12554,7 @@
 </p:notes>
 </file>
 
-<file path=ppt/notesSlides/notesSlide18.xml><?xml version="1.0" encoding="utf-8"?>
+<file path=ppt/notesSlides/notesSlide19.xml><?xml version="1.0" encoding="utf-8"?>
 <p:notes xmlns:a="http://schemas.openxmlformats.org/drawingml/2006/main" xmlns:r="http://schemas.openxmlformats.org/officeDocument/2006/relationships" xmlns:p="http://schemas.openxmlformats.org/presentationml/2006/main">
   <p:cSld>
     <p:spTree>
@@ -10945,117 +12643,6 @@
     <p:extLst>
       <p:ext uri="{BB962C8B-B14F-4D97-AF65-F5344CB8AC3E}">
         <p14:creationId xmlns:p14="http://schemas.microsoft.com/office/powerpoint/2010/main" val="969024254"/>
-      </p:ext>
-    </p:extLst>
-  </p:cSld>
-  <p:clrMapOvr>
-    <a:masterClrMapping/>
-  </p:clrMapOvr>
-</p:notes>
-</file>
-
-<file path=ppt/notesSlides/notesSlide19.xml><?xml version="1.0" encoding="utf-8"?>
-<p:notes xmlns:a="http://schemas.openxmlformats.org/drawingml/2006/main" xmlns:r="http://schemas.openxmlformats.org/officeDocument/2006/relationships" xmlns:p="http://schemas.openxmlformats.org/presentationml/2006/main">
-  <p:cSld>
-    <p:spTree>
-      <p:nvGrpSpPr>
-        <p:cNvPr id="1" name=""/>
-        <p:cNvGrpSpPr/>
-        <p:nvPr/>
-      </p:nvGrpSpPr>
-      <p:grpSpPr>
-        <a:xfrm>
-          <a:off x="0" y="0"/>
-          <a:ext cx="0" cy="0"/>
-          <a:chOff x="0" y="0"/>
-          <a:chExt cx="0" cy="0"/>
-        </a:xfrm>
-      </p:grpSpPr>
-      <p:sp>
-        <p:nvSpPr>
-          <p:cNvPr id="2" name="Espaço Reservado para Imagem de Slide 1"/>
-          <p:cNvSpPr>
-            <a:spLocks noGrp="1" noRot="1" noChangeAspect="1"/>
-          </p:cNvSpPr>
-          <p:nvPr>
-            <p:ph type="sldImg"/>
-          </p:nvPr>
-        </p:nvSpPr>
-        <p:spPr/>
-      </p:sp>
-      <p:sp>
-        <p:nvSpPr>
-          <p:cNvPr id="3" name="Espaço Reservado para Anotações 2"/>
-          <p:cNvSpPr>
-            <a:spLocks noGrp="1"/>
-          </p:cNvSpPr>
-          <p:nvPr>
-            <p:ph type="body" idx="1"/>
-          </p:nvPr>
-        </p:nvSpPr>
-        <p:spPr/>
-        <p:txBody>
-          <a:bodyPr/>
-          <a:lstStyle/>
-          <a:p>
-            <a:r>
-              <a:rPr lang="pt-BR" dirty="0" err="1"/>
-              <a:t>TranslateMessage</a:t>
-            </a:r>
-            <a:r>
-              <a:rPr lang="pt-BR" baseline="0" dirty="0"/>
-              <a:t> – traduz os códigos de teclas de “Virtual Key Codes” para o formato WM_CHAR (caractere). </a:t>
-            </a:r>
-          </a:p>
-          <a:p>
-            <a:r>
-              <a:rPr lang="pt-BR" baseline="0" dirty="0" err="1"/>
-              <a:t>DispatchMessage</a:t>
-            </a:r>
-            <a:r>
-              <a:rPr lang="pt-BR" baseline="0" dirty="0"/>
-              <a:t> – despacha as mensagens já traduzidas para a </a:t>
-            </a:r>
-            <a:r>
-              <a:rPr lang="pt-BR" baseline="0" dirty="0" err="1"/>
-              <a:t>Window</a:t>
-            </a:r>
-            <a:r>
-              <a:rPr lang="pt-BR" baseline="0" dirty="0"/>
-              <a:t> Procedure.</a:t>
-            </a:r>
-            <a:endParaRPr lang="pt-BR" dirty="0"/>
-          </a:p>
-        </p:txBody>
-      </p:sp>
-      <p:sp>
-        <p:nvSpPr>
-          <p:cNvPr id="4" name="Espaço Reservado para Número de Slide 3"/>
-          <p:cNvSpPr>
-            <a:spLocks noGrp="1"/>
-          </p:cNvSpPr>
-          <p:nvPr>
-            <p:ph type="sldNum" sz="quarter" idx="10"/>
-          </p:nvPr>
-        </p:nvSpPr>
-        <p:spPr/>
-        <p:txBody>
-          <a:bodyPr/>
-          <a:lstStyle/>
-          <a:p>
-            <a:fld id="{EF334A8D-C5BE-432D-90D0-92D67DD437AB}" type="slidenum">
-              <a:rPr lang="pt-BR" smtClean="0"/>
-              <a:pPr/>
-              <a:t>29</a:t>
-            </a:fld>
-            <a:endParaRPr lang="pt-BR"/>
-          </a:p>
-        </p:txBody>
-      </p:sp>
-    </p:spTree>
-    <p:extLst>
-      <p:ext uri="{BB962C8B-B14F-4D97-AF65-F5344CB8AC3E}">
-        <p14:creationId xmlns:p14="http://schemas.microsoft.com/office/powerpoint/2010/main" val="2797507936"/>
       </p:ext>
     </p:extLst>
   </p:cSld>
@@ -11114,14 +12701,6 @@
           <a:bodyPr/>
           <a:lstStyle/>
           <a:p>
-            <a:r>
-              <a:rPr lang="pt-BR" dirty="0"/>
-              <a:t>Eles acessam uma API que expõe</a:t>
-            </a:r>
-            <a:r>
-              <a:rPr lang="pt-BR" baseline="0" dirty="0"/>
-              <a:t> funcionalidades do sistema operacional e do hardware para a sua aplicação (jogo).</a:t>
-            </a:r>
             <a:endParaRPr lang="pt-BR" dirty="0"/>
           </a:p>
         </p:txBody>
@@ -11144,16 +12723,16 @@
             <a:fld id="{EF334A8D-C5BE-432D-90D0-92D67DD437AB}" type="slidenum">
               <a:rPr lang="pt-BR" smtClean="0"/>
               <a:pPr/>
-              <a:t>4</a:t>
+              <a:t>3</a:t>
             </a:fld>
-            <a:endParaRPr lang="pt-BR"/>
+            <a:endParaRPr lang="pt-BR" dirty="0"/>
           </a:p>
         </p:txBody>
       </p:sp>
     </p:spTree>
     <p:extLst>
       <p:ext uri="{BB962C8B-B14F-4D97-AF65-F5344CB8AC3E}">
-        <p14:creationId xmlns:p14="http://schemas.microsoft.com/office/powerpoint/2010/main" val="1907411696"/>
+        <p14:creationId xmlns:p14="http://schemas.microsoft.com/office/powerpoint/2010/main" val="335834023"/>
       </p:ext>
     </p:extLst>
   </p:cSld>
@@ -11164,6 +12743,117 @@
 </file>
 
 <file path=ppt/notesSlides/notesSlide20.xml><?xml version="1.0" encoding="utf-8"?>
+<p:notes xmlns:a="http://schemas.openxmlformats.org/drawingml/2006/main" xmlns:r="http://schemas.openxmlformats.org/officeDocument/2006/relationships" xmlns:p="http://schemas.openxmlformats.org/presentationml/2006/main">
+  <p:cSld>
+    <p:spTree>
+      <p:nvGrpSpPr>
+        <p:cNvPr id="1" name=""/>
+        <p:cNvGrpSpPr/>
+        <p:nvPr/>
+      </p:nvGrpSpPr>
+      <p:grpSpPr>
+        <a:xfrm>
+          <a:off x="0" y="0"/>
+          <a:ext cx="0" cy="0"/>
+          <a:chOff x="0" y="0"/>
+          <a:chExt cx="0" cy="0"/>
+        </a:xfrm>
+      </p:grpSpPr>
+      <p:sp>
+        <p:nvSpPr>
+          <p:cNvPr id="2" name="Espaço Reservado para Imagem de Slide 1"/>
+          <p:cNvSpPr>
+            <a:spLocks noGrp="1" noRot="1" noChangeAspect="1"/>
+          </p:cNvSpPr>
+          <p:nvPr>
+            <p:ph type="sldImg"/>
+          </p:nvPr>
+        </p:nvSpPr>
+        <p:spPr/>
+      </p:sp>
+      <p:sp>
+        <p:nvSpPr>
+          <p:cNvPr id="3" name="Espaço Reservado para Anotações 2"/>
+          <p:cNvSpPr>
+            <a:spLocks noGrp="1"/>
+          </p:cNvSpPr>
+          <p:nvPr>
+            <p:ph type="body" idx="1"/>
+          </p:nvPr>
+        </p:nvSpPr>
+        <p:spPr/>
+        <p:txBody>
+          <a:bodyPr/>
+          <a:lstStyle/>
+          <a:p>
+            <a:r>
+              <a:rPr lang="pt-BR" dirty="0" err="1"/>
+              <a:t>TranslateMessage</a:t>
+            </a:r>
+            <a:r>
+              <a:rPr lang="pt-BR" baseline="0" dirty="0"/>
+              <a:t> – traduz os códigos de teclas de “Virtual Key Codes” para o formato WM_CHAR (caractere). </a:t>
+            </a:r>
+          </a:p>
+          <a:p>
+            <a:r>
+              <a:rPr lang="pt-BR" baseline="0" dirty="0" err="1"/>
+              <a:t>DispatchMessage</a:t>
+            </a:r>
+            <a:r>
+              <a:rPr lang="pt-BR" baseline="0" dirty="0"/>
+              <a:t> – despacha as mensagens já traduzidas para a </a:t>
+            </a:r>
+            <a:r>
+              <a:rPr lang="pt-BR" baseline="0" dirty="0" err="1"/>
+              <a:t>Window</a:t>
+            </a:r>
+            <a:r>
+              <a:rPr lang="pt-BR" baseline="0" dirty="0"/>
+              <a:t> Procedure.</a:t>
+            </a:r>
+            <a:endParaRPr lang="pt-BR" dirty="0"/>
+          </a:p>
+        </p:txBody>
+      </p:sp>
+      <p:sp>
+        <p:nvSpPr>
+          <p:cNvPr id="4" name="Espaço Reservado para Número de Slide 3"/>
+          <p:cNvSpPr>
+            <a:spLocks noGrp="1"/>
+          </p:cNvSpPr>
+          <p:nvPr>
+            <p:ph type="sldNum" sz="quarter" idx="10"/>
+          </p:nvPr>
+        </p:nvSpPr>
+        <p:spPr/>
+        <p:txBody>
+          <a:bodyPr/>
+          <a:lstStyle/>
+          <a:p>
+            <a:fld id="{EF334A8D-C5BE-432D-90D0-92D67DD437AB}" type="slidenum">
+              <a:rPr lang="pt-BR" smtClean="0"/>
+              <a:pPr/>
+              <a:t>29</a:t>
+            </a:fld>
+            <a:endParaRPr lang="pt-BR"/>
+          </a:p>
+        </p:txBody>
+      </p:sp>
+    </p:spTree>
+    <p:extLst>
+      <p:ext uri="{BB962C8B-B14F-4D97-AF65-F5344CB8AC3E}">
+        <p14:creationId xmlns:p14="http://schemas.microsoft.com/office/powerpoint/2010/main" val="2797507936"/>
+      </p:ext>
+    </p:extLst>
+  </p:cSld>
+  <p:clrMapOvr>
+    <a:masterClrMapping/>
+  </p:clrMapOvr>
+</p:notes>
+</file>
+
+<file path=ppt/notesSlides/notesSlide21.xml><?xml version="1.0" encoding="utf-8"?>
 <p:notes xmlns:a="http://schemas.openxmlformats.org/drawingml/2006/main" xmlns:r="http://schemas.openxmlformats.org/officeDocument/2006/relationships" xmlns:p="http://schemas.openxmlformats.org/presentationml/2006/main">
   <p:cSld>
     <p:spTree>
@@ -11271,127 +12961,6 @@
     <p:extLst>
       <p:ext uri="{BB962C8B-B14F-4D97-AF65-F5344CB8AC3E}">
         <p14:creationId xmlns:p14="http://schemas.microsoft.com/office/powerpoint/2010/main" val="4143898845"/>
-      </p:ext>
-    </p:extLst>
-  </p:cSld>
-  <p:clrMapOvr>
-    <a:masterClrMapping/>
-  </p:clrMapOvr>
-</p:notes>
-</file>
-
-<file path=ppt/notesSlides/notesSlide21.xml><?xml version="1.0" encoding="utf-8"?>
-<p:notes xmlns:a="http://schemas.openxmlformats.org/drawingml/2006/main" xmlns:r="http://schemas.openxmlformats.org/officeDocument/2006/relationships" xmlns:p="http://schemas.openxmlformats.org/presentationml/2006/main">
-  <p:cSld>
-    <p:spTree>
-      <p:nvGrpSpPr>
-        <p:cNvPr id="1" name=""/>
-        <p:cNvGrpSpPr/>
-        <p:nvPr/>
-      </p:nvGrpSpPr>
-      <p:grpSpPr>
-        <a:xfrm>
-          <a:off x="0" y="0"/>
-          <a:ext cx="0" cy="0"/>
-          <a:chOff x="0" y="0"/>
-          <a:chExt cx="0" cy="0"/>
-        </a:xfrm>
-      </p:grpSpPr>
-      <p:sp>
-        <p:nvSpPr>
-          <p:cNvPr id="2" name="Espaço Reservado para Imagem de Slide 1"/>
-          <p:cNvSpPr>
-            <a:spLocks noGrp="1" noRot="1" noChangeAspect="1"/>
-          </p:cNvSpPr>
-          <p:nvPr>
-            <p:ph type="sldImg"/>
-          </p:nvPr>
-        </p:nvSpPr>
-        <p:spPr/>
-      </p:sp>
-      <p:sp>
-        <p:nvSpPr>
-          <p:cNvPr id="3" name="Espaço Reservado para Anotações 2"/>
-          <p:cNvSpPr>
-            <a:spLocks noGrp="1"/>
-          </p:cNvSpPr>
-          <p:nvPr>
-            <p:ph type="body" idx="1"/>
-          </p:nvPr>
-        </p:nvSpPr>
-        <p:spPr/>
-        <p:txBody>
-          <a:bodyPr/>
-          <a:lstStyle/>
-          <a:p>
-            <a:pPr marL="0" marR="0" lvl="0" indent="0" algn="l" defTabSz="914400" rtl="0" eaLnBrk="1" fontAlgn="auto" latinLnBrk="0" hangingPunct="1">
-              <a:lnSpc>
-                <a:spcPct val="100000"/>
-              </a:lnSpc>
-              <a:spcBef>
-                <a:spcPts val="0"/>
-              </a:spcBef>
-              <a:spcAft>
-                <a:spcPts val="0"/>
-              </a:spcAft>
-              <a:buClrTx/>
-              <a:buSzTx/>
-              <a:buFontTx/>
-              <a:buNone/>
-              <a:tabLst/>
-              <a:defRPr/>
-            </a:pPr>
-            <a:r>
-              <a:rPr lang="pt-BR" sz="1200" dirty="0">
-                <a:solidFill>
-                  <a:schemeClr val="bg1"/>
-                </a:solidFill>
-              </a:rPr>
-              <a:t>» Mostrar o projeto </a:t>
-            </a:r>
-            <a:r>
-              <a:rPr lang="pt-BR" sz="1200" b="1" dirty="0" err="1">
-                <a:solidFill>
-                  <a:schemeClr val="bg1"/>
-                </a:solidFill>
-              </a:rPr>
-              <a:t>ProgWindows</a:t>
-            </a:r>
-            <a:endParaRPr lang="pt-BR" b="1" dirty="0"/>
-          </a:p>
-          <a:p>
-            <a:endParaRPr lang="pt-BR" dirty="0"/>
-          </a:p>
-        </p:txBody>
-      </p:sp>
-      <p:sp>
-        <p:nvSpPr>
-          <p:cNvPr id="4" name="Espaço Reservado para Número de Slide 3"/>
-          <p:cNvSpPr>
-            <a:spLocks noGrp="1"/>
-          </p:cNvSpPr>
-          <p:nvPr>
-            <p:ph type="sldNum" sz="quarter" idx="5"/>
-          </p:nvPr>
-        </p:nvSpPr>
-        <p:spPr/>
-        <p:txBody>
-          <a:bodyPr/>
-          <a:lstStyle/>
-          <a:p>
-            <a:fld id="{EF334A8D-C5BE-432D-90D0-92D67DD437AB}" type="slidenum">
-              <a:rPr lang="pt-BR" smtClean="0"/>
-              <a:pPr/>
-              <a:t>42</a:t>
-            </a:fld>
-            <a:endParaRPr lang="pt-BR"/>
-          </a:p>
-        </p:txBody>
-      </p:sp>
-    </p:spTree>
-    <p:extLst>
-      <p:ext uri="{BB962C8B-B14F-4D97-AF65-F5344CB8AC3E}">
-        <p14:creationId xmlns:p14="http://schemas.microsoft.com/office/powerpoint/2010/main" val="2817369726"/>
       </p:ext>
     </p:extLst>
   </p:cSld>
@@ -11476,7 +13045,7 @@
                   <a:schemeClr val="bg1"/>
                 </a:solidFill>
               </a:rPr>
-              <a:t>PalindroWin</a:t>
+              <a:t>ProgWindows</a:t>
             </a:r>
             <a:endParaRPr lang="pt-BR" b="1" dirty="0"/>
           </a:p>
@@ -11503,6 +13072,127 @@
             <a:fld id="{EF334A8D-C5BE-432D-90D0-92D67DD437AB}" type="slidenum">
               <a:rPr lang="pt-BR" smtClean="0"/>
               <a:pPr/>
+              <a:t>42</a:t>
+            </a:fld>
+            <a:endParaRPr lang="pt-BR"/>
+          </a:p>
+        </p:txBody>
+      </p:sp>
+    </p:spTree>
+    <p:extLst>
+      <p:ext uri="{BB962C8B-B14F-4D97-AF65-F5344CB8AC3E}">
+        <p14:creationId xmlns:p14="http://schemas.microsoft.com/office/powerpoint/2010/main" val="2817369726"/>
+      </p:ext>
+    </p:extLst>
+  </p:cSld>
+  <p:clrMapOvr>
+    <a:masterClrMapping/>
+  </p:clrMapOvr>
+</p:notes>
+</file>
+
+<file path=ppt/notesSlides/notesSlide23.xml><?xml version="1.0" encoding="utf-8"?>
+<p:notes xmlns:a="http://schemas.openxmlformats.org/drawingml/2006/main" xmlns:r="http://schemas.openxmlformats.org/officeDocument/2006/relationships" xmlns:p="http://schemas.openxmlformats.org/presentationml/2006/main">
+  <p:cSld>
+    <p:spTree>
+      <p:nvGrpSpPr>
+        <p:cNvPr id="1" name=""/>
+        <p:cNvGrpSpPr/>
+        <p:nvPr/>
+      </p:nvGrpSpPr>
+      <p:grpSpPr>
+        <a:xfrm>
+          <a:off x="0" y="0"/>
+          <a:ext cx="0" cy="0"/>
+          <a:chOff x="0" y="0"/>
+          <a:chExt cx="0" cy="0"/>
+        </a:xfrm>
+      </p:grpSpPr>
+      <p:sp>
+        <p:nvSpPr>
+          <p:cNvPr id="2" name="Espaço Reservado para Imagem de Slide 1"/>
+          <p:cNvSpPr>
+            <a:spLocks noGrp="1" noRot="1" noChangeAspect="1"/>
+          </p:cNvSpPr>
+          <p:nvPr>
+            <p:ph type="sldImg"/>
+          </p:nvPr>
+        </p:nvSpPr>
+        <p:spPr/>
+      </p:sp>
+      <p:sp>
+        <p:nvSpPr>
+          <p:cNvPr id="3" name="Espaço Reservado para Anotações 2"/>
+          <p:cNvSpPr>
+            <a:spLocks noGrp="1"/>
+          </p:cNvSpPr>
+          <p:nvPr>
+            <p:ph type="body" idx="1"/>
+          </p:nvPr>
+        </p:nvSpPr>
+        <p:spPr/>
+        <p:txBody>
+          <a:bodyPr/>
+          <a:lstStyle/>
+          <a:p>
+            <a:pPr marL="0" marR="0" lvl="0" indent="0" algn="l" defTabSz="914400" rtl="0" eaLnBrk="1" fontAlgn="auto" latinLnBrk="0" hangingPunct="1">
+              <a:lnSpc>
+                <a:spcPct val="100000"/>
+              </a:lnSpc>
+              <a:spcBef>
+                <a:spcPts val="0"/>
+              </a:spcBef>
+              <a:spcAft>
+                <a:spcPts val="0"/>
+              </a:spcAft>
+              <a:buClrTx/>
+              <a:buSzTx/>
+              <a:buFontTx/>
+              <a:buNone/>
+              <a:tabLst/>
+              <a:defRPr/>
+            </a:pPr>
+            <a:r>
+              <a:rPr lang="pt-BR" sz="1200" dirty="0">
+                <a:solidFill>
+                  <a:schemeClr val="bg1"/>
+                </a:solidFill>
+              </a:rPr>
+              <a:t>» Mostrar o projeto </a:t>
+            </a:r>
+            <a:r>
+              <a:rPr lang="pt-BR" sz="1200" b="1" dirty="0" err="1">
+                <a:solidFill>
+                  <a:schemeClr val="bg1"/>
+                </a:solidFill>
+              </a:rPr>
+              <a:t>PalindroWin</a:t>
+            </a:r>
+            <a:endParaRPr lang="pt-BR" b="1" dirty="0"/>
+          </a:p>
+          <a:p>
+            <a:endParaRPr lang="pt-BR" dirty="0"/>
+          </a:p>
+        </p:txBody>
+      </p:sp>
+      <p:sp>
+        <p:nvSpPr>
+          <p:cNvPr id="4" name="Espaço Reservado para Número de Slide 3"/>
+          <p:cNvSpPr>
+            <a:spLocks noGrp="1"/>
+          </p:cNvSpPr>
+          <p:nvPr>
+            <p:ph type="sldNum" sz="quarter" idx="5"/>
+          </p:nvPr>
+        </p:nvSpPr>
+        <p:spPr/>
+        <p:txBody>
+          <a:bodyPr/>
+          <a:lstStyle/>
+          <a:p>
+            <a:fld id="{EF334A8D-C5BE-432D-90D0-92D67DD437AB}" type="slidenum">
+              <a:rPr lang="pt-BR" smtClean="0"/>
+              <a:pPr/>
               <a:t>43</a:t>
             </a:fld>
             <a:endParaRPr lang="pt-BR"/>
@@ -11523,6 +13213,104 @@
 </file>
 
 <file path=ppt/notesSlides/notesSlide3.xml><?xml version="1.0" encoding="utf-8"?>
+<p:notes xmlns:a="http://schemas.openxmlformats.org/drawingml/2006/main" xmlns:r="http://schemas.openxmlformats.org/officeDocument/2006/relationships" xmlns:p="http://schemas.openxmlformats.org/presentationml/2006/main">
+  <p:cSld>
+    <p:spTree>
+      <p:nvGrpSpPr>
+        <p:cNvPr id="1" name=""/>
+        <p:cNvGrpSpPr/>
+        <p:nvPr/>
+      </p:nvGrpSpPr>
+      <p:grpSpPr>
+        <a:xfrm>
+          <a:off x="0" y="0"/>
+          <a:ext cx="0" cy="0"/>
+          <a:chOff x="0" y="0"/>
+          <a:chExt cx="0" cy="0"/>
+        </a:xfrm>
+      </p:grpSpPr>
+      <p:sp>
+        <p:nvSpPr>
+          <p:cNvPr id="2" name="Espaço Reservado para Imagem de Slide 1"/>
+          <p:cNvSpPr>
+            <a:spLocks noGrp="1" noRot="1" noChangeAspect="1"/>
+          </p:cNvSpPr>
+          <p:nvPr>
+            <p:ph type="sldImg"/>
+          </p:nvPr>
+        </p:nvSpPr>
+        <p:spPr>
+          <a:xfrm>
+            <a:off x="381000" y="685800"/>
+            <a:ext cx="6096000" cy="3429000"/>
+          </a:xfrm>
+        </p:spPr>
+      </p:sp>
+      <p:sp>
+        <p:nvSpPr>
+          <p:cNvPr id="3" name="Espaço Reservado para Anotações 2"/>
+          <p:cNvSpPr>
+            <a:spLocks noGrp="1"/>
+          </p:cNvSpPr>
+          <p:nvPr>
+            <p:ph type="body" idx="1"/>
+          </p:nvPr>
+        </p:nvSpPr>
+        <p:spPr/>
+        <p:txBody>
+          <a:bodyPr/>
+          <a:lstStyle/>
+          <a:p>
+            <a:r>
+              <a:rPr lang="pt-BR" dirty="0"/>
+              <a:t>Eles acessam uma API que expõe</a:t>
+            </a:r>
+            <a:r>
+              <a:rPr lang="pt-BR" baseline="0" dirty="0"/>
+              <a:t> funcionalidades do sistema operacional e do hardware para a sua aplicação (jogo).</a:t>
+            </a:r>
+            <a:endParaRPr lang="pt-BR" dirty="0"/>
+          </a:p>
+        </p:txBody>
+      </p:sp>
+      <p:sp>
+        <p:nvSpPr>
+          <p:cNvPr id="4" name="Espaço Reservado para Número de Slide 3"/>
+          <p:cNvSpPr>
+            <a:spLocks noGrp="1"/>
+          </p:cNvSpPr>
+          <p:nvPr>
+            <p:ph type="sldNum" sz="quarter" idx="10"/>
+          </p:nvPr>
+        </p:nvSpPr>
+        <p:spPr/>
+        <p:txBody>
+          <a:bodyPr/>
+          <a:lstStyle/>
+          <a:p>
+            <a:fld id="{EF334A8D-C5BE-432D-90D0-92D67DD437AB}" type="slidenum">
+              <a:rPr lang="pt-BR" smtClean="0"/>
+              <a:pPr/>
+              <a:t>4</a:t>
+            </a:fld>
+            <a:endParaRPr lang="pt-BR"/>
+          </a:p>
+        </p:txBody>
+      </p:sp>
+    </p:spTree>
+    <p:extLst>
+      <p:ext uri="{BB962C8B-B14F-4D97-AF65-F5344CB8AC3E}">
+        <p14:creationId xmlns:p14="http://schemas.microsoft.com/office/powerpoint/2010/main" val="1907411696"/>
+      </p:ext>
+    </p:extLst>
+  </p:cSld>
+  <p:clrMapOvr>
+    <a:masterClrMapping/>
+  </p:clrMapOvr>
+</p:notes>
+</file>
+
+<file path=ppt/notesSlides/notesSlide4.xml><?xml version="1.0" encoding="utf-8"?>
 <p:notes xmlns:a="http://schemas.openxmlformats.org/drawingml/2006/main" xmlns:r="http://schemas.openxmlformats.org/officeDocument/2006/relationships" xmlns:p="http://schemas.openxmlformats.org/presentationml/2006/main">
   <p:cSld>
     <p:spTree>
@@ -11605,107 +13393,6 @@
     <p:extLst>
       <p:ext uri="{BB962C8B-B14F-4D97-AF65-F5344CB8AC3E}">
         <p14:creationId xmlns:p14="http://schemas.microsoft.com/office/powerpoint/2010/main" val="2109707354"/>
-      </p:ext>
-    </p:extLst>
-  </p:cSld>
-  <p:clrMapOvr>
-    <a:masterClrMapping/>
-  </p:clrMapOvr>
-</p:notes>
-</file>
-
-<file path=ppt/notesSlides/notesSlide4.xml><?xml version="1.0" encoding="utf-8"?>
-<p:notes xmlns:a="http://schemas.openxmlformats.org/drawingml/2006/main" xmlns:r="http://schemas.openxmlformats.org/officeDocument/2006/relationships" xmlns:p="http://schemas.openxmlformats.org/presentationml/2006/main">
-  <p:cSld>
-    <p:spTree>
-      <p:nvGrpSpPr>
-        <p:cNvPr id="1" name=""/>
-        <p:cNvGrpSpPr/>
-        <p:nvPr/>
-      </p:nvGrpSpPr>
-      <p:grpSpPr>
-        <a:xfrm>
-          <a:off x="0" y="0"/>
-          <a:ext cx="0" cy="0"/>
-          <a:chOff x="0" y="0"/>
-          <a:chExt cx="0" cy="0"/>
-        </a:xfrm>
-      </p:grpSpPr>
-      <p:sp>
-        <p:nvSpPr>
-          <p:cNvPr id="2" name="Espaço Reservado para Imagem de Slide 1"/>
-          <p:cNvSpPr>
-            <a:spLocks noGrp="1" noRot="1" noChangeAspect="1"/>
-          </p:cNvSpPr>
-          <p:nvPr>
-            <p:ph type="sldImg"/>
-          </p:nvPr>
-        </p:nvSpPr>
-        <p:spPr>
-          <a:xfrm>
-            <a:off x="381000" y="685800"/>
-            <a:ext cx="6096000" cy="3429000"/>
-          </a:xfrm>
-        </p:spPr>
-      </p:sp>
-      <p:sp>
-        <p:nvSpPr>
-          <p:cNvPr id="3" name="Espaço Reservado para Anotações 2"/>
-          <p:cNvSpPr>
-            <a:spLocks noGrp="1"/>
-          </p:cNvSpPr>
-          <p:nvPr>
-            <p:ph type="body" idx="1"/>
-          </p:nvPr>
-        </p:nvSpPr>
-        <p:spPr/>
-        <p:txBody>
-          <a:bodyPr/>
-          <a:lstStyle/>
-          <a:p>
-            <a:r>
-              <a:rPr lang="pt-BR" baseline="0" dirty="0"/>
-              <a:t>*</a:t>
-            </a:r>
-            <a:r>
-              <a:rPr lang="pt-BR" baseline="30000" dirty="0"/>
-              <a:t> </a:t>
-            </a:r>
-            <a:r>
-              <a:rPr lang="pt-BR" baseline="0" dirty="0"/>
-              <a:t>No Visual C++ até a biblioteca padrão da linguagem é uma DLL. Se o programador quiser inserir a biblioteca no programa é preciso mudar uma opção no compilador.</a:t>
-            </a:r>
-            <a:endParaRPr lang="pt-BR" dirty="0"/>
-          </a:p>
-        </p:txBody>
-      </p:sp>
-      <p:sp>
-        <p:nvSpPr>
-          <p:cNvPr id="4" name="Espaço Reservado para Número de Slide 3"/>
-          <p:cNvSpPr>
-            <a:spLocks noGrp="1"/>
-          </p:cNvSpPr>
-          <p:nvPr>
-            <p:ph type="sldNum" sz="quarter" idx="10"/>
-          </p:nvPr>
-        </p:nvSpPr>
-        <p:spPr/>
-        <p:txBody>
-          <a:bodyPr/>
-          <a:lstStyle/>
-          <a:p>
-            <a:fld id="{25732CAE-24FB-40B5-80FE-C0DD30A05A09}" type="slidenum">
-              <a:rPr lang="pt-BR" smtClean="0"/>
-              <a:t>8</a:t>
-            </a:fld>
-            <a:endParaRPr lang="pt-BR"/>
-          </a:p>
-        </p:txBody>
-      </p:sp>
-    </p:spTree>
-    <p:extLst>
-      <p:ext uri="{BB962C8B-B14F-4D97-AF65-F5344CB8AC3E}">
-        <p14:creationId xmlns:p14="http://schemas.microsoft.com/office/powerpoint/2010/main" val="3458943591"/>
       </p:ext>
     </p:extLst>
   </p:cSld>
@@ -11765,44 +13452,16 @@
           <a:lstStyle/>
           <a:p>
             <a:r>
-              <a:rPr lang="pt-BR" dirty="0" err="1"/>
-              <a:t>void</a:t>
-            </a:r>
-            <a:r>
-              <a:rPr lang="pt-BR" dirty="0"/>
+              <a:rPr lang="pt-BR" baseline="0" dirty="0"/>
+              <a:t>*</a:t>
+            </a:r>
+            <a:r>
+              <a:rPr lang="pt-BR" baseline="30000" dirty="0"/>
               <a:t> </a:t>
             </a:r>
             <a:r>
-              <a:rPr lang="pt-BR" dirty="0" err="1"/>
-              <a:t>main</a:t>
-            </a:r>
-            <a:r>
-              <a:rPr lang="pt-BR" dirty="0"/>
-              <a:t> (</a:t>
-            </a:r>
-            <a:r>
-              <a:rPr lang="pt-BR" dirty="0" err="1"/>
-              <a:t>int</a:t>
-            </a:r>
-            <a:r>
               <a:rPr lang="pt-BR" baseline="0" dirty="0"/>
-              <a:t> </a:t>
-            </a:r>
-            <a:r>
-              <a:rPr lang="pt-BR" baseline="0" dirty="0" err="1"/>
-              <a:t>argc</a:t>
-            </a:r>
-            <a:r>
-              <a:rPr lang="pt-BR" baseline="0" dirty="0"/>
-              <a:t>, char ** </a:t>
-            </a:r>
-            <a:r>
-              <a:rPr lang="pt-BR" baseline="0" dirty="0" err="1"/>
-              <a:t>argv</a:t>
-            </a:r>
-            <a:r>
-              <a:rPr lang="pt-BR" baseline="0" dirty="0"/>
-              <a:t>)</a:t>
+              <a:t>No Visual C++ até a biblioteca padrão da linguagem é uma DLL. Se o programador quiser inserir a biblioteca no programa é preciso mudar uma opção no compilador.</a:t>
             </a:r>
             <a:endParaRPr lang="pt-BR" dirty="0"/>
           </a:p>
@@ -11825,7 +13484,7 @@
           <a:p>
             <a:fld id="{25732CAE-24FB-40B5-80FE-C0DD30A05A09}" type="slidenum">
               <a:rPr lang="pt-BR" smtClean="0"/>
-              <a:t>9</a:t>
+              <a:t>8</a:t>
             </a:fld>
             <a:endParaRPr lang="pt-BR"/>
           </a:p>
@@ -11834,7 +13493,7 @@
     </p:spTree>
     <p:extLst>
       <p:ext uri="{BB962C8B-B14F-4D97-AF65-F5344CB8AC3E}">
-        <p14:creationId xmlns:p14="http://schemas.microsoft.com/office/powerpoint/2010/main" val="2842100208"/>
+        <p14:creationId xmlns:p14="http://schemas.microsoft.com/office/powerpoint/2010/main" val="3458943591"/>
       </p:ext>
     </p:extLst>
   </p:cSld>
@@ -11863,7 +13522,7 @@
       </p:grpSpPr>
       <p:sp>
         <p:nvSpPr>
-          <p:cNvPr id="2" name="Slide Image Placeholder 1"/>
+          <p:cNvPr id="2" name="Espaço Reservado para Imagem de Slide 1"/>
           <p:cNvSpPr>
             <a:spLocks noGrp="1" noRot="1" noChangeAspect="1"/>
           </p:cNvSpPr>
@@ -11880,7 +13539,7 @@
       </p:sp>
       <p:sp>
         <p:nvSpPr>
-          <p:cNvPr id="3" name="Notes Placeholder 2"/>
+          <p:cNvPr id="3" name="Espaço Reservado para Anotações 2"/>
           <p:cNvSpPr>
             <a:spLocks noGrp="1"/>
           </p:cNvSpPr>
@@ -11890,21 +13549,56 @@
         </p:nvSpPr>
         <p:spPr/>
         <p:txBody>
-          <a:bodyPr>
-            <a:normAutofit/>
-          </a:bodyPr>
+          <a:bodyPr/>
           <a:lstStyle/>
           <a:p>
             <a:r>
+              <a:rPr lang="pt-BR" dirty="0" err="1"/>
+              <a:t>void</a:t>
+            </a:r>
+            <a:r>
               <a:rPr lang="pt-BR" dirty="0"/>
-              <a:t>No Visual Studio todo programa deve fazer parte de um projeto.</a:t>
-            </a:r>
+              <a:t> </a:t>
+            </a:r>
+            <a:r>
+              <a:rPr lang="pt-BR" dirty="0" err="1"/>
+              <a:t>main</a:t>
+            </a:r>
+            <a:r>
+              <a:rPr lang="pt-BR" dirty="0"/>
+              <a:t> (</a:t>
+            </a:r>
+            <a:r>
+              <a:rPr lang="pt-BR" dirty="0" err="1"/>
+              <a:t>int</a:t>
+            </a:r>
+            <a:r>
+              <a:rPr lang="pt-BR" baseline="0" dirty="0"/>
+              <a:t> </a:t>
+            </a:r>
+            <a:r>
+              <a:rPr lang="pt-BR" baseline="0" dirty="0" err="1"/>
+              <a:t>argc</a:t>
+            </a:r>
+            <a:r>
+              <a:rPr lang="pt-BR" baseline="0" dirty="0"/>
+              <a:t>, char ** </a:t>
+            </a:r>
+            <a:r>
+              <a:rPr lang="pt-BR" baseline="0" dirty="0" err="1"/>
+              <a:t>argv</a:t>
+            </a:r>
+            <a:r>
+              <a:rPr lang="pt-BR" baseline="0" dirty="0"/>
+              <a:t>)</a:t>
+            </a:r>
+            <a:endParaRPr lang="pt-BR" dirty="0"/>
           </a:p>
         </p:txBody>
       </p:sp>
       <p:sp>
         <p:nvSpPr>
-          <p:cNvPr id="4" name="Slide Number Placeholder 3"/>
+          <p:cNvPr id="4" name="Espaço Reservado para Número de Slide 3"/>
           <p:cNvSpPr>
             <a:spLocks noGrp="1"/>
           </p:cNvSpPr>
@@ -11917,10 +13611,9 @@
           <a:bodyPr/>
           <a:lstStyle/>
           <a:p>
-            <a:fld id="{6AF2F81C-3F53-42F9-BE4C-7ED0FD39D783}" type="slidenum">
+            <a:fld id="{25732CAE-24FB-40B5-80FE-C0DD30A05A09}" type="slidenum">
               <a:rPr lang="pt-BR" smtClean="0"/>
-              <a:pPr/>
-              <a:t>12</a:t>
+              <a:t>9</a:t>
             </a:fld>
             <a:endParaRPr lang="pt-BR"/>
           </a:p>
@@ -11929,7 +13622,7 @@
     </p:spTree>
     <p:extLst>
       <p:ext uri="{BB962C8B-B14F-4D97-AF65-F5344CB8AC3E}">
-        <p14:creationId xmlns:p14="http://schemas.microsoft.com/office/powerpoint/2010/main" val="3636461834"/>
+        <p14:creationId xmlns:p14="http://schemas.microsoft.com/office/powerpoint/2010/main" val="2842100208"/>
       </p:ext>
     </p:extLst>
   </p:cSld>
@@ -11992,7 +13685,7 @@
           <a:p>
             <a:r>
               <a:rPr lang="pt-BR" dirty="0"/>
-              <a:t>Esse assistente cria um projeto que utiliza a biblioteca Win32</a:t>
+              <a:t>No Visual Studio todo programa deve fazer parte de um projeto.</a:t>
             </a:r>
           </a:p>
         </p:txBody>
@@ -12015,7 +13708,7 @@
             <a:fld id="{6AF2F81C-3F53-42F9-BE4C-7ED0FD39D783}" type="slidenum">
               <a:rPr lang="pt-BR" smtClean="0"/>
               <a:pPr/>
-              <a:t>14</a:t>
+              <a:t>12</a:t>
             </a:fld>
             <a:endParaRPr lang="pt-BR"/>
           </a:p>
@@ -12024,7 +13717,7 @@
     </p:spTree>
     <p:extLst>
       <p:ext uri="{BB962C8B-B14F-4D97-AF65-F5344CB8AC3E}">
-        <p14:creationId xmlns:p14="http://schemas.microsoft.com/office/powerpoint/2010/main" val="1457690364"/>
+        <p14:creationId xmlns:p14="http://schemas.microsoft.com/office/powerpoint/2010/main" val="3636461834"/>
       </p:ext>
     </p:extLst>
   </p:cSld>
@@ -12087,58 +13780,8 @@
           <a:p>
             <a:r>
               <a:rPr lang="pt-BR" dirty="0"/>
-              <a:t>O guia de criação</a:t>
-            </a:r>
-            <a:r>
-              <a:rPr lang="pt-BR" baseline="0" dirty="0"/>
-              <a:t> de projetos para Desktop será mostrada. </a:t>
-            </a:r>
-          </a:p>
-          <a:p>
-            <a:endParaRPr lang="pt-BR" baseline="0" dirty="0"/>
-          </a:p>
-          <a:p>
-            <a:r>
-              <a:rPr lang="pt-BR" baseline="0" dirty="0"/>
-              <a:t>A opção SDL faz com que o compilador faça algumas verificações de segurança no código:</a:t>
-            </a:r>
-          </a:p>
-          <a:p>
-            <a:pPr marL="171450" indent="-171450">
-              <a:buFontTx/>
-              <a:buChar char="-"/>
-            </a:pPr>
-            <a:r>
-              <a:rPr lang="pt-BR" baseline="0" dirty="0"/>
-              <a:t>Transforma algumas mensagens de “</a:t>
-            </a:r>
-            <a:r>
-              <a:rPr lang="pt-BR" baseline="0" dirty="0" err="1"/>
-              <a:t>warning</a:t>
-            </a:r>
-            <a:r>
-              <a:rPr lang="pt-BR" baseline="0" dirty="0"/>
-              <a:t>” em erros na compilação</a:t>
-            </a:r>
-          </a:p>
-          <a:p>
-            <a:pPr marL="171450" indent="-171450">
-              <a:buFontTx/>
-              <a:buChar char="-"/>
-            </a:pPr>
-            <a:r>
-              <a:rPr lang="pt-BR" baseline="0" dirty="0"/>
-              <a:t>Na geração de código, traz proteção adicional contra “buffer </a:t>
-            </a:r>
-            <a:r>
-              <a:rPr lang="pt-BR" baseline="0" dirty="0" err="1"/>
-              <a:t>overrun</a:t>
-            </a:r>
-            <a:r>
-              <a:rPr lang="pt-BR" baseline="0" dirty="0"/>
-              <a:t>” e faz sanitização/inicialização de ponteiros em alguns cenários conhecidos.</a:t>
-            </a:r>
-            <a:endParaRPr lang="pt-BR" dirty="0"/>
+              <a:t>Esse assistente cria um projeto que utiliza a biblioteca Win32</a:t>
+            </a:r>
           </a:p>
         </p:txBody>
       </p:sp>
@@ -12160,7 +13803,7 @@
             <a:fld id="{6AF2F81C-3F53-42F9-BE4C-7ED0FD39D783}" type="slidenum">
               <a:rPr lang="pt-BR" smtClean="0"/>
               <a:pPr/>
-              <a:t>15</a:t>
+              <a:t>14</a:t>
             </a:fld>
             <a:endParaRPr lang="pt-BR"/>
           </a:p>
@@ -12169,7 +13812,7 @@
     </p:spTree>
     <p:extLst>
       <p:ext uri="{BB962C8B-B14F-4D97-AF65-F5344CB8AC3E}">
-        <p14:creationId xmlns:p14="http://schemas.microsoft.com/office/powerpoint/2010/main" val="3110747411"/>
+        <p14:creationId xmlns:p14="http://schemas.microsoft.com/office/powerpoint/2010/main" val="1457690364"/>
       </p:ext>
     </p:extLst>
   </p:cSld>
@@ -12232,23 +13875,56 @@
           <a:p>
             <a:r>
               <a:rPr lang="pt-BR" dirty="0"/>
-              <a:t>Os programas serão escritos dentro de arquivos com a extensão .</a:t>
-            </a:r>
-            <a:r>
-              <a:rPr lang="pt-BR" dirty="0" err="1"/>
-              <a:t>cpp</a:t>
-            </a:r>
-            <a:r>
-              <a:rPr lang="pt-BR" dirty="0"/>
-              <a:t> e devem ser adicionados em Arquivos de Origem (</a:t>
-            </a:r>
-            <a:r>
-              <a:rPr lang="pt-BR" dirty="0" err="1"/>
-              <a:t>Source</a:t>
+              <a:t>O guia de criação</a:t>
             </a:r>
             <a:r>
               <a:rPr lang="pt-BR" baseline="0" dirty="0"/>
-              <a:t> Files).</a:t>
+              <a:t> de projetos para Desktop será mostrada. </a:t>
+            </a:r>
+          </a:p>
+          <a:p>
+            <a:endParaRPr lang="pt-BR" baseline="0" dirty="0"/>
+          </a:p>
+          <a:p>
+            <a:r>
+              <a:rPr lang="pt-BR" baseline="0" dirty="0"/>
+              <a:t>A opção SDL faz com que o compilador faça algumas verificações de segurança no código:</a:t>
+            </a:r>
+          </a:p>
+          <a:p>
+            <a:pPr marL="171450" indent="-171450">
+              <a:buFontTx/>
+              <a:buChar char="-"/>
+            </a:pPr>
+            <a:r>
+              <a:rPr lang="pt-BR" baseline="0" dirty="0"/>
+              <a:t>Transforma algumas mensagens de “</a:t>
+            </a:r>
+            <a:r>
+              <a:rPr lang="pt-BR" baseline="0" dirty="0" err="1"/>
+              <a:t>warning</a:t>
+            </a:r>
+            <a:r>
+              <a:rPr lang="pt-BR" baseline="0" dirty="0"/>
+              <a:t>” em erros na compilação</a:t>
+            </a:r>
+          </a:p>
+          <a:p>
+            <a:pPr marL="171450" indent="-171450">
+              <a:buFontTx/>
+              <a:buChar char="-"/>
+            </a:pPr>
+            <a:r>
+              <a:rPr lang="pt-BR" baseline="0" dirty="0"/>
+              <a:t>Na geração de código, traz proteção adicional contra “buffer </a:t>
+            </a:r>
+            <a:r>
+              <a:rPr lang="pt-BR" baseline="0" dirty="0" err="1"/>
+              <a:t>overrun</a:t>
+            </a:r>
+            <a:r>
+              <a:rPr lang="pt-BR" baseline="0" dirty="0"/>
+              <a:t>” e faz sanitização/inicialização de ponteiros em alguns cenários conhecidos.</a:t>
             </a:r>
             <a:endParaRPr lang="pt-BR" dirty="0"/>
           </a:p>
@@ -12272,7 +13948,7 @@
             <a:fld id="{6AF2F81C-3F53-42F9-BE4C-7ED0FD39D783}" type="slidenum">
               <a:rPr lang="pt-BR" smtClean="0"/>
               <a:pPr/>
-              <a:t>16</a:t>
+              <a:t>15</a:t>
             </a:fld>
             <a:endParaRPr lang="pt-BR"/>
           </a:p>
@@ -12281,7 +13957,7 @@
     </p:spTree>
     <p:extLst>
       <p:ext uri="{BB962C8B-B14F-4D97-AF65-F5344CB8AC3E}">
-        <p14:creationId xmlns:p14="http://schemas.microsoft.com/office/powerpoint/2010/main" val="2411561625"/>
+        <p14:creationId xmlns:p14="http://schemas.microsoft.com/office/powerpoint/2010/main" val="3110747411"/>
       </p:ext>
     </p:extLst>
   </p:cSld>
@@ -12430,10 +14106,421 @@
       </p:sp>
       <p:sp>
         <p:nvSpPr>
-          <p:cNvPr id="23" name="Forma livre 12">
+          <p:cNvPr id="28" name="Título 8">
             <a:extLst>
               <a:ext uri="{FF2B5EF4-FFF2-40B4-BE49-F238E27FC236}">
-                <a16:creationId xmlns:a16="http://schemas.microsoft.com/office/drawing/2014/main" id="{33DF5570-8256-4FE0-8B2A-377730BECF00}"/>
+                <a16:creationId xmlns:a16="http://schemas.microsoft.com/office/drawing/2014/main" id="{79F30E31-FA5C-44B4-87A6-871581E95D44}"/>
+              </a:ext>
+            </a:extLst>
+          </p:cNvPr>
+          <p:cNvSpPr>
+            <a:spLocks noGrp="1"/>
+          </p:cNvSpPr>
+          <p:nvPr>
+            <p:ph type="ctrTitle"/>
+          </p:nvPr>
+        </p:nvSpPr>
+        <p:spPr>
+          <a:xfrm>
+            <a:off x="914400" y="1752602"/>
+            <a:ext cx="10363200" cy="1829761"/>
+          </a:xfrm>
+        </p:spPr>
+        <p:txBody>
+          <a:bodyPr vert="horz" anchor="b">
+            <a:normAutofit/>
+            <a:scene3d>
+              <a:camera prst="orthographicFront"/>
+              <a:lightRig rig="soft" dir="t"/>
+            </a:scene3d>
+            <a:sp3d prstMaterial="softEdge">
+              <a:bevelT w="25400" h="25400"/>
+            </a:sp3d>
+          </a:bodyPr>
+          <a:lstStyle>
+            <a:lvl1pPr algn="l">
+              <a:defRPr sz="4800" b="1">
+                <a:solidFill>
+                  <a:schemeClr val="tx2">
+                    <a:lumMod val="40000"/>
+                    <a:lumOff val="60000"/>
+                  </a:schemeClr>
+                </a:solidFill>
+                <a:effectLst>
+                  <a:outerShdw blurRad="31750" dist="25400" dir="5400000" algn="tl" rotWithShape="0">
+                    <a:srgbClr val="000000">
+                      <a:alpha val="25000"/>
+                    </a:srgbClr>
+                  </a:outerShdw>
+                </a:effectLst>
+              </a:defRPr>
+            </a:lvl1pPr>
+            <a:extLst/>
+          </a:lstStyle>
+          <a:p>
+            <a:r>
+              <a:rPr kumimoji="0" lang="pt-BR" dirty="0"/>
+              <a:t>Clique para editar o título mestre</a:t>
+            </a:r>
+            <a:endParaRPr kumimoji="0" lang="en-US" dirty="0"/>
+          </a:p>
+        </p:txBody>
+      </p:sp>
+      <p:sp>
+        <p:nvSpPr>
+          <p:cNvPr id="29" name="Subtítulo 16">
+            <a:extLst>
+              <a:ext uri="{FF2B5EF4-FFF2-40B4-BE49-F238E27FC236}">
+                <a16:creationId xmlns:a16="http://schemas.microsoft.com/office/drawing/2014/main" id="{3C8CF51F-A047-47E5-9D97-4B9DB140C9FC}"/>
+              </a:ext>
+            </a:extLst>
+          </p:cNvPr>
+          <p:cNvSpPr>
+            <a:spLocks noGrp="1"/>
+          </p:cNvSpPr>
+          <p:nvPr>
+            <p:ph type="subTitle" idx="1" hasCustomPrompt="1"/>
+          </p:nvPr>
+        </p:nvSpPr>
+        <p:spPr>
+          <a:xfrm>
+            <a:off x="914400" y="3611607"/>
+            <a:ext cx="10363200" cy="1199704"/>
+          </a:xfrm>
+        </p:spPr>
+        <p:txBody>
+          <a:bodyPr lIns="108000" tIns="72000" rIns="108000" bIns="72000"/>
+          <a:lstStyle>
+            <a:lvl1pPr marL="0" marR="64008" indent="0" algn="l">
+              <a:buNone/>
+              <a:defRPr>
+                <a:solidFill>
+                  <a:schemeClr val="tx2">
+                    <a:lumMod val="75000"/>
+                  </a:schemeClr>
+                </a:solidFill>
+              </a:defRPr>
+            </a:lvl1pPr>
+            <a:lvl2pPr marL="457200" indent="0" algn="ctr">
+              <a:buNone/>
+            </a:lvl2pPr>
+            <a:lvl3pPr marL="914400" indent="0" algn="ctr">
+              <a:buNone/>
+            </a:lvl3pPr>
+            <a:lvl4pPr marL="1371600" indent="0" algn="ctr">
+              <a:buNone/>
+            </a:lvl4pPr>
+            <a:lvl5pPr marL="1828800" indent="0" algn="ctr">
+              <a:buNone/>
+            </a:lvl5pPr>
+            <a:lvl6pPr marL="2286000" indent="0" algn="ctr">
+              <a:buNone/>
+            </a:lvl6pPr>
+            <a:lvl7pPr marL="2743200" indent="0" algn="ctr">
+              <a:buNone/>
+            </a:lvl7pPr>
+            <a:lvl8pPr marL="3200400" indent="0" algn="ctr">
+              <a:buNone/>
+            </a:lvl8pPr>
+            <a:lvl9pPr marL="3657600" indent="0" algn="ctr">
+              <a:buNone/>
+            </a:lvl9pPr>
+            <a:extLst/>
+          </a:lstStyle>
+          <a:p>
+            <a:r>
+              <a:rPr kumimoji="0" lang="pt-BR" dirty="0"/>
+              <a:t>Clique para editar o estilo do subtítulo mestre</a:t>
+            </a:r>
+            <a:endParaRPr kumimoji="0" lang="en-US" dirty="0"/>
+          </a:p>
+        </p:txBody>
+      </p:sp>
+      <p:sp>
+        <p:nvSpPr>
+          <p:cNvPr id="14" name="Triângulo retângulo 13">
+            <a:extLst>
+              <a:ext uri="{FF2B5EF4-FFF2-40B4-BE49-F238E27FC236}">
+                <a16:creationId xmlns:a16="http://schemas.microsoft.com/office/drawing/2014/main" id="{FD21A46A-43A2-8840-83D7-223B3FA855C2}"/>
+              </a:ext>
+            </a:extLst>
+          </p:cNvPr>
+          <p:cNvSpPr>
+            <a:spLocks/>
+          </p:cNvSpPr>
+          <p:nvPr userDrawn="1"/>
+        </p:nvSpPr>
+        <p:spPr bwMode="auto">
+          <a:xfrm rot="10800000" flipH="1">
+            <a:off x="0" y="-5"/>
+            <a:ext cx="6600056" cy="836713"/>
+          </a:xfrm>
+          <a:prstGeom prst="rtTriangle">
+            <a:avLst/>
+          </a:prstGeom>
+          <a:blipFill>
+            <a:blip r:embed="rId2">
+              <a:alphaModFix amt="50000"/>
+            </a:blip>
+            <a:tile tx="0" ty="0" sx="50000" sy="50000" flip="none" algn="t"/>
+          </a:blipFill>
+          <a:ln w="12700" cap="rnd" cmpd="thickThin" algn="ctr">
+            <a:noFill/>
+            <a:prstDash val="solid"/>
+          </a:ln>
+          <a:effectLst>
+            <a:fillOverlay blend="mult">
+              <a:gradFill flip="none" rotWithShape="1">
+                <a:gsLst>
+                  <a:gs pos="0">
+                    <a:schemeClr val="accent1">
+                      <a:shade val="20000"/>
+                      <a:satMod val="176000"/>
+                      <a:alpha val="100000"/>
+                    </a:schemeClr>
+                  </a:gs>
+                  <a:gs pos="18000">
+                    <a:schemeClr val="accent1">
+                      <a:shade val="48000"/>
+                      <a:satMod val="153000"/>
+                      <a:alpha val="100000"/>
+                    </a:schemeClr>
+                  </a:gs>
+                  <a:gs pos="43000">
+                    <a:schemeClr val="accent1">
+                      <a:tint val="86000"/>
+                      <a:satMod val="149000"/>
+                      <a:alpha val="100000"/>
+                    </a:schemeClr>
+                  </a:gs>
+                  <a:gs pos="45000">
+                    <a:schemeClr val="accent1">
+                      <a:tint val="85000"/>
+                      <a:satMod val="150000"/>
+                      <a:alpha val="100000"/>
+                    </a:schemeClr>
+                  </a:gs>
+                  <a:gs pos="50000">
+                    <a:schemeClr val="accent1">
+                      <a:tint val="86000"/>
+                      <a:satMod val="149000"/>
+                      <a:alpha val="100000"/>
+                    </a:schemeClr>
+                  </a:gs>
+                  <a:gs pos="79000">
+                    <a:schemeClr val="accent1">
+                      <a:shade val="53000"/>
+                      <a:satMod val="150000"/>
+                      <a:alpha val="100000"/>
+                    </a:schemeClr>
+                  </a:gs>
+                  <a:gs pos="100000">
+                    <a:schemeClr val="accent1">
+                      <a:shade val="25000"/>
+                      <a:satMod val="170000"/>
+                      <a:alpha val="100000"/>
+                    </a:schemeClr>
+                  </a:gs>
+                </a:gsLst>
+                <a:lin ang="450000" scaled="1"/>
+                <a:tileRect/>
+              </a:gradFill>
+            </a:fillOverlay>
+          </a:effectLst>
+        </p:spPr>
+        <p:style>
+          <a:lnRef idx="3">
+            <a:schemeClr val="lt1"/>
+          </a:lnRef>
+          <a:fillRef idx="1">
+            <a:schemeClr val="accent1"/>
+          </a:fillRef>
+          <a:effectRef idx="1">
+            <a:schemeClr val="accent1"/>
+          </a:effectRef>
+          <a:fontRef idx="minor">
+            <a:schemeClr val="lt1"/>
+          </a:fontRef>
+        </p:style>
+        <p:txBody>
+          <a:bodyPr vert="horz" wrap="square" lIns="91440" tIns="45720" rIns="91440" bIns="45720" anchor="ctr" compatLnSpc="1"/>
+          <a:lstStyle/>
+          <a:p>
+            <a:pPr algn="ctr" eaLnBrk="1" latinLnBrk="0" hangingPunct="1"/>
+            <a:endParaRPr kumimoji="0" lang="en-US" sz="1800"/>
+          </a:p>
+        </p:txBody>
+      </p:sp>
+      <p:sp>
+        <p:nvSpPr>
+          <p:cNvPr id="15" name="Forma livre 12">
+            <a:extLst>
+              <a:ext uri="{FF2B5EF4-FFF2-40B4-BE49-F238E27FC236}">
+                <a16:creationId xmlns:a16="http://schemas.microsoft.com/office/drawing/2014/main" id="{782DCE2E-43AB-A649-AFE9-41FD54D1B576}"/>
+              </a:ext>
+            </a:extLst>
+          </p:cNvPr>
+          <p:cNvSpPr>
+            <a:spLocks/>
+          </p:cNvSpPr>
+          <p:nvPr userDrawn="1"/>
+        </p:nvSpPr>
+        <p:spPr bwMode="auto">
+          <a:xfrm flipV="1">
+            <a:off x="-2" y="0"/>
+            <a:ext cx="12192002" cy="892452"/>
+          </a:xfrm>
+          <a:custGeom>
+            <a:avLst>
+              <a:gd name="A1" fmla="val 0"/>
+              <a:gd name="A2" fmla="val 0"/>
+              <a:gd name="A3" fmla="val 0"/>
+              <a:gd name="A4" fmla="val 0"/>
+              <a:gd name="A5" fmla="val 0"/>
+              <a:gd name="A6" fmla="val 0"/>
+              <a:gd name="A7" fmla="val 0"/>
+              <a:gd name="A8" fmla="val 0"/>
+            </a:avLst>
+            <a:gdLst/>
+            <a:ahLst/>
+            <a:cxnLst>
+              <a:cxn ang="0">
+                <a:pos x="0" y="0"/>
+              </a:cxn>
+              <a:cxn ang="0">
+                <a:pos x="5760" y="0"/>
+              </a:cxn>
+              <a:cxn ang="0">
+                <a:pos x="5760" y="528"/>
+              </a:cxn>
+              <a:cxn ang="0">
+                <a:pos x="48" y="0"/>
+              </a:cxn>
+            </a:cxnLst>
+            <a:rect l="0" t="0" r="0" b="0"/>
+            <a:pathLst>
+              <a:path w="7485" h="337">
+                <a:moveTo>
+                  <a:pt x="0" y="2"/>
+                </a:moveTo>
+                <a:lnTo>
+                  <a:pt x="7485" y="337"/>
+                </a:lnTo>
+                <a:lnTo>
+                  <a:pt x="5558" y="337"/>
+                </a:lnTo>
+                <a:lnTo>
+                  <a:pt x="1" y="0"/>
+                </a:lnTo>
+              </a:path>
+            </a:pathLst>
+          </a:custGeom>
+          <a:solidFill>
+            <a:schemeClr val="accent1">
+              <a:tint val="65000"/>
+              <a:satMod val="115000"/>
+              <a:alpha val="40000"/>
+            </a:schemeClr>
+          </a:solidFill>
+          <a:ln w="9525" cap="flat" cmpd="sng" algn="ctr">
+            <a:noFill/>
+            <a:prstDash val="solid"/>
+            <a:round/>
+            <a:headEnd type="none" w="med" len="med"/>
+            <a:tailEnd type="none" w="med" len="med"/>
+          </a:ln>
+          <a:effectLst/>
+        </p:spPr>
+        <p:txBody>
+          <a:bodyPr vert="horz" wrap="square" lIns="91440" tIns="45720" rIns="91440" bIns="45720" anchor="t" compatLnSpc="1"/>
+          <a:lstStyle/>
+          <a:p>
+            <a:endParaRPr kumimoji="0" lang="en-US" sz="1800"/>
+          </a:p>
+        </p:txBody>
+      </p:sp>
+      <p:sp>
+        <p:nvSpPr>
+          <p:cNvPr id="16" name="Triângulo retângulo 9">
+            <a:extLst>
+              <a:ext uri="{FF2B5EF4-FFF2-40B4-BE49-F238E27FC236}">
+                <a16:creationId xmlns:a16="http://schemas.microsoft.com/office/drawing/2014/main" id="{E3E564AB-DCA1-2745-A970-AE20FC8E4C20}"/>
+              </a:ext>
+            </a:extLst>
+          </p:cNvPr>
+          <p:cNvSpPr/>
+          <p:nvPr userDrawn="1"/>
+        </p:nvSpPr>
+        <p:spPr>
+          <a:xfrm>
+            <a:off x="-2" y="4664147"/>
+            <a:ext cx="12201452" cy="0"/>
+          </a:xfrm>
+          <a:prstGeom prst="rtTriangle">
+            <a:avLst/>
+          </a:prstGeom>
+          <a:gradFill flip="none" rotWithShape="1">
+            <a:gsLst>
+              <a:gs pos="0">
+                <a:schemeClr val="accent1">
+                  <a:shade val="35000"/>
+                  <a:satMod val="170000"/>
+                  <a:alpha val="100000"/>
+                </a:schemeClr>
+              </a:gs>
+              <a:gs pos="55000">
+                <a:schemeClr val="accent1">
+                  <a:tint val="90000"/>
+                  <a:satMod val="150000"/>
+                  <a:alpha val="100000"/>
+                </a:schemeClr>
+              </a:gs>
+              <a:gs pos="100000">
+                <a:schemeClr val="accent1">
+                  <a:shade val="35000"/>
+                  <a:satMod val="170000"/>
+                  <a:alpha val="100000"/>
+                </a:schemeClr>
+              </a:gs>
+            </a:gsLst>
+            <a:lin ang="3000000" scaled="1"/>
+            <a:tileRect/>
+          </a:gradFill>
+          <a:ln w="12700" cap="rnd" cmpd="thickThin" algn="ctr">
+            <a:noFill/>
+            <a:prstDash val="solid"/>
+          </a:ln>
+          <a:effectLst/>
+        </p:spPr>
+        <p:style>
+          <a:lnRef idx="3">
+            <a:schemeClr val="lt1"/>
+          </a:lnRef>
+          <a:fillRef idx="1">
+            <a:schemeClr val="accent1"/>
+          </a:fillRef>
+          <a:effectRef idx="1">
+            <a:schemeClr val="accent1"/>
+          </a:effectRef>
+          <a:fontRef idx="minor">
+            <a:schemeClr val="lt1"/>
+          </a:fontRef>
+        </p:style>
+        <p:txBody>
+          <a:bodyPr anchor="ctr"/>
+          <a:lstStyle/>
+          <a:p>
+            <a:pPr algn="ctr" eaLnBrk="1" latinLnBrk="0" hangingPunct="1"/>
+            <a:endParaRPr kumimoji="0" lang="en-US" sz="1800"/>
+          </a:p>
+        </p:txBody>
+      </p:sp>
+      <p:sp>
+        <p:nvSpPr>
+          <p:cNvPr id="17" name="Forma livre 12">
+            <a:extLst>
+              <a:ext uri="{FF2B5EF4-FFF2-40B4-BE49-F238E27FC236}">
+                <a16:creationId xmlns:a16="http://schemas.microsoft.com/office/drawing/2014/main" id="{3436E75A-2ED3-3D4D-8B6B-F0C501B2813A}"/>
               </a:ext>
             </a:extLst>
           </p:cNvPr>
@@ -12518,10 +14605,10 @@
       </p:sp>
       <p:sp>
         <p:nvSpPr>
-          <p:cNvPr id="24" name="Triângulo retângulo 13">
+          <p:cNvPr id="18" name="Triângulo retângulo 13">
             <a:extLst>
               <a:ext uri="{FF2B5EF4-FFF2-40B4-BE49-F238E27FC236}">
-                <a16:creationId xmlns:a16="http://schemas.microsoft.com/office/drawing/2014/main" id="{E86DE0A5-FEBF-4169-9198-8C0C93047016}"/>
+                <a16:creationId xmlns:a16="http://schemas.microsoft.com/office/drawing/2014/main" id="{2131DB62-6A5D-1F42-89F1-AD2040967F89}"/>
               </a:ext>
             </a:extLst>
           </p:cNvPr>
@@ -12633,10 +14720,10 @@
       </p:sp>
       <p:sp>
         <p:nvSpPr>
-          <p:cNvPr id="25" name="TextBox 20">
+          <p:cNvPr id="19" name="TextBox 20">
             <a:extLst>
               <a:ext uri="{FF2B5EF4-FFF2-40B4-BE49-F238E27FC236}">
-                <a16:creationId xmlns:a16="http://schemas.microsoft.com/office/drawing/2014/main" id="{35C6C970-9AB2-4DFA-8763-81C659A5810A}"/>
+                <a16:creationId xmlns:a16="http://schemas.microsoft.com/office/drawing/2014/main" id="{A90F7F40-3067-5F4A-A329-9D905519EB6A}"/>
               </a:ext>
             </a:extLst>
           </p:cNvPr>
@@ -12661,7 +14748,7 @@
           <a:p>
             <a:pPr algn="r"/>
             <a:r>
-              <a:rPr lang="pt-BR" sz="1800" dirty="0">
+              <a:rPr lang="pt-BR" sz="1800" b="1" dirty="0">
                 <a:solidFill>
                   <a:schemeClr val="tx1"/>
                 </a:solidFill>
@@ -12669,14 +14756,14 @@
               <a:t>Judson</a:t>
             </a:r>
             <a:r>
-              <a:rPr lang="pt-BR" sz="1800" baseline="0" dirty="0">
+              <a:rPr lang="pt-BR" sz="1800" b="1" baseline="0" dirty="0">
                 <a:solidFill>
                   <a:schemeClr val="tx1"/>
                 </a:solidFill>
               </a:rPr>
               <a:t> Santos Santiago</a:t>
             </a:r>
-            <a:endParaRPr lang="pt-BR" sz="1800" dirty="0">
+            <a:endParaRPr lang="pt-BR" sz="1800" b="1" dirty="0">
               <a:solidFill>
                 <a:schemeClr val="tx1"/>
               </a:solidFill>
@@ -12686,10 +14773,10 @@
       </p:sp>
       <p:sp>
         <p:nvSpPr>
-          <p:cNvPr id="26" name="Forma livre 11">
+          <p:cNvPr id="20" name="Forma livre 11">
             <a:extLst>
               <a:ext uri="{FF2B5EF4-FFF2-40B4-BE49-F238E27FC236}">
-                <a16:creationId xmlns:a16="http://schemas.microsoft.com/office/drawing/2014/main" id="{0701E8EB-5283-4786-8333-ADA06B122D41}"/>
+                <a16:creationId xmlns:a16="http://schemas.microsoft.com/office/drawing/2014/main" id="{60C37057-FFC0-E245-9321-587F9447D2B6}"/>
               </a:ext>
             </a:extLst>
           </p:cNvPr>
@@ -12770,138 +14857,6 @@
           </a:p>
         </p:txBody>
       </p:sp>
-      <p:sp>
-        <p:nvSpPr>
-          <p:cNvPr id="28" name="Título 8">
-            <a:extLst>
-              <a:ext uri="{FF2B5EF4-FFF2-40B4-BE49-F238E27FC236}">
-                <a16:creationId xmlns:a16="http://schemas.microsoft.com/office/drawing/2014/main" id="{79F30E31-FA5C-44B4-87A6-871581E95D44}"/>
-              </a:ext>
-            </a:extLst>
-          </p:cNvPr>
-          <p:cNvSpPr>
-            <a:spLocks noGrp="1"/>
-          </p:cNvSpPr>
-          <p:nvPr>
-            <p:ph type="ctrTitle"/>
-          </p:nvPr>
-        </p:nvSpPr>
-        <p:spPr>
-          <a:xfrm>
-            <a:off x="914400" y="1752602"/>
-            <a:ext cx="10363200" cy="1829761"/>
-          </a:xfrm>
-        </p:spPr>
-        <p:txBody>
-          <a:bodyPr vert="horz" anchor="b">
-            <a:normAutofit/>
-            <a:scene3d>
-              <a:camera prst="orthographicFront"/>
-              <a:lightRig rig="soft" dir="t"/>
-            </a:scene3d>
-            <a:sp3d prstMaterial="softEdge">
-              <a:bevelT w="25400" h="25400"/>
-            </a:sp3d>
-          </a:bodyPr>
-          <a:lstStyle>
-            <a:lvl1pPr algn="l">
-              <a:defRPr sz="4800" b="1">
-                <a:solidFill>
-                  <a:schemeClr val="tx2">
-                    <a:lumMod val="40000"/>
-                    <a:lumOff val="60000"/>
-                  </a:schemeClr>
-                </a:solidFill>
-                <a:effectLst>
-                  <a:outerShdw blurRad="31750" dist="25400" dir="5400000" algn="tl" rotWithShape="0">
-                    <a:srgbClr val="000000">
-                      <a:alpha val="25000"/>
-                    </a:srgbClr>
-                  </a:outerShdw>
-                </a:effectLst>
-              </a:defRPr>
-            </a:lvl1pPr>
-            <a:extLst/>
-          </a:lstStyle>
-          <a:p>
-            <a:r>
-              <a:rPr kumimoji="0" lang="pt-BR" dirty="0"/>
-              <a:t>Clique para editar o título mestre</a:t>
-            </a:r>
-            <a:endParaRPr kumimoji="0" lang="en-US" dirty="0"/>
-          </a:p>
-        </p:txBody>
-      </p:sp>
-      <p:sp>
-        <p:nvSpPr>
-          <p:cNvPr id="29" name="Subtítulo 16">
-            <a:extLst>
-              <a:ext uri="{FF2B5EF4-FFF2-40B4-BE49-F238E27FC236}">
-                <a16:creationId xmlns:a16="http://schemas.microsoft.com/office/drawing/2014/main" id="{3C8CF51F-A047-47E5-9D97-4B9DB140C9FC}"/>
-              </a:ext>
-            </a:extLst>
-          </p:cNvPr>
-          <p:cNvSpPr>
-            <a:spLocks noGrp="1"/>
-          </p:cNvSpPr>
-          <p:nvPr>
-            <p:ph type="subTitle" idx="1" hasCustomPrompt="1"/>
-          </p:nvPr>
-        </p:nvSpPr>
-        <p:spPr>
-          <a:xfrm>
-            <a:off x="914400" y="3611607"/>
-            <a:ext cx="10363200" cy="1199704"/>
-          </a:xfrm>
-        </p:spPr>
-        <p:txBody>
-          <a:bodyPr lIns="108000" tIns="72000" rIns="108000" bIns="72000"/>
-          <a:lstStyle>
-            <a:lvl1pPr marL="0" marR="64008" indent="0" algn="l">
-              <a:buNone/>
-              <a:defRPr>
-                <a:solidFill>
-                  <a:schemeClr val="tx2">
-                    <a:lumMod val="75000"/>
-                  </a:schemeClr>
-                </a:solidFill>
-              </a:defRPr>
-            </a:lvl1pPr>
-            <a:lvl2pPr marL="457200" indent="0" algn="ctr">
-              <a:buNone/>
-            </a:lvl2pPr>
-            <a:lvl3pPr marL="914400" indent="0" algn="ctr">
-              <a:buNone/>
-            </a:lvl3pPr>
-            <a:lvl4pPr marL="1371600" indent="0" algn="ctr">
-              <a:buNone/>
-            </a:lvl4pPr>
-            <a:lvl5pPr marL="1828800" indent="0" algn="ctr">
-              <a:buNone/>
-            </a:lvl5pPr>
-            <a:lvl6pPr marL="2286000" indent="0" algn="ctr">
-              <a:buNone/>
-            </a:lvl6pPr>
-            <a:lvl7pPr marL="2743200" indent="0" algn="ctr">
-              <a:buNone/>
-            </a:lvl7pPr>
-            <a:lvl8pPr marL="3200400" indent="0" algn="ctr">
-              <a:buNone/>
-            </a:lvl8pPr>
-            <a:lvl9pPr marL="3657600" indent="0" algn="ctr">
-              <a:buNone/>
-            </a:lvl9pPr>
-            <a:extLst/>
-          </a:lstStyle>
-          <a:p>
-            <a:r>
-              <a:rPr kumimoji="0" lang="pt-BR" dirty="0"/>
-              <a:t>Clique para editar o estilo do subtítulo mestre</a:t>
-            </a:r>
-            <a:endParaRPr kumimoji="0" lang="en-US" dirty="0"/>
-          </a:p>
-        </p:txBody>
-      </p:sp>
     </p:spTree>
   </p:cSld>
   <p:clrMapOvr>
@@ -13025,7 +14980,7 @@
             <a:fld id="{B41ABA4E-CD72-497B-97AA-7213B3980F60}" type="datetimeFigureOut">
               <a:rPr lang="en-US" smtClean="0"/>
               <a:pPr/>
-              <a:t>4/30/2019</a:t>
+              <a:t>7/14/2021</a:t>
             </a:fld>
             <a:endParaRPr lang="en-US" dirty="0"/>
           </a:p>
@@ -13202,7 +15157,7 @@
             <a:fld id="{B41ABA4E-CD72-497B-97AA-7213B3980F60}" type="datetimeFigureOut">
               <a:rPr lang="en-US" smtClean="0"/>
               <a:pPr/>
-              <a:t>4/30/2019</a:t>
+              <a:t>7/14/2021</a:t>
             </a:fld>
             <a:endParaRPr lang="en-US" dirty="0"/>
           </a:p>
@@ -13398,7 +15353,7 @@
             <a:fld id="{B41ABA4E-CD72-497B-97AA-7213B3980F60}" type="datetimeFigureOut">
               <a:rPr lang="en-US" smtClean="0"/>
               <a:pPr/>
-              <a:t>4/30/2019</a:t>
+              <a:t>7/14/2021</a:t>
             </a:fld>
             <a:endParaRPr lang="en-US" dirty="0"/>
           </a:p>
@@ -13659,7 +15614,7 @@
             <a:fld id="{B41ABA4E-CD72-497B-97AA-7213B3980F60}" type="datetimeFigureOut">
               <a:rPr lang="en-US" smtClean="0"/>
               <a:pPr/>
-              <a:t>4/30/2019</a:t>
+              <a:t>7/14/2021</a:t>
             </a:fld>
             <a:endParaRPr lang="en-US" dirty="0"/>
           </a:p>
@@ -14060,7 +16015,7 @@
             <a:fld id="{B41ABA4E-CD72-497B-97AA-7213B3980F60}" type="datetimeFigureOut">
               <a:rPr lang="en-US" smtClean="0"/>
               <a:pPr/>
-              <a:t>4/30/2019</a:t>
+              <a:t>7/14/2021</a:t>
             </a:fld>
             <a:endParaRPr lang="en-US" dirty="0"/>
           </a:p>
@@ -14500,7 +16455,7 @@
             <a:fld id="{B41ABA4E-CD72-497B-97AA-7213B3980F60}" type="datetimeFigureOut">
               <a:rPr lang="en-US" smtClean="0"/>
               <a:pPr/>
-              <a:t>4/30/2019</a:t>
+              <a:t>7/14/2021</a:t>
             </a:fld>
             <a:endParaRPr lang="en-US" dirty="0"/>
           </a:p>
@@ -14597,7 +16552,7 @@
             <a:fld id="{B41ABA4E-CD72-497B-97AA-7213B3980F60}" type="datetimeFigureOut">
               <a:rPr lang="en-US" smtClean="0"/>
               <a:pPr/>
-              <a:t>4/30/2019</a:t>
+              <a:t>7/14/2021</a:t>
             </a:fld>
             <a:endParaRPr lang="en-US" dirty="0"/>
           </a:p>
@@ -14712,7 +16667,7 @@
             <a:fld id="{B41ABA4E-CD72-497B-97AA-7213B3980F60}" type="datetimeFigureOut">
               <a:rPr lang="en-US" smtClean="0"/>
               <a:pPr/>
-              <a:t>4/30/2019</a:t>
+              <a:t>7/14/2021</a:t>
             </a:fld>
             <a:endParaRPr lang="en-US" dirty="0"/>
           </a:p>
@@ -14982,7 +16937,7 @@
             <a:fld id="{B41ABA4E-CD72-497B-97AA-7213B3980F60}" type="datetimeFigureOut">
               <a:rPr lang="en-US" smtClean="0"/>
               <a:pPr/>
-              <a:t>4/30/2019</a:t>
+              <a:t>7/14/2021</a:t>
             </a:fld>
             <a:endParaRPr lang="en-US" dirty="0"/>
           </a:p>
@@ -15185,7 +17140,7 @@
             <a:fld id="{B41ABA4E-CD72-497B-97AA-7213B3980F60}" type="datetimeFigureOut">
               <a:rPr lang="en-US" smtClean="0"/>
               <a:pPr/>
-              <a:t>4/30/2019</a:t>
+              <a:t>7/14/2021</a:t>
             </a:fld>
             <a:endParaRPr lang="en-US" dirty="0"/>
           </a:p>
@@ -15820,178 +17775,22 @@
       </p:grpSpPr>
       <p:sp>
         <p:nvSpPr>
-          <p:cNvPr id="13" name="Forma livre 12"/>
+          <p:cNvPr id="17" name="Triângulo retângulo 13">
+            <a:extLst>
+              <a:ext uri="{FF2B5EF4-FFF2-40B4-BE49-F238E27FC236}">
+                <a16:creationId xmlns:a16="http://schemas.microsoft.com/office/drawing/2014/main" id="{466A3D22-8800-764B-BCA8-6C92133492C5}"/>
+              </a:ext>
+            </a:extLst>
+          </p:cNvPr>
           <p:cNvSpPr>
             <a:spLocks/>
           </p:cNvSpPr>
-          <p:nvPr/>
+          <p:nvPr userDrawn="1"/>
         </p:nvSpPr>
         <p:spPr bwMode="auto">
-          <a:xfrm>
-            <a:off x="665698" y="6405474"/>
-            <a:ext cx="4086153" cy="460538"/>
-          </a:xfrm>
-          <a:custGeom>
-            <a:avLst>
-              <a:gd name="A1" fmla="val 0"/>
-              <a:gd name="A2" fmla="val 0"/>
-              <a:gd name="A3" fmla="val 0"/>
-              <a:gd name="A4" fmla="val 0"/>
-              <a:gd name="A5" fmla="val 0"/>
-              <a:gd name="A6" fmla="val 0"/>
-              <a:gd name="A7" fmla="val 0"/>
-              <a:gd name="A8" fmla="val 0"/>
-            </a:avLst>
-            <a:gdLst/>
-            <a:ahLst/>
-            <a:cxnLst>
-              <a:cxn ang="0">
-                <a:pos x="0" y="0"/>
-              </a:cxn>
-              <a:cxn ang="0">
-                <a:pos x="5760" y="0"/>
-              </a:cxn>
-              <a:cxn ang="0">
-                <a:pos x="5760" y="528"/>
-              </a:cxn>
-              <a:cxn ang="0">
-                <a:pos x="48" y="0"/>
-              </a:cxn>
-            </a:cxnLst>
-            <a:rect l="0" t="0" r="0" b="0"/>
-            <a:pathLst>
-              <a:path w="7485" h="337">
-                <a:moveTo>
-                  <a:pt x="0" y="2"/>
-                </a:moveTo>
-                <a:lnTo>
-                  <a:pt x="7485" y="337"/>
-                </a:lnTo>
-                <a:lnTo>
-                  <a:pt x="5558" y="337"/>
-                </a:lnTo>
-                <a:lnTo>
-                  <a:pt x="1" y="0"/>
-                </a:lnTo>
-              </a:path>
-            </a:pathLst>
-          </a:custGeom>
-          <a:solidFill>
-            <a:schemeClr val="accent1">
-              <a:tint val="65000"/>
-              <a:satMod val="115000"/>
-              <a:alpha val="40000"/>
-            </a:schemeClr>
-          </a:solidFill>
-          <a:ln w="9525" cap="flat" cmpd="sng" algn="ctr">
-            <a:noFill/>
-            <a:prstDash val="solid"/>
-            <a:round/>
-            <a:headEnd type="none" w="med" len="med"/>
-            <a:tailEnd type="none" w="med" len="med"/>
-          </a:ln>
-          <a:effectLst/>
-        </p:spPr>
-        <p:txBody>
-          <a:bodyPr vert="horz" wrap="square" lIns="91440" tIns="45720" rIns="91440" bIns="45720" anchor="t" compatLnSpc="1"/>
-          <a:lstStyle/>
-          <a:p>
-            <a:endParaRPr kumimoji="0" lang="en-US" sz="1800"/>
-          </a:p>
-        </p:txBody>
-      </p:sp>
-      <p:sp>
-        <p:nvSpPr>
-          <p:cNvPr id="12" name="Forma livre 11"/>
-          <p:cNvSpPr>
-            <a:spLocks/>
-          </p:cNvSpPr>
-          <p:nvPr/>
-        </p:nvSpPr>
-        <p:spPr bwMode="auto">
-          <a:xfrm>
-            <a:off x="647624" y="6418660"/>
-            <a:ext cx="3052195" cy="447352"/>
-          </a:xfrm>
-          <a:custGeom>
-            <a:avLst>
-              <a:gd name="A1" fmla="val 0"/>
-              <a:gd name="A2" fmla="val 0"/>
-              <a:gd name="A3" fmla="val 0"/>
-              <a:gd name="A4" fmla="val 0"/>
-              <a:gd name="A5" fmla="val 0"/>
-              <a:gd name="A6" fmla="val 0"/>
-              <a:gd name="A7" fmla="val 0"/>
-              <a:gd name="A8" fmla="val 0"/>
-            </a:avLst>
-            <a:gdLst/>
-            <a:ahLst/>
-            <a:cxnLst>
-              <a:cxn ang="0">
-                <a:pos x="0" y="0"/>
-              </a:cxn>
-              <a:cxn ang="0">
-                <a:pos x="5760" y="0"/>
-              </a:cxn>
-              <a:cxn ang="0">
-                <a:pos x="5760" y="528"/>
-              </a:cxn>
-              <a:cxn ang="0">
-                <a:pos x="48" y="0"/>
-              </a:cxn>
-            </a:cxnLst>
-            <a:rect l="0" t="0" r="0" b="0"/>
-            <a:pathLst>
-              <a:path w="5591" h="588">
-                <a:moveTo>
-                  <a:pt x="0" y="0"/>
-                </a:moveTo>
-                <a:lnTo>
-                  <a:pt x="5591" y="585"/>
-                </a:lnTo>
-                <a:lnTo>
-                  <a:pt x="4415" y="588"/>
-                </a:lnTo>
-                <a:lnTo>
-                  <a:pt x="12" y="4"/>
-                </a:lnTo>
-              </a:path>
-            </a:pathLst>
-          </a:custGeom>
-          <a:solidFill>
-            <a:srgbClr val="000000">
-              <a:alpha val="100000"/>
-            </a:srgbClr>
-          </a:solidFill>
-          <a:ln w="9525" cap="flat" cmpd="sng" algn="ctr">
-            <a:noFill/>
-            <a:prstDash val="solid"/>
-            <a:round/>
-            <a:headEnd type="none" w="med" len="med"/>
-            <a:tailEnd type="none" w="med" len="med"/>
-          </a:ln>
-          <a:effectLst/>
-        </p:spPr>
-        <p:txBody>
-          <a:bodyPr vert="horz" wrap="square" lIns="91440" tIns="45720" rIns="91440" bIns="45720" anchor="t" compatLnSpc="1"/>
-          <a:lstStyle/>
-          <a:p>
-            <a:endParaRPr kumimoji="0" lang="en-US" sz="1800"/>
-          </a:p>
-        </p:txBody>
-      </p:sp>
-      <p:sp>
-        <p:nvSpPr>
-          <p:cNvPr id="14" name="Triângulo retângulo 13"/>
-          <p:cNvSpPr>
-            <a:spLocks/>
-          </p:cNvSpPr>
-          <p:nvPr/>
-        </p:nvSpPr>
-        <p:spPr bwMode="auto">
-          <a:xfrm>
-            <a:off x="-8056" y="6331687"/>
-            <a:ext cx="2813891" cy="540434"/>
+          <a:xfrm rot="10800000">
+            <a:off x="6600056" y="-2"/>
+            <a:ext cx="5600000" cy="836713"/>
           </a:xfrm>
           <a:prstGeom prst="rtTriangle">
             <a:avLst/>
@@ -16089,6 +17888,298 @@
           </a:p>
         </p:txBody>
       </p:sp>
+      <p:grpSp>
+        <p:nvGrpSpPr>
+          <p:cNvPr id="2" name="Agrupar 1">
+            <a:extLst>
+              <a:ext uri="{FF2B5EF4-FFF2-40B4-BE49-F238E27FC236}">
+                <a16:creationId xmlns:a16="http://schemas.microsoft.com/office/drawing/2014/main" id="{64F171BC-6975-CC42-9D38-938B18FDFE2E}"/>
+              </a:ext>
+            </a:extLst>
+          </p:cNvPr>
+          <p:cNvGrpSpPr/>
+          <p:nvPr userDrawn="1"/>
+        </p:nvGrpSpPr>
+        <p:grpSpPr>
+          <a:xfrm>
+            <a:off x="0" y="6007292"/>
+            <a:ext cx="5591944" cy="850708"/>
+            <a:chOff x="0" y="6317566"/>
+            <a:chExt cx="4759907" cy="540434"/>
+          </a:xfrm>
+        </p:grpSpPr>
+        <p:sp>
+          <p:nvSpPr>
+            <p:cNvPr id="13" name="Forma livre 12"/>
+            <p:cNvSpPr>
+              <a:spLocks/>
+            </p:cNvSpPr>
+            <p:nvPr/>
+          </p:nvSpPr>
+          <p:spPr bwMode="auto">
+            <a:xfrm>
+              <a:off x="673754" y="6391353"/>
+              <a:ext cx="4086153" cy="460538"/>
+            </a:xfrm>
+            <a:custGeom>
+              <a:avLst>
+                <a:gd name="A1" fmla="val 0"/>
+                <a:gd name="A2" fmla="val 0"/>
+                <a:gd name="A3" fmla="val 0"/>
+                <a:gd name="A4" fmla="val 0"/>
+                <a:gd name="A5" fmla="val 0"/>
+                <a:gd name="A6" fmla="val 0"/>
+                <a:gd name="A7" fmla="val 0"/>
+                <a:gd name="A8" fmla="val 0"/>
+              </a:avLst>
+              <a:gdLst/>
+              <a:ahLst/>
+              <a:cxnLst>
+                <a:cxn ang="0">
+                  <a:pos x="0" y="0"/>
+                </a:cxn>
+                <a:cxn ang="0">
+                  <a:pos x="5760" y="0"/>
+                </a:cxn>
+                <a:cxn ang="0">
+                  <a:pos x="5760" y="528"/>
+                </a:cxn>
+                <a:cxn ang="0">
+                  <a:pos x="48" y="0"/>
+                </a:cxn>
+              </a:cxnLst>
+              <a:rect l="0" t="0" r="0" b="0"/>
+              <a:pathLst>
+                <a:path w="7485" h="337">
+                  <a:moveTo>
+                    <a:pt x="0" y="2"/>
+                  </a:moveTo>
+                  <a:lnTo>
+                    <a:pt x="7485" y="337"/>
+                  </a:lnTo>
+                  <a:lnTo>
+                    <a:pt x="5558" y="337"/>
+                  </a:lnTo>
+                  <a:lnTo>
+                    <a:pt x="1" y="0"/>
+                  </a:lnTo>
+                </a:path>
+              </a:pathLst>
+            </a:custGeom>
+            <a:solidFill>
+              <a:schemeClr val="accent1">
+                <a:tint val="65000"/>
+                <a:satMod val="115000"/>
+                <a:alpha val="40000"/>
+              </a:schemeClr>
+            </a:solidFill>
+            <a:ln w="9525" cap="flat" cmpd="sng" algn="ctr">
+              <a:noFill/>
+              <a:prstDash val="solid"/>
+              <a:round/>
+              <a:headEnd type="none" w="med" len="med"/>
+              <a:tailEnd type="none" w="med" len="med"/>
+            </a:ln>
+            <a:effectLst/>
+          </p:spPr>
+          <p:txBody>
+            <a:bodyPr vert="horz" wrap="square" lIns="91440" tIns="45720" rIns="91440" bIns="45720" anchor="t" compatLnSpc="1"/>
+            <a:lstStyle/>
+            <a:p>
+              <a:endParaRPr kumimoji="0" lang="en-US" sz="1800"/>
+            </a:p>
+          </p:txBody>
+        </p:sp>
+        <p:sp>
+          <p:nvSpPr>
+            <p:cNvPr id="12" name="Forma livre 11"/>
+            <p:cNvSpPr>
+              <a:spLocks/>
+            </p:cNvSpPr>
+            <p:nvPr/>
+          </p:nvSpPr>
+          <p:spPr bwMode="auto">
+            <a:xfrm>
+              <a:off x="655680" y="6404539"/>
+              <a:ext cx="3052195" cy="447352"/>
+            </a:xfrm>
+            <a:custGeom>
+              <a:avLst>
+                <a:gd name="A1" fmla="val 0"/>
+                <a:gd name="A2" fmla="val 0"/>
+                <a:gd name="A3" fmla="val 0"/>
+                <a:gd name="A4" fmla="val 0"/>
+                <a:gd name="A5" fmla="val 0"/>
+                <a:gd name="A6" fmla="val 0"/>
+                <a:gd name="A7" fmla="val 0"/>
+                <a:gd name="A8" fmla="val 0"/>
+              </a:avLst>
+              <a:gdLst/>
+              <a:ahLst/>
+              <a:cxnLst>
+                <a:cxn ang="0">
+                  <a:pos x="0" y="0"/>
+                </a:cxn>
+                <a:cxn ang="0">
+                  <a:pos x="5760" y="0"/>
+                </a:cxn>
+                <a:cxn ang="0">
+                  <a:pos x="5760" y="528"/>
+                </a:cxn>
+                <a:cxn ang="0">
+                  <a:pos x="48" y="0"/>
+                </a:cxn>
+              </a:cxnLst>
+              <a:rect l="0" t="0" r="0" b="0"/>
+              <a:pathLst>
+                <a:path w="5591" h="588">
+                  <a:moveTo>
+                    <a:pt x="0" y="0"/>
+                  </a:moveTo>
+                  <a:lnTo>
+                    <a:pt x="5591" y="585"/>
+                  </a:lnTo>
+                  <a:lnTo>
+                    <a:pt x="4415" y="588"/>
+                  </a:lnTo>
+                  <a:lnTo>
+                    <a:pt x="12" y="4"/>
+                  </a:lnTo>
+                </a:path>
+              </a:pathLst>
+            </a:custGeom>
+            <a:solidFill>
+              <a:srgbClr val="000000">
+                <a:alpha val="100000"/>
+              </a:srgbClr>
+            </a:solidFill>
+            <a:ln w="9525" cap="flat" cmpd="sng" algn="ctr">
+              <a:noFill/>
+              <a:prstDash val="solid"/>
+              <a:round/>
+              <a:headEnd type="none" w="med" len="med"/>
+              <a:tailEnd type="none" w="med" len="med"/>
+            </a:ln>
+            <a:effectLst/>
+          </p:spPr>
+          <p:txBody>
+            <a:bodyPr vert="horz" wrap="square" lIns="91440" tIns="45720" rIns="91440" bIns="45720" anchor="t" compatLnSpc="1"/>
+            <a:lstStyle/>
+            <a:p>
+              <a:endParaRPr kumimoji="0" lang="en-US" sz="1800"/>
+            </a:p>
+          </p:txBody>
+        </p:sp>
+        <p:sp>
+          <p:nvSpPr>
+            <p:cNvPr id="14" name="Triângulo retângulo 13"/>
+            <p:cNvSpPr>
+              <a:spLocks/>
+            </p:cNvSpPr>
+            <p:nvPr/>
+          </p:nvSpPr>
+          <p:spPr bwMode="auto">
+            <a:xfrm>
+              <a:off x="0" y="6317566"/>
+              <a:ext cx="2813891" cy="540434"/>
+            </a:xfrm>
+            <a:prstGeom prst="rtTriangle">
+              <a:avLst/>
+            </a:prstGeom>
+            <a:blipFill>
+              <a:blip r:embed="rId13">
+                <a:alphaModFix amt="50000"/>
+              </a:blip>
+              <a:tile tx="0" ty="0" sx="50000" sy="50000" flip="none" algn="t"/>
+            </a:blipFill>
+            <a:ln w="12700" cap="rnd" cmpd="thickThin" algn="ctr">
+              <a:noFill/>
+              <a:prstDash val="solid"/>
+            </a:ln>
+            <a:effectLst>
+              <a:fillOverlay blend="mult">
+                <a:gradFill flip="none" rotWithShape="1">
+                  <a:gsLst>
+                    <a:gs pos="0">
+                      <a:schemeClr val="accent1">
+                        <a:shade val="20000"/>
+                        <a:satMod val="176000"/>
+                        <a:alpha val="100000"/>
+                      </a:schemeClr>
+                    </a:gs>
+                    <a:gs pos="18000">
+                      <a:schemeClr val="accent1">
+                        <a:shade val="48000"/>
+                        <a:satMod val="153000"/>
+                        <a:alpha val="100000"/>
+                      </a:schemeClr>
+                    </a:gs>
+                    <a:gs pos="43000">
+                      <a:schemeClr val="accent1">
+                        <a:tint val="86000"/>
+                        <a:satMod val="149000"/>
+                        <a:alpha val="100000"/>
+                      </a:schemeClr>
+                    </a:gs>
+                    <a:gs pos="45000">
+                      <a:schemeClr val="accent1">
+                        <a:tint val="85000"/>
+                        <a:satMod val="150000"/>
+                        <a:alpha val="100000"/>
+                      </a:schemeClr>
+                    </a:gs>
+                    <a:gs pos="50000">
+                      <a:schemeClr val="accent1">
+                        <a:tint val="86000"/>
+                        <a:satMod val="149000"/>
+                        <a:alpha val="100000"/>
+                      </a:schemeClr>
+                    </a:gs>
+                    <a:gs pos="79000">
+                      <a:schemeClr val="accent1">
+                        <a:shade val="53000"/>
+                        <a:satMod val="150000"/>
+                        <a:alpha val="100000"/>
+                      </a:schemeClr>
+                    </a:gs>
+                    <a:gs pos="100000">
+                      <a:schemeClr val="accent1">
+                        <a:shade val="25000"/>
+                        <a:satMod val="170000"/>
+                        <a:alpha val="100000"/>
+                      </a:schemeClr>
+                    </a:gs>
+                  </a:gsLst>
+                  <a:lin ang="450000" scaled="1"/>
+                  <a:tileRect/>
+                </a:gradFill>
+              </a:fillOverlay>
+            </a:effectLst>
+          </p:spPr>
+          <p:style>
+            <a:lnRef idx="3">
+              <a:schemeClr val="lt1"/>
+            </a:lnRef>
+            <a:fillRef idx="1">
+              <a:schemeClr val="accent1"/>
+            </a:fillRef>
+            <a:effectRef idx="1">
+              <a:schemeClr val="accent1"/>
+            </a:effectRef>
+            <a:fontRef idx="minor">
+              <a:schemeClr val="lt1"/>
+            </a:fontRef>
+          </p:style>
+          <p:txBody>
+            <a:bodyPr vert="horz" wrap="square" lIns="91440" tIns="45720" rIns="91440" bIns="45720" anchor="ctr" compatLnSpc="1"/>
+            <a:lstStyle/>
+            <a:p>
+              <a:pPr algn="ctr" eaLnBrk="1" latinLnBrk="0" hangingPunct="1"/>
+              <a:endParaRPr kumimoji="0" lang="en-US" sz="1800"/>
+            </a:p>
+          </p:txBody>
+        </p:sp>
+      </p:grpSp>
       <p:sp>
         <p:nvSpPr>
           <p:cNvPr id="9" name="Espaço Reservado para Título 8"/>
@@ -16226,7 +18317,7 @@
             <a:fld id="{B41ABA4E-CD72-497B-97AA-7213B3980F60}" type="datetimeFigureOut">
               <a:rPr lang="en-US" smtClean="0"/>
               <a:pPr/>
-              <a:t>4/30/2019</a:t>
+              <a:t>7/14/2021</a:t>
             </a:fld>
             <a:endParaRPr lang="en-US" dirty="0"/>
           </a:p>
@@ -16652,11 +18743,13 @@
         </p:nvSpPr>
         <p:spPr/>
         <p:txBody>
-          <a:bodyPr/>
+          <a:bodyPr>
+            <a:normAutofit/>
+          </a:bodyPr>
           <a:lstStyle/>
           <a:p>
             <a:r>
-              <a:rPr lang="pt-BR" dirty="0"/>
+              <a:rPr lang="pt-BR" sz="6600" dirty="0"/>
               <a:t>Programação Windows</a:t>
             </a:r>
           </a:p>
@@ -16680,22 +18773,24 @@
         </p:nvSpPr>
         <p:spPr/>
         <p:txBody>
-          <a:bodyPr/>
+          <a:bodyPr>
+            <a:normAutofit/>
+          </a:bodyPr>
           <a:lstStyle/>
           <a:p>
             <a:r>
-              <a:rPr lang="pt-BR" dirty="0">
+              <a:rPr lang="pt-BR" sz="3600" dirty="0">
                 <a:solidFill>
                   <a:schemeClr val="accent1">
                     <a:lumMod val="50000"/>
                   </a:schemeClr>
                 </a:solidFill>
               </a:rPr>
-              <a:t>Desenvolvimento de Jogos</a:t>
-            </a:r>
-          </a:p>
-          <a:p>
-            <a:endParaRPr lang="pt-BR" dirty="0"/>
+              <a:t>Programação de Jogos</a:t>
+            </a:r>
+          </a:p>
+          <a:p>
+            <a:endParaRPr lang="pt-BR" sz="3600" dirty="0"/>
           </a:p>
         </p:txBody>
       </p:sp>
@@ -16761,7 +18856,12 @@
             <p:ph idx="1"/>
           </p:nvPr>
         </p:nvSpPr>
-        <p:spPr/>
+        <p:spPr>
+          <a:xfrm>
+            <a:off x="609600" y="1711349"/>
+            <a:ext cx="10972800" cy="4525963"/>
+          </a:xfrm>
+        </p:spPr>
         <p:txBody>
           <a:bodyPr/>
           <a:lstStyle/>
@@ -16805,8 +18905,8 @@
         </p:nvSpPr>
         <p:spPr>
           <a:xfrm>
-            <a:off x="1055440" y="2132857"/>
-            <a:ext cx="10526960" cy="2677656"/>
+            <a:off x="1055440" y="2551544"/>
+            <a:ext cx="10526960" cy="3046988"/>
           </a:xfrm>
           <a:prstGeom prst="rect">
             <a:avLst/>
@@ -16820,7 +18920,7 @@
           <a:lstStyle/>
           <a:p>
             <a:r>
-              <a:rPr lang="pt-BR" sz="1400" dirty="0">
+              <a:rPr lang="pt-BR" sz="1600" dirty="0">
                 <a:solidFill>
                   <a:schemeClr val="accent1">
                     <a:lumMod val="75000"/>
@@ -16832,7 +18932,7 @@
               <a:t>#include </a:t>
             </a:r>
             <a:r>
-              <a:rPr lang="pt-BR" sz="1400" dirty="0">
+              <a:rPr lang="pt-BR" sz="1600" dirty="0">
                 <a:solidFill>
                   <a:schemeClr val="accent4">
                     <a:lumMod val="75000"/>
@@ -16845,7 +18945,7 @@
             </a:r>
           </a:p>
           <a:p>
-            <a:endParaRPr lang="pt-BR" sz="1400" dirty="0">
+            <a:endParaRPr lang="pt-BR" sz="1600" dirty="0">
               <a:solidFill>
                 <a:schemeClr val="accent3">
                   <a:lumMod val="75000"/>
@@ -16857,7 +18957,7 @@
           </a:p>
           <a:p>
             <a:r>
-              <a:rPr lang="pt-BR" sz="1400" dirty="0" err="1">
+              <a:rPr lang="pt-BR" sz="1600" dirty="0" err="1">
                 <a:solidFill>
                   <a:schemeClr val="accent1">
                     <a:lumMod val="75000"/>
@@ -16869,7 +18969,7 @@
               <a:t>int</a:t>
             </a:r>
             <a:r>
-              <a:rPr lang="pt-BR" sz="1400" dirty="0">
+              <a:rPr lang="pt-BR" sz="1600" dirty="0">
                 <a:solidFill>
                   <a:schemeClr val="accent3">
                     <a:lumMod val="75000"/>
@@ -16881,7 +18981,7 @@
               <a:t> </a:t>
             </a:r>
             <a:r>
-              <a:rPr lang="pt-BR" sz="1400" dirty="0">
+              <a:rPr lang="pt-BR" sz="1600" dirty="0">
                 <a:solidFill>
                   <a:schemeClr val="accent1">
                     <a:lumMod val="50000"/>
@@ -16893,7 +18993,7 @@
               <a:t>APIENTRY</a:t>
             </a:r>
             <a:r>
-              <a:rPr lang="pt-BR" sz="1400" dirty="0">
+              <a:rPr lang="pt-BR" sz="1600" dirty="0">
                 <a:solidFill>
                   <a:schemeClr val="bg1">
                     <a:lumMod val="85000"/>
@@ -16905,7 +19005,7 @@
               <a:t> WinMain (</a:t>
             </a:r>
             <a:r>
-              <a:rPr lang="pt-BR" sz="1400" dirty="0">
+              <a:rPr lang="pt-BR" sz="1600" dirty="0">
                 <a:solidFill>
                   <a:schemeClr val="accent1">
                     <a:lumMod val="50000"/>
@@ -16917,7 +19017,7 @@
               <a:t>_In_</a:t>
             </a:r>
             <a:r>
-              <a:rPr lang="pt-BR" sz="1400" dirty="0">
+              <a:rPr lang="pt-BR" sz="1600" dirty="0">
                 <a:solidFill>
                   <a:schemeClr val="bg1">
                     <a:lumMod val="85000"/>
@@ -16929,7 +19029,7 @@
               <a:t> </a:t>
             </a:r>
             <a:r>
-              <a:rPr lang="pt-BR" sz="1400" dirty="0">
+              <a:rPr lang="pt-BR" sz="1600" dirty="0">
                 <a:solidFill>
                   <a:schemeClr val="accent1">
                     <a:lumMod val="75000"/>
@@ -16941,7 +19041,7 @@
               <a:t>HINSTANCE</a:t>
             </a:r>
             <a:r>
-              <a:rPr lang="pt-BR" sz="1400" dirty="0">
+              <a:rPr lang="pt-BR" sz="1600" dirty="0">
                 <a:solidFill>
                   <a:schemeClr val="bg1">
                     <a:lumMod val="85000"/>
@@ -16955,7 +19055,7 @@
           </a:p>
           <a:p>
             <a:r>
-              <a:rPr lang="pt-BR" sz="1400" dirty="0">
+              <a:rPr lang="pt-BR" sz="1600" dirty="0">
                 <a:solidFill>
                   <a:schemeClr val="bg1">
                     <a:lumMod val="85000"/>
@@ -16967,7 +19067,7 @@
               <a:t>                      </a:t>
             </a:r>
             <a:r>
-              <a:rPr lang="pt-BR" sz="1400" dirty="0">
+              <a:rPr lang="pt-BR" sz="1600" dirty="0">
                 <a:solidFill>
                   <a:schemeClr val="accent1">
                     <a:lumMod val="50000"/>
@@ -16979,7 +19079,7 @@
               <a:t>_</a:t>
             </a:r>
             <a:r>
-              <a:rPr lang="pt-BR" sz="1400" dirty="0" err="1">
+              <a:rPr lang="pt-BR" sz="1600" dirty="0" err="1">
                 <a:solidFill>
                   <a:schemeClr val="accent1">
                     <a:lumMod val="50000"/>
@@ -16991,7 +19091,7 @@
               <a:t>In_opt</a:t>
             </a:r>
             <a:r>
-              <a:rPr lang="pt-BR" sz="1400" dirty="0">
+              <a:rPr lang="pt-BR" sz="1600" dirty="0">
                 <a:solidFill>
                   <a:schemeClr val="accent1">
                     <a:lumMod val="50000"/>
@@ -17003,7 +19103,7 @@
               <a:t>_</a:t>
             </a:r>
             <a:r>
-              <a:rPr lang="pt-BR" sz="1400" dirty="0">
+              <a:rPr lang="pt-BR" sz="1600" dirty="0">
                 <a:solidFill>
                   <a:schemeClr val="bg1">
                     <a:lumMod val="85000"/>
@@ -17015,7 +19115,7 @@
               <a:t> </a:t>
             </a:r>
             <a:r>
-              <a:rPr lang="pt-BR" sz="1400" dirty="0">
+              <a:rPr lang="pt-BR" sz="1600" dirty="0">
                 <a:solidFill>
                   <a:schemeClr val="accent1">
                     <a:lumMod val="75000"/>
@@ -17027,7 +19127,7 @@
               <a:t>HINSTANCE</a:t>
             </a:r>
             <a:r>
-              <a:rPr lang="pt-BR" sz="1400" dirty="0">
+              <a:rPr lang="pt-BR" sz="1600" dirty="0">
                 <a:solidFill>
                   <a:schemeClr val="bg1">
                     <a:lumMod val="85000"/>
@@ -17039,7 +19139,7 @@
               <a:t> </a:t>
             </a:r>
             <a:r>
-              <a:rPr lang="pt-BR" sz="1400" dirty="0" err="1">
+              <a:rPr lang="pt-BR" sz="1600" dirty="0" err="1">
                 <a:solidFill>
                   <a:schemeClr val="bg1">
                     <a:lumMod val="85000"/>
@@ -17051,7 +19151,7 @@
               <a:t>hPrevInstance</a:t>
             </a:r>
             <a:r>
-              <a:rPr lang="pt-BR" sz="1400" dirty="0">
+              <a:rPr lang="pt-BR" sz="1600" dirty="0">
                 <a:solidFill>
                   <a:schemeClr val="bg1">
                     <a:lumMod val="85000"/>
@@ -17065,7 +19165,7 @@
           </a:p>
           <a:p>
             <a:r>
-              <a:rPr lang="pt-BR" sz="1400" dirty="0">
+              <a:rPr lang="pt-BR" sz="1600" dirty="0">
                 <a:solidFill>
                   <a:schemeClr val="bg1">
                     <a:lumMod val="85000"/>
@@ -17077,7 +19177,7 @@
               <a:t>                      </a:t>
             </a:r>
             <a:r>
-              <a:rPr lang="pt-BR" sz="1400" dirty="0">
+              <a:rPr lang="pt-BR" sz="1600" dirty="0">
                 <a:solidFill>
                   <a:schemeClr val="accent1">
                     <a:lumMod val="50000"/>
@@ -17089,7 +19189,7 @@
               <a:t>_In_</a:t>
             </a:r>
             <a:r>
-              <a:rPr lang="pt-BR" sz="1400" dirty="0">
+              <a:rPr lang="pt-BR" sz="1600" dirty="0">
                 <a:solidFill>
                   <a:schemeClr val="bg1">
                     <a:lumMod val="85000"/>
@@ -17101,7 +19201,7 @@
               <a:t> </a:t>
             </a:r>
             <a:r>
-              <a:rPr lang="pt-BR" sz="1400" dirty="0">
+              <a:rPr lang="pt-BR" sz="1600" dirty="0">
                 <a:solidFill>
                   <a:schemeClr val="accent1">
                     <a:lumMod val="75000"/>
@@ -17113,7 +19213,7 @@
               <a:t>LPSTR</a:t>
             </a:r>
             <a:r>
-              <a:rPr lang="pt-BR" sz="1400" dirty="0">
+              <a:rPr lang="pt-BR" sz="1600" dirty="0">
                 <a:solidFill>
                   <a:schemeClr val="bg1">
                     <a:lumMod val="85000"/>
@@ -17125,7 +19225,7 @@
               <a:t> </a:t>
             </a:r>
             <a:r>
-              <a:rPr lang="pt-BR" sz="1400" dirty="0" err="1">
+              <a:rPr lang="pt-BR" sz="1600" dirty="0" err="1">
                 <a:solidFill>
                   <a:schemeClr val="bg1">
                     <a:lumMod val="85000"/>
@@ -17137,7 +19237,7 @@
               <a:t>lpCmdLine</a:t>
             </a:r>
             <a:r>
-              <a:rPr lang="pt-BR" sz="1400" dirty="0">
+              <a:rPr lang="pt-BR" sz="1600" dirty="0">
                 <a:solidFill>
                   <a:schemeClr val="bg1">
                     <a:lumMod val="85000"/>
@@ -17149,7 +19249,7 @@
               <a:t>,</a:t>
             </a:r>
             <a:r>
-              <a:rPr lang="pt-BR" sz="1400" dirty="0">
+              <a:rPr lang="pt-BR" sz="1600" dirty="0">
                 <a:latin typeface="Consolas" pitchFamily="49" charset="0"/>
                 <a:cs typeface="Consolas" pitchFamily="49" charset="0"/>
               </a:rPr>
@@ -17158,7 +19258,7 @@
           </a:p>
           <a:p>
             <a:r>
-              <a:rPr lang="pt-BR" sz="1400" dirty="0">
+              <a:rPr lang="pt-BR" sz="1600" dirty="0">
                 <a:solidFill>
                   <a:schemeClr val="accent1">
                     <a:lumMod val="75000"/>
@@ -17170,7 +19270,7 @@
               <a:t>                      </a:t>
             </a:r>
             <a:r>
-              <a:rPr lang="pt-BR" sz="1400" dirty="0">
+              <a:rPr lang="pt-BR" sz="1600" dirty="0">
                 <a:solidFill>
                   <a:schemeClr val="accent1">
                     <a:lumMod val="50000"/>
@@ -17182,7 +19282,7 @@
               <a:t>_In_</a:t>
             </a:r>
             <a:r>
-              <a:rPr lang="pt-BR" sz="1400" dirty="0">
+              <a:rPr lang="pt-BR" sz="1600" dirty="0">
                 <a:solidFill>
                   <a:schemeClr val="accent1">
                     <a:lumMod val="75000"/>
@@ -17194,7 +19294,7 @@
               <a:t> </a:t>
             </a:r>
             <a:r>
-              <a:rPr lang="pt-BR" sz="1400" dirty="0" err="1">
+              <a:rPr lang="pt-BR" sz="1600" dirty="0" err="1">
                 <a:solidFill>
                   <a:schemeClr val="accent1">
                     <a:lumMod val="75000"/>
@@ -17206,7 +19306,7 @@
               <a:t>int</a:t>
             </a:r>
             <a:r>
-              <a:rPr lang="pt-BR" sz="1400" dirty="0">
+              <a:rPr lang="pt-BR" sz="1600" dirty="0">
                 <a:solidFill>
                   <a:schemeClr val="accent3">
                     <a:lumMod val="75000"/>
@@ -17218,7 +19318,7 @@
               <a:t> </a:t>
             </a:r>
             <a:r>
-              <a:rPr lang="pt-BR" sz="1400" dirty="0" err="1">
+              <a:rPr lang="pt-BR" sz="1600" dirty="0" err="1">
                 <a:solidFill>
                   <a:schemeClr val="bg1">
                     <a:lumMod val="85000"/>
@@ -17230,7 +19330,7 @@
               <a:t>nCmdShow</a:t>
             </a:r>
             <a:r>
-              <a:rPr lang="pt-BR" sz="1400" dirty="0">
+              <a:rPr lang="pt-BR" sz="1600" dirty="0">
                 <a:solidFill>
                   <a:schemeClr val="bg1">
                     <a:lumMod val="85000"/>
@@ -17244,7 +19344,7 @@
           </a:p>
           <a:p>
             <a:r>
-              <a:rPr lang="pt-BR" sz="1400" dirty="0">
+              <a:rPr lang="pt-BR" sz="1600" dirty="0">
                 <a:solidFill>
                   <a:schemeClr val="bg1">
                     <a:lumMod val="85000"/>
@@ -17257,7 +19357,7 @@
             </a:r>
           </a:p>
           <a:p>
-            <a:endParaRPr lang="pt-BR" sz="1400" dirty="0">
+            <a:endParaRPr lang="pt-BR" sz="1600" dirty="0">
               <a:solidFill>
                 <a:schemeClr val="bg1">
                   <a:lumMod val="85000"/>
@@ -17269,7 +19369,7 @@
           </a:p>
           <a:p>
             <a:r>
-              <a:rPr lang="pt-BR" sz="1400" dirty="0">
+              <a:rPr lang="pt-BR" sz="1600" dirty="0">
                 <a:solidFill>
                   <a:schemeClr val="bg1">
                     <a:lumMod val="85000"/>
@@ -17281,7 +19381,7 @@
               <a:t>     </a:t>
             </a:r>
             <a:r>
-              <a:rPr lang="pt-BR" sz="1400" dirty="0" err="1">
+              <a:rPr lang="pt-BR" sz="1600" dirty="0" err="1">
                 <a:solidFill>
                   <a:schemeClr val="bg1">
                     <a:lumMod val="85000"/>
@@ -17293,7 +19393,7 @@
               <a:t>MessageBox</a:t>
             </a:r>
             <a:r>
-              <a:rPr lang="pt-BR" sz="1400" dirty="0">
+              <a:rPr lang="pt-BR" sz="1600" dirty="0">
                 <a:solidFill>
                   <a:schemeClr val="bg1">
                     <a:lumMod val="85000"/>
@@ -17305,7 +19405,7 @@
               <a:t>(</a:t>
             </a:r>
             <a:r>
-              <a:rPr lang="pt-BR" sz="1400" dirty="0">
+              <a:rPr lang="pt-BR" sz="1600" dirty="0">
                 <a:solidFill>
                   <a:schemeClr val="accent1">
                     <a:lumMod val="75000"/>
@@ -17317,7 +19417,7 @@
               <a:t>NULL</a:t>
             </a:r>
             <a:r>
-              <a:rPr lang="pt-BR" sz="1400" dirty="0">
+              <a:rPr lang="pt-BR" sz="1600" dirty="0">
                 <a:solidFill>
                   <a:schemeClr val="bg1">
                     <a:lumMod val="85000"/>
@@ -17329,7 +19429,7 @@
               <a:t>, </a:t>
             </a:r>
             <a:r>
-              <a:rPr lang="pt-BR" sz="1400" dirty="0">
+              <a:rPr lang="pt-BR" sz="1600" dirty="0">
                 <a:solidFill>
                   <a:schemeClr val="accent4">
                     <a:lumMod val="75000"/>
@@ -17341,7 +19441,7 @@
               <a:t>"Oi Windows!"</a:t>
             </a:r>
             <a:r>
-              <a:rPr lang="pt-BR" sz="1400" dirty="0">
+              <a:rPr lang="pt-BR" sz="1600" dirty="0">
                 <a:solidFill>
                   <a:schemeClr val="bg1">
                     <a:lumMod val="85000"/>
@@ -17353,7 +19453,7 @@
               <a:t>, </a:t>
             </a:r>
             <a:r>
-              <a:rPr lang="pt-BR" sz="1400" dirty="0">
+              <a:rPr lang="pt-BR" sz="1600" dirty="0">
                 <a:solidFill>
                   <a:schemeClr val="accent4">
                     <a:lumMod val="75000"/>
@@ -17365,7 +19465,7 @@
               <a:t>"Mensagem"</a:t>
             </a:r>
             <a:r>
-              <a:rPr lang="pt-BR" sz="1400" dirty="0">
+              <a:rPr lang="pt-BR" sz="1600" dirty="0">
                 <a:solidFill>
                   <a:schemeClr val="bg1">
                     <a:lumMod val="85000"/>
@@ -17377,7 +19477,7 @@
               <a:t>, </a:t>
             </a:r>
             <a:r>
-              <a:rPr lang="pt-BR" sz="1400" dirty="0">
+              <a:rPr lang="pt-BR" sz="1600" dirty="0">
                 <a:solidFill>
                   <a:schemeClr val="accent4">
                     <a:lumMod val="75000"/>
@@ -17389,7 +19489,7 @@
               <a:t>0</a:t>
             </a:r>
             <a:r>
-              <a:rPr lang="pt-BR" sz="1400" dirty="0">
+              <a:rPr lang="pt-BR" sz="1600" dirty="0">
                 <a:solidFill>
                   <a:schemeClr val="bg1">
                     <a:lumMod val="85000"/>
@@ -17402,7 +19502,7 @@
             </a:r>
           </a:p>
           <a:p>
-            <a:endParaRPr lang="pt-BR" sz="1400" dirty="0">
+            <a:endParaRPr lang="pt-BR" sz="1600" dirty="0">
               <a:solidFill>
                 <a:schemeClr val="bg1">
                   <a:lumMod val="85000"/>
@@ -17414,14 +19514,14 @@
           </a:p>
           <a:p>
             <a:r>
-              <a:rPr lang="pt-BR" sz="1400" dirty="0">
+              <a:rPr lang="pt-BR" sz="1600" dirty="0">
                 <a:latin typeface="Consolas" pitchFamily="49" charset="0"/>
                 <a:cs typeface="Consolas" pitchFamily="49" charset="0"/>
               </a:rPr>
               <a:t>     </a:t>
             </a:r>
             <a:r>
-              <a:rPr lang="pt-BR" sz="1400" dirty="0">
+              <a:rPr lang="pt-BR" sz="1600" dirty="0">
                 <a:solidFill>
                   <a:schemeClr val="accent1">
                     <a:lumMod val="75000"/>
@@ -17433,7 +19533,7 @@
               <a:t>return</a:t>
             </a:r>
             <a:r>
-              <a:rPr lang="pt-BR" sz="1400" dirty="0">
+              <a:rPr lang="pt-BR" sz="1600" dirty="0">
                 <a:solidFill>
                   <a:schemeClr val="accent3">
                     <a:lumMod val="75000"/>
@@ -17445,7 +19545,7 @@
               <a:t> </a:t>
             </a:r>
             <a:r>
-              <a:rPr lang="pt-BR" sz="1400" dirty="0">
+              <a:rPr lang="pt-BR" sz="1600" dirty="0">
                 <a:solidFill>
                   <a:schemeClr val="accent4">
                     <a:lumMod val="75000"/>
@@ -17457,7 +19557,7 @@
               <a:t>0</a:t>
             </a:r>
             <a:r>
-              <a:rPr lang="pt-BR" sz="1400" dirty="0">
+              <a:rPr lang="pt-BR" sz="1600" dirty="0">
                 <a:solidFill>
                   <a:schemeClr val="bg1">
                     <a:lumMod val="85000"/>
@@ -17471,7 +19571,7 @@
           </a:p>
           <a:p>
             <a:r>
-              <a:rPr lang="pt-BR" sz="1400" dirty="0">
+              <a:rPr lang="pt-BR" sz="1600" dirty="0">
                 <a:solidFill>
                   <a:schemeClr val="bg1">
                     <a:lumMod val="85000"/>
@@ -17507,7 +19607,7 @@
         </p:blipFill>
         <p:spPr>
           <a:xfrm>
-            <a:off x="8472264" y="2585860"/>
+            <a:off x="8472264" y="3004547"/>
             <a:ext cx="1504950" cy="1771650"/>
           </a:xfrm>
           <a:prstGeom prst="rect">
@@ -17525,6 +19625,9 @@
   <p:clrMapOvr>
     <a:masterClrMapping/>
   </p:clrMapOvr>
+  <p:transition spd="slow">
+    <p:wipe/>
+  </p:transition>
 </p:sld>
 </file>
 
@@ -17569,7 +19672,7 @@
         </p:blipFill>
         <p:spPr>
           <a:xfrm>
-            <a:off x="4583832" y="1628800"/>
+            <a:off x="4583832" y="1927374"/>
             <a:ext cx="6523909" cy="4525962"/>
           </a:xfrm>
           <a:prstGeom prst="rect">
@@ -17722,6 +19825,9 @@
   <p:clrMapOvr>
     <a:masterClrMapping/>
   </p:clrMapOvr>
+  <p:transition spd="slow">
+    <p:wipe/>
+  </p:transition>
 </p:sld>
 </file>
 
@@ -17992,6 +20098,9 @@
   <p:clrMapOvr>
     <a:masterClrMapping/>
   </p:clrMapOvr>
+  <p:transition spd="slow">
+    <p:wipe/>
+  </p:transition>
 </p:sld>
 </file>
 
@@ -18036,7 +20145,7 @@
         </p:blipFill>
         <p:spPr>
           <a:xfrm>
-            <a:off x="4655840" y="1556792"/>
+            <a:off x="4655840" y="1927374"/>
             <a:ext cx="6523909" cy="4525962"/>
           </a:xfrm>
           <a:prstGeom prst="rect">
@@ -18179,6 +20288,9 @@
   <p:clrMapOvr>
     <a:masterClrMapping/>
   </p:clrMapOvr>
+  <p:transition spd="slow">
+    <p:wipe/>
+  </p:transition>
 </p:sld>
 </file>
 
@@ -18282,7 +20394,7 @@
         </p:nvGrpSpPr>
         <p:grpSpPr>
           <a:xfrm>
-            <a:off x="2353391" y="2397664"/>
+            <a:off x="2521449" y="2362870"/>
             <a:ext cx="7174951" cy="3946450"/>
             <a:chOff x="2353391" y="2397664"/>
             <a:chExt cx="7174951" cy="3946450"/>
@@ -18472,6 +20584,9 @@
   <p:clrMapOvr>
     <a:masterClrMapping/>
   </p:clrMapOvr>
+  <p:transition spd="slow">
+    <p:wipe/>
+  </p:transition>
 </p:sld>
 </file>
 
@@ -18862,6 +20977,9 @@
   <p:clrMapOvr>
     <a:masterClrMapping/>
   </p:clrMapOvr>
+  <p:transition spd="slow">
+    <p:wipe/>
+  </p:transition>
 </p:sld>
 </file>
 
@@ -19014,7 +21132,7 @@
         <p:grpSpPr>
           <a:xfrm>
             <a:off x="952500" y="2428868"/>
-            <a:ext cx="10287000" cy="3829050"/>
+            <a:ext cx="9896028" cy="3683522"/>
             <a:chOff x="952500" y="2428868"/>
             <a:chExt cx="10287000" cy="3829050"/>
           </a:xfrm>
@@ -19168,6 +21286,9 @@
   <p:clrMapOvr>
     <a:masterClrMapping/>
   </p:clrMapOvr>
+  <p:transition spd="slow">
+    <p:wipe/>
+  </p:transition>
 </p:sld>
 </file>
 
@@ -19356,7 +21477,7 @@
         </p:nvGrpSpPr>
         <p:grpSpPr>
           <a:xfrm>
-            <a:off x="1994744" y="2428868"/>
+            <a:off x="2069951" y="2348880"/>
             <a:ext cx="8202513" cy="3864512"/>
             <a:chOff x="1778720" y="2428868"/>
             <a:chExt cx="8202513" cy="3864512"/>
@@ -19547,6 +21668,9 @@
   <p:clrMapOvr>
     <a:masterClrMapping/>
   </p:clrMapOvr>
+  <p:transition spd="slow">
+    <p:wipe/>
+  </p:transition>
 </p:sld>
 </file>
 
@@ -19658,7 +21782,7 @@
         </p:blipFill>
         <p:spPr>
           <a:xfrm>
-            <a:off x="2071687" y="2647958"/>
+            <a:off x="2071687" y="2564904"/>
             <a:ext cx="8048625" cy="3562350"/>
           </a:xfrm>
           <a:prstGeom prst="rect">
@@ -19676,6 +21800,9 @@
   <p:clrMapOvr>
     <a:masterClrMapping/>
   </p:clrMapOvr>
+  <p:transition spd="slow">
+    <p:wipe/>
+  </p:transition>
 </p:sld>
 </file>
 
@@ -19794,7 +21921,7 @@
         <p:grpSpPr>
           <a:xfrm>
             <a:off x="2171155" y="2424711"/>
-            <a:ext cx="7849691" cy="4088767"/>
+            <a:ext cx="7453237" cy="3882261"/>
             <a:chOff x="2171155" y="2424711"/>
             <a:chExt cx="7849691" cy="4088767"/>
           </a:xfrm>
@@ -19893,6 +22020,9 @@
   <p:clrMapOvr>
     <a:masterClrMapping/>
   </p:clrMapOvr>
+  <p:transition spd="slow">
+    <p:wipe/>
+  </p:transition>
 </p:sld>
 </file>
 
@@ -20097,6 +22227,9 @@
   <p:clrMapOvr>
     <a:masterClrMapping/>
   </p:clrMapOvr>
+  <p:transition spd="slow">
+    <p:wipe/>
+  </p:transition>
 </p:sld>
 </file>
 
@@ -20117,35 +22250,6 @@
           <a:chExt cx="0" cy="0"/>
         </a:xfrm>
       </p:grpSpPr>
-      <p:pic>
-        <p:nvPicPr>
-          <p:cNvPr id="4" name="Imagem 3">
-            <a:extLst>
-              <a:ext uri="{FF2B5EF4-FFF2-40B4-BE49-F238E27FC236}">
-                <a16:creationId xmlns:a16="http://schemas.microsoft.com/office/drawing/2014/main" id="{B207BFB7-A87F-475D-A90B-824D11DDD57A}"/>
-              </a:ext>
-            </a:extLst>
-          </p:cNvPr>
-          <p:cNvPicPr>
-            <a:picLocks noChangeAspect="1"/>
-          </p:cNvPicPr>
-          <p:nvPr/>
-        </p:nvPicPr>
-        <p:blipFill rotWithShape="1">
-          <a:blip r:embed="rId3"/>
-          <a:srcRect b="36256"/>
-          <a:stretch/>
-        </p:blipFill>
-        <p:spPr>
-          <a:xfrm>
-            <a:off x="1595875" y="2439966"/>
-            <a:ext cx="9720330" cy="3856059"/>
-          </a:xfrm>
-          <a:prstGeom prst="rect">
-            <a:avLst/>
-          </a:prstGeom>
-        </p:spPr>
-      </p:pic>
       <p:sp>
         <p:nvSpPr>
           <p:cNvPr id="2" name="Título 1"/>
@@ -20273,102 +22377,152 @@
           </a:p>
         </p:txBody>
       </p:sp>
-      <p:sp>
-        <p:nvSpPr>
-          <p:cNvPr id="5" name="Retângulo 4"/>
-          <p:cNvSpPr/>
+      <p:grpSp>
+        <p:nvGrpSpPr>
+          <p:cNvPr id="7" name="Agrupar 6">
+            <a:extLst>
+              <a:ext uri="{FF2B5EF4-FFF2-40B4-BE49-F238E27FC236}">
+                <a16:creationId xmlns:a16="http://schemas.microsoft.com/office/drawing/2014/main" id="{8DED1956-317D-40BB-B414-0525B454F0CE}"/>
+              </a:ext>
+            </a:extLst>
+          </p:cNvPr>
+          <p:cNvGrpSpPr/>
           <p:nvPr/>
-        </p:nvSpPr>
-        <p:spPr>
+        </p:nvGrpSpPr>
+        <p:grpSpPr>
           <a:xfrm>
-            <a:off x="6813551" y="6045200"/>
-            <a:ext cx="850899" cy="203200"/>
+            <a:off x="1595875" y="2439966"/>
+            <a:ext cx="9396669" cy="3727663"/>
+            <a:chOff x="1595875" y="2439966"/>
+            <a:chExt cx="9720330" cy="3856059"/>
           </a:xfrm>
-          <a:prstGeom prst="rect">
-            <a:avLst/>
-          </a:prstGeom>
-          <a:noFill/>
-          <a:ln w="28575" cmpd="sng">
-            <a:solidFill>
+        </p:grpSpPr>
+        <p:pic>
+          <p:nvPicPr>
+            <p:cNvPr id="4" name="Imagem 3">
+              <a:extLst>
+                <a:ext uri="{FF2B5EF4-FFF2-40B4-BE49-F238E27FC236}">
+                  <a16:creationId xmlns:a16="http://schemas.microsoft.com/office/drawing/2014/main" id="{B207BFB7-A87F-475D-A90B-824D11DDD57A}"/>
+                </a:ext>
+              </a:extLst>
+            </p:cNvPr>
+            <p:cNvPicPr>
+              <a:picLocks noChangeAspect="1"/>
+            </p:cNvPicPr>
+            <p:nvPr/>
+          </p:nvPicPr>
+          <p:blipFill rotWithShape="1">
+            <a:blip r:embed="rId3"/>
+            <a:srcRect b="36256"/>
+            <a:stretch/>
+          </p:blipFill>
+          <p:spPr>
+            <a:xfrm>
+              <a:off x="1595875" y="2439966"/>
+              <a:ext cx="9720330" cy="3856059"/>
+            </a:xfrm>
+            <a:prstGeom prst="rect">
+              <a:avLst/>
+            </a:prstGeom>
+          </p:spPr>
+        </p:pic>
+        <p:sp>
+          <p:nvSpPr>
+            <p:cNvPr id="5" name="Retângulo 4"/>
+            <p:cNvSpPr/>
+            <p:nvPr/>
+          </p:nvSpPr>
+          <p:spPr>
+            <a:xfrm>
+              <a:off x="6813551" y="6045200"/>
+              <a:ext cx="850899" cy="203200"/>
+            </a:xfrm>
+            <a:prstGeom prst="rect">
+              <a:avLst/>
+            </a:prstGeom>
+            <a:noFill/>
+            <a:ln w="28575" cmpd="sng">
+              <a:solidFill>
+                <a:schemeClr val="accent1">
+                  <a:lumMod val="75000"/>
+                </a:schemeClr>
+              </a:solidFill>
+            </a:ln>
+          </p:spPr>
+          <p:style>
+            <a:lnRef idx="2">
               <a:schemeClr val="accent1">
-                <a:lumMod val="75000"/>
+                <a:shade val="50000"/>
               </a:schemeClr>
-            </a:solidFill>
-          </a:ln>
-        </p:spPr>
-        <p:style>
-          <a:lnRef idx="2">
-            <a:schemeClr val="accent1">
-              <a:shade val="50000"/>
-            </a:schemeClr>
-          </a:lnRef>
-          <a:fillRef idx="1">
-            <a:schemeClr val="accent1"/>
-          </a:fillRef>
-          <a:effectRef idx="0">
-            <a:schemeClr val="accent1"/>
-          </a:effectRef>
-          <a:fontRef idx="minor">
-            <a:schemeClr val="lt1"/>
-          </a:fontRef>
-        </p:style>
-        <p:txBody>
-          <a:bodyPr rtlCol="0" anchor="ctr"/>
-          <a:lstStyle/>
-          <a:p>
-            <a:pPr algn="ctr"/>
-            <a:endParaRPr lang="pt-BR"/>
-          </a:p>
-        </p:txBody>
-      </p:sp>
-      <p:sp>
-        <p:nvSpPr>
-          <p:cNvPr id="6" name="Retângulo 5"/>
-          <p:cNvSpPr/>
-          <p:nvPr/>
-        </p:nvSpPr>
-        <p:spPr>
-          <a:xfrm>
-            <a:off x="2063552" y="3455512"/>
-            <a:ext cx="381198" cy="208438"/>
-          </a:xfrm>
-          <a:prstGeom prst="rect">
-            <a:avLst/>
-          </a:prstGeom>
-          <a:noFill/>
-          <a:ln w="28575" cmpd="sng">
-            <a:solidFill>
+            </a:lnRef>
+            <a:fillRef idx="1">
+              <a:schemeClr val="accent1"/>
+            </a:fillRef>
+            <a:effectRef idx="0">
+              <a:schemeClr val="accent1"/>
+            </a:effectRef>
+            <a:fontRef idx="minor">
+              <a:schemeClr val="lt1"/>
+            </a:fontRef>
+          </p:style>
+          <p:txBody>
+            <a:bodyPr rtlCol="0" anchor="ctr"/>
+            <a:lstStyle/>
+            <a:p>
+              <a:pPr algn="ctr"/>
+              <a:endParaRPr lang="pt-BR"/>
+            </a:p>
+          </p:txBody>
+        </p:sp>
+        <p:sp>
+          <p:nvSpPr>
+            <p:cNvPr id="6" name="Retângulo 5"/>
+            <p:cNvSpPr/>
+            <p:nvPr/>
+          </p:nvSpPr>
+          <p:spPr>
+            <a:xfrm>
+              <a:off x="2063552" y="3455512"/>
+              <a:ext cx="381198" cy="208438"/>
+            </a:xfrm>
+            <a:prstGeom prst="rect">
+              <a:avLst/>
+            </a:prstGeom>
+            <a:noFill/>
+            <a:ln w="28575" cmpd="sng">
+              <a:solidFill>
+                <a:schemeClr val="accent1">
+                  <a:lumMod val="75000"/>
+                </a:schemeClr>
+              </a:solidFill>
+            </a:ln>
+          </p:spPr>
+          <p:style>
+            <a:lnRef idx="2">
               <a:schemeClr val="accent1">
-                <a:lumMod val="75000"/>
+                <a:shade val="50000"/>
               </a:schemeClr>
-            </a:solidFill>
-          </a:ln>
-        </p:spPr>
-        <p:style>
-          <a:lnRef idx="2">
-            <a:schemeClr val="accent1">
-              <a:shade val="50000"/>
-            </a:schemeClr>
-          </a:lnRef>
-          <a:fillRef idx="1">
-            <a:schemeClr val="accent1"/>
-          </a:fillRef>
-          <a:effectRef idx="0">
-            <a:schemeClr val="accent1"/>
-          </a:effectRef>
-          <a:fontRef idx="minor">
-            <a:schemeClr val="lt1"/>
-          </a:fontRef>
-        </p:style>
-        <p:txBody>
-          <a:bodyPr rtlCol="0" anchor="ctr"/>
-          <a:lstStyle/>
-          <a:p>
-            <a:pPr algn="ctr"/>
-            <a:endParaRPr lang="pt-BR"/>
-          </a:p>
-        </p:txBody>
-      </p:sp>
+            </a:lnRef>
+            <a:fillRef idx="1">
+              <a:schemeClr val="accent1"/>
+            </a:fillRef>
+            <a:effectRef idx="0">
+              <a:schemeClr val="accent1"/>
+            </a:effectRef>
+            <a:fontRef idx="minor">
+              <a:schemeClr val="lt1"/>
+            </a:fontRef>
+          </p:style>
+          <p:txBody>
+            <a:bodyPr rtlCol="0" anchor="ctr"/>
+            <a:lstStyle/>
+            <a:p>
+              <a:pPr algn="ctr"/>
+              <a:endParaRPr lang="pt-BR"/>
+            </a:p>
+          </p:txBody>
+        </p:sp>
+      </p:grpSp>
     </p:spTree>
     <p:extLst>
       <p:ext uri="{BB962C8B-B14F-4D97-AF65-F5344CB8AC3E}">
@@ -20379,6 +22533,9 @@
   <p:clrMapOvr>
     <a:masterClrMapping/>
   </p:clrMapOvr>
+  <p:transition spd="slow">
+    <p:wipe/>
+  </p:transition>
 </p:sld>
 </file>
 
@@ -21338,6 +23495,9 @@
   <p:clrMapOvr>
     <a:masterClrMapping/>
   </p:clrMapOvr>
+  <p:transition spd="slow">
+    <p:wipe/>
+  </p:transition>
 </p:sld>
 </file>
 
@@ -21397,7 +23557,14 @@
           <a:p>
             <a:r>
               <a:rPr lang="pt-BR" dirty="0"/>
-              <a:t>A diretiva de pré-processamento inclui o arquivo de cabeçalho windows.h</a:t>
+              <a:t>A diretiva de pré-processamento inclui o arquivo </a:t>
+            </a:r>
+            <a:br>
+              <a:rPr lang="pt-BR" dirty="0"/>
+            </a:br>
+            <a:r>
+              <a:rPr lang="pt-BR" dirty="0"/>
+              <a:t>de cabeçalho windows.h</a:t>
             </a:r>
           </a:p>
           <a:p>
@@ -21570,6 +23737,9 @@
   <p:clrMapOvr>
     <a:masterClrMapping/>
   </p:clrMapOvr>
+  <p:transition spd="slow">
+    <p:wipe/>
+  </p:transition>
 </p:sld>
 </file>
 
@@ -21654,6 +23824,9 @@
               <a:rPr lang="pt-BR" dirty="0"/>
               <a:t>é o ponto de entrada para todo programa </a:t>
             </a:r>
+            <a:br>
+              <a:rPr lang="pt-BR" dirty="0"/>
+            </a:br>
             <a:r>
               <a:rPr lang="pt-BR" dirty="0">
                 <a:solidFill>
@@ -21680,7 +23853,14 @@
             </a:r>
             <a:r>
               <a:rPr lang="pt-BR" dirty="0"/>
-              <a:t>é o ponto de entrada para programas no </a:t>
+              <a:t>é o ponto de entrada </a:t>
+            </a:r>
+            <a:br>
+              <a:rPr lang="pt-BR" dirty="0"/>
+            </a:br>
+            <a:r>
+              <a:rPr lang="pt-BR" dirty="0"/>
+              <a:t>para programas no </a:t>
             </a:r>
             <a:r>
               <a:rPr lang="pt-BR" dirty="0">
@@ -22179,6 +24359,9 @@
   <p:clrMapOvr>
     <a:masterClrMapping/>
   </p:clrMapOvr>
+  <p:transition spd="slow">
+    <p:wipe/>
+  </p:transition>
 </p:sld>
 </file>
 
@@ -22260,7 +24443,28 @@
                 </a:solidFill>
                 <a:latin typeface="+mj-lt"/>
               </a:rPr>
-              <a:t>convenção para os nomes de variáveis</a:t>
+              <a:t>convenção para os nomes </a:t>
+            </a:r>
+            <a:br>
+              <a:rPr lang="pt-BR" dirty="0">
+                <a:solidFill>
+                  <a:schemeClr val="accent1">
+                    <a:lumMod val="75000"/>
+                  </a:schemeClr>
+                </a:solidFill>
+                <a:latin typeface="+mj-lt"/>
+              </a:rPr>
+            </a:br>
+            <a:r>
+              <a:rPr lang="pt-BR" dirty="0">
+                <a:solidFill>
+                  <a:schemeClr val="accent1">
+                    <a:lumMod val="75000"/>
+                  </a:schemeClr>
+                </a:solidFill>
+                <a:latin typeface="+mj-lt"/>
+              </a:rPr>
+              <a:t>de variáveis</a:t>
             </a:r>
             <a:r>
               <a:rPr lang="pt-BR" dirty="0">
@@ -23028,6 +25232,9 @@
   <p:clrMapOvr>
     <a:masterClrMapping/>
   </p:clrMapOvr>
+  <p:transition spd="slow">
+    <p:wipe/>
+  </p:transition>
 </p:sld>
 </file>
 
@@ -23080,7 +25287,12 @@
             <p:ph idx="1"/>
           </p:nvPr>
         </p:nvSpPr>
-        <p:spPr/>
+        <p:spPr>
+          <a:xfrm>
+            <a:off x="609600" y="1783357"/>
+            <a:ext cx="10972800" cy="4525963"/>
+          </a:xfrm>
+        </p:spPr>
         <p:txBody>
           <a:bodyPr>
             <a:normAutofit/>
@@ -23206,7 +25418,7 @@
         </p:nvSpPr>
         <p:spPr>
           <a:xfrm>
-            <a:off x="984502" y="1772816"/>
+            <a:off x="984502" y="2074844"/>
             <a:ext cx="10368081" cy="646331"/>
           </a:xfrm>
           <a:prstGeom prst="rect">
@@ -23558,6 +25770,9 @@
   <p:clrMapOvr>
     <a:masterClrMapping/>
   </p:clrMapOvr>
+  <p:transition spd="slow">
+    <p:wipe/>
+  </p:transition>
 </p:sld>
 </file>
 
@@ -23617,7 +25832,14 @@
           <a:p>
             <a:r>
               <a:rPr lang="pt-BR" dirty="0"/>
-              <a:t>Caixas de mensagens foram projetadas para mostrar </a:t>
+              <a:t>Caixas de mensagens foram projetadas para </a:t>
+            </a:r>
+            <a:br>
+              <a:rPr lang="pt-BR" dirty="0"/>
+            </a:br>
+            <a:r>
+              <a:rPr lang="pt-BR" dirty="0"/>
+              <a:t>mostrar </a:t>
             </a:r>
             <a:r>
               <a:rPr lang="pt-BR" dirty="0">
@@ -24042,6 +26264,9 @@
   <p:clrMapOvr>
     <a:masterClrMapping/>
   </p:clrMapOvr>
+  <p:transition spd="slow">
+    <p:wipe/>
+  </p:transition>
 </p:sld>
 </file>
 
@@ -24101,7 +26326,7 @@
           <a:p>
             <a:r>
               <a:rPr lang="pt-BR" dirty="0"/>
-              <a:t>A caixa de mensagens é uma janela de propósito especial</a:t>
+              <a:t>A caixa de mensagens é uma janela especial</a:t>
             </a:r>
           </a:p>
           <a:p>
@@ -24261,6 +26486,9 @@
   <p:clrMapOvr>
     <a:masterClrMapping/>
   </p:clrMapOvr>
+  <p:transition spd="slow">
+    <p:wipe/>
+  </p:transition>
 </p:sld>
 </file>
 
@@ -24332,10 +26560,10 @@
       </p:sp>
       <p:grpSp>
         <p:nvGrpSpPr>
-          <p:cNvPr id="42" name="Agrupar 41">
+          <p:cNvPr id="26" name="Agrupar 25">
             <a:extLst>
               <a:ext uri="{FF2B5EF4-FFF2-40B4-BE49-F238E27FC236}">
-                <a16:creationId xmlns:a16="http://schemas.microsoft.com/office/drawing/2014/main" id="{9559FBCE-47D9-4C6A-854A-76446E628D37}"/>
+                <a16:creationId xmlns:a16="http://schemas.microsoft.com/office/drawing/2014/main" id="{9E56944E-37EC-EC42-B6B3-2DBD066ACC1C}"/>
               </a:ext>
             </a:extLst>
           </p:cNvPr>
@@ -24345,9 +26573,9 @@
         <p:grpSpPr>
           <a:xfrm>
             <a:off x="1758707" y="2119910"/>
-            <a:ext cx="8695376" cy="4221135"/>
+            <a:ext cx="8695376" cy="4100073"/>
             <a:chOff x="1758707" y="2119910"/>
-            <a:chExt cx="8695376" cy="4221135"/>
+            <a:chExt cx="8695376" cy="4100073"/>
           </a:xfrm>
         </p:grpSpPr>
         <p:sp>
@@ -24769,7 +26997,7 @@
           </p:nvSpPr>
           <p:spPr>
             <a:xfrm>
-              <a:off x="6999514" y="4681616"/>
+              <a:off x="6999514" y="4660481"/>
               <a:ext cx="1044674" cy="936104"/>
             </a:xfrm>
             <a:prstGeom prst="rect">
@@ -24875,8 +27103,8 @@
           </p:nvCxnSpPr>
           <p:spPr>
             <a:xfrm rot="16200000" flipH="1">
-              <a:off x="6500931" y="3660697"/>
-              <a:ext cx="623594" cy="1418245"/>
+              <a:off x="6511499" y="3650128"/>
+              <a:ext cx="602459" cy="1418245"/>
             </a:xfrm>
             <a:prstGeom prst="curvedConnector3">
               <a:avLst>
@@ -24957,7 +27185,7 @@
           </p:nvSpPr>
           <p:spPr>
             <a:xfrm>
-              <a:off x="8445214" y="5926326"/>
+              <a:off x="8445214" y="5838503"/>
               <a:ext cx="1224136" cy="379220"/>
             </a:xfrm>
             <a:prstGeom prst="rect">
@@ -25030,7 +27258,7 @@
           </p:nvSpPr>
           <p:spPr>
             <a:xfrm>
-              <a:off x="8445214" y="4672123"/>
+              <a:off x="8445214" y="4650988"/>
               <a:ext cx="1224136" cy="955090"/>
             </a:xfrm>
             <a:prstGeom prst="rect">
@@ -25140,7 +27368,7 @@
           </p:nvCxnSpPr>
           <p:spPr>
             <a:xfrm>
-              <a:off x="8044188" y="5149668"/>
+              <a:off x="8044188" y="5128533"/>
               <a:ext cx="401026" cy="0"/>
             </a:xfrm>
             <a:prstGeom prst="straightConnector1">
@@ -25238,7 +27466,7 @@
           </p:nvSpPr>
           <p:spPr>
             <a:xfrm>
-              <a:off x="2512417" y="5961825"/>
+              <a:off x="2512417" y="5840763"/>
               <a:ext cx="1224136" cy="379220"/>
             </a:xfrm>
             <a:prstGeom prst="rect">
@@ -25438,13 +27666,15 @@
         <p:cxnSp>
           <p:nvCxnSpPr>
             <p:cNvPr id="32" name="Conector de seta reta 31"/>
-            <p:cNvCxnSpPr/>
+            <p:cNvCxnSpPr>
+              <a:cxnSpLocks/>
+            </p:cNvCxnSpPr>
             <p:nvPr/>
           </p:nvCxnSpPr>
           <p:spPr>
             <a:xfrm flipV="1">
               <a:off x="3520529" y="5608227"/>
-              <a:ext cx="0" cy="353598"/>
+              <a:ext cx="0" cy="232536"/>
             </a:xfrm>
             <a:prstGeom prst="straightConnector1">
               <a:avLst/>
@@ -25474,13 +27704,15 @@
         <p:cxnSp>
           <p:nvCxnSpPr>
             <p:cNvPr id="33" name="Conector de seta reta 32"/>
-            <p:cNvCxnSpPr/>
+            <p:cNvCxnSpPr>
+              <a:cxnSpLocks/>
+            </p:cNvCxnSpPr>
             <p:nvPr/>
           </p:nvCxnSpPr>
           <p:spPr>
             <a:xfrm>
               <a:off x="2728442" y="5608227"/>
-              <a:ext cx="3077" cy="353599"/>
+              <a:ext cx="0" cy="232536"/>
             </a:xfrm>
             <a:prstGeom prst="straightConnector1">
               <a:avLst/>
@@ -25530,78 +27762,6 @@
                 <a:schemeClr val="bg1">
                   <a:lumMod val="85000"/>
                 </a:schemeClr>
-              </a:solidFill>
-              <a:tailEnd type="triangle"/>
-            </a:ln>
-          </p:spPr>
-          <p:style>
-            <a:lnRef idx="1">
-              <a:schemeClr val="accent1"/>
-            </a:lnRef>
-            <a:fillRef idx="0">
-              <a:schemeClr val="accent1"/>
-            </a:fillRef>
-            <a:effectRef idx="0">
-              <a:schemeClr val="accent1"/>
-            </a:effectRef>
-            <a:fontRef idx="minor">
-              <a:schemeClr val="tx1"/>
-            </a:fontRef>
-          </p:style>
-        </p:cxnSp>
-        <p:cxnSp>
-          <p:nvCxnSpPr>
-            <p:cNvPr id="45" name="Conector de seta reta 44"/>
-            <p:cNvCxnSpPr/>
-            <p:nvPr/>
-          </p:nvCxnSpPr>
-          <p:spPr>
-            <a:xfrm flipV="1">
-              <a:off x="9480376" y="5619802"/>
-              <a:ext cx="0" cy="306525"/>
-            </a:xfrm>
-            <a:prstGeom prst="straightConnector1">
-              <a:avLst/>
-            </a:prstGeom>
-            <a:ln>
-              <a:solidFill>
-                <a:schemeClr val="bg1"/>
-              </a:solidFill>
-              <a:tailEnd type="triangle"/>
-            </a:ln>
-          </p:spPr>
-          <p:style>
-            <a:lnRef idx="1">
-              <a:schemeClr val="accent1"/>
-            </a:lnRef>
-            <a:fillRef idx="0">
-              <a:schemeClr val="accent1"/>
-            </a:fillRef>
-            <a:effectRef idx="0">
-              <a:schemeClr val="accent1"/>
-            </a:effectRef>
-            <a:fontRef idx="minor">
-              <a:schemeClr val="tx1"/>
-            </a:fontRef>
-          </p:style>
-        </p:cxnSp>
-        <p:cxnSp>
-          <p:nvCxnSpPr>
-            <p:cNvPr id="46" name="Conector de seta reta 45"/>
-            <p:cNvCxnSpPr/>
-            <p:nvPr/>
-          </p:nvCxnSpPr>
-          <p:spPr>
-            <a:xfrm>
-              <a:off x="8688289" y="5619800"/>
-              <a:ext cx="3077" cy="306526"/>
-            </a:xfrm>
-            <a:prstGeom prst="straightConnector1">
-              <a:avLst/>
-            </a:prstGeom>
-            <a:ln>
-              <a:solidFill>
-                <a:schemeClr val="bg1"/>
               </a:solidFill>
               <a:tailEnd type="triangle"/>
             </a:ln>
@@ -25797,6 +27957,94 @@
             </p:txBody>
           </p:sp>
         </p:grpSp>
+        <p:cxnSp>
+          <p:nvCxnSpPr>
+            <p:cNvPr id="47" name="Conector de seta reta 31">
+              <a:extLst>
+                <a:ext uri="{FF2B5EF4-FFF2-40B4-BE49-F238E27FC236}">
+                  <a16:creationId xmlns:a16="http://schemas.microsoft.com/office/drawing/2014/main" id="{4254CABB-45DB-4645-908C-DA42146639D6}"/>
+                </a:ext>
+              </a:extLst>
+            </p:cNvPr>
+            <p:cNvCxnSpPr>
+              <a:cxnSpLocks/>
+            </p:cNvCxnSpPr>
+            <p:nvPr/>
+          </p:nvCxnSpPr>
+          <p:spPr>
+            <a:xfrm flipV="1">
+              <a:off x="9480376" y="5608227"/>
+              <a:ext cx="0" cy="232536"/>
+            </a:xfrm>
+            <a:prstGeom prst="straightConnector1">
+              <a:avLst/>
+            </a:prstGeom>
+            <a:ln>
+              <a:solidFill>
+                <a:schemeClr val="bg1"/>
+              </a:solidFill>
+              <a:tailEnd type="triangle"/>
+            </a:ln>
+          </p:spPr>
+          <p:style>
+            <a:lnRef idx="1">
+              <a:schemeClr val="accent1"/>
+            </a:lnRef>
+            <a:fillRef idx="0">
+              <a:schemeClr val="accent1"/>
+            </a:fillRef>
+            <a:effectRef idx="0">
+              <a:schemeClr val="accent1"/>
+            </a:effectRef>
+            <a:fontRef idx="minor">
+              <a:schemeClr val="tx1"/>
+            </a:fontRef>
+          </p:style>
+        </p:cxnSp>
+        <p:cxnSp>
+          <p:nvCxnSpPr>
+            <p:cNvPr id="48" name="Conector de seta reta 32">
+              <a:extLst>
+                <a:ext uri="{FF2B5EF4-FFF2-40B4-BE49-F238E27FC236}">
+                  <a16:creationId xmlns:a16="http://schemas.microsoft.com/office/drawing/2014/main" id="{3C77B926-D3F8-354F-8D87-22C5E9F99D77}"/>
+                </a:ext>
+              </a:extLst>
+            </p:cNvPr>
+            <p:cNvCxnSpPr>
+              <a:cxnSpLocks/>
+            </p:cNvCxnSpPr>
+            <p:nvPr/>
+          </p:nvCxnSpPr>
+          <p:spPr>
+            <a:xfrm>
+              <a:off x="8688289" y="5608227"/>
+              <a:ext cx="0" cy="232536"/>
+            </a:xfrm>
+            <a:prstGeom prst="straightConnector1">
+              <a:avLst/>
+            </a:prstGeom>
+            <a:ln>
+              <a:solidFill>
+                <a:schemeClr val="bg1"/>
+              </a:solidFill>
+              <a:tailEnd type="triangle"/>
+            </a:ln>
+          </p:spPr>
+          <p:style>
+            <a:lnRef idx="1">
+              <a:schemeClr val="accent1"/>
+            </a:lnRef>
+            <a:fillRef idx="0">
+              <a:schemeClr val="accent1"/>
+            </a:fillRef>
+            <a:effectRef idx="0">
+              <a:schemeClr val="accent1"/>
+            </a:effectRef>
+            <a:fontRef idx="minor">
+              <a:schemeClr val="tx1"/>
+            </a:fontRef>
+          </p:style>
+        </p:cxnSp>
       </p:grpSp>
     </p:spTree>
     <p:extLst>
@@ -25808,6 +28056,9 @@
   <p:clrMapOvr>
     <a:masterClrMapping/>
   </p:clrMapOvr>
+  <p:transition spd="slow">
+    <p:wipe/>
+  </p:transition>
 </p:sld>
 </file>
 
@@ -25891,7 +28142,7 @@
         <p:spPr>
           <a:xfrm>
             <a:off x="983432" y="2276872"/>
-            <a:ext cx="9505056" cy="4031873"/>
+            <a:ext cx="9505056" cy="3785652"/>
           </a:xfrm>
           <a:prstGeom prst="rect">
             <a:avLst/>
@@ -26549,20 +28800,6 @@
               <a:latin typeface="Consolas" pitchFamily="49" charset="0"/>
               <a:cs typeface="Consolas" pitchFamily="49" charset="0"/>
             </a:endParaRPr>
-          </a:p>
-          <a:p>
-            <a:r>
-              <a:rPr lang="pt-BR" sz="1600" dirty="0">
-                <a:solidFill>
-                  <a:schemeClr val="bg1">
-                    <a:lumMod val="85000"/>
-                  </a:schemeClr>
-                </a:solidFill>
-                <a:latin typeface="Consolas" pitchFamily="49" charset="0"/>
-                <a:cs typeface="Consolas" pitchFamily="49" charset="0"/>
-              </a:rPr>
-              <a:t>     </a:t>
-            </a:r>
           </a:p>
           <a:p>
             <a:r>
@@ -26951,6 +29188,9 @@
   <p:clrMapOvr>
     <a:masterClrMapping/>
   </p:clrMapOvr>
+  <p:transition spd="slow">
+    <p:wipe/>
+  </p:transition>
 </p:sld>
 </file>
 
@@ -27013,7 +29253,14 @@
             <a:pPr lvl="1"/>
             <a:r>
               <a:rPr lang="pt-BR" dirty="0"/>
-              <a:t>Cada programa é executando por uma fração de segundos, fornecendo a </a:t>
+              <a:t>Cada programa é executado por uma fração de segundos, </a:t>
+            </a:r>
+            <a:br>
+              <a:rPr lang="pt-BR" dirty="0"/>
+            </a:br>
+            <a:r>
+              <a:rPr lang="pt-BR" dirty="0"/>
+              <a:t>fornecendo a </a:t>
             </a:r>
             <a:r>
               <a:rPr lang="pt-BR" dirty="0">
@@ -27023,7 +29270,26 @@
                   </a:schemeClr>
                 </a:solidFill>
               </a:rPr>
-              <a:t>falsa impressão de que todos executam simultaneamente</a:t>
+              <a:t>falsa impressão de que todos executam </a:t>
+            </a:r>
+            <a:br>
+              <a:rPr lang="pt-BR" dirty="0">
+                <a:solidFill>
+                  <a:schemeClr val="accent1">
+                    <a:lumMod val="75000"/>
+                  </a:schemeClr>
+                </a:solidFill>
+              </a:rPr>
+            </a:br>
+            <a:r>
+              <a:rPr lang="pt-BR" dirty="0">
+                <a:solidFill>
+                  <a:schemeClr val="accent1">
+                    <a:lumMod val="75000"/>
+                  </a:schemeClr>
+                </a:solidFill>
+              </a:rPr>
+              <a:t>simultaneamente</a:t>
             </a:r>
           </a:p>
         </p:txBody>
@@ -27087,7 +29353,7 @@
                   </a:schemeClr>
                 </a:solidFill>
               </a:rPr>
-              <a:t>O sistema operacional aloca a cada processo entre 0,75 e 100 milissegundos.</a:t>
+              <a:t>O sistema operacional aloca a cada processo entre 0.75 e 100 milissegundos.</a:t>
             </a:r>
           </a:p>
         </p:txBody>
@@ -27102,6 +29368,9 @@
   <p:clrMapOvr>
     <a:masterClrMapping/>
   </p:clrMapOvr>
+  <p:transition spd="slow">
+    <p:wipe/>
+  </p:transition>
 </p:sld>
 </file>
 
@@ -27978,6 +30247,9 @@
   <p:clrMapOvr>
     <a:masterClrMapping/>
   </p:clrMapOvr>
+  <p:transition spd="slow">
+    <p:wipe/>
+  </p:transition>
 </p:sld>
 </file>
 
@@ -28344,6 +30616,9 @@
   <p:clrMapOvr>
     <a:masterClrMapping/>
   </p:clrMapOvr>
+  <p:transition spd="slow">
+    <p:wipe/>
+  </p:transition>
 </p:sld>
 </file>
 
@@ -28861,6 +31136,9 @@
   <p:clrMapOvr>
     <a:masterClrMapping/>
   </p:clrMapOvr>
+  <p:transition spd="slow">
+    <p:wipe/>
+  </p:transition>
 </p:sld>
 </file>
 
@@ -29383,6 +31661,9 @@
   <p:clrMapOvr>
     <a:masterClrMapping/>
   </p:clrMapOvr>
+  <p:transition spd="slow">
+    <p:wipe/>
+  </p:transition>
 </p:sld>
 </file>
 
@@ -29854,6 +32135,9 @@
   <p:clrMapOvr>
     <a:masterClrMapping/>
   </p:clrMapOvr>
+  <p:transition spd="slow">
+    <p:wipe/>
+  </p:transition>
 </p:sld>
 </file>
 
@@ -31068,6 +33352,9 @@
   <p:clrMapOvr>
     <a:masterClrMapping/>
   </p:clrMapOvr>
+  <p:transition spd="slow">
+    <p:wipe/>
+  </p:transition>
 </p:sld>
 </file>
 
@@ -31962,6 +34249,9 @@
   <p:clrMapOvr>
     <a:masterClrMapping/>
   </p:clrMapOvr>
+  <p:transition spd="slow">
+    <p:wipe/>
+  </p:transition>
 </p:sld>
 </file>
 
@@ -32045,13 +34335,13 @@
           <p:nvPr>
             <p:extLst>
               <p:ext uri="{D42A27DB-BD31-4B8C-83A1-F6EECF244321}">
-                <p14:modId xmlns:p14="http://schemas.microsoft.com/office/powerpoint/2010/main" val="1072122315"/>
+                <p14:modId xmlns:p14="http://schemas.microsoft.com/office/powerpoint/2010/main" val="510277985"/>
               </p:ext>
             </p:extLst>
           </p:nvPr>
         </p:nvGraphicFramePr>
         <p:xfrm>
-          <a:off x="2495600" y="2276872"/>
+          <a:off x="2495600" y="2204864"/>
           <a:ext cx="7632848" cy="4033520"/>
         </p:xfrm>
         <a:graphic>
@@ -32638,6 +34928,9 @@
   <p:clrMapOvr>
     <a:masterClrMapping/>
   </p:clrMapOvr>
+  <p:transition spd="slow">
+    <p:wipe/>
+  </p:transition>
 </p:sld>
 </file>
 
@@ -32707,6 +35000,9 @@
               <a:rPr lang="pt-BR" dirty="0"/>
               <a:t> cria uma janela cuja </a:t>
             </a:r>
+            <a:br>
+              <a:rPr lang="pt-BR" dirty="0"/>
+            </a:br>
             <a:r>
               <a:rPr lang="pt-BR" dirty="0">
                 <a:solidFill>
@@ -32735,6 +35031,9 @@
               <a:rPr lang="pt-BR" dirty="0"/>
               <a:t>em uma </a:t>
             </a:r>
+            <a:br>
+              <a:rPr lang="pt-BR" dirty="0"/>
+            </a:br>
             <a:r>
               <a:rPr lang="pt-BR" dirty="0" err="1"/>
               <a:t>Window</a:t>
@@ -33143,7 +35442,7 @@
         </p:blipFill>
         <p:spPr>
           <a:xfrm>
-            <a:off x="2538217" y="2842949"/>
+            <a:off x="2538217" y="3068960"/>
             <a:ext cx="4133850" cy="2943225"/>
           </a:xfrm>
           <a:prstGeom prst="rect">
@@ -33161,6 +35460,9 @@
   <p:clrMapOvr>
     <a:masterClrMapping/>
   </p:clrMapOvr>
+  <p:transition spd="slow">
+    <p:wipe/>
+  </p:transition>
 </p:sld>
 </file>
 
@@ -33254,7 +35556,7 @@
         <p:spPr>
           <a:xfrm>
             <a:off x="1055440" y="2060848"/>
-            <a:ext cx="10297144" cy="4278094"/>
+            <a:ext cx="10297144" cy="4031873"/>
           </a:xfrm>
           <a:prstGeom prst="rect">
             <a:avLst/>
@@ -34315,17 +36617,6 @@
               </a:rPr>
               <a:t>     }</a:t>
             </a:r>
-          </a:p>
-          <a:p>
-            <a:endParaRPr lang="pt-BR" sz="1600" dirty="0">
-              <a:solidFill>
-                <a:schemeClr val="bg1">
-                  <a:lumMod val="85000"/>
-                </a:schemeClr>
-              </a:solidFill>
-              <a:latin typeface="Consolas" pitchFamily="49" charset="0"/>
-              <a:cs typeface="Consolas" pitchFamily="49" charset="0"/>
-            </a:endParaRPr>
           </a:p>
           <a:p>
             <a:r>
@@ -34511,6 +36802,9 @@
   <p:clrMapOvr>
     <a:masterClrMapping/>
   </p:clrMapOvr>
+  <p:transition spd="slow">
+    <p:wipe/>
+  </p:transition>
 </p:sld>
 </file>
 
@@ -34582,7 +36876,26 @@
                   </a:schemeClr>
                 </a:solidFill>
               </a:rPr>
-              <a:t>não acessam o hardware diretamente</a:t>
+              <a:t>não acessam </a:t>
+            </a:r>
+            <a:br>
+              <a:rPr lang="pt-BR" dirty="0">
+                <a:solidFill>
+                  <a:schemeClr val="accent1">
+                    <a:lumMod val="75000"/>
+                  </a:schemeClr>
+                </a:solidFill>
+              </a:rPr>
+            </a:br>
+            <a:r>
+              <a:rPr lang="pt-BR" dirty="0">
+                <a:solidFill>
+                  <a:schemeClr val="accent1">
+                    <a:lumMod val="75000"/>
+                  </a:schemeClr>
+                </a:solidFill>
+              </a:rPr>
+              <a:t>o hardware diretamente</a:t>
             </a:r>
           </a:p>
         </p:txBody>
@@ -35167,6 +37480,9 @@
   <p:clrMapOvr>
     <a:masterClrMapping/>
   </p:clrMapOvr>
+  <p:transition spd="slow">
+    <p:wipe/>
+  </p:transition>
 </p:sld>
 </file>
 
@@ -35214,7 +37530,14 @@
             </a:r>
             <a:r>
               <a:rPr lang="pt-BR" dirty="0"/>
-              <a:t> é recebida sempre que a janela precisa ser repintada</a:t>
+              <a:t> é recebida sempre que a janela precisa </a:t>
+            </a:r>
+            <a:br>
+              <a:rPr lang="pt-BR" dirty="0"/>
+            </a:br>
+            <a:r>
+              <a:rPr lang="pt-BR" dirty="0"/>
+              <a:t>ser repintada</a:t>
             </a:r>
           </a:p>
         </p:txBody>
@@ -35299,7 +37622,7 @@
           </p:nvSpPr>
           <p:spPr>
             <a:xfrm>
-              <a:off x="4784049" y="4099777"/>
+              <a:off x="4792915" y="4111985"/>
               <a:ext cx="2680364" cy="1574886"/>
             </a:xfrm>
             <a:prstGeom prst="rect">
@@ -35770,6 +38093,9 @@
   <p:clrMapOvr>
     <a:masterClrMapping/>
   </p:clrMapOvr>
+  <p:transition spd="slow">
+    <p:wipe/>
+  </p:transition>
 </p:sld>
 </file>
 
@@ -35843,7 +38169,14 @@
             </a:r>
             <a:r>
               <a:rPr lang="pt-BR" dirty="0"/>
-              <a:t>em uma janela pode ser feita com a função </a:t>
+              <a:t>em uma janela pode ser feita </a:t>
+            </a:r>
+            <a:br>
+              <a:rPr lang="pt-BR" dirty="0"/>
+            </a:br>
+            <a:r>
+              <a:rPr lang="pt-BR" dirty="0"/>
+              <a:t>com a função </a:t>
             </a:r>
             <a:r>
               <a:rPr lang="pt-BR" dirty="0" err="1"/>
@@ -36837,6 +39170,9 @@
   <p:clrMapOvr>
     <a:masterClrMapping/>
   </p:clrMapOvr>
+  <p:transition spd="slow">
+    <p:wipe/>
+  </p:transition>
 </p:sld>
 </file>
 
@@ -37547,6 +39883,9 @@
   <p:clrMapOvr>
     <a:masterClrMapping/>
   </p:clrMapOvr>
+  <p:transition spd="slow">
+    <p:wipe/>
+  </p:transition>
 </p:sld>
 </file>
 
@@ -37608,6 +39947,9 @@
               <a:rPr lang="pt-BR" dirty="0"/>
               <a:t>O código apresentado pode ser usado como </a:t>
             </a:r>
+            <a:br>
+              <a:rPr lang="pt-BR" dirty="0"/>
+            </a:br>
             <a:r>
               <a:rPr lang="pt-BR" dirty="0">
                 <a:solidFill>
@@ -38053,6 +40395,9 @@
   <p:clrMapOvr>
     <a:masterClrMapping/>
   </p:clrMapOvr>
+  <p:transition spd="slow">
+    <p:wipe/>
+  </p:transition>
 </p:sld>
 </file>
 
@@ -38244,6 +40589,9 @@
   <p:clrMapOvr>
     <a:masterClrMapping/>
   </p:clrMapOvr>
+  <p:transition spd="slow">
+    <p:wipe/>
+  </p:transition>
 </p:sld>
 </file>
 
@@ -38329,7 +40677,14 @@
             </a:r>
             <a:r>
               <a:rPr lang="pt-BR" dirty="0"/>
-              <a:t>é o resultado do uso de rotinas padronizadas de uma API</a:t>
+              <a:t>é o resultado do uso </a:t>
+            </a:r>
+            <a:br>
+              <a:rPr lang="pt-BR" dirty="0"/>
+            </a:br>
+            <a:r>
+              <a:rPr lang="pt-BR" dirty="0"/>
+              <a:t>de rotinas padronizadas de uma API</a:t>
             </a:r>
           </a:p>
           <a:p>
@@ -38350,7 +40705,14 @@
             </a:r>
             <a:r>
               <a:rPr lang="pt-BR" dirty="0"/>
-              <a:t>porque elas são construídas pelas funções da API e não pelas aplicações</a:t>
+              <a:t>porque elas são </a:t>
+            </a:r>
+            <a:br>
+              <a:rPr lang="pt-BR" dirty="0"/>
+            </a:br>
+            <a:r>
+              <a:rPr lang="pt-BR" dirty="0"/>
+              <a:t>construídas pelas funções da API e não pelas aplicações</a:t>
             </a:r>
           </a:p>
           <a:p>
@@ -38390,7 +40752,7 @@
         </p:nvGrpSpPr>
         <p:grpSpPr>
           <a:xfrm>
-            <a:off x="3215681" y="4560445"/>
+            <a:off x="3215681" y="4365104"/>
             <a:ext cx="7841249" cy="1676868"/>
             <a:chOff x="3215681" y="4560445"/>
             <a:chExt cx="7841249" cy="1676868"/>
@@ -38501,6 +40863,9 @@
   <p:clrMapOvr>
     <a:masterClrMapping/>
   </p:clrMapOvr>
+  <p:transition spd="slow">
+    <p:wipe/>
+  </p:transition>
 </p:sld>
 </file>
 
@@ -38553,11 +40918,23 @@
             <p:ph idx="1"/>
           </p:nvPr>
         </p:nvSpPr>
-        <p:spPr/>
+        <p:spPr>
+          <a:xfrm>
+            <a:off x="609600" y="1481329"/>
+            <a:ext cx="10972800" cy="4972007"/>
+          </a:xfrm>
+        </p:spPr>
         <p:txBody>
-          <a:bodyPr/>
+          <a:bodyPr>
+            <a:normAutofit/>
+          </a:bodyPr>
           <a:lstStyle/>
           <a:p>
+            <a:pPr>
+              <a:spcAft>
+                <a:spcPts val="1200"/>
+              </a:spcAft>
+            </a:pPr>
             <a:r>
               <a:rPr lang="pt-BR" dirty="0"/>
               <a:t>Nas versões iniciais, </a:t>
@@ -38570,16 +40947,9 @@
                   </a:schemeClr>
                 </a:solidFill>
               </a:rPr>
-              <a:t>a maior parte do Windows estava em três DLLs</a:t>
-            </a:r>
-            <a:r>
-              <a:rPr lang="pt-BR" dirty="0"/>
-              <a:t>. Elas continham os três subsistemas principais:</a:t>
-            </a:r>
-          </a:p>
-          <a:p>
-            <a:pPr lvl="1"/>
-            <a:r>
+              <a:t>a maior parte do Windows </a:t>
+            </a:r>
+            <a:br>
               <a:rPr lang="pt-BR" dirty="0">
                 <a:solidFill>
                   <a:schemeClr val="accent1">
@@ -38587,6 +40957,42 @@
                   </a:schemeClr>
                 </a:solidFill>
               </a:rPr>
+            </a:br>
+            <a:r>
+              <a:rPr lang="pt-BR" dirty="0">
+                <a:solidFill>
+                  <a:schemeClr val="accent1">
+                    <a:lumMod val="75000"/>
+                  </a:schemeClr>
+                </a:solidFill>
+              </a:rPr>
+              <a:t>estava em três </a:t>
+            </a:r>
+            <a:r>
+              <a:rPr lang="pt-BR" dirty="0" err="1">
+                <a:solidFill>
+                  <a:schemeClr val="accent1">
+                    <a:lumMod val="75000"/>
+                  </a:schemeClr>
+                </a:solidFill>
+              </a:rPr>
+              <a:t>DLLs</a:t>
+            </a:r>
+            <a:r>
+              <a:rPr lang="pt-BR" dirty="0"/>
+              <a:t>, contendo os principais subsistemas:</a:t>
+            </a:r>
+          </a:p>
+          <a:p>
+            <a:pPr lvl="1"/>
+            <a:r>
+              <a:rPr lang="pt-BR" dirty="0">
+                <a:solidFill>
+                  <a:schemeClr val="accent1">
+                    <a:lumMod val="75000"/>
+                  </a:schemeClr>
+                </a:solidFill>
+              </a:rPr>
               <a:t>Kernel </a:t>
             </a:r>
             <a:r>
@@ -38669,6 +41075,179 @@
               <a:rPr lang="pt-BR" dirty="0"/>
               <a:t>Desenho de texto e gráficos</a:t>
             </a:r>
+          </a:p>
+        </p:txBody>
+      </p:sp>
+      <p:sp>
+        <p:nvSpPr>
+          <p:cNvPr id="4" name="Retângulo 3">
+            <a:extLst>
+              <a:ext uri="{FF2B5EF4-FFF2-40B4-BE49-F238E27FC236}">
+                <a16:creationId xmlns:a16="http://schemas.microsoft.com/office/drawing/2014/main" id="{1468B01B-6C2F-8D4F-A292-DA250B40F686}"/>
+              </a:ext>
+            </a:extLst>
+          </p:cNvPr>
+          <p:cNvSpPr/>
+          <p:nvPr/>
+        </p:nvSpPr>
+        <p:spPr>
+          <a:xfrm>
+            <a:off x="7536160" y="3429000"/>
+            <a:ext cx="1440160" cy="1296144"/>
+          </a:xfrm>
+          <a:prstGeom prst="rect">
+            <a:avLst/>
+          </a:prstGeom>
+        </p:spPr>
+        <p:style>
+          <a:lnRef idx="1">
+            <a:schemeClr val="accent1"/>
+          </a:lnRef>
+          <a:fillRef idx="3">
+            <a:schemeClr val="accent1"/>
+          </a:fillRef>
+          <a:effectRef idx="2">
+            <a:schemeClr val="accent1"/>
+          </a:effectRef>
+          <a:fontRef idx="minor">
+            <a:schemeClr val="lt1"/>
+          </a:fontRef>
+        </p:style>
+        <p:txBody>
+          <a:bodyPr rtlCol="0" anchor="ctr"/>
+          <a:lstStyle/>
+          <a:p>
+            <a:pPr algn="ctr"/>
+            <a:endParaRPr lang="pt-BR"/>
+          </a:p>
+        </p:txBody>
+      </p:sp>
+      <p:sp>
+        <p:nvSpPr>
+          <p:cNvPr id="5" name="Oval 4">
+            <a:extLst>
+              <a:ext uri="{FF2B5EF4-FFF2-40B4-BE49-F238E27FC236}">
+                <a16:creationId xmlns:a16="http://schemas.microsoft.com/office/drawing/2014/main" id="{2A5FB073-C275-E844-ABFA-83F42A6B159A}"/>
+              </a:ext>
+            </a:extLst>
+          </p:cNvPr>
+          <p:cNvSpPr/>
+          <p:nvPr/>
+        </p:nvSpPr>
+        <p:spPr>
+          <a:xfrm>
+            <a:off x="8228508" y="4365104"/>
+            <a:ext cx="1224136" cy="1224136"/>
+          </a:xfrm>
+          <a:prstGeom prst="ellipse">
+            <a:avLst/>
+          </a:prstGeom>
+        </p:spPr>
+        <p:style>
+          <a:lnRef idx="1">
+            <a:schemeClr val="accent1"/>
+          </a:lnRef>
+          <a:fillRef idx="3">
+            <a:schemeClr val="accent1"/>
+          </a:fillRef>
+          <a:effectRef idx="2">
+            <a:schemeClr val="accent1"/>
+          </a:effectRef>
+          <a:fontRef idx="minor">
+            <a:schemeClr val="lt1"/>
+          </a:fontRef>
+        </p:style>
+        <p:txBody>
+          <a:bodyPr rtlCol="0" anchor="ctr"/>
+          <a:lstStyle/>
+          <a:p>
+            <a:pPr algn="ctr"/>
+            <a:endParaRPr lang="pt-BR"/>
+          </a:p>
+        </p:txBody>
+      </p:sp>
+      <p:cxnSp>
+        <p:nvCxnSpPr>
+          <p:cNvPr id="7" name="Conector Reto 6">
+            <a:extLst>
+              <a:ext uri="{FF2B5EF4-FFF2-40B4-BE49-F238E27FC236}">
+                <a16:creationId xmlns:a16="http://schemas.microsoft.com/office/drawing/2014/main" id="{60CD823D-0FEC-174E-911C-4FA3B47AEBB8}"/>
+              </a:ext>
+            </a:extLst>
+          </p:cNvPr>
+          <p:cNvCxnSpPr>
+            <a:cxnSpLocks/>
+          </p:cNvCxnSpPr>
+          <p:nvPr/>
+        </p:nvCxnSpPr>
+        <p:spPr>
+          <a:xfrm>
+            <a:off x="9452644" y="3645024"/>
+            <a:ext cx="603796" cy="1332148"/>
+          </a:xfrm>
+          <a:prstGeom prst="line">
+            <a:avLst/>
+          </a:prstGeom>
+          <a:ln w="28575"/>
+        </p:spPr>
+        <p:style>
+          <a:lnRef idx="1">
+            <a:schemeClr val="accent1"/>
+          </a:lnRef>
+          <a:fillRef idx="0">
+            <a:schemeClr val="accent1"/>
+          </a:fillRef>
+          <a:effectRef idx="0">
+            <a:schemeClr val="accent1"/>
+          </a:effectRef>
+          <a:fontRef idx="minor">
+            <a:schemeClr val="tx1"/>
+          </a:fontRef>
+        </p:style>
+      </p:cxnSp>
+      <p:sp>
+        <p:nvSpPr>
+          <p:cNvPr id="9" name="CaixaDeTexto 8">
+            <a:extLst>
+              <a:ext uri="{FF2B5EF4-FFF2-40B4-BE49-F238E27FC236}">
+                <a16:creationId xmlns:a16="http://schemas.microsoft.com/office/drawing/2014/main" id="{20B9267D-C3E3-9E4D-9E7B-D9BCEDEDE1B3}"/>
+              </a:ext>
+            </a:extLst>
+          </p:cNvPr>
+          <p:cNvSpPr txBox="1"/>
+          <p:nvPr/>
+        </p:nvSpPr>
+        <p:spPr>
+          <a:xfrm>
+            <a:off x="9904618" y="3846239"/>
+            <a:ext cx="914802" cy="461665"/>
+          </a:xfrm>
+          <a:prstGeom prst="rect">
+            <a:avLst/>
+          </a:prstGeom>
+          <a:noFill/>
+        </p:spPr>
+        <p:txBody>
+          <a:bodyPr wrap="none" rtlCol="0">
+            <a:spAutoFit/>
+          </a:bodyPr>
+          <a:lstStyle/>
+          <a:p>
+            <a:r>
+              <a:rPr lang="pt-BR" sz="2400" dirty="0">
+                <a:solidFill>
+                  <a:schemeClr val="bg1"/>
+                </a:solidFill>
+                <a:latin typeface="Calisto MT" panose="02040603050505030304" pitchFamily="18" charset="77"/>
+              </a:rPr>
+              <a:t>Texto</a:t>
+            </a:r>
+            <a:endParaRPr lang="pt-BR" dirty="0">
+              <a:solidFill>
+                <a:schemeClr val="bg1"/>
+              </a:solidFill>
+              <a:latin typeface="Calisto MT" panose="02040603050505030304" pitchFamily="18" charset="77"/>
+            </a:endParaRPr>
           </a:p>
         </p:txBody>
       </p:sp>
@@ -38682,6 +41261,9 @@
   <p:clrMapOvr>
     <a:masterClrMapping/>
   </p:clrMapOvr>
+  <p:transition spd="slow">
+    <p:wipe/>
+  </p:transition>
 </p:sld>
 </file>
 
@@ -38741,9 +41323,14 @@
           </a:bodyPr>
           <a:lstStyle/>
           <a:p>
+            <a:pPr>
+              <a:spcAft>
+                <a:spcPts val="1200"/>
+              </a:spcAft>
+            </a:pPr>
             <a:r>
               <a:rPr lang="pt-BR" dirty="0"/>
-              <a:t>O Windows possui </a:t>
+              <a:t>Hoje o Windows possui </a:t>
             </a:r>
             <a:r>
               <a:rPr lang="pt-BR" dirty="0">
@@ -38755,6 +41342,15 @@
               </a:rPr>
               <a:t>milhares de funções </a:t>
             </a:r>
+            <a:br>
+              <a:rPr lang="pt-BR" dirty="0">
+                <a:solidFill>
+                  <a:schemeClr val="accent1">
+                    <a:lumMod val="75000"/>
+                  </a:schemeClr>
+                </a:solidFill>
+              </a:rPr>
+            </a:br>
             <a:r>
               <a:rPr lang="pt-BR" dirty="0"/>
               <a:t>disponibilizadas em suas DLLs</a:t>
@@ -38864,6 +41460,9 @@
   <p:clrMapOvr>
     <a:masterClrMapping/>
   </p:clrMapOvr>
+  <p:transition spd="slow">
+    <p:wipe/>
+  </p:transition>
 </p:sld>
 </file>
 
@@ -38916,14 +41515,26 @@
             <p:ph idx="1"/>
           </p:nvPr>
         </p:nvSpPr>
-        <p:spPr/>
+        <p:spPr>
+          <a:xfrm>
+            <a:off x="609600" y="1556792"/>
+            <a:ext cx="10972800" cy="4525963"/>
+          </a:xfrm>
+        </p:spPr>
         <p:txBody>
           <a:bodyPr/>
           <a:lstStyle/>
           <a:p>
             <a:r>
               <a:rPr lang="pt-BR" dirty="0"/>
-              <a:t>A principal diferença entre as funções da biblioteca padrão* do C++ e as DLLs do Windows é que </a:t>
+              <a:t>A principal diferença entre as funções da biblioteca </a:t>
+            </a:r>
+            <a:br>
+              <a:rPr lang="pt-BR" dirty="0"/>
+            </a:br>
+            <a:r>
+              <a:rPr lang="pt-BR" dirty="0"/>
+              <a:t>padrão* do C++ e as DLLs do Windows é que </a:t>
             </a:r>
             <a:r>
               <a:rPr lang="pt-BR" dirty="0">
@@ -38933,17 +41544,46 @@
                   </a:schemeClr>
                 </a:solidFill>
               </a:rPr>
-              <a:t>as DLLs não são incluídas no código executável</a:t>
+              <a:t>as </a:t>
+            </a:r>
+            <a:br>
+              <a:rPr lang="pt-BR" dirty="0">
+                <a:solidFill>
+                  <a:schemeClr val="accent1">
+                    <a:lumMod val="75000"/>
+                  </a:schemeClr>
+                </a:solidFill>
+              </a:rPr>
+            </a:br>
+            <a:r>
+              <a:rPr lang="pt-BR" dirty="0" err="1">
+                <a:solidFill>
+                  <a:schemeClr val="accent1">
+                    <a:lumMod val="75000"/>
+                  </a:schemeClr>
+                </a:solidFill>
+              </a:rPr>
+              <a:t>DLLs</a:t>
+            </a:r>
+            <a:r>
+              <a:rPr lang="pt-BR" dirty="0">
+                <a:solidFill>
+                  <a:schemeClr val="accent1">
+                    <a:lumMod val="75000"/>
+                  </a:schemeClr>
+                </a:solidFill>
+              </a:rPr>
+              <a:t> não são incluídas no código executável</a:t>
             </a:r>
           </a:p>
         </p:txBody>
       </p:sp>
       <p:grpSp>
         <p:nvGrpSpPr>
-          <p:cNvPr id="6" name="Agrupar 5">
+          <p:cNvPr id="13" name="Agrupar 12">
             <a:extLst>
               <a:ext uri="{FF2B5EF4-FFF2-40B4-BE49-F238E27FC236}">
-                <a16:creationId xmlns:a16="http://schemas.microsoft.com/office/drawing/2014/main" id="{B62C3ACA-BE8D-48DF-8E8C-CE6F0E0AADF5}"/>
+                <a16:creationId xmlns:a16="http://schemas.microsoft.com/office/drawing/2014/main" id="{831FFCF3-1DC4-6445-B6AC-B1143D7A4DE5}"/>
               </a:ext>
             </a:extLst>
           </p:cNvPr>
@@ -38952,25 +41592,26 @@
         </p:nvGrpSpPr>
         <p:grpSpPr>
           <a:xfrm>
-            <a:off x="2171066" y="2852938"/>
-            <a:ext cx="7702890" cy="3672406"/>
-            <a:chOff x="2171066" y="2852938"/>
-            <a:chExt cx="7702890" cy="3672406"/>
+            <a:off x="1333180" y="3360447"/>
+            <a:ext cx="9371332" cy="3010051"/>
+            <a:chOff x="1055440" y="3284984"/>
+            <a:chExt cx="9371332" cy="3010051"/>
           </a:xfrm>
         </p:grpSpPr>
         <p:cxnSp>
           <p:nvCxnSpPr>
             <p:cNvPr id="58" name="Conector de seta reta 57"/>
             <p:cNvCxnSpPr>
-              <a:stCxn id="57" idx="2"/>
-              <a:endCxn id="1027" idx="0"/>
+              <a:cxnSpLocks/>
+              <a:stCxn id="57" idx="3"/>
+              <a:endCxn id="1027" idx="1"/>
             </p:cNvCxnSpPr>
             <p:nvPr/>
           </p:nvCxnSpPr>
           <p:spPr>
-            <a:xfrm>
-              <a:off x="7688936" y="5010886"/>
-              <a:ext cx="998" cy="548108"/>
+            <a:xfrm flipV="1">
+              <a:off x="6639730" y="5228620"/>
+              <a:ext cx="1155628" cy="2290"/>
             </a:xfrm>
             <a:prstGeom prst="straightConnector1">
               <a:avLst/>
@@ -39005,7 +41646,7 @@
           </p:nvSpPr>
           <p:spPr>
             <a:xfrm>
-              <a:off x="3583334" y="4581127"/>
+              <a:off x="2220678" y="3880773"/>
               <a:ext cx="1643074" cy="428628"/>
             </a:xfrm>
             <a:prstGeom prst="rect">
@@ -39069,7 +41710,7 @@
           </p:nvSpPr>
           <p:spPr>
             <a:xfrm>
-              <a:off x="6867399" y="4582258"/>
+              <a:off x="4996656" y="5016596"/>
               <a:ext cx="1643074" cy="428628"/>
             </a:xfrm>
             <a:prstGeom prst="rect">
@@ -39133,7 +41774,7 @@
           </p:nvSpPr>
           <p:spPr>
             <a:xfrm>
-              <a:off x="6312024" y="3306583"/>
+              <a:off x="4441281" y="3740921"/>
               <a:ext cx="571504" cy="714380"/>
             </a:xfrm>
             <a:prstGeom prst="rect">
@@ -39189,7 +41830,7 @@
           </p:nvCxnSpPr>
           <p:spPr>
             <a:xfrm>
-              <a:off x="6883529" y="3663773"/>
+              <a:off x="5012786" y="4098111"/>
               <a:ext cx="220585" cy="917354"/>
             </a:xfrm>
             <a:prstGeom prst="bentConnector2">
@@ -39227,7 +41868,7 @@
           </p:nvCxnSpPr>
           <p:spPr>
             <a:xfrm rot="10800000" flipV="1">
-              <a:off x="8403346" y="3702130"/>
+              <a:off x="6532603" y="4136468"/>
               <a:ext cx="152461" cy="878998"/>
             </a:xfrm>
             <a:prstGeom prst="bentConnector2">
@@ -39266,7 +41907,7 @@
           </p:nvCxnSpPr>
           <p:spPr>
             <a:xfrm flipH="1">
-              <a:off x="7688936" y="3675494"/>
+              <a:off x="5818193" y="4109832"/>
               <a:ext cx="998" cy="906765"/>
             </a:xfrm>
             <a:prstGeom prst="straightConnector1">
@@ -39302,7 +41943,7 @@
           </p:nvGrpSpPr>
           <p:grpSpPr>
             <a:xfrm>
-              <a:off x="2171066" y="3985338"/>
+              <a:off x="1055440" y="3284984"/>
               <a:ext cx="671979" cy="1167232"/>
               <a:chOff x="6228184" y="2852936"/>
               <a:chExt cx="671979" cy="1167232"/>
@@ -39680,7 +42321,7 @@
           </p:nvSpPr>
           <p:spPr>
             <a:xfrm>
-              <a:off x="6238551" y="2852938"/>
+              <a:off x="4367808" y="3287276"/>
               <a:ext cx="716863" cy="430887"/>
             </a:xfrm>
             <a:prstGeom prst="rect">
@@ -39725,7 +42366,7 @@
           </p:nvGrpSpPr>
           <p:grpSpPr>
             <a:xfrm>
-              <a:off x="7179022" y="2902973"/>
+              <a:off x="5308279" y="3337311"/>
               <a:ext cx="1019831" cy="772521"/>
               <a:chOff x="6062422" y="4296828"/>
               <a:chExt cx="1019831" cy="772521"/>
@@ -39848,7 +42489,7 @@
           </p:nvGrpSpPr>
           <p:grpSpPr>
             <a:xfrm>
-              <a:off x="8555806" y="3344940"/>
+              <a:off x="6685063" y="3779278"/>
               <a:ext cx="775995" cy="876148"/>
               <a:chOff x="7031805" y="3344940"/>
               <a:chExt cx="775995" cy="876148"/>
@@ -40025,7 +42666,7 @@
           </p:nvSpPr>
           <p:spPr>
             <a:xfrm>
-              <a:off x="8490811" y="2885812"/>
+              <a:off x="6620068" y="3320150"/>
               <a:ext cx="928460" cy="430887"/>
             </a:xfrm>
             <a:prstGeom prst="rect">
@@ -40079,7 +42720,7 @@
           </p:nvSpPr>
           <p:spPr>
             <a:xfrm>
-              <a:off x="6132007" y="5738107"/>
+              <a:off x="7755276" y="5833370"/>
               <a:ext cx="974947" cy="461665"/>
             </a:xfrm>
             <a:prstGeom prst="rect">
@@ -40136,8 +42777,8 @@
           </p:nvCxnSpPr>
           <p:spPr>
             <a:xfrm>
-              <a:off x="2800972" y="4795380"/>
-              <a:ext cx="782362" cy="61"/>
+              <a:off x="1685346" y="4095026"/>
+              <a:ext cx="535332" cy="61"/>
             </a:xfrm>
             <a:prstGeom prst="straightConnector1">
               <a:avLst/>
@@ -40172,7 +42813,7 @@
           </p:nvSpPr>
           <p:spPr>
             <a:xfrm rot="5400000">
-              <a:off x="2439549" y="5206734"/>
+              <a:off x="1323923" y="4506380"/>
               <a:ext cx="151341" cy="571504"/>
             </a:xfrm>
             <a:prstGeom prst="rightBrace">
@@ -40219,7 +42860,7 @@
           </p:nvSpPr>
           <p:spPr>
             <a:xfrm>
-              <a:off x="2239994" y="5651975"/>
+              <a:off x="1124368" y="4951621"/>
               <a:ext cx="534121" cy="276999"/>
             </a:xfrm>
             <a:prstGeom prst="rect">
@@ -40268,7 +42909,7 @@
           </p:blipFill>
           <p:spPr bwMode="auto">
             <a:xfrm>
-              <a:off x="7242542" y="5558994"/>
+              <a:off x="7795358" y="4781228"/>
               <a:ext cx="894784" cy="894784"/>
             </a:xfrm>
             <a:prstGeom prst="rect">
@@ -40294,7 +42935,7 @@
           </p:nvGrpSpPr>
           <p:grpSpPr>
             <a:xfrm>
-              <a:off x="9120336" y="5649196"/>
+              <a:off x="9673152" y="4871430"/>
               <a:ext cx="753620" cy="876148"/>
               <a:chOff x="7596336" y="5649196"/>
               <a:chExt cx="753620" cy="876148"/>
@@ -40471,7 +43112,7 @@
           </p:nvSpPr>
           <p:spPr>
             <a:xfrm>
-              <a:off x="9149447" y="5292005"/>
+              <a:off x="9702263" y="4514239"/>
               <a:ext cx="513282" cy="261610"/>
             </a:xfrm>
             <a:prstGeom prst="rect">
@@ -40513,7 +43154,7 @@
           </p:nvCxnSpPr>
           <p:spPr>
             <a:xfrm>
-              <a:off x="8137326" y="6006386"/>
+              <a:off x="8690142" y="5228620"/>
               <a:ext cx="983010" cy="0"/>
             </a:xfrm>
             <a:prstGeom prst="straightConnector1">
@@ -40544,7 +43185,13 @@
         </p:cxnSp>
         <p:cxnSp>
           <p:nvCxnSpPr>
-            <p:cNvPr id="46" name="Conector angulado 71"/>
+            <p:cNvPr id="45" name="Conector de seta reta 83">
+              <a:extLst>
+                <a:ext uri="{FF2B5EF4-FFF2-40B4-BE49-F238E27FC236}">
+                  <a16:creationId xmlns:a16="http://schemas.microsoft.com/office/drawing/2014/main" id="{7B3C2E23-97B7-DE47-8FFE-6CC4D5B8ACE6}"/>
+                </a:ext>
+              </a:extLst>
+            </p:cNvPr>
             <p:cNvCxnSpPr>
               <a:cxnSpLocks/>
               <a:stCxn id="56" idx="3"/>
@@ -40553,14 +43200,12 @@
             <p:nvPr/>
           </p:nvCxnSpPr>
           <p:spPr>
-            <a:xfrm flipV="1">
-              <a:off x="5226408" y="3663773"/>
-              <a:ext cx="1085616" cy="1131668"/>
+            <a:xfrm>
+              <a:off x="3863752" y="4095087"/>
+              <a:ext cx="577529" cy="3024"/>
             </a:xfrm>
-            <a:prstGeom prst="bentConnector3">
-              <a:avLst>
-                <a:gd name="adj1" fmla="val 50000"/>
-              </a:avLst>
+            <a:prstGeom prst="straightConnector1">
+              <a:avLst/>
             </a:prstGeom>
             <a:ln>
               <a:solidFill>
@@ -40595,6 +43240,9 @@
   <p:clrMapOvr>
     <a:masterClrMapping/>
   </p:clrMapOvr>
+  <p:transition spd="slow">
+    <p:wipe/>
+  </p:transition>
 </p:sld>
 </file>
 
@@ -40647,7 +43295,12 @@
             <p:ph idx="1"/>
           </p:nvPr>
         </p:nvSpPr>
-        <p:spPr/>
+        <p:spPr>
+          <a:xfrm>
+            <a:off x="609600" y="1711349"/>
+            <a:ext cx="10972800" cy="4525963"/>
+          </a:xfrm>
+        </p:spPr>
         <p:txBody>
           <a:bodyPr/>
           <a:lstStyle/>
@@ -40694,7 +43347,7 @@
         </p:nvSpPr>
         <p:spPr>
           <a:xfrm>
-            <a:off x="1119874" y="2386623"/>
+            <a:off x="1119874" y="2616643"/>
             <a:ext cx="8465024" cy="2554545"/>
           </a:xfrm>
           <a:prstGeom prst="rect">
@@ -41064,7 +43717,7 @@
         </p:blipFill>
         <p:spPr>
           <a:xfrm>
-            <a:off x="5716374" y="2782285"/>
+            <a:off x="5716374" y="3012305"/>
             <a:ext cx="4867275" cy="1924050"/>
           </a:xfrm>
           <a:prstGeom prst="rect">
@@ -41090,6 +43743,9 @@
   <p:clrMapOvr>
     <a:masterClrMapping/>
   </p:clrMapOvr>
+  <p:transition spd="slow">
+    <p:wipe/>
+  </p:transition>
 </p:sld>
 </file>
 

--- a/Slides/01. Programação Windows.pptx
+++ b/Slides/01. Programação Windows.pptx
@@ -165,6 +165,9 @@
         </p15:guide>
       </p15:sldGuideLst>
     </p:ext>
+    <p:ext uri="{2D200454-40CA-4A62-9FC3-DE9A4176ACB9}">
+      <p15:notesGuideLst xmlns:p15="http://schemas.microsoft.com/office/powerpoint/2012/main"/>
+    </p:ext>
   </p:extLst>
 </p:presentation>
 </file>
@@ -172,8 +175,8 @@
 <file path=ppt/revisionInfo.xml><?xml version="1.0" encoding="utf-8"?>
 <p1510:revInfo xmlns:a="http://schemas.openxmlformats.org/drawingml/2006/main" xmlns:r="http://schemas.openxmlformats.org/officeDocument/2006/relationships" xmlns:p1510="http://schemas.microsoft.com/office/powerpoint/2015/10/main">
   <p1510:revLst>
-    <p1510:client id="{AC23AAFD-E953-FE46-870F-C9EAF980E401}" v="25" dt="2021-07-14T18:24:47.605"/>
-    <p1510:client id="{B2577A40-AC3A-4371-B7A6-031E3A1B294D}" v="1" dt="2021-07-14T21:47:17.574"/>
+    <p1510:client id="{AC23AAFD-E953-FE46-870F-C9EAF980E401}" v="26" dt="2021-07-21T23:42:45.570"/>
+    <p1510:client id="{B2577A40-AC3A-4371-B7A6-031E3A1B294D}" v="7" dt="2021-07-22T02:27:26.429"/>
   </p1510:revLst>
 </p1510:revInfo>
 </file>
@@ -183,16 +186,24 @@
   <pc:docChgLst>
     <pc:chgData name="Judson Santiago" userId="ebb108da2f256286" providerId="LiveId" clId="{AC23AAFD-E953-FE46-870F-C9EAF980E401}"/>
     <pc:docChg chg="undo custSel modSld modMainMaster">
-      <pc:chgData name="Judson Santiago" userId="ebb108da2f256286" providerId="LiveId" clId="{AC23AAFD-E953-FE46-870F-C9EAF980E401}" dt="2021-07-14T18:39:05.033" v="317" actId="21"/>
+      <pc:chgData name="Judson Santiago" userId="ebb108da2f256286" providerId="LiveId" clId="{AC23AAFD-E953-FE46-870F-C9EAF980E401}" dt="2021-07-21T23:43:15.147" v="370" actId="20577"/>
       <pc:docMkLst>
         <pc:docMk/>
       </pc:docMkLst>
-      <pc:sldChg chg="modTransition">
-        <pc:chgData name="Judson Santiago" userId="ebb108da2f256286" providerId="LiveId" clId="{AC23AAFD-E953-FE46-870F-C9EAF980E401}" dt="2021-07-14T18:36:30.995" v="316"/>
+      <pc:sldChg chg="modSp mod modTransition">
+        <pc:chgData name="Judson Santiago" userId="ebb108da2f256286" providerId="LiveId" clId="{AC23AAFD-E953-FE46-870F-C9EAF980E401}" dt="2021-07-21T23:21:59.820" v="336" actId="20577"/>
         <pc:sldMkLst>
           <pc:docMk/>
           <pc:sldMk cId="460992010" sldId="266"/>
         </pc:sldMkLst>
+        <pc:spChg chg="mod">
+          <ac:chgData name="Judson Santiago" userId="ebb108da2f256286" providerId="LiveId" clId="{AC23AAFD-E953-FE46-870F-C9EAF980E401}" dt="2021-07-21T23:21:59.820" v="336" actId="20577"/>
+          <ac:spMkLst>
+            <pc:docMk/>
+            <pc:sldMk cId="460992010" sldId="266"/>
+            <ac:spMk id="3" creationId="{00000000-0000-0000-0000-000000000000}"/>
+          </ac:spMkLst>
+        </pc:spChg>
       </pc:sldChg>
       <pc:sldChg chg="modSp mod modTransition">
         <pc:chgData name="Judson Santiago" userId="ebb108da2f256286" providerId="LiveId" clId="{AC23AAFD-E953-FE46-870F-C9EAF980E401}" dt="2021-07-14T18:36:30.995" v="316"/>
@@ -218,13 +229,13 @@
         </pc:spChg>
       </pc:sldChg>
       <pc:sldChg chg="modSp mod modTransition">
-        <pc:chgData name="Judson Santiago" userId="ebb108da2f256286" providerId="LiveId" clId="{AC23AAFD-E953-FE46-870F-C9EAF980E401}" dt="2021-07-14T18:36:30.995" v="316"/>
+        <pc:chgData name="Judson Santiago" userId="ebb108da2f256286" providerId="LiveId" clId="{AC23AAFD-E953-FE46-870F-C9EAF980E401}" dt="2021-07-21T23:36:54.284" v="352" actId="20577"/>
         <pc:sldMkLst>
           <pc:docMk/>
           <pc:sldMk cId="2037286507" sldId="269"/>
         </pc:sldMkLst>
         <pc:spChg chg="mod">
-          <ac:chgData name="Judson Santiago" userId="ebb108da2f256286" providerId="LiveId" clId="{AC23AAFD-E953-FE46-870F-C9EAF980E401}" dt="2021-07-14T17:38:57.991" v="22" actId="20577"/>
+          <ac:chgData name="Judson Santiago" userId="ebb108da2f256286" providerId="LiveId" clId="{AC23AAFD-E953-FE46-870F-C9EAF980E401}" dt="2021-07-21T23:36:54.284" v="352" actId="20577"/>
           <ac:spMkLst>
             <pc:docMk/>
             <pc:sldMk cId="2037286507" sldId="269"/>
@@ -303,13 +314,13 @@
         </pc:cxnChg>
       </pc:sldChg>
       <pc:sldChg chg="modSp mod modTransition">
-        <pc:chgData name="Judson Santiago" userId="ebb108da2f256286" providerId="LiveId" clId="{AC23AAFD-E953-FE46-870F-C9EAF980E401}" dt="2021-07-14T18:36:30.995" v="316"/>
+        <pc:chgData name="Judson Santiago" userId="ebb108da2f256286" providerId="LiveId" clId="{AC23AAFD-E953-FE46-870F-C9EAF980E401}" dt="2021-07-21T23:38:47.291" v="367" actId="20577"/>
         <pc:sldMkLst>
           <pc:docMk/>
           <pc:sldMk cId="863263535" sldId="274"/>
         </pc:sldMkLst>
         <pc:spChg chg="mod">
-          <ac:chgData name="Judson Santiago" userId="ebb108da2f256286" providerId="LiveId" clId="{AC23AAFD-E953-FE46-870F-C9EAF980E401}" dt="2021-07-14T17:42:24.586" v="80" actId="948"/>
+          <ac:chgData name="Judson Santiago" userId="ebb108da2f256286" providerId="LiveId" clId="{AC23AAFD-E953-FE46-870F-C9EAF980E401}" dt="2021-07-21T23:38:47.291" v="367" actId="20577"/>
           <ac:spMkLst>
             <pc:docMk/>
             <pc:sldMk cId="863263535" sldId="274"/>
@@ -318,11 +329,19 @@
         </pc:spChg>
       </pc:sldChg>
       <pc:sldChg chg="addSp delSp modSp mod modTransition">
-        <pc:chgData name="Judson Santiago" userId="ebb108da2f256286" providerId="LiveId" clId="{AC23AAFD-E953-FE46-870F-C9EAF980E401}" dt="2021-07-14T18:36:30.995" v="316"/>
+        <pc:chgData name="Judson Santiago" userId="ebb108da2f256286" providerId="LiveId" clId="{AC23AAFD-E953-FE46-870F-C9EAF980E401}" dt="2021-07-21T23:42:45.570" v="368"/>
         <pc:sldMkLst>
           <pc:docMk/>
           <pc:sldMk cId="244664431" sldId="275"/>
         </pc:sldMkLst>
+        <pc:spChg chg="mod">
+          <ac:chgData name="Judson Santiago" userId="ebb108da2f256286" providerId="LiveId" clId="{AC23AAFD-E953-FE46-870F-C9EAF980E401}" dt="2021-07-21T23:42:45.570" v="368"/>
+          <ac:spMkLst>
+            <pc:docMk/>
+            <pc:sldMk cId="244664431" sldId="275"/>
+            <ac:spMk id="2" creationId="{00000000-0000-0000-0000-000000000000}"/>
+          </ac:spMkLst>
+        </pc:spChg>
         <pc:spChg chg="mod">
           <ac:chgData name="Judson Santiago" userId="ebb108da2f256286" providerId="LiveId" clId="{AC23AAFD-E953-FE46-870F-C9EAF980E401}" dt="2021-07-14T18:13:07.201" v="225" actId="1035"/>
           <ac:spMkLst>
@@ -669,11 +688,19 @@
         </pc:cxnChg>
       </pc:sldChg>
       <pc:sldChg chg="modSp mod modTransition">
-        <pc:chgData name="Judson Santiago" userId="ebb108da2f256286" providerId="LiveId" clId="{AC23AAFD-E953-FE46-870F-C9EAF980E401}" dt="2021-07-14T18:36:30.995" v="316"/>
+        <pc:chgData name="Judson Santiago" userId="ebb108da2f256286" providerId="LiveId" clId="{AC23AAFD-E953-FE46-870F-C9EAF980E401}" dt="2021-07-21T23:43:10.432" v="369" actId="20577"/>
         <pc:sldMkLst>
           <pc:docMk/>
           <pc:sldMk cId="1834660" sldId="277"/>
         </pc:sldMkLst>
+        <pc:spChg chg="mod">
+          <ac:chgData name="Judson Santiago" userId="ebb108da2f256286" providerId="LiveId" clId="{AC23AAFD-E953-FE46-870F-C9EAF980E401}" dt="2021-07-21T23:43:10.432" v="369" actId="20577"/>
+          <ac:spMkLst>
+            <pc:docMk/>
+            <pc:sldMk cId="1834660" sldId="277"/>
+            <ac:spMk id="2" creationId="{00000000-0000-0000-0000-000000000000}"/>
+          </ac:spMkLst>
+        </pc:spChg>
         <pc:spChg chg="mod">
           <ac:chgData name="Judson Santiago" userId="ebb108da2f256286" providerId="LiveId" clId="{AC23AAFD-E953-FE46-870F-C9EAF980E401}" dt="2021-07-14T18:12:24.380" v="217" actId="1036"/>
           <ac:spMkLst>
@@ -1319,11 +1346,19 @@
         </pc:sldMkLst>
       </pc:sldChg>
       <pc:sldChg chg="modSp mod modTransition">
-        <pc:chgData name="Judson Santiago" userId="ebb108da2f256286" providerId="LiveId" clId="{AC23AAFD-E953-FE46-870F-C9EAF980E401}" dt="2021-07-14T18:36:30.995" v="316"/>
+        <pc:chgData name="Judson Santiago" userId="ebb108da2f256286" providerId="LiveId" clId="{AC23AAFD-E953-FE46-870F-C9EAF980E401}" dt="2021-07-21T23:43:15.147" v="370" actId="20577"/>
         <pc:sldMkLst>
           <pc:docMk/>
           <pc:sldMk cId="1875757961" sldId="326"/>
         </pc:sldMkLst>
+        <pc:spChg chg="mod">
+          <ac:chgData name="Judson Santiago" userId="ebb108da2f256286" providerId="LiveId" clId="{AC23AAFD-E953-FE46-870F-C9EAF980E401}" dt="2021-07-21T23:43:15.147" v="370" actId="20577"/>
+          <ac:spMkLst>
+            <pc:docMk/>
+            <pc:sldMk cId="1875757961" sldId="326"/>
+            <ac:spMk id="2" creationId="{00000000-0000-0000-0000-000000000000}"/>
+          </ac:spMkLst>
+        </pc:spChg>
         <pc:spChg chg="mod">
           <ac:chgData name="Judson Santiago" userId="ebb108da2f256286" providerId="LiveId" clId="{AC23AAFD-E953-FE46-870F-C9EAF980E401}" dt="2021-07-14T18:12:39.558" v="221" actId="1036"/>
           <ac:spMkLst>
@@ -3670,8 +3705,8 @@
   </pc:docChgLst>
   <pc:docChgLst>
     <pc:chgData name="Judson Santiago" userId="ebb108da2f256286" providerId="LiveId" clId="{B2577A40-AC3A-4371-B7A6-031E3A1B294D}"/>
-    <pc:docChg chg="modSld modMainMaster">
-      <pc:chgData name="Judson Santiago" userId="ebb108da2f256286" providerId="LiveId" clId="{B2577A40-AC3A-4371-B7A6-031E3A1B294D}" dt="2021-07-14T22:52:18.955" v="13"/>
+    <pc:docChg chg="undo custSel modSld modMainMaster">
+      <pc:chgData name="Judson Santiago" userId="ebb108da2f256286" providerId="LiveId" clId="{B2577A40-AC3A-4371-B7A6-031E3A1B294D}" dt="2021-07-22T02:29:34.053" v="140" actId="20577"/>
       <pc:docMkLst>
         <pc:docMk/>
       </pc:docMkLst>
@@ -3689,6 +3724,130 @@
             <ac:spMk id="3" creationId="{00000000-0000-0000-0000-000000000000}"/>
           </ac:spMkLst>
         </pc:spChg>
+      </pc:sldChg>
+      <pc:sldChg chg="modSp mod">
+        <pc:chgData name="Judson Santiago" userId="ebb108da2f256286" providerId="LiveId" clId="{B2577A40-AC3A-4371-B7A6-031E3A1B294D}" dt="2021-07-22T00:44:10.565" v="79" actId="20577"/>
+        <pc:sldMkLst>
+          <pc:docMk/>
+          <pc:sldMk cId="2296200739" sldId="280"/>
+        </pc:sldMkLst>
+        <pc:spChg chg="mod">
+          <ac:chgData name="Judson Santiago" userId="ebb108da2f256286" providerId="LiveId" clId="{B2577A40-AC3A-4371-B7A6-031E3A1B294D}" dt="2021-07-22T00:44:10.565" v="79" actId="20577"/>
+          <ac:spMkLst>
+            <pc:docMk/>
+            <pc:sldMk cId="2296200739" sldId="280"/>
+            <ac:spMk id="3" creationId="{00000000-0000-0000-0000-000000000000}"/>
+          </ac:spMkLst>
+        </pc:spChg>
+      </pc:sldChg>
+      <pc:sldChg chg="addSp delSp modSp mod">
+        <pc:chgData name="Judson Santiago" userId="ebb108da2f256286" providerId="LiveId" clId="{B2577A40-AC3A-4371-B7A6-031E3A1B294D}" dt="2021-07-22T00:52:36.300" v="96" actId="20577"/>
+        <pc:sldMkLst>
+          <pc:docMk/>
+          <pc:sldMk cId="1297749608" sldId="282"/>
+        </pc:sldMkLst>
+        <pc:spChg chg="mod">
+          <ac:chgData name="Judson Santiago" userId="ebb108da2f256286" providerId="LiveId" clId="{B2577A40-AC3A-4371-B7A6-031E3A1B294D}" dt="2021-07-22T00:52:36.300" v="96" actId="20577"/>
+          <ac:spMkLst>
+            <pc:docMk/>
+            <pc:sldMk cId="1297749608" sldId="282"/>
+            <ac:spMk id="3" creationId="{00000000-0000-0000-0000-000000000000}"/>
+          </ac:spMkLst>
+        </pc:spChg>
+        <pc:picChg chg="add mod">
+          <ac:chgData name="Judson Santiago" userId="ebb108da2f256286" providerId="LiveId" clId="{B2577A40-AC3A-4371-B7A6-031E3A1B294D}" dt="2021-07-22T00:51:37.443" v="83" actId="1076"/>
+          <ac:picMkLst>
+            <pc:docMk/>
+            <pc:sldMk cId="1297749608" sldId="282"/>
+            <ac:picMk id="6" creationId="{55CFF76D-D687-42E5-A173-DBA5FF7D8948}"/>
+          </ac:picMkLst>
+        </pc:picChg>
+        <pc:picChg chg="del">
+          <ac:chgData name="Judson Santiago" userId="ebb108da2f256286" providerId="LiveId" clId="{B2577A40-AC3A-4371-B7A6-031E3A1B294D}" dt="2021-07-22T00:51:32.476" v="82" actId="478"/>
+          <ac:picMkLst>
+            <pc:docMk/>
+            <pc:sldMk cId="1297749608" sldId="282"/>
+            <ac:picMk id="11" creationId="{9085AECF-1C44-4714-BC21-D9E946CF6DBF}"/>
+          </ac:picMkLst>
+        </pc:picChg>
+      </pc:sldChg>
+      <pc:sldChg chg="modSp mod">
+        <pc:chgData name="Judson Santiago" userId="ebb108da2f256286" providerId="LiveId" clId="{B2577A40-AC3A-4371-B7A6-031E3A1B294D}" dt="2021-07-22T02:29:34.053" v="140" actId="20577"/>
+        <pc:sldMkLst>
+          <pc:docMk/>
+          <pc:sldMk cId="2965633247" sldId="296"/>
+        </pc:sldMkLst>
+        <pc:graphicFrameChg chg="modGraphic">
+          <ac:chgData name="Judson Santiago" userId="ebb108da2f256286" providerId="LiveId" clId="{B2577A40-AC3A-4371-B7A6-031E3A1B294D}" dt="2021-07-22T02:29:34.053" v="140" actId="20577"/>
+          <ac:graphicFrameMkLst>
+            <pc:docMk/>
+            <pc:sldMk cId="2965633247" sldId="296"/>
+            <ac:graphicFrameMk id="5" creationId="{00000000-0000-0000-0000-000000000000}"/>
+          </ac:graphicFrameMkLst>
+        </pc:graphicFrameChg>
+      </pc:sldChg>
+      <pc:sldChg chg="addSp modSp mod">
+        <pc:chgData name="Judson Santiago" userId="ebb108da2f256286" providerId="LiveId" clId="{B2577A40-AC3A-4371-B7A6-031E3A1B294D}" dt="2021-07-22T02:28:13.664" v="132" actId="208"/>
+        <pc:sldMkLst>
+          <pc:docMk/>
+          <pc:sldMk cId="1478868772" sldId="298"/>
+        </pc:sldMkLst>
+        <pc:spChg chg="mod">
+          <ac:chgData name="Judson Santiago" userId="ebb108da2f256286" providerId="LiveId" clId="{B2577A40-AC3A-4371-B7A6-031E3A1B294D}" dt="2021-07-22T02:25:58.566" v="106" actId="1582"/>
+          <ac:spMkLst>
+            <pc:docMk/>
+            <pc:sldMk cId="1478868772" sldId="298"/>
+            <ac:spMk id="3" creationId="{00000000-0000-0000-0000-000000000000}"/>
+          </ac:spMkLst>
+        </pc:spChg>
+        <pc:spChg chg="mod">
+          <ac:chgData name="Judson Santiago" userId="ebb108da2f256286" providerId="LiveId" clId="{B2577A40-AC3A-4371-B7A6-031E3A1B294D}" dt="2021-07-22T02:22:07.851" v="97" actId="20577"/>
+          <ac:spMkLst>
+            <pc:docMk/>
+            <pc:sldMk cId="1478868772" sldId="298"/>
+            <ac:spMk id="5" creationId="{00000000-0000-0000-0000-000000000000}"/>
+          </ac:spMkLst>
+        </pc:spChg>
+        <pc:spChg chg="add mod">
+          <ac:chgData name="Judson Santiago" userId="ebb108da2f256286" providerId="LiveId" clId="{B2577A40-AC3A-4371-B7A6-031E3A1B294D}" dt="2021-07-22T02:27:13.754" v="118" actId="1076"/>
+          <ac:spMkLst>
+            <pc:docMk/>
+            <pc:sldMk cId="1478868772" sldId="298"/>
+            <ac:spMk id="14" creationId="{392EA2AC-8B0B-4CF5-8BCF-26C96D60B91B}"/>
+          </ac:spMkLst>
+        </pc:spChg>
+        <pc:spChg chg="add mod">
+          <ac:chgData name="Judson Santiago" userId="ebb108da2f256286" providerId="LiveId" clId="{B2577A40-AC3A-4371-B7A6-031E3A1B294D}" dt="2021-07-22T02:27:57.867" v="131" actId="1076"/>
+          <ac:spMkLst>
+            <pc:docMk/>
+            <pc:sldMk cId="1478868772" sldId="298"/>
+            <ac:spMk id="15" creationId="{64F6D14C-38AA-44EC-88A9-F4ECAE6E2633}"/>
+          </ac:spMkLst>
+        </pc:spChg>
+        <pc:spChg chg="add mod">
+          <ac:chgData name="Judson Santiago" userId="ebb108da2f256286" providerId="LiveId" clId="{B2577A40-AC3A-4371-B7A6-031E3A1B294D}" dt="2021-07-22T02:27:53.508" v="130" actId="1076"/>
+          <ac:spMkLst>
+            <pc:docMk/>
+            <pc:sldMk cId="1478868772" sldId="298"/>
+            <ac:spMk id="16" creationId="{483971E2-6B05-4AB0-968C-5AB43D43DBEA}"/>
+          </ac:spMkLst>
+        </pc:spChg>
+        <pc:cxnChg chg="add mod">
+          <ac:chgData name="Judson Santiago" userId="ebb108da2f256286" providerId="LiveId" clId="{B2577A40-AC3A-4371-B7A6-031E3A1B294D}" dt="2021-07-22T02:28:13.664" v="132" actId="208"/>
+          <ac:cxnSpMkLst>
+            <pc:docMk/>
+            <pc:sldMk cId="1478868772" sldId="298"/>
+            <ac:cxnSpMk id="7" creationId="{6AEAC62A-08E1-4546-9AF0-78CF1DF7B690}"/>
+          </ac:cxnSpMkLst>
+        </pc:cxnChg>
+        <pc:cxnChg chg="add mod">
+          <ac:chgData name="Judson Santiago" userId="ebb108da2f256286" providerId="LiveId" clId="{B2577A40-AC3A-4371-B7A6-031E3A1B294D}" dt="2021-07-22T02:28:13.664" v="132" actId="208"/>
+          <ac:cxnSpMkLst>
+            <pc:docMk/>
+            <pc:sldMk cId="1478868772" sldId="298"/>
+            <ac:cxnSpMk id="8" creationId="{A10A43D7-8BAA-48A3-AE56-C4B071C1BE64}"/>
+          </ac:cxnSpMkLst>
+        </pc:cxnChg>
       </pc:sldChg>
       <pc:sldChg chg="modSp mod">
         <pc:chgData name="Judson Santiago" userId="ebb108da2f256286" providerId="LiveId" clId="{B2577A40-AC3A-4371-B7A6-031E3A1B294D}" dt="2021-07-14T22:01:11.569" v="12" actId="1076"/>
@@ -3735,42 +3894,66 @@
           </ac:grpSpMkLst>
         </pc:grpChg>
       </pc:sldChg>
-      <pc:sldChg chg="addSp modSp mod">
-        <pc:chgData name="Judson Santiago" userId="ebb108da2f256286" providerId="LiveId" clId="{B2577A40-AC3A-4371-B7A6-031E3A1B294D}" dt="2021-07-14T21:47:23.558" v="3" actId="14100"/>
+      <pc:sldChg chg="addSp delSp modSp mod">
+        <pc:chgData name="Judson Santiago" userId="ebb108da2f256286" providerId="LiveId" clId="{B2577A40-AC3A-4371-B7A6-031E3A1B294D}" dt="2021-07-22T00:37:12.413" v="47" actId="164"/>
         <pc:sldMkLst>
           <pc:docMk/>
           <pc:sldMk cId="4277682171" sldId="329"/>
         </pc:sldMkLst>
         <pc:spChg chg="mod">
-          <ac:chgData name="Judson Santiago" userId="ebb108da2f256286" providerId="LiveId" clId="{B2577A40-AC3A-4371-B7A6-031E3A1B294D}" dt="2021-07-14T21:47:17.574" v="2" actId="164"/>
+          <ac:chgData name="Judson Santiago" userId="ebb108da2f256286" providerId="LiveId" clId="{B2577A40-AC3A-4371-B7A6-031E3A1B294D}" dt="2021-07-22T00:33:53.568" v="21" actId="20577"/>
+          <ac:spMkLst>
+            <pc:docMk/>
+            <pc:sldMk cId="4277682171" sldId="329"/>
+            <ac:spMk id="3" creationId="{00000000-0000-0000-0000-000000000000}"/>
+          </ac:spMkLst>
+        </pc:spChg>
+        <pc:spChg chg="mod ord topLvl">
+          <ac:chgData name="Judson Santiago" userId="ebb108da2f256286" providerId="LiveId" clId="{B2577A40-AC3A-4371-B7A6-031E3A1B294D}" dt="2021-07-22T00:37:12.413" v="47" actId="164"/>
           <ac:spMkLst>
             <pc:docMk/>
             <pc:sldMk cId="4277682171" sldId="329"/>
             <ac:spMk id="5" creationId="{00000000-0000-0000-0000-000000000000}"/>
           </ac:spMkLst>
         </pc:spChg>
-        <pc:spChg chg="mod">
-          <ac:chgData name="Judson Santiago" userId="ebb108da2f256286" providerId="LiveId" clId="{B2577A40-AC3A-4371-B7A6-031E3A1B294D}" dt="2021-07-14T21:47:17.574" v="2" actId="164"/>
+        <pc:spChg chg="mod ord topLvl">
+          <ac:chgData name="Judson Santiago" userId="ebb108da2f256286" providerId="LiveId" clId="{B2577A40-AC3A-4371-B7A6-031E3A1B294D}" dt="2021-07-22T00:37:12.413" v="47" actId="164"/>
           <ac:spMkLst>
             <pc:docMk/>
             <pc:sldMk cId="4277682171" sldId="329"/>
             <ac:spMk id="6" creationId="{00000000-0000-0000-0000-000000000000}"/>
           </ac:spMkLst>
         </pc:spChg>
-        <pc:grpChg chg="add mod">
-          <ac:chgData name="Judson Santiago" userId="ebb108da2f256286" providerId="LiveId" clId="{B2577A40-AC3A-4371-B7A6-031E3A1B294D}" dt="2021-07-14T21:47:23.558" v="3" actId="14100"/>
+        <pc:grpChg chg="add del mod">
+          <ac:chgData name="Judson Santiago" userId="ebb108da2f256286" providerId="LiveId" clId="{B2577A40-AC3A-4371-B7A6-031E3A1B294D}" dt="2021-07-22T00:34:27.241" v="24" actId="165"/>
           <ac:grpSpMkLst>
             <pc:docMk/>
             <pc:sldMk cId="4277682171" sldId="329"/>
             <ac:grpSpMk id="7" creationId="{8DED1956-317D-40BB-B414-0525B454F0CE}"/>
           </ac:grpSpMkLst>
         </pc:grpChg>
-        <pc:picChg chg="mod">
-          <ac:chgData name="Judson Santiago" userId="ebb108da2f256286" providerId="LiveId" clId="{B2577A40-AC3A-4371-B7A6-031E3A1B294D}" dt="2021-07-14T21:47:17.574" v="2" actId="164"/>
+        <pc:grpChg chg="add mod">
+          <ac:chgData name="Judson Santiago" userId="ebb108da2f256286" providerId="LiveId" clId="{B2577A40-AC3A-4371-B7A6-031E3A1B294D}" dt="2021-07-22T00:37:12.413" v="47" actId="164"/>
+          <ac:grpSpMkLst>
+            <pc:docMk/>
+            <pc:sldMk cId="4277682171" sldId="329"/>
+            <ac:grpSpMk id="10" creationId="{5195F18D-AF4F-437C-A583-51B5DC848F65}"/>
+          </ac:grpSpMkLst>
+        </pc:grpChg>
+        <pc:picChg chg="del mod topLvl">
+          <ac:chgData name="Judson Santiago" userId="ebb108da2f256286" providerId="LiveId" clId="{B2577A40-AC3A-4371-B7A6-031E3A1B294D}" dt="2021-07-22T00:34:29.240" v="25" actId="478"/>
           <ac:picMkLst>
             <pc:docMk/>
             <pc:sldMk cId="4277682171" sldId="329"/>
             <ac:picMk id="4" creationId="{B207BFB7-A87F-475D-A90B-824D11DDD57A}"/>
+          </ac:picMkLst>
+        </pc:picChg>
+        <pc:picChg chg="add mod modCrop">
+          <ac:chgData name="Judson Santiago" userId="ebb108da2f256286" providerId="LiveId" clId="{B2577A40-AC3A-4371-B7A6-031E3A1B294D}" dt="2021-07-22T00:37:12.413" v="47" actId="164"/>
+          <ac:picMkLst>
+            <pc:docMk/>
+            <pc:sldMk cId="4277682171" sldId="329"/>
+            <ac:picMk id="9" creationId="{7C4B8039-3379-4120-827E-E723F7D1312C}"/>
           </ac:picMkLst>
         </pc:picChg>
       </pc:sldChg>
@@ -11165,7 +11348,7 @@
             <a:fld id="{4C457FC9-8E1D-4A40-BFF1-0E630693B1AB}" type="datetimeFigureOut">
               <a:rPr lang="pt-BR" smtClean="0"/>
               <a:pPr/>
-              <a:t>14/07/2021</a:t>
+              <a:t>21/07/2021</a:t>
             </a:fld>
             <a:endParaRPr lang="pt-BR"/>
           </a:p>
@@ -14980,7 +15163,7 @@
             <a:fld id="{B41ABA4E-CD72-497B-97AA-7213B3980F60}" type="datetimeFigureOut">
               <a:rPr lang="en-US" smtClean="0"/>
               <a:pPr/>
-              <a:t>7/14/2021</a:t>
+              <a:t>7/21/2021</a:t>
             </a:fld>
             <a:endParaRPr lang="en-US" dirty="0"/>
           </a:p>
@@ -15157,7 +15340,7 @@
             <a:fld id="{B41ABA4E-CD72-497B-97AA-7213B3980F60}" type="datetimeFigureOut">
               <a:rPr lang="en-US" smtClean="0"/>
               <a:pPr/>
-              <a:t>7/14/2021</a:t>
+              <a:t>7/21/2021</a:t>
             </a:fld>
             <a:endParaRPr lang="en-US" dirty="0"/>
           </a:p>
@@ -15353,7 +15536,7 @@
             <a:fld id="{B41ABA4E-CD72-497B-97AA-7213B3980F60}" type="datetimeFigureOut">
               <a:rPr lang="en-US" smtClean="0"/>
               <a:pPr/>
-              <a:t>7/14/2021</a:t>
+              <a:t>7/21/2021</a:t>
             </a:fld>
             <a:endParaRPr lang="en-US" dirty="0"/>
           </a:p>
@@ -15614,7 +15797,7 @@
             <a:fld id="{B41ABA4E-CD72-497B-97AA-7213B3980F60}" type="datetimeFigureOut">
               <a:rPr lang="en-US" smtClean="0"/>
               <a:pPr/>
-              <a:t>7/14/2021</a:t>
+              <a:t>7/21/2021</a:t>
             </a:fld>
             <a:endParaRPr lang="en-US" dirty="0"/>
           </a:p>
@@ -16015,7 +16198,7 @@
             <a:fld id="{B41ABA4E-CD72-497B-97AA-7213B3980F60}" type="datetimeFigureOut">
               <a:rPr lang="en-US" smtClean="0"/>
               <a:pPr/>
-              <a:t>7/14/2021</a:t>
+              <a:t>7/21/2021</a:t>
             </a:fld>
             <a:endParaRPr lang="en-US" dirty="0"/>
           </a:p>
@@ -16455,7 +16638,7 @@
             <a:fld id="{B41ABA4E-CD72-497B-97AA-7213B3980F60}" type="datetimeFigureOut">
               <a:rPr lang="en-US" smtClean="0"/>
               <a:pPr/>
-              <a:t>7/14/2021</a:t>
+              <a:t>7/21/2021</a:t>
             </a:fld>
             <a:endParaRPr lang="en-US" dirty="0"/>
           </a:p>
@@ -16552,7 +16735,7 @@
             <a:fld id="{B41ABA4E-CD72-497B-97AA-7213B3980F60}" type="datetimeFigureOut">
               <a:rPr lang="en-US" smtClean="0"/>
               <a:pPr/>
-              <a:t>7/14/2021</a:t>
+              <a:t>7/21/2021</a:t>
             </a:fld>
             <a:endParaRPr lang="en-US" dirty="0"/>
           </a:p>
@@ -16667,7 +16850,7 @@
             <a:fld id="{B41ABA4E-CD72-497B-97AA-7213B3980F60}" type="datetimeFigureOut">
               <a:rPr lang="en-US" smtClean="0"/>
               <a:pPr/>
-              <a:t>7/14/2021</a:t>
+              <a:t>7/21/2021</a:t>
             </a:fld>
             <a:endParaRPr lang="en-US" dirty="0"/>
           </a:p>
@@ -16937,7 +17120,7 @@
             <a:fld id="{B41ABA4E-CD72-497B-97AA-7213B3980F60}" type="datetimeFigureOut">
               <a:rPr lang="en-US" smtClean="0"/>
               <a:pPr/>
-              <a:t>7/14/2021</a:t>
+              <a:t>7/21/2021</a:t>
             </a:fld>
             <a:endParaRPr lang="en-US" dirty="0"/>
           </a:p>
@@ -17140,7 +17323,7 @@
             <a:fld id="{B41ABA4E-CD72-497B-97AA-7213B3980F60}" type="datetimeFigureOut">
               <a:rPr lang="en-US" smtClean="0"/>
               <a:pPr/>
-              <a:t>7/14/2021</a:t>
+              <a:t>7/21/2021</a:t>
             </a:fld>
             <a:endParaRPr lang="en-US" dirty="0"/>
           </a:p>
@@ -18317,7 +18500,7 @@
             <a:fld id="{B41ABA4E-CD72-497B-97AA-7213B3980F60}" type="datetimeFigureOut">
               <a:rPr lang="en-US" smtClean="0"/>
               <a:pPr/>
-              <a:t>7/14/2021</a:t>
+              <a:t>7/21/2021</a:t>
             </a:fld>
             <a:endParaRPr lang="en-US" dirty="0"/>
           </a:p>
@@ -18840,9 +19023,10 @@
           <a:lstStyle/>
           <a:p>
             <a:r>
-              <a:rPr lang="pt-BR" dirty="0"/>
-              <a:t>Primeiro Programa Windows</a:t>
-            </a:r>
+              <a:rPr lang="pt-BR"/>
+              <a:t>Primeiro Programa</a:t>
+            </a:r>
+            <a:endParaRPr lang="pt-BR" dirty="0"/>
           </a:p>
         </p:txBody>
       </p:sp>
@@ -22169,14 +22353,14 @@
             <a:pPr lvl="3"/>
             <a:r>
               <a:rPr lang="pt-BR" dirty="0"/>
-              <a:t>Vídeo</a:t>
+              <a:t>Teclado</a:t>
             </a:r>
           </a:p>
           <a:p>
             <a:pPr lvl="3"/>
             <a:r>
               <a:rPr lang="pt-BR" dirty="0"/>
-              <a:t>Teclado e mouse</a:t>
+              <a:t>Mouse</a:t>
             </a:r>
           </a:p>
           <a:p>
@@ -22338,7 +22522,7 @@
                   </a:schemeClr>
                 </a:solidFill>
               </a:rPr>
-              <a:t>Geral</a:t>
+              <a:t>Avançado</a:t>
             </a:r>
             <a:r>
               <a:rPr lang="pt-BR" sz="2000" dirty="0">
@@ -22379,10 +22563,10 @@
       </p:sp>
       <p:grpSp>
         <p:nvGrpSpPr>
-          <p:cNvPr id="7" name="Agrupar 6">
+          <p:cNvPr id="10" name="Agrupar 9">
             <a:extLst>
               <a:ext uri="{FF2B5EF4-FFF2-40B4-BE49-F238E27FC236}">
-                <a16:creationId xmlns:a16="http://schemas.microsoft.com/office/drawing/2014/main" id="{8DED1956-317D-40BB-B414-0525B454F0CE}"/>
+                <a16:creationId xmlns:a16="http://schemas.microsoft.com/office/drawing/2014/main" id="{5195F18D-AF4F-437C-A583-51B5DC848F65}"/>
               </a:ext>
             </a:extLst>
           </p:cNvPr>
@@ -22391,18 +22575,18 @@
         </p:nvGrpSpPr>
         <p:grpSpPr>
           <a:xfrm>
-            <a:off x="1595875" y="2439966"/>
-            <a:ext cx="9396669" cy="3727663"/>
-            <a:chOff x="1595875" y="2439966"/>
-            <a:chExt cx="9720330" cy="3856059"/>
+            <a:off x="1879894" y="2708920"/>
+            <a:ext cx="8432212" cy="3168352"/>
+            <a:chOff x="1879894" y="2708920"/>
+            <a:chExt cx="8432212" cy="3168352"/>
           </a:xfrm>
         </p:grpSpPr>
         <p:pic>
           <p:nvPicPr>
-            <p:cNvPr id="4" name="Imagem 3">
+            <p:cNvPr id="9" name="Imagem 8">
               <a:extLst>
                 <a:ext uri="{FF2B5EF4-FFF2-40B4-BE49-F238E27FC236}">
-                  <a16:creationId xmlns:a16="http://schemas.microsoft.com/office/drawing/2014/main" id="{B207BFB7-A87F-475D-A90B-824D11DDD57A}"/>
+                  <a16:creationId xmlns:a16="http://schemas.microsoft.com/office/drawing/2014/main" id="{7C4B8039-3379-4120-827E-E723F7D1312C}"/>
                 </a:ext>
               </a:extLst>
             </p:cNvPr>
@@ -22412,14 +22596,20 @@
             <p:nvPr/>
           </p:nvPicPr>
           <p:blipFill rotWithShape="1">
-            <a:blip r:embed="rId3"/>
-            <a:srcRect b="36256"/>
+            <a:blip r:embed="rId3" cstate="screen">
+              <a:extLst>
+                <a:ext uri="{28A0092B-C50C-407E-A947-70E740481C1C}">
+                  <a14:useLocalDpi xmlns:a14="http://schemas.microsoft.com/office/drawing/2010/main"/>
+                </a:ext>
+              </a:extLst>
+            </a:blip>
+            <a:srcRect r="17482" b="35228"/>
             <a:stretch/>
           </p:blipFill>
           <p:spPr>
             <a:xfrm>
-              <a:off x="1595875" y="2439966"/>
-              <a:ext cx="9720330" cy="3856059"/>
+              <a:off x="1879894" y="2708920"/>
+              <a:ext cx="8432212" cy="3168352"/>
             </a:xfrm>
             <a:prstGeom prst="rect">
               <a:avLst/>
@@ -22434,8 +22624,8 @@
           </p:nvSpPr>
           <p:spPr>
             <a:xfrm>
-              <a:off x="6813551" y="6045200"/>
-              <a:ext cx="850899" cy="203200"/>
+              <a:off x="6920436" y="5361526"/>
+              <a:ext cx="761957" cy="165156"/>
             </a:xfrm>
             <a:prstGeom prst="rect">
               <a:avLst/>
@@ -22482,8 +22672,8 @@
           </p:nvSpPr>
           <p:spPr>
             <a:xfrm>
-              <a:off x="2063552" y="3455512"/>
-              <a:ext cx="381198" cy="208438"/>
+              <a:off x="2207568" y="3750248"/>
+              <a:ext cx="563829" cy="168282"/>
             </a:xfrm>
             <a:prstGeom prst="rect">
               <a:avLst/>
@@ -23901,7 +24091,7 @@
             </a:r>
             <a:r>
               <a:rPr lang="pt-BR" dirty="0"/>
-              <a:t> diz ao compilador como tratar a função </a:t>
+              <a:t> diz ao compilador como passar argumentos para </a:t>
             </a:r>
             <a:r>
               <a:rPr lang="pt-BR" dirty="0" err="1"/>
@@ -25896,7 +26086,7 @@
             <a:pPr lvl="1"/>
             <a:r>
               <a:rPr lang="pt-BR" dirty="0"/>
-              <a:t>Manipulador da janela (window handle)</a:t>
+              <a:t>Identificador da janela (window handle)</a:t>
             </a:r>
           </a:p>
           <a:p>
@@ -26226,10 +26416,10 @@
       </p:grpSp>
       <p:pic>
         <p:nvPicPr>
-          <p:cNvPr id="11" name="Imagem 10">
+          <p:cNvPr id="6" name="Imagem 5">
             <a:extLst>
               <a:ext uri="{FF2B5EF4-FFF2-40B4-BE49-F238E27FC236}">
-                <a16:creationId xmlns:a16="http://schemas.microsoft.com/office/drawing/2014/main" id="{9085AECF-1C44-4714-BC21-D9E946CF6DBF}"/>
+                <a16:creationId xmlns:a16="http://schemas.microsoft.com/office/drawing/2014/main" id="{55CFF76D-D687-42E5-A173-DBA5FF7D8948}"/>
               </a:ext>
             </a:extLst>
           </p:cNvPr>
@@ -26246,8 +26436,8 @@
         </p:blipFill>
         <p:spPr>
           <a:xfrm>
-            <a:off x="8472264" y="3730662"/>
-            <a:ext cx="1738044" cy="2046052"/>
+            <a:off x="8472264" y="3724242"/>
+            <a:ext cx="1714500" cy="2133600"/>
           </a:xfrm>
           <a:prstGeom prst="rect">
             <a:avLst/>
@@ -38148,7 +38338,13 @@
             <p:ph idx="1"/>
           </p:nvPr>
         </p:nvSpPr>
-        <p:spPr/>
+        <p:spPr>
+          <a:ln w="28575">
+            <a:solidFill>
+              <a:schemeClr val="tx1"/>
+            </a:solidFill>
+          </a:ln>
+        </p:spPr>
         <p:txBody>
           <a:bodyPr/>
           <a:lstStyle/>
@@ -38334,7 +38530,7 @@
                 <a:latin typeface="Consolas" pitchFamily="49" charset="0"/>
                 <a:cs typeface="Consolas" pitchFamily="49" charset="0"/>
               </a:rPr>
-              <a:t>)</a:t>
+              <a:t>);</a:t>
             </a:r>
             <a:br>
               <a:rPr lang="pt-BR" sz="1400" dirty="0">
@@ -39160,6 +39356,211 @@
           </a:prstGeom>
         </p:spPr>
       </p:pic>
+      <p:cxnSp>
+        <p:nvCxnSpPr>
+          <p:cNvPr id="7" name="Conector de Seta Reta 6">
+            <a:extLst>
+              <a:ext uri="{FF2B5EF4-FFF2-40B4-BE49-F238E27FC236}">
+                <a16:creationId xmlns:a16="http://schemas.microsoft.com/office/drawing/2014/main" id="{6AEAC62A-08E1-4546-9AF0-78CF1DF7B690}"/>
+              </a:ext>
+            </a:extLst>
+          </p:cNvPr>
+          <p:cNvCxnSpPr>
+            <a:cxnSpLocks/>
+          </p:cNvCxnSpPr>
+          <p:nvPr/>
+        </p:nvCxnSpPr>
+        <p:spPr>
+          <a:xfrm>
+            <a:off x="6528048" y="3140968"/>
+            <a:ext cx="4680520" cy="0"/>
+          </a:xfrm>
+          <a:prstGeom prst="straightConnector1">
+            <a:avLst/>
+          </a:prstGeom>
+          <a:ln w="28575">
+            <a:solidFill>
+              <a:schemeClr val="accent3"/>
+            </a:solidFill>
+            <a:tailEnd type="triangle"/>
+          </a:ln>
+        </p:spPr>
+        <p:style>
+          <a:lnRef idx="1">
+            <a:schemeClr val="accent1"/>
+          </a:lnRef>
+          <a:fillRef idx="0">
+            <a:schemeClr val="accent1"/>
+          </a:fillRef>
+          <a:effectRef idx="0">
+            <a:schemeClr val="accent1"/>
+          </a:effectRef>
+          <a:fontRef idx="minor">
+            <a:schemeClr val="tx1"/>
+          </a:fontRef>
+        </p:style>
+      </p:cxnSp>
+      <p:cxnSp>
+        <p:nvCxnSpPr>
+          <p:cNvPr id="8" name="Conector de Seta Reta 7">
+            <a:extLst>
+              <a:ext uri="{FF2B5EF4-FFF2-40B4-BE49-F238E27FC236}">
+                <a16:creationId xmlns:a16="http://schemas.microsoft.com/office/drawing/2014/main" id="{A10A43D7-8BAA-48A3-AE56-C4B071C1BE64}"/>
+              </a:ext>
+            </a:extLst>
+          </p:cNvPr>
+          <p:cNvCxnSpPr>
+            <a:cxnSpLocks/>
+          </p:cNvCxnSpPr>
+          <p:nvPr/>
+        </p:nvCxnSpPr>
+        <p:spPr>
+          <a:xfrm>
+            <a:off x="6681753" y="2996952"/>
+            <a:ext cx="0" cy="3010340"/>
+          </a:xfrm>
+          <a:prstGeom prst="straightConnector1">
+            <a:avLst/>
+          </a:prstGeom>
+          <a:ln w="28575">
+            <a:solidFill>
+              <a:schemeClr val="accent3"/>
+            </a:solidFill>
+            <a:tailEnd type="triangle"/>
+          </a:ln>
+        </p:spPr>
+        <p:style>
+          <a:lnRef idx="1">
+            <a:schemeClr val="accent1"/>
+          </a:lnRef>
+          <a:fillRef idx="0">
+            <a:schemeClr val="accent1"/>
+          </a:fillRef>
+          <a:effectRef idx="0">
+            <a:schemeClr val="accent1"/>
+          </a:effectRef>
+          <a:fontRef idx="minor">
+            <a:schemeClr val="tx1"/>
+          </a:fontRef>
+        </p:style>
+      </p:cxnSp>
+      <p:sp>
+        <p:nvSpPr>
+          <p:cNvPr id="14" name="CaixaDeTexto 13">
+            <a:extLst>
+              <a:ext uri="{FF2B5EF4-FFF2-40B4-BE49-F238E27FC236}">
+                <a16:creationId xmlns:a16="http://schemas.microsoft.com/office/drawing/2014/main" id="{392EA2AC-8B0B-4CF5-8BCF-26C96D60B91B}"/>
+              </a:ext>
+            </a:extLst>
+          </p:cNvPr>
+          <p:cNvSpPr txBox="1"/>
+          <p:nvPr/>
+        </p:nvSpPr>
+        <p:spPr>
+          <a:xfrm>
+            <a:off x="6004157" y="2827675"/>
+            <a:ext cx="644728" cy="338554"/>
+          </a:xfrm>
+          <a:prstGeom prst="rect">
+            <a:avLst/>
+          </a:prstGeom>
+          <a:noFill/>
+        </p:spPr>
+        <p:txBody>
+          <a:bodyPr wrap="none" rtlCol="0">
+            <a:spAutoFit/>
+          </a:bodyPr>
+          <a:lstStyle/>
+          <a:p>
+            <a:r>
+              <a:rPr lang="pt-BR" sz="1600" dirty="0">
+                <a:solidFill>
+                  <a:schemeClr val="bg1"/>
+                </a:solidFill>
+              </a:rPr>
+              <a:t>(0,0)</a:t>
+            </a:r>
+          </a:p>
+        </p:txBody>
+      </p:sp>
+      <p:sp>
+        <p:nvSpPr>
+          <p:cNvPr id="15" name="CaixaDeTexto 14">
+            <a:extLst>
+              <a:ext uri="{FF2B5EF4-FFF2-40B4-BE49-F238E27FC236}">
+                <a16:creationId xmlns:a16="http://schemas.microsoft.com/office/drawing/2014/main" id="{64F6D14C-38AA-44EC-88A9-F4ECAE6E2633}"/>
+              </a:ext>
+            </a:extLst>
+          </p:cNvPr>
+          <p:cNvSpPr txBox="1"/>
+          <p:nvPr/>
+        </p:nvSpPr>
+        <p:spPr>
+          <a:xfrm>
+            <a:off x="10938094" y="2802414"/>
+            <a:ext cx="311304" cy="338554"/>
+          </a:xfrm>
+          <a:prstGeom prst="rect">
+            <a:avLst/>
+          </a:prstGeom>
+          <a:noFill/>
+        </p:spPr>
+        <p:txBody>
+          <a:bodyPr wrap="none" rtlCol="0">
+            <a:spAutoFit/>
+          </a:bodyPr>
+          <a:lstStyle/>
+          <a:p>
+            <a:r>
+              <a:rPr lang="pt-BR" sz="1600" dirty="0">
+                <a:solidFill>
+                  <a:schemeClr val="bg1"/>
+                </a:solidFill>
+              </a:rPr>
+              <a:t>x</a:t>
+            </a:r>
+          </a:p>
+        </p:txBody>
+      </p:sp>
+      <p:sp>
+        <p:nvSpPr>
+          <p:cNvPr id="16" name="CaixaDeTexto 15">
+            <a:extLst>
+              <a:ext uri="{FF2B5EF4-FFF2-40B4-BE49-F238E27FC236}">
+                <a16:creationId xmlns:a16="http://schemas.microsoft.com/office/drawing/2014/main" id="{483971E2-6B05-4AB0-968C-5AB43D43DBEA}"/>
+              </a:ext>
+            </a:extLst>
+          </p:cNvPr>
+          <p:cNvSpPr txBox="1"/>
+          <p:nvPr/>
+        </p:nvSpPr>
+        <p:spPr>
+          <a:xfrm>
+            <a:off x="6326521" y="5725989"/>
+            <a:ext cx="292068" cy="338554"/>
+          </a:xfrm>
+          <a:prstGeom prst="rect">
+            <a:avLst/>
+          </a:prstGeom>
+          <a:noFill/>
+        </p:spPr>
+        <p:txBody>
+          <a:bodyPr wrap="none" rtlCol="0">
+            <a:spAutoFit/>
+          </a:bodyPr>
+          <a:lstStyle/>
+          <a:p>
+            <a:r>
+              <a:rPr lang="pt-BR" sz="1600" dirty="0">
+                <a:solidFill>
+                  <a:schemeClr val="bg1"/>
+                </a:solidFill>
+              </a:rPr>
+              <a:t>y</a:t>
+            </a:r>
+          </a:p>
+        </p:txBody>
+      </p:sp>
     </p:spTree>
     <p:extLst>
       <p:ext uri="{BB962C8B-B14F-4D97-AF65-F5344CB8AC3E}">
@@ -39260,7 +39661,7 @@
           <p:nvPr>
             <p:extLst>
               <p:ext uri="{D42A27DB-BD31-4B8C-83A1-F6EECF244321}">
-                <p14:modId xmlns:p14="http://schemas.microsoft.com/office/powerpoint/2010/main" val="1268637326"/>
+                <p14:modId xmlns:p14="http://schemas.microsoft.com/office/powerpoint/2010/main" val="911794206"/>
               </p:ext>
             </p:extLst>
           </p:nvPr>
@@ -39563,7 +39964,7 @@
                     <a:p>
                       <a:r>
                         <a:rPr lang="pt-BR" sz="1600" dirty="0"/>
-                        <a:t>Enviado quando uma tecla é solta</a:t>
+                        <a:t>Enviado quando uma tecla é liberada</a:t>
                       </a:r>
                     </a:p>
                   </a:txBody>
@@ -40729,7 +41130,7 @@
                   </a:schemeClr>
                 </a:solidFill>
               </a:rPr>
-              <a:t>compartilhadas</a:t>
+              <a:t>disponibilizadas</a:t>
             </a:r>
             <a:r>
               <a:rPr lang="pt-BR" dirty="0"/>
@@ -41432,7 +41833,7 @@
           <a:p>
             <a:r>
               <a:rPr lang="pt-BR" dirty="0"/>
-              <a:t>O uso destas funções é semelhante ao uso de uma função da biblioteca padrão da linguagem C++</a:t>
+              <a:t>O uso destas funções é semelhante ao uso das funções da biblioteca padrão da linguagem C++</a:t>
             </a:r>
             <a:br>
               <a:rPr lang="pt-BR" dirty="0"/>
@@ -41500,7 +41901,7 @@
           <a:p>
             <a:r>
               <a:rPr lang="pt-BR" dirty="0"/>
-              <a:t>Ligação Dinâmica</a:t>
+              <a:t>Programação no Windows</a:t>
             </a:r>
           </a:p>
         </p:txBody>
@@ -43280,7 +43681,7 @@
           <a:p>
             <a:r>
               <a:rPr lang="pt-BR" dirty="0"/>
-              <a:t>Primeiro Programa Console</a:t>
+              <a:t>Primeiro Programa</a:t>
             </a:r>
           </a:p>
         </p:txBody>

--- a/Slides/01. Programação Windows.pptx
+++ b/Slides/01. Programação Windows.pptx
@@ -170,15 +170,6 @@
     </p:ext>
   </p:extLst>
 </p:presentation>
-</file>
-
-<file path=ppt/revisionInfo.xml><?xml version="1.0" encoding="utf-8"?>
-<p1510:revInfo xmlns:a="http://schemas.openxmlformats.org/drawingml/2006/main" xmlns:r="http://schemas.openxmlformats.org/officeDocument/2006/relationships" xmlns:p1510="http://schemas.microsoft.com/office/powerpoint/2015/10/main">
-  <p1510:revLst>
-    <p1510:client id="{AC23AAFD-E953-FE46-870F-C9EAF980E401}" v="26" dt="2021-07-21T23:42:45.570"/>
-    <p1510:client id="{B2577A40-AC3A-4371-B7A6-031E3A1B294D}" v="7" dt="2021-07-22T02:27:26.429"/>
-  </p1510:revLst>
-</p1510:revInfo>
 </file>
 
 <file path=ppt/changesInfos/changesInfo1.xml><?xml version="1.0" encoding="utf-8"?>
@@ -3704,6 +3695,127 @@
     </pc:docChg>
   </pc:docChgLst>
   <pc:docChgLst>
+    <pc:chgData name="Judson Santiago" userId="ebb108da2f256286" providerId="LiveId" clId="{74B87C80-596A-5741-9598-8E58B7890AE2}"/>
+    <pc:docChg chg="modSld">
+      <pc:chgData name="Judson Santiago" userId="ebb108da2f256286" providerId="LiveId" clId="{74B87C80-596A-5741-9598-8E58B7890AE2}" dt="2022-07-28T12:33:20.378" v="152" actId="207"/>
+      <pc:docMkLst>
+        <pc:docMk/>
+      </pc:docMkLst>
+      <pc:sldChg chg="modSp mod modNotesTx">
+        <pc:chgData name="Judson Santiago" userId="ebb108da2f256286" providerId="LiveId" clId="{74B87C80-596A-5741-9598-8E58B7890AE2}" dt="2022-07-28T11:37:52.041" v="97" actId="20577"/>
+        <pc:sldMkLst>
+          <pc:docMk/>
+          <pc:sldMk cId="1522748564" sldId="273"/>
+        </pc:sldMkLst>
+        <pc:spChg chg="mod">
+          <ac:chgData name="Judson Santiago" userId="ebb108da2f256286" providerId="LiveId" clId="{74B87C80-596A-5741-9598-8E58B7890AE2}" dt="2022-07-28T11:37:02.906" v="9" actId="20577"/>
+          <ac:spMkLst>
+            <pc:docMk/>
+            <pc:sldMk cId="1522748564" sldId="273"/>
+            <ac:spMk id="3" creationId="{00000000-0000-0000-0000-000000000000}"/>
+          </ac:spMkLst>
+        </pc:spChg>
+      </pc:sldChg>
+      <pc:sldChg chg="modSp mod">
+        <pc:chgData name="Judson Santiago" userId="ebb108da2f256286" providerId="LiveId" clId="{74B87C80-596A-5741-9598-8E58B7890AE2}" dt="2022-07-28T11:42:54.633" v="100" actId="207"/>
+        <pc:sldMkLst>
+          <pc:docMk/>
+          <pc:sldMk cId="244664431" sldId="275"/>
+        </pc:sldMkLst>
+        <pc:spChg chg="mod">
+          <ac:chgData name="Judson Santiago" userId="ebb108da2f256286" providerId="LiveId" clId="{74B87C80-596A-5741-9598-8E58B7890AE2}" dt="2022-07-28T11:42:54.633" v="100" actId="207"/>
+          <ac:spMkLst>
+            <pc:docMk/>
+            <pc:sldMk cId="244664431" sldId="275"/>
+            <ac:spMk id="3" creationId="{00000000-0000-0000-0000-000000000000}"/>
+          </ac:spMkLst>
+        </pc:spChg>
+      </pc:sldChg>
+      <pc:sldChg chg="modSp mod">
+        <pc:chgData name="Judson Santiago" userId="ebb108da2f256286" providerId="LiveId" clId="{74B87C80-596A-5741-9598-8E58B7890AE2}" dt="2022-07-28T11:51:31.136" v="122" actId="20577"/>
+        <pc:sldMkLst>
+          <pc:docMk/>
+          <pc:sldMk cId="1834660" sldId="277"/>
+        </pc:sldMkLst>
+        <pc:spChg chg="mod">
+          <ac:chgData name="Judson Santiago" userId="ebb108da2f256286" providerId="LiveId" clId="{74B87C80-596A-5741-9598-8E58B7890AE2}" dt="2022-07-28T11:51:31.136" v="122" actId="20577"/>
+          <ac:spMkLst>
+            <pc:docMk/>
+            <pc:sldMk cId="1834660" sldId="277"/>
+            <ac:spMk id="7" creationId="{00000000-0000-0000-0000-000000000000}"/>
+          </ac:spMkLst>
+        </pc:spChg>
+      </pc:sldChg>
+      <pc:sldChg chg="modNotesTx">
+        <pc:chgData name="Judson Santiago" userId="ebb108da2f256286" providerId="LiveId" clId="{74B87C80-596A-5741-9598-8E58B7890AE2}" dt="2022-07-28T12:09:48.937" v="124" actId="20577"/>
+        <pc:sldMkLst>
+          <pc:docMk/>
+          <pc:sldMk cId="2296200739" sldId="280"/>
+        </pc:sldMkLst>
+      </pc:sldChg>
+      <pc:sldChg chg="modSp mod">
+        <pc:chgData name="Judson Santiago" userId="ebb108da2f256286" providerId="LiveId" clId="{74B87C80-596A-5741-9598-8E58B7890AE2}" dt="2022-07-28T12:31:17.668" v="148" actId="207"/>
+        <pc:sldMkLst>
+          <pc:docMk/>
+          <pc:sldMk cId="1681242643" sldId="295"/>
+        </pc:sldMkLst>
+        <pc:spChg chg="mod">
+          <ac:chgData name="Judson Santiago" userId="ebb108da2f256286" providerId="LiveId" clId="{74B87C80-596A-5741-9598-8E58B7890AE2}" dt="2022-07-28T12:31:17.668" v="148" actId="207"/>
+          <ac:spMkLst>
+            <pc:docMk/>
+            <pc:sldMk cId="1681242643" sldId="295"/>
+            <ac:spMk id="4" creationId="{00000000-0000-0000-0000-000000000000}"/>
+          </ac:spMkLst>
+        </pc:spChg>
+      </pc:sldChg>
+      <pc:sldChg chg="modSp mod">
+        <pc:chgData name="Judson Santiago" userId="ebb108da2f256286" providerId="LiveId" clId="{74B87C80-596A-5741-9598-8E58B7890AE2}" dt="2022-07-28T12:33:20.378" v="152" actId="207"/>
+        <pc:sldMkLst>
+          <pc:docMk/>
+          <pc:sldMk cId="1478868772" sldId="298"/>
+        </pc:sldMkLst>
+        <pc:spChg chg="mod">
+          <ac:chgData name="Judson Santiago" userId="ebb108da2f256286" providerId="LiveId" clId="{74B87C80-596A-5741-9598-8E58B7890AE2}" dt="2022-07-28T12:33:20.378" v="152" actId="207"/>
+          <ac:spMkLst>
+            <pc:docMk/>
+            <pc:sldMk cId="1478868772" sldId="298"/>
+            <ac:spMk id="5" creationId="{00000000-0000-0000-0000-000000000000}"/>
+          </ac:spMkLst>
+        </pc:spChg>
+      </pc:sldChg>
+      <pc:sldChg chg="modSp mod">
+        <pc:chgData name="Judson Santiago" userId="ebb108da2f256286" providerId="LiveId" clId="{74B87C80-596A-5741-9598-8E58B7890AE2}" dt="2022-07-28T12:25:22.239" v="136" actId="20577"/>
+        <pc:sldMkLst>
+          <pc:docMk/>
+          <pc:sldMk cId="40710744" sldId="313"/>
+        </pc:sldMkLst>
+        <pc:graphicFrameChg chg="modGraphic">
+          <ac:chgData name="Judson Santiago" userId="ebb108da2f256286" providerId="LiveId" clId="{74B87C80-596A-5741-9598-8E58B7890AE2}" dt="2022-07-28T12:25:22.239" v="136" actId="20577"/>
+          <ac:graphicFrameMkLst>
+            <pc:docMk/>
+            <pc:sldMk cId="40710744" sldId="313"/>
+            <ac:graphicFrameMk id="5" creationId="{00000000-0000-0000-0000-000000000000}"/>
+          </ac:graphicFrameMkLst>
+        </pc:graphicFrameChg>
+      </pc:sldChg>
+      <pc:sldChg chg="modSp mod">
+        <pc:chgData name="Judson Santiago" userId="ebb108da2f256286" providerId="LiveId" clId="{74B87C80-596A-5741-9598-8E58B7890AE2}" dt="2022-07-28T12:31:49.886" v="149" actId="207"/>
+        <pc:sldMkLst>
+          <pc:docMk/>
+          <pc:sldMk cId="4290361747" sldId="314"/>
+        </pc:sldMkLst>
+        <pc:spChg chg="mod">
+          <ac:chgData name="Judson Santiago" userId="ebb108da2f256286" providerId="LiveId" clId="{74B87C80-596A-5741-9598-8E58B7890AE2}" dt="2022-07-28T12:31:49.886" v="149" actId="207"/>
+          <ac:spMkLst>
+            <pc:docMk/>
+            <pc:sldMk cId="4290361747" sldId="314"/>
+            <ac:spMk id="15" creationId="{00000000-0000-0000-0000-000000000000}"/>
+          </ac:spMkLst>
+        </pc:spChg>
+      </pc:sldChg>
+    </pc:docChg>
+  </pc:docChgLst>
+  <pc:docChgLst>
     <pc:chgData name="Judson Santiago" userId="ebb108da2f256286" providerId="LiveId" clId="{B2577A40-AC3A-4371-B7A6-031E3A1B294D}"/>
     <pc:docChg chg="undo custSel modSld modMainMaster">
       <pc:chgData name="Judson Santiago" userId="ebb108da2f256286" providerId="LiveId" clId="{B2577A40-AC3A-4371-B7A6-031E3A1B294D}" dt="2021-07-22T02:29:34.053" v="140" actId="20577"/>
@@ -5913,8 +6025,8 @@
     <dgm:cxn modelId="{9330A11C-5DA6-487F-B177-C3B6357F626E}" type="presOf" srcId="{6092ACF6-E9EE-4B75-9DF4-E96EC0E6477B}" destId="{A2C50F77-9ACB-49AF-8166-1C8D56BC59E3}" srcOrd="0" destOrd="0" presId="urn:microsoft.com/office/officeart/2005/8/layout/radial4"/>
     <dgm:cxn modelId="{FB1C0E3B-9194-4209-9DED-459548E6C7F3}" type="presOf" srcId="{CBD63804-47F2-43AD-AE02-A11B00C859EA}" destId="{9B2E51F4-67C0-4FE3-AF26-72D502ABE36E}" srcOrd="0" destOrd="0" presId="urn:microsoft.com/office/officeart/2005/8/layout/radial4"/>
     <dgm:cxn modelId="{C557DE3B-4673-415E-A87C-05DCB2595D36}" type="presOf" srcId="{9C252C75-E6A6-46DE-AD8C-37549E9BCFC1}" destId="{B830A83D-4B30-4FB8-97A1-88BB90839D71}" srcOrd="0" destOrd="0" presId="urn:microsoft.com/office/officeart/2005/8/layout/radial4"/>
+    <dgm:cxn modelId="{8D85264F-010A-4387-81B6-53062F3D99E1}" srcId="{9C252C75-E6A6-46DE-AD8C-37549E9BCFC1}" destId="{B1D4DAAD-9846-42F3-AC0E-BBF4D9B5BB1B}" srcOrd="2" destOrd="0" parTransId="{C8593C43-867C-4483-8822-D21668737E45}" sibTransId="{FD082F78-5D95-4C8C-9E98-F4202E05873D}"/>
     <dgm:cxn modelId="{A0782862-F378-4827-9B00-040A68C1817B}" srcId="{9C252C75-E6A6-46DE-AD8C-37549E9BCFC1}" destId="{4F219B22-D9F3-4850-9CD8-EEBB6FCF059A}" srcOrd="3" destOrd="0" parTransId="{D066A7B5-01A1-4E29-AFB0-AF7869C92E9A}" sibTransId="{095DE73F-39C9-45F2-80D4-49F4F4277C79}"/>
-    <dgm:cxn modelId="{8D85264F-010A-4387-81B6-53062F3D99E1}" srcId="{9C252C75-E6A6-46DE-AD8C-37549E9BCFC1}" destId="{B1D4DAAD-9846-42F3-AC0E-BBF4D9B5BB1B}" srcOrd="2" destOrd="0" parTransId="{C8593C43-867C-4483-8822-D21668737E45}" sibTransId="{FD082F78-5D95-4C8C-9E98-F4202E05873D}"/>
     <dgm:cxn modelId="{F5338A71-C772-4CD4-924F-C0D391210CAA}" type="presOf" srcId="{B1D4DAAD-9846-42F3-AC0E-BBF4D9B5BB1B}" destId="{0DCF1865-AF83-43C7-96EA-3E5467AF34C3}" srcOrd="0" destOrd="0" presId="urn:microsoft.com/office/officeart/2005/8/layout/radial4"/>
     <dgm:cxn modelId="{B2FE4375-47B1-4C23-8F14-28DD6289514E}" type="presOf" srcId="{4F219B22-D9F3-4850-9CD8-EEBB6FCF059A}" destId="{5586A118-3860-49AD-A2EC-42B783964CCA}" srcOrd="0" destOrd="0" presId="urn:microsoft.com/office/officeart/2005/8/layout/radial4"/>
     <dgm:cxn modelId="{FED10F7C-3306-4403-ACA0-8F9DD9F32414}" type="presOf" srcId="{D066A7B5-01A1-4E29-AFB0-AF7869C92E9A}" destId="{BC6488BD-E071-4C07-B8C8-7287D2DC5494}" srcOrd="0" destOrd="0" presId="urn:microsoft.com/office/officeart/2005/8/layout/radial4"/>
@@ -6307,12 +6419,12 @@
     <dgm:cxn modelId="{2FF5D909-27CA-47D5-913C-9FD2E52CA3A4}" type="presOf" srcId="{66425524-488D-401F-AC73-7A72796BC993}" destId="{7E6FE410-2FAB-4BE4-A9E1-FF85876D7850}" srcOrd="0" destOrd="0" presId="urn:microsoft.com/office/officeart/2005/8/layout/chart3"/>
     <dgm:cxn modelId="{57E9DD0C-1BA4-4101-80CF-4494AE2DABEB}" type="presOf" srcId="{B1D4DAAD-9846-42F3-AC0E-BBF4D9B5BB1B}" destId="{090C1A72-2CA2-4184-88E2-C8F951059D92}" srcOrd="0" destOrd="0" presId="urn:microsoft.com/office/officeart/2005/8/layout/chart3"/>
     <dgm:cxn modelId="{769B401C-749D-4DD4-9D6D-E11BEC63179C}" type="presOf" srcId="{66425524-488D-401F-AC73-7A72796BC993}" destId="{86E0238F-6594-4CB2-A69C-F9F3CC789154}" srcOrd="1" destOrd="0" presId="urn:microsoft.com/office/officeart/2005/8/layout/chart3"/>
+    <dgm:cxn modelId="{657A4643-62E0-4650-8424-0FC733329355}" type="presOf" srcId="{4F219B22-D9F3-4850-9CD8-EEBB6FCF059A}" destId="{B49CC177-BD30-41A3-B856-6F1BA136BC02}" srcOrd="1" destOrd="0" presId="urn:microsoft.com/office/officeart/2005/8/layout/chart3"/>
+    <dgm:cxn modelId="{8D85264F-010A-4387-81B6-53062F3D99E1}" srcId="{148B5566-A3A4-4813-A258-5CA4941EB4D2}" destId="{B1D4DAAD-9846-42F3-AC0E-BBF4D9B5BB1B}" srcOrd="2" destOrd="0" parTransId="{C8593C43-867C-4483-8822-D21668737E45}" sibTransId="{FD082F78-5D95-4C8C-9E98-F4202E05873D}"/>
+    <dgm:cxn modelId="{1D631A58-93B2-4338-B177-1E5568ED0D21}" srcId="{148B5566-A3A4-4813-A258-5CA4941EB4D2}" destId="{66425524-488D-401F-AC73-7A72796BC993}" srcOrd="4" destOrd="0" parTransId="{6430F1BD-2AB6-4964-957A-D0DCB9250F08}" sibTransId="{0919A5AD-85ED-46AF-8CEC-641E0089E678}"/>
     <dgm:cxn modelId="{A0782862-F378-4827-9B00-040A68C1817B}" srcId="{148B5566-A3A4-4813-A258-5CA4941EB4D2}" destId="{4F219B22-D9F3-4850-9CD8-EEBB6FCF059A}" srcOrd="3" destOrd="0" parTransId="{D066A7B5-01A1-4E29-AFB0-AF7869C92E9A}" sibTransId="{095DE73F-39C9-45F2-80D4-49F4F4277C79}"/>
-    <dgm:cxn modelId="{657A4643-62E0-4650-8424-0FC733329355}" type="presOf" srcId="{4F219B22-D9F3-4850-9CD8-EEBB6FCF059A}" destId="{B49CC177-BD30-41A3-B856-6F1BA136BC02}" srcOrd="1" destOrd="0" presId="urn:microsoft.com/office/officeart/2005/8/layout/chart3"/>
     <dgm:cxn modelId="{CC91A46C-3379-47ED-82E9-4A799C4ED5A9}" type="presOf" srcId="{148B5566-A3A4-4813-A258-5CA4941EB4D2}" destId="{85A32255-42F9-4403-8705-E7D819DBA513}" srcOrd="0" destOrd="0" presId="urn:microsoft.com/office/officeart/2005/8/layout/chart3"/>
-    <dgm:cxn modelId="{8D85264F-010A-4387-81B6-53062F3D99E1}" srcId="{148B5566-A3A4-4813-A258-5CA4941EB4D2}" destId="{B1D4DAAD-9846-42F3-AC0E-BBF4D9B5BB1B}" srcOrd="2" destOrd="0" parTransId="{C8593C43-867C-4483-8822-D21668737E45}" sibTransId="{FD082F78-5D95-4C8C-9E98-F4202E05873D}"/>
     <dgm:cxn modelId="{DC485574-C4F3-4734-8850-FB72C8009B28}" type="presOf" srcId="{6092ACF6-E9EE-4B75-9DF4-E96EC0E6477B}" destId="{B74E7689-A676-4F63-8153-8DE83473BB01}" srcOrd="0" destOrd="0" presId="urn:microsoft.com/office/officeart/2005/8/layout/chart3"/>
-    <dgm:cxn modelId="{1D631A58-93B2-4338-B177-1E5568ED0D21}" srcId="{148B5566-A3A4-4813-A258-5CA4941EB4D2}" destId="{66425524-488D-401F-AC73-7A72796BC993}" srcOrd="4" destOrd="0" parTransId="{6430F1BD-2AB6-4964-957A-D0DCB9250F08}" sibTransId="{0919A5AD-85ED-46AF-8CEC-641E0089E678}"/>
     <dgm:cxn modelId="{18DD778B-9591-4C17-82A4-658052FA47BB}" type="presOf" srcId="{CC2FD413-863B-45CE-B0C8-1DD9675E76B1}" destId="{4840BDE6-D954-4CD2-9C11-89F531FC273B}" srcOrd="1" destOrd="0" presId="urn:microsoft.com/office/officeart/2005/8/layout/chart3"/>
     <dgm:cxn modelId="{C57839B3-F67D-4C08-A39F-8B9C6A4FBAF3}" type="presOf" srcId="{CC2FD413-863B-45CE-B0C8-1DD9675E76B1}" destId="{887060C3-2270-4C56-9A23-B7514813BC76}" srcOrd="0" destOrd="0" presId="urn:microsoft.com/office/officeart/2005/8/layout/chart3"/>
     <dgm:cxn modelId="{9F9C6FCF-B53D-4BF9-AEE0-D31C7B5BEE53}" srcId="{148B5566-A3A4-4813-A258-5CA4941EB4D2}" destId="{CC2FD413-863B-45CE-B0C8-1DD9675E76B1}" srcOrd="1" destOrd="0" parTransId="{CBD63804-47F2-43AD-AE02-A11B00C859EA}" sibTransId="{909828A7-04E2-4955-9596-99A0303013AD}"/>
@@ -11348,7 +11460,7 @@
             <a:fld id="{4C457FC9-8E1D-4A40-BFF1-0E630693B1AB}" type="datetimeFigureOut">
               <a:rPr lang="pt-BR" smtClean="0"/>
               <a:pPr/>
-              <a:t>21/07/2021</a:t>
+              <a:t>28/07/2022</a:t>
             </a:fld>
             <a:endParaRPr lang="pt-BR"/>
           </a:p>
@@ -11766,23 +11878,56 @@
           <a:p>
             <a:r>
               <a:rPr lang="pt-BR" dirty="0"/>
-              <a:t>Os programas serão escritos dentro de arquivos com a extensão .</a:t>
-            </a:r>
-            <a:r>
-              <a:rPr lang="pt-BR" dirty="0" err="1"/>
-              <a:t>cpp</a:t>
-            </a:r>
-            <a:r>
-              <a:rPr lang="pt-BR" dirty="0"/>
-              <a:t> e devem ser adicionados em Arquivos de Origem (</a:t>
-            </a:r>
-            <a:r>
-              <a:rPr lang="pt-BR" dirty="0" err="1"/>
-              <a:t>Source</a:t>
+              <a:t>O guia de criação</a:t>
             </a:r>
             <a:r>
               <a:rPr lang="pt-BR" baseline="0" dirty="0"/>
-              <a:t> Files).</a:t>
+              <a:t> de projetos para Desktop será mostrada. </a:t>
+            </a:r>
+          </a:p>
+          <a:p>
+            <a:endParaRPr lang="pt-BR" baseline="0" dirty="0"/>
+          </a:p>
+          <a:p>
+            <a:r>
+              <a:rPr lang="pt-BR" baseline="0" dirty="0"/>
+              <a:t>A opção SDL faz com que o compilador faça algumas verificações de segurança no código:</a:t>
+            </a:r>
+          </a:p>
+          <a:p>
+            <a:pPr marL="171450" indent="-171450">
+              <a:buFontTx/>
+              <a:buChar char="-"/>
+            </a:pPr>
+            <a:r>
+              <a:rPr lang="pt-BR" baseline="0" dirty="0"/>
+              <a:t>Transforma algumas mensagens de “</a:t>
+            </a:r>
+            <a:r>
+              <a:rPr lang="pt-BR" baseline="0" dirty="0" err="1"/>
+              <a:t>warning</a:t>
+            </a:r>
+            <a:r>
+              <a:rPr lang="pt-BR" baseline="0" dirty="0"/>
+              <a:t>” em erros na compilação</a:t>
+            </a:r>
+          </a:p>
+          <a:p>
+            <a:pPr marL="171450" indent="-171450">
+              <a:buFontTx/>
+              <a:buChar char="-"/>
+            </a:pPr>
+            <a:r>
+              <a:rPr lang="pt-BR" baseline="0" dirty="0"/>
+              <a:t>Na geração de código, traz proteção adicional contra “buffer </a:t>
+            </a:r>
+            <a:r>
+              <a:rPr lang="pt-BR" baseline="0" dirty="0" err="1"/>
+              <a:t>overrun</a:t>
+            </a:r>
+            <a:r>
+              <a:rPr lang="pt-BR" baseline="0" dirty="0"/>
+              <a:t>” e faz sanitização/inicialização de ponteiros em alguns cenários conhecidos.</a:t>
             </a:r>
             <a:endParaRPr lang="pt-BR" dirty="0"/>
           </a:p>
@@ -11806,7 +11951,7 @@
             <a:fld id="{6AF2F81C-3F53-42F9-BE4C-7ED0FD39D783}" type="slidenum">
               <a:rPr lang="pt-BR" smtClean="0"/>
               <a:pPr/>
-              <a:t>16</a:t>
+              <a:t>15</a:t>
             </a:fld>
             <a:endParaRPr lang="pt-BR"/>
           </a:p>
@@ -11815,7 +11960,7 @@
     </p:spTree>
     <p:extLst>
       <p:ext uri="{BB962C8B-B14F-4D97-AF65-F5344CB8AC3E}">
-        <p14:creationId xmlns:p14="http://schemas.microsoft.com/office/powerpoint/2010/main" val="2411561625"/>
+        <p14:creationId xmlns:p14="http://schemas.microsoft.com/office/powerpoint/2010/main" val="3110747411"/>
       </p:ext>
     </p:extLst>
   </p:cSld>
@@ -11878,19 +12023,23 @@
           <a:p>
             <a:r>
               <a:rPr lang="pt-BR" dirty="0"/>
-              <a:t>Diferentes</a:t>
+              <a:t>Os programas serão escritos dentro de arquivos com a extensão .</a:t>
+            </a:r>
+            <a:r>
+              <a:rPr lang="pt-BR" dirty="0" err="1"/>
+              <a:t>cpp</a:t>
+            </a:r>
+            <a:r>
+              <a:rPr lang="pt-BR" dirty="0"/>
+              <a:t> e devem ser adicionados em Arquivos de Origem (</a:t>
+            </a:r>
+            <a:r>
+              <a:rPr lang="pt-BR" dirty="0" err="1"/>
+              <a:t>Source</a:t>
             </a:r>
             <a:r>
               <a:rPr lang="pt-BR" baseline="0" dirty="0"/>
-              <a:t> tipos de arquivos podem ser inseridos em um projeto. Para inserir o código fonte de um programa escolha Código &gt; Arquivo C++ (.</a:t>
-            </a:r>
-            <a:r>
-              <a:rPr lang="pt-BR" baseline="0" dirty="0" err="1"/>
-              <a:t>cpp</a:t>
-            </a:r>
-            <a:r>
-              <a:rPr lang="pt-BR" baseline="0" dirty="0"/>
-              <a:t>).</a:t>
+              <a:t> Files).</a:t>
             </a:r>
             <a:endParaRPr lang="pt-BR" dirty="0"/>
           </a:p>
@@ -11914,7 +12063,7 @@
             <a:fld id="{6AF2F81C-3F53-42F9-BE4C-7ED0FD39D783}" type="slidenum">
               <a:rPr lang="pt-BR" smtClean="0"/>
               <a:pPr/>
-              <a:t>17</a:t>
+              <a:t>16</a:t>
             </a:fld>
             <a:endParaRPr lang="pt-BR"/>
           </a:p>
@@ -11923,7 +12072,7 @@
     </p:spTree>
     <p:extLst>
       <p:ext uri="{BB962C8B-B14F-4D97-AF65-F5344CB8AC3E}">
-        <p14:creationId xmlns:p14="http://schemas.microsoft.com/office/powerpoint/2010/main" val="828735190"/>
+        <p14:creationId xmlns:p14="http://schemas.microsoft.com/office/powerpoint/2010/main" val="2411561625"/>
       </p:ext>
     </p:extLst>
   </p:cSld>
@@ -11952,7 +12101,7 @@
       </p:grpSpPr>
       <p:sp>
         <p:nvSpPr>
-          <p:cNvPr id="2" name="Espaço Reservado para Imagem de Slide 1"/>
+          <p:cNvPr id="2" name="Slide Image Placeholder 1"/>
           <p:cNvSpPr>
             <a:spLocks noGrp="1" noRot="1" noChangeAspect="1"/>
           </p:cNvSpPr>
@@ -11960,11 +12109,16 @@
             <p:ph type="sldImg"/>
           </p:nvPr>
         </p:nvSpPr>
-        <p:spPr/>
+        <p:spPr>
+          <a:xfrm>
+            <a:off x="381000" y="685800"/>
+            <a:ext cx="6096000" cy="3429000"/>
+          </a:xfrm>
+        </p:spPr>
       </p:sp>
       <p:sp>
         <p:nvSpPr>
-          <p:cNvPr id="3" name="Espaço Reservado para Anotações 2"/>
+          <p:cNvPr id="3" name="Notes Placeholder 2"/>
           <p:cNvSpPr>
             <a:spLocks noGrp="1"/>
           </p:cNvSpPr>
@@ -11974,24 +12128,39 @@
         </p:nvSpPr>
         <p:spPr/>
         <p:txBody>
-          <a:bodyPr/>
+          <a:bodyPr>
+            <a:normAutofit/>
+          </a:bodyPr>
           <a:lstStyle/>
           <a:p>
             <a:r>
               <a:rPr lang="pt-BR" dirty="0"/>
-              <a:t>Alterando para “Não Definido” estamos usando o conjunto padrão, que é o ASCII.</a:t>
-            </a:r>
+              <a:t>Diferentes</a:t>
+            </a:r>
+            <a:r>
+              <a:rPr lang="pt-BR" baseline="0" dirty="0"/>
+              <a:t> tipos de arquivos podem ser inseridos em um projeto. Para inserir o código fonte de um programa escolha Código &gt; Arquivo C++ (.</a:t>
+            </a:r>
+            <a:r>
+              <a:rPr lang="pt-BR" baseline="0" dirty="0" err="1"/>
+              <a:t>cpp</a:t>
+            </a:r>
+            <a:r>
+              <a:rPr lang="pt-BR" baseline="0" dirty="0"/>
+              <a:t>).</a:t>
+            </a:r>
+            <a:endParaRPr lang="pt-BR" dirty="0"/>
           </a:p>
         </p:txBody>
       </p:sp>
       <p:sp>
         <p:nvSpPr>
-          <p:cNvPr id="4" name="Espaço Reservado para Número de Slide 3"/>
+          <p:cNvPr id="4" name="Slide Number Placeholder 3"/>
           <p:cNvSpPr>
             <a:spLocks noGrp="1"/>
           </p:cNvSpPr>
           <p:nvPr>
-            <p:ph type="sldNum" sz="quarter" idx="5"/>
+            <p:ph type="sldNum" sz="quarter" idx="10"/>
           </p:nvPr>
         </p:nvSpPr>
         <p:spPr/>
@@ -11999,10 +12168,10 @@
           <a:bodyPr/>
           <a:lstStyle/>
           <a:p>
-            <a:fld id="{EF334A8D-C5BE-432D-90D0-92D67DD437AB}" type="slidenum">
+            <a:fld id="{6AF2F81C-3F53-42F9-BE4C-7ED0FD39D783}" type="slidenum">
               <a:rPr lang="pt-BR" smtClean="0"/>
               <a:pPr/>
-              <a:t>20</a:t>
+              <a:t>17</a:t>
             </a:fld>
             <a:endParaRPr lang="pt-BR"/>
           </a:p>
@@ -12011,7 +12180,7 @@
     </p:spTree>
     <p:extLst>
       <p:ext uri="{BB962C8B-B14F-4D97-AF65-F5344CB8AC3E}">
-        <p14:creationId xmlns:p14="http://schemas.microsoft.com/office/powerpoint/2010/main" val="2090514732"/>
+        <p14:creationId xmlns:p14="http://schemas.microsoft.com/office/powerpoint/2010/main" val="828735190"/>
       </p:ext>
     </p:extLst>
   </p:cSld>
@@ -12065,59 +12234,10 @@
           <a:bodyPr/>
           <a:lstStyle/>
           <a:p>
-            <a:pPr marL="0" marR="0" lvl="0" indent="0" algn="l" defTabSz="914400" rtl="0" eaLnBrk="1" fontAlgn="auto" latinLnBrk="0" hangingPunct="1">
-              <a:lnSpc>
-                <a:spcPct val="100000"/>
-              </a:lnSpc>
-              <a:spcBef>
-                <a:spcPts val="0"/>
-              </a:spcBef>
-              <a:spcAft>
-                <a:spcPts val="0"/>
-              </a:spcAft>
-              <a:buClrTx/>
-              <a:buSzTx/>
-              <a:buFontTx/>
-              <a:buNone/>
-              <a:tabLst/>
-              <a:defRPr/>
-            </a:pPr>
-            <a:r>
-              <a:rPr lang="pt-BR" sz="1200" dirty="0">
-                <a:solidFill>
-                  <a:schemeClr val="bg1"/>
-                </a:solidFill>
-              </a:rPr>
-              <a:t>» Copiar e colar o programa </a:t>
-            </a:r>
-            <a:r>
-              <a:rPr lang="pt-BR" sz="1200">
-                <a:solidFill>
-                  <a:schemeClr val="bg1"/>
-                </a:solidFill>
-              </a:rPr>
-              <a:t>do arquivo </a:t>
-            </a:r>
-            <a:r>
-              <a:rPr lang="pt-BR" sz="1200" dirty="0">
-                <a:solidFill>
-                  <a:schemeClr val="bg1"/>
-                </a:solidFill>
-              </a:rPr>
-              <a:t>HelloMsg.txt </a:t>
-            </a:r>
-            <a:r>
-              <a:rPr lang="pt-BR" sz="1200">
-                <a:solidFill>
-                  <a:schemeClr val="bg1"/>
-                </a:solidFill>
-              </a:rPr>
-              <a:t>(Lab01)</a:t>
-            </a:r>
-            <a:endParaRPr lang="pt-BR" b="1" dirty="0"/>
-          </a:p>
-          <a:p>
-            <a:endParaRPr lang="pt-BR" dirty="0"/>
+            <a:r>
+              <a:rPr lang="pt-BR" dirty="0"/>
+              <a:t>Alterando para “Não Definido” estamos usando o conjunto padrão, que é o ASCII.</a:t>
+            </a:r>
           </a:p>
         </p:txBody>
       </p:sp>
@@ -12139,7 +12259,7 @@
             <a:fld id="{EF334A8D-C5BE-432D-90D0-92D67DD437AB}" type="slidenum">
               <a:rPr lang="pt-BR" smtClean="0"/>
               <a:pPr/>
-              <a:t>21</a:t>
+              <a:t>20</a:t>
             </a:fld>
             <a:endParaRPr lang="pt-BR"/>
           </a:p>
@@ -12148,7 +12268,7 @@
     </p:spTree>
     <p:extLst>
       <p:ext uri="{BB962C8B-B14F-4D97-AF65-F5344CB8AC3E}">
-        <p14:creationId xmlns:p14="http://schemas.microsoft.com/office/powerpoint/2010/main" val="834620917"/>
+        <p14:creationId xmlns:p14="http://schemas.microsoft.com/office/powerpoint/2010/main" val="2090514732"/>
       </p:ext>
     </p:extLst>
   </p:cSld>
@@ -12177,7 +12297,7 @@
       </p:grpSpPr>
       <p:sp>
         <p:nvSpPr>
-          <p:cNvPr id="2" name="Slide Image Placeholder 1"/>
+          <p:cNvPr id="2" name="Espaço Reservado para Imagem de Slide 1"/>
           <p:cNvSpPr>
             <a:spLocks noGrp="1" noRot="1" noChangeAspect="1"/>
           </p:cNvSpPr>
@@ -12185,16 +12305,11 @@
             <p:ph type="sldImg"/>
           </p:nvPr>
         </p:nvSpPr>
-        <p:spPr>
-          <a:xfrm>
-            <a:off x="381000" y="685800"/>
-            <a:ext cx="6096000" cy="3429000"/>
-          </a:xfrm>
-        </p:spPr>
+        <p:spPr/>
       </p:sp>
       <p:sp>
         <p:nvSpPr>
-          <p:cNvPr id="3" name="Notes Placeholder 2"/>
+          <p:cNvPr id="3" name="Espaço Reservado para Anotações 2"/>
           <p:cNvSpPr>
             <a:spLocks noGrp="1"/>
           </p:cNvSpPr>
@@ -12207,18 +12322,70 @@
           <a:bodyPr/>
           <a:lstStyle/>
           <a:p>
-            <a:endParaRPr lang="pt-BR"/>
+            <a:pPr marL="0" marR="0" lvl="0" indent="0" algn="l" defTabSz="914400" rtl="0" eaLnBrk="1" fontAlgn="auto" latinLnBrk="0" hangingPunct="1">
+              <a:lnSpc>
+                <a:spcPct val="100000"/>
+              </a:lnSpc>
+              <a:spcBef>
+                <a:spcPts val="0"/>
+              </a:spcBef>
+              <a:spcAft>
+                <a:spcPts val="0"/>
+              </a:spcAft>
+              <a:buClrTx/>
+              <a:buSzTx/>
+              <a:buFontTx/>
+              <a:buNone/>
+              <a:tabLst/>
+              <a:defRPr/>
+            </a:pPr>
+            <a:r>
+              <a:rPr lang="pt-BR" sz="1200" dirty="0">
+                <a:solidFill>
+                  <a:schemeClr val="bg1"/>
+                </a:solidFill>
+              </a:rPr>
+              <a:t>» Copiar e colar o programa </a:t>
+            </a:r>
+            <a:r>
+              <a:rPr lang="pt-BR" sz="1200">
+                <a:solidFill>
+                  <a:schemeClr val="bg1"/>
+                </a:solidFill>
+              </a:rPr>
+              <a:t>do arquivo </a:t>
+            </a:r>
+            <a:r>
+              <a:rPr lang="pt-BR" sz="1200" dirty="0">
+                <a:solidFill>
+                  <a:schemeClr val="bg1"/>
+                </a:solidFill>
+              </a:rPr>
+              <a:t>HelloMsg.txt </a:t>
+            </a:r>
+            <a:r>
+              <a:rPr lang="pt-BR" sz="1200">
+                <a:solidFill>
+                  <a:schemeClr val="bg1"/>
+                </a:solidFill>
+              </a:rPr>
+              <a:t>(Lab01)</a:t>
+            </a:r>
+            <a:endParaRPr lang="pt-BR" b="1" dirty="0"/>
+          </a:p>
+          <a:p>
+            <a:endParaRPr lang="pt-BR" dirty="0"/>
           </a:p>
         </p:txBody>
       </p:sp>
       <p:sp>
         <p:nvSpPr>
-          <p:cNvPr id="4" name="Slide Number Placeholder 3"/>
+          <p:cNvPr id="4" name="Espaço Reservado para Número de Slide 3"/>
           <p:cNvSpPr>
             <a:spLocks noGrp="1"/>
           </p:cNvSpPr>
           <p:nvPr>
-            <p:ph type="sldNum" sz="quarter" idx="10"/>
+            <p:ph type="sldNum" sz="quarter" idx="5"/>
           </p:nvPr>
         </p:nvSpPr>
         <p:spPr/>
@@ -12226,9 +12393,10 @@
           <a:bodyPr/>
           <a:lstStyle/>
           <a:p>
-            <a:fld id="{25732CAE-24FB-40B5-80FE-C0DD30A05A09}" type="slidenum">
+            <a:fld id="{EF334A8D-C5BE-432D-90D0-92D67DD437AB}" type="slidenum">
               <a:rPr lang="pt-BR" smtClean="0"/>
-              <a:t>22</a:t>
+              <a:pPr/>
+              <a:t>21</a:t>
             </a:fld>
             <a:endParaRPr lang="pt-BR"/>
           </a:p>
@@ -12237,7 +12405,7 @@
     </p:spTree>
     <p:extLst>
       <p:ext uri="{BB962C8B-B14F-4D97-AF65-F5344CB8AC3E}">
-        <p14:creationId xmlns:p14="http://schemas.microsoft.com/office/powerpoint/2010/main" val="1799721461"/>
+        <p14:creationId xmlns:p14="http://schemas.microsoft.com/office/powerpoint/2010/main" val="834620917"/>
       </p:ext>
     </p:extLst>
   </p:cSld>
@@ -12296,109 +12464,7 @@
           <a:bodyPr/>
           <a:lstStyle/>
           <a:p>
-            <a:r>
-              <a:rPr lang="pt-BR" dirty="0"/>
-              <a:t>APIENTRY é definido como WINAPI, que é definido como __</a:t>
-            </a:r>
-            <a:r>
-              <a:rPr lang="pt-BR" dirty="0" err="1"/>
-              <a:t>stdcall</a:t>
-            </a:r>
-            <a:r>
-              <a:rPr lang="pt-BR" dirty="0"/>
-              <a:t>, </a:t>
-            </a:r>
-            <a:r>
-              <a:rPr lang="pt-BR" baseline="0" dirty="0"/>
-              <a:t>um modificador que define como deve ser usada a pilha na passagem de argumentos e no retorno de valores em uma chamada de função.</a:t>
-            </a:r>
-          </a:p>
-          <a:p>
-            <a:r>
-              <a:rPr lang="pt-BR" sz="1200" b="0" i="0" kern="1200" dirty="0">
-                <a:solidFill>
-                  <a:schemeClr val="tx1"/>
-                </a:solidFill>
-                <a:effectLst/>
-                <a:latin typeface="+mn-lt"/>
-                <a:ea typeface="+mn-ea"/>
-                <a:cs typeface="+mn-cs"/>
-              </a:rPr>
-              <a:t>As designações _In_ e _In_opt_ fazem parte da “Microsoft </a:t>
-            </a:r>
-            <a:r>
-              <a:rPr lang="pt-BR" sz="1200" b="0" i="0" kern="1200" dirty="0" err="1">
-                <a:solidFill>
-                  <a:schemeClr val="tx1"/>
-                </a:solidFill>
-                <a:effectLst/>
-                <a:latin typeface="+mn-lt"/>
-                <a:ea typeface="+mn-ea"/>
-                <a:cs typeface="+mn-cs"/>
-              </a:rPr>
-              <a:t>source-code</a:t>
-            </a:r>
-            <a:r>
-              <a:rPr lang="pt-BR" sz="1200" b="0" i="0" kern="1200" dirty="0">
-                <a:solidFill>
-                  <a:schemeClr val="tx1"/>
-                </a:solidFill>
-                <a:effectLst/>
-                <a:latin typeface="+mn-lt"/>
-                <a:ea typeface="+mn-ea"/>
-                <a:cs typeface="+mn-cs"/>
-              </a:rPr>
-              <a:t> </a:t>
-            </a:r>
-            <a:r>
-              <a:rPr lang="pt-BR" sz="1200" b="0" i="0" kern="1200" dirty="0" err="1">
-                <a:solidFill>
-                  <a:schemeClr val="tx1"/>
-                </a:solidFill>
-                <a:effectLst/>
-                <a:latin typeface="+mn-lt"/>
-                <a:ea typeface="+mn-ea"/>
-                <a:cs typeface="+mn-cs"/>
-              </a:rPr>
-              <a:t>annotation</a:t>
-            </a:r>
-            <a:r>
-              <a:rPr lang="pt-BR" sz="1200" b="0" i="0" kern="1200" dirty="0">
-                <a:solidFill>
-                  <a:schemeClr val="tx1"/>
-                </a:solidFill>
-                <a:effectLst/>
-                <a:latin typeface="+mn-lt"/>
-                <a:ea typeface="+mn-ea"/>
-                <a:cs typeface="+mn-cs"/>
-              </a:rPr>
-              <a:t> </a:t>
-            </a:r>
-            <a:r>
-              <a:rPr lang="pt-BR" sz="1200" b="0" i="0" kern="1200" dirty="0" err="1">
-                <a:solidFill>
-                  <a:schemeClr val="tx1"/>
-                </a:solidFill>
-                <a:effectLst/>
-                <a:latin typeface="+mn-lt"/>
-                <a:ea typeface="+mn-ea"/>
-                <a:cs typeface="+mn-cs"/>
-              </a:rPr>
-              <a:t>language</a:t>
-            </a:r>
-            <a:r>
-              <a:rPr lang="pt-BR" sz="1200" b="0" i="0" kern="1200" dirty="0">
-                <a:solidFill>
-                  <a:schemeClr val="tx1"/>
-                </a:solidFill>
-                <a:effectLst/>
-                <a:latin typeface="+mn-lt"/>
-                <a:ea typeface="+mn-ea"/>
-                <a:cs typeface="+mn-cs"/>
-              </a:rPr>
-              <a:t>” (SAL) e são usadas pela ferramenta de Análise de Código do Visual Studio.</a:t>
-            </a:r>
-            <a:endParaRPr lang="pt-BR" dirty="0"/>
+            <a:endParaRPr lang="pt-BR"/>
           </a:p>
         </p:txBody>
       </p:sp>
@@ -12419,7 +12485,7 @@
           <a:p>
             <a:fld id="{25732CAE-24FB-40B5-80FE-C0DD30A05A09}" type="slidenum">
               <a:rPr lang="pt-BR" smtClean="0"/>
-              <a:t>23</a:t>
+              <a:t>22</a:t>
             </a:fld>
             <a:endParaRPr lang="pt-BR"/>
           </a:p>
@@ -12428,7 +12494,7 @@
     </p:spTree>
     <p:extLst>
       <p:ext uri="{BB962C8B-B14F-4D97-AF65-F5344CB8AC3E}">
-        <p14:creationId xmlns:p14="http://schemas.microsoft.com/office/powerpoint/2010/main" val="3629976562"/>
+        <p14:creationId xmlns:p14="http://schemas.microsoft.com/office/powerpoint/2010/main" val="1799721461"/>
       </p:ext>
     </p:extLst>
   </p:cSld>
@@ -12487,6 +12553,106 @@
           <a:bodyPr/>
           <a:lstStyle/>
           <a:p>
+            <a:r>
+              <a:rPr lang="pt-BR" dirty="0"/>
+              <a:t>APIENTRY é definido como WINAPI, que é definido como __</a:t>
+            </a:r>
+            <a:r>
+              <a:rPr lang="pt-BR" dirty="0" err="1"/>
+              <a:t>stdcall</a:t>
+            </a:r>
+            <a:r>
+              <a:rPr lang="pt-BR" dirty="0"/>
+              <a:t>, </a:t>
+            </a:r>
+            <a:r>
+              <a:rPr lang="pt-BR" baseline="0" dirty="0"/>
+              <a:t>um modificador que define como deve ser usada a pilha na passagem de argumentos e no retorno de valores em uma chamada de função. </a:t>
+            </a:r>
+            <a:r>
+              <a:rPr lang="pt-BR" sz="1200" b="0" i="0" kern="1200" dirty="0">
+                <a:solidFill>
+                  <a:schemeClr val="tx1"/>
+                </a:solidFill>
+                <a:effectLst/>
+                <a:latin typeface="+mn-lt"/>
+                <a:ea typeface="+mn-ea"/>
+                <a:cs typeface="+mn-cs"/>
+              </a:rPr>
+              <a:t>As designações _In_ e _In_opt_ fazem parte da “Microsoft </a:t>
+            </a:r>
+            <a:r>
+              <a:rPr lang="pt-BR" sz="1200" b="0" i="0" kern="1200" dirty="0" err="1">
+                <a:solidFill>
+                  <a:schemeClr val="tx1"/>
+                </a:solidFill>
+                <a:effectLst/>
+                <a:latin typeface="+mn-lt"/>
+                <a:ea typeface="+mn-ea"/>
+                <a:cs typeface="+mn-cs"/>
+              </a:rPr>
+              <a:t>source-code</a:t>
+            </a:r>
+            <a:r>
+              <a:rPr lang="pt-BR" sz="1200" b="0" i="0" kern="1200" dirty="0">
+                <a:solidFill>
+                  <a:schemeClr val="tx1"/>
+                </a:solidFill>
+                <a:effectLst/>
+                <a:latin typeface="+mn-lt"/>
+                <a:ea typeface="+mn-ea"/>
+                <a:cs typeface="+mn-cs"/>
+              </a:rPr>
+              <a:t> </a:t>
+            </a:r>
+            <a:r>
+              <a:rPr lang="pt-BR" sz="1200" b="0" i="0" kern="1200" dirty="0" err="1">
+                <a:solidFill>
+                  <a:schemeClr val="tx1"/>
+                </a:solidFill>
+                <a:effectLst/>
+                <a:latin typeface="+mn-lt"/>
+                <a:ea typeface="+mn-ea"/>
+                <a:cs typeface="+mn-cs"/>
+              </a:rPr>
+              <a:t>annotation</a:t>
+            </a:r>
+            <a:r>
+              <a:rPr lang="pt-BR" sz="1200" b="0" i="0" kern="1200" dirty="0">
+                <a:solidFill>
+                  <a:schemeClr val="tx1"/>
+                </a:solidFill>
+                <a:effectLst/>
+                <a:latin typeface="+mn-lt"/>
+                <a:ea typeface="+mn-ea"/>
+                <a:cs typeface="+mn-cs"/>
+              </a:rPr>
+              <a:t> </a:t>
+            </a:r>
+            <a:r>
+              <a:rPr lang="pt-BR" sz="1200" b="0" i="0" kern="1200" dirty="0" err="1">
+                <a:solidFill>
+                  <a:schemeClr val="tx1"/>
+                </a:solidFill>
+                <a:effectLst/>
+                <a:latin typeface="+mn-lt"/>
+                <a:ea typeface="+mn-ea"/>
+                <a:cs typeface="+mn-cs"/>
+              </a:rPr>
+              <a:t>language</a:t>
+            </a:r>
+            <a:r>
+              <a:rPr lang="pt-BR" sz="1200" b="0" i="0" kern="1200" dirty="0">
+                <a:solidFill>
+                  <a:schemeClr val="tx1"/>
+                </a:solidFill>
+                <a:effectLst/>
+                <a:latin typeface="+mn-lt"/>
+                <a:ea typeface="+mn-ea"/>
+                <a:cs typeface="+mn-cs"/>
+              </a:rPr>
+              <a:t>” (SAL) e são usadas pela ferramenta de Análise de Código do Visual Studio.</a:t>
+            </a:r>
             <a:endParaRPr lang="pt-BR" dirty="0"/>
           </a:p>
         </p:txBody>
@@ -12508,7 +12674,7 @@
           <a:p>
             <a:fld id="{25732CAE-24FB-40B5-80FE-C0DD30A05A09}" type="slidenum">
               <a:rPr lang="pt-BR" smtClean="0"/>
-              <a:t>24</a:t>
+              <a:t>23</a:t>
             </a:fld>
             <a:endParaRPr lang="pt-BR"/>
           </a:p>
@@ -12576,22 +12742,6 @@
           <a:bodyPr/>
           <a:lstStyle/>
           <a:p>
-            <a:r>
-              <a:rPr lang="pt-BR" dirty="0"/>
-              <a:t>Em versões antigas do windows, ao abrir várias</a:t>
-            </a:r>
-            <a:r>
-              <a:rPr lang="pt-BR" baseline="0" dirty="0"/>
-              <a:t> cópias simultâneas do mesmo programa, </a:t>
-            </a:r>
-            <a:r>
-              <a:rPr lang="pt-BR" dirty="0"/>
-              <a:t>hPrevInstance guardava a identificação da última</a:t>
-            </a:r>
-            <a:r>
-              <a:rPr lang="pt-BR" baseline="0" dirty="0"/>
-              <a:t> instância aberta. Isso permitia que a nova cópia obtivesse dados da outra instância e se configurasse mais rapidamente.</a:t>
-            </a:r>
             <a:endParaRPr lang="pt-BR" dirty="0"/>
           </a:p>
         </p:txBody>
@@ -12613,7 +12763,7 @@
           <a:p>
             <a:fld id="{25732CAE-24FB-40B5-80FE-C0DD30A05A09}" type="slidenum">
               <a:rPr lang="pt-BR" smtClean="0"/>
-              <a:t>25</a:t>
+              <a:t>24</a:t>
             </a:fld>
             <a:endParaRPr lang="pt-BR"/>
           </a:p>
@@ -12622,7 +12772,7 @@
     </p:spTree>
     <p:extLst>
       <p:ext uri="{BB962C8B-B14F-4D97-AF65-F5344CB8AC3E}">
-        <p14:creationId xmlns:p14="http://schemas.microsoft.com/office/powerpoint/2010/main" val="3205688730"/>
+        <p14:creationId xmlns:p14="http://schemas.microsoft.com/office/powerpoint/2010/main" val="3629976562"/>
       </p:ext>
     </p:extLst>
   </p:cSld>
@@ -12682,22 +12832,22 @@
           <a:lstStyle/>
           <a:p>
             <a:r>
-              <a:rPr lang="pt-BR" sz="1200" dirty="0">
-                <a:solidFill>
-                  <a:schemeClr val="bg1"/>
-                </a:solidFill>
-              </a:rPr>
-              <a:t>» Mostrar o projeto </a:t>
-            </a:r>
-            <a:r>
-              <a:rPr lang="pt-BR" sz="1200" b="1" dirty="0" err="1">
-                <a:solidFill>
-                  <a:schemeClr val="bg1"/>
-                </a:solidFill>
-              </a:rPr>
-              <a:t>MessageBox</a:t>
-            </a:r>
-            <a:endParaRPr lang="pt-BR" b="1" dirty="0"/>
+              <a:rPr lang="pt-BR" dirty="0"/>
+              <a:t>Em versões antigas do windows, ao abrir várias</a:t>
+            </a:r>
+            <a:r>
+              <a:rPr lang="pt-BR" baseline="0" dirty="0"/>
+              <a:t> cópias simultâneas do mesmo programa, </a:t>
+            </a:r>
+            <a:r>
+              <a:rPr lang="pt-BR" dirty="0"/>
+              <a:t>hPrevInstance guardava a identificação da última</a:t>
+            </a:r>
+            <a:r>
+              <a:rPr lang="pt-BR" baseline="0" dirty="0"/>
+              <a:t> instância aberta. Isso permitia que a nova cópia obtivesse dados da outra instância e se configurasse mais rapidamente.</a:t>
+            </a:r>
+            <a:endParaRPr lang="pt-BR" dirty="0"/>
           </a:p>
         </p:txBody>
       </p:sp>
@@ -12718,7 +12868,7 @@
           <a:p>
             <a:fld id="{25732CAE-24FB-40B5-80FE-C0DD30A05A09}" type="slidenum">
               <a:rPr lang="pt-BR" smtClean="0"/>
-              <a:t>26</a:t>
+              <a:t>25</a:t>
             </a:fld>
             <a:endParaRPr lang="pt-BR"/>
           </a:p>
@@ -12727,7 +12877,7 @@
     </p:spTree>
     <p:extLst>
       <p:ext uri="{BB962C8B-B14F-4D97-AF65-F5344CB8AC3E}">
-        <p14:creationId xmlns:p14="http://schemas.microsoft.com/office/powerpoint/2010/main" val="2333788231"/>
+        <p14:creationId xmlns:p14="http://schemas.microsoft.com/office/powerpoint/2010/main" val="3205688730"/>
       </p:ext>
     </p:extLst>
   </p:cSld>
@@ -12756,7 +12906,7 @@
       </p:grpSpPr>
       <p:sp>
         <p:nvSpPr>
-          <p:cNvPr id="2" name="Espaço Reservado para Imagem de Slide 1"/>
+          <p:cNvPr id="2" name="Slide Image Placeholder 1"/>
           <p:cNvSpPr>
             <a:spLocks noGrp="1" noRot="1" noChangeAspect="1"/>
           </p:cNvSpPr>
@@ -12773,7 +12923,7 @@
       </p:sp>
       <p:sp>
         <p:nvSpPr>
-          <p:cNvPr id="3" name="Espaço Reservado para Anotações 2"/>
+          <p:cNvPr id="3" name="Notes Placeholder 2"/>
           <p:cNvSpPr>
             <a:spLocks noGrp="1"/>
           </p:cNvSpPr>
@@ -12787,20 +12937,28 @@
           <a:lstStyle/>
           <a:p>
             <a:r>
-              <a:rPr lang="pt-BR" dirty="0"/>
-              <a:t>Mensagens são registros contendo informações sobre um evento. Qualquer interação</a:t>
-            </a:r>
-            <a:r>
-              <a:rPr lang="pt-BR" baseline="0" dirty="0"/>
-              <a:t> do usuário com a janela gera um evento.</a:t>
-            </a:r>
-            <a:endParaRPr lang="pt-BR" dirty="0"/>
+              <a:rPr lang="pt-BR" sz="1200" dirty="0">
+                <a:solidFill>
+                  <a:schemeClr val="bg1"/>
+                </a:solidFill>
+              </a:rPr>
+              <a:t>» Mostrar o projeto </a:t>
+            </a:r>
+            <a:r>
+              <a:rPr lang="pt-BR" sz="1200" b="1" dirty="0" err="1">
+                <a:solidFill>
+                  <a:schemeClr val="bg1"/>
+                </a:solidFill>
+              </a:rPr>
+              <a:t>MessageBox</a:t>
+            </a:r>
+            <a:endParaRPr lang="pt-BR" b="1" dirty="0"/>
           </a:p>
         </p:txBody>
       </p:sp>
       <p:sp>
         <p:nvSpPr>
-          <p:cNvPr id="4" name="Espaço Reservado para Número de Slide 3"/>
+          <p:cNvPr id="4" name="Slide Number Placeholder 3"/>
           <p:cNvSpPr>
             <a:spLocks noGrp="1"/>
           </p:cNvSpPr>
@@ -12813,10 +12971,9 @@
           <a:bodyPr/>
           <a:lstStyle/>
           <a:p>
-            <a:fld id="{EF334A8D-C5BE-432D-90D0-92D67DD437AB}" type="slidenum">
+            <a:fld id="{25732CAE-24FB-40B5-80FE-C0DD30A05A09}" type="slidenum">
               <a:rPr lang="pt-BR" smtClean="0"/>
-              <a:pPr/>
-              <a:t>28</a:t>
+              <a:t>26</a:t>
             </a:fld>
             <a:endParaRPr lang="pt-BR"/>
           </a:p>
@@ -12825,7 +12982,7 @@
     </p:spTree>
     <p:extLst>
       <p:ext uri="{BB962C8B-B14F-4D97-AF65-F5344CB8AC3E}">
-        <p14:creationId xmlns:p14="http://schemas.microsoft.com/office/powerpoint/2010/main" val="969024254"/>
+        <p14:creationId xmlns:p14="http://schemas.microsoft.com/office/powerpoint/2010/main" val="2333788231"/>
       </p:ext>
     </p:extLst>
   </p:cSld>
@@ -12952,6 +13109,104 @@
             <p:ph type="sldImg"/>
           </p:nvPr>
         </p:nvSpPr>
+        <p:spPr>
+          <a:xfrm>
+            <a:off x="381000" y="685800"/>
+            <a:ext cx="6096000" cy="3429000"/>
+          </a:xfrm>
+        </p:spPr>
+      </p:sp>
+      <p:sp>
+        <p:nvSpPr>
+          <p:cNvPr id="3" name="Espaço Reservado para Anotações 2"/>
+          <p:cNvSpPr>
+            <a:spLocks noGrp="1"/>
+          </p:cNvSpPr>
+          <p:nvPr>
+            <p:ph type="body" idx="1"/>
+          </p:nvPr>
+        </p:nvSpPr>
+        <p:spPr/>
+        <p:txBody>
+          <a:bodyPr/>
+          <a:lstStyle/>
+          <a:p>
+            <a:r>
+              <a:rPr lang="pt-BR" dirty="0"/>
+              <a:t>Mensagens são registros contendo informações sobre um evento. Qualquer interação</a:t>
+            </a:r>
+            <a:r>
+              <a:rPr lang="pt-BR" baseline="0" dirty="0"/>
+              <a:t> do usuário com a janela gera um evento.</a:t>
+            </a:r>
+            <a:endParaRPr lang="pt-BR" dirty="0"/>
+          </a:p>
+        </p:txBody>
+      </p:sp>
+      <p:sp>
+        <p:nvSpPr>
+          <p:cNvPr id="4" name="Espaço Reservado para Número de Slide 3"/>
+          <p:cNvSpPr>
+            <a:spLocks noGrp="1"/>
+          </p:cNvSpPr>
+          <p:nvPr>
+            <p:ph type="sldNum" sz="quarter" idx="10"/>
+          </p:nvPr>
+        </p:nvSpPr>
+        <p:spPr/>
+        <p:txBody>
+          <a:bodyPr/>
+          <a:lstStyle/>
+          <a:p>
+            <a:fld id="{EF334A8D-C5BE-432D-90D0-92D67DD437AB}" type="slidenum">
+              <a:rPr lang="pt-BR" smtClean="0"/>
+              <a:pPr/>
+              <a:t>28</a:t>
+            </a:fld>
+            <a:endParaRPr lang="pt-BR"/>
+          </a:p>
+        </p:txBody>
+      </p:sp>
+    </p:spTree>
+    <p:extLst>
+      <p:ext uri="{BB962C8B-B14F-4D97-AF65-F5344CB8AC3E}">
+        <p14:creationId xmlns:p14="http://schemas.microsoft.com/office/powerpoint/2010/main" val="969024254"/>
+      </p:ext>
+    </p:extLst>
+  </p:cSld>
+  <p:clrMapOvr>
+    <a:masterClrMapping/>
+  </p:clrMapOvr>
+</p:notes>
+</file>
+
+<file path=ppt/notesSlides/notesSlide21.xml><?xml version="1.0" encoding="utf-8"?>
+<p:notes xmlns:a="http://schemas.openxmlformats.org/drawingml/2006/main" xmlns:r="http://schemas.openxmlformats.org/officeDocument/2006/relationships" xmlns:p="http://schemas.openxmlformats.org/presentationml/2006/main">
+  <p:cSld>
+    <p:spTree>
+      <p:nvGrpSpPr>
+        <p:cNvPr id="1" name=""/>
+        <p:cNvGrpSpPr/>
+        <p:nvPr/>
+      </p:nvGrpSpPr>
+      <p:grpSpPr>
+        <a:xfrm>
+          <a:off x="0" y="0"/>
+          <a:ext cx="0" cy="0"/>
+          <a:chOff x="0" y="0"/>
+          <a:chExt cx="0" cy="0"/>
+        </a:xfrm>
+      </p:grpSpPr>
+      <p:sp>
+        <p:nvSpPr>
+          <p:cNvPr id="2" name="Espaço Reservado para Imagem de Slide 1"/>
+          <p:cNvSpPr>
+            <a:spLocks noGrp="1" noRot="1" noChangeAspect="1"/>
+          </p:cNvSpPr>
+          <p:nvPr>
+            <p:ph type="sldImg"/>
+          </p:nvPr>
+        </p:nvSpPr>
         <p:spPr/>
       </p:sp>
       <p:sp>
@@ -13036,7 +13291,7 @@
 </p:notes>
 </file>
 
-<file path=ppt/notesSlides/notesSlide21.xml><?xml version="1.0" encoding="utf-8"?>
+<file path=ppt/notesSlides/notesSlide22.xml><?xml version="1.0" encoding="utf-8"?>
 <p:notes xmlns:a="http://schemas.openxmlformats.org/drawingml/2006/main" xmlns:r="http://schemas.openxmlformats.org/officeDocument/2006/relationships" xmlns:p="http://schemas.openxmlformats.org/presentationml/2006/main">
   <p:cSld>
     <p:spTree>
@@ -13153,7 +13408,7 @@
 </p:notes>
 </file>
 
-<file path=ppt/notesSlides/notesSlide22.xml><?xml version="1.0" encoding="utf-8"?>
+<file path=ppt/notesSlides/notesSlide23.xml><?xml version="1.0" encoding="utf-8"?>
 <p:notes xmlns:a="http://schemas.openxmlformats.org/drawingml/2006/main" xmlns:r="http://schemas.openxmlformats.org/officeDocument/2006/relationships" xmlns:p="http://schemas.openxmlformats.org/presentationml/2006/main">
   <p:cSld>
     <p:spTree>
@@ -13274,7 +13529,7 @@
 </p:notes>
 </file>
 
-<file path=ppt/notesSlides/notesSlide23.xml><?xml version="1.0" encoding="utf-8"?>
+<file path=ppt/notesSlides/notesSlide24.xml><?xml version="1.0" encoding="utf-8"?>
 <p:notes xmlns:a="http://schemas.openxmlformats.org/drawingml/2006/main" xmlns:r="http://schemas.openxmlformats.org/officeDocument/2006/relationships" xmlns:p="http://schemas.openxmlformats.org/presentationml/2006/main">
   <p:cSld>
     <p:spTree>
@@ -13512,6 +13767,94 @@
       </p:grpSpPr>
       <p:sp>
         <p:nvSpPr>
+          <p:cNvPr id="2" name="Espaço Reservado para Imagem de Slide 1"/>
+          <p:cNvSpPr>
+            <a:spLocks noGrp="1" noRot="1" noChangeAspect="1"/>
+          </p:cNvSpPr>
+          <p:nvPr>
+            <p:ph type="sldImg"/>
+          </p:nvPr>
+        </p:nvSpPr>
+        <p:spPr/>
+      </p:sp>
+      <p:sp>
+        <p:nvSpPr>
+          <p:cNvPr id="3" name="Espaço Reservado para Anotações 2"/>
+          <p:cNvSpPr>
+            <a:spLocks noGrp="1"/>
+          </p:cNvSpPr>
+          <p:nvPr>
+            <p:ph type="body" idx="1"/>
+          </p:nvPr>
+        </p:nvSpPr>
+        <p:spPr/>
+        <p:txBody>
+          <a:bodyPr/>
+          <a:lstStyle/>
+          <a:p>
+            <a:r>
+              <a:rPr lang="pt-BR" dirty="0"/>
+              <a:t>A GDI é de particular interesse para nós que queremos desenhar coisas na tela.</a:t>
+            </a:r>
+          </a:p>
+        </p:txBody>
+      </p:sp>
+      <p:sp>
+        <p:nvSpPr>
+          <p:cNvPr id="4" name="Espaço Reservado para Número de Slide 3"/>
+          <p:cNvSpPr>
+            <a:spLocks noGrp="1"/>
+          </p:cNvSpPr>
+          <p:nvPr>
+            <p:ph type="sldNum" sz="quarter" idx="5"/>
+          </p:nvPr>
+        </p:nvSpPr>
+        <p:spPr/>
+        <p:txBody>
+          <a:bodyPr/>
+          <a:lstStyle/>
+          <a:p>
+            <a:fld id="{EF334A8D-C5BE-432D-90D0-92D67DD437AB}" type="slidenum">
+              <a:rPr lang="pt-BR" smtClean="0"/>
+              <a:pPr/>
+              <a:t>6</a:t>
+            </a:fld>
+            <a:endParaRPr lang="pt-BR"/>
+          </a:p>
+        </p:txBody>
+      </p:sp>
+    </p:spTree>
+    <p:extLst>
+      <p:ext uri="{BB962C8B-B14F-4D97-AF65-F5344CB8AC3E}">
+        <p14:creationId xmlns:p14="http://schemas.microsoft.com/office/powerpoint/2010/main" val="311672060"/>
+      </p:ext>
+    </p:extLst>
+  </p:cSld>
+  <p:clrMapOvr>
+    <a:masterClrMapping/>
+  </p:clrMapOvr>
+</p:notes>
+</file>
+
+<file path=ppt/notesSlides/notesSlide5.xml><?xml version="1.0" encoding="utf-8"?>
+<p:notes xmlns:a="http://schemas.openxmlformats.org/drawingml/2006/main" xmlns:r="http://schemas.openxmlformats.org/officeDocument/2006/relationships" xmlns:p="http://schemas.openxmlformats.org/presentationml/2006/main">
+  <p:cSld>
+    <p:spTree>
+      <p:nvGrpSpPr>
+        <p:cNvPr id="1" name=""/>
+        <p:cNvGrpSpPr/>
+        <p:nvPr/>
+      </p:nvGrpSpPr>
+      <p:grpSpPr>
+        <a:xfrm>
+          <a:off x="0" y="0"/>
+          <a:ext cx="0" cy="0"/>
+          <a:chOff x="0" y="0"/>
+          <a:chExt cx="0" cy="0"/>
+        </a:xfrm>
+      </p:grpSpPr>
+      <p:sp>
+        <p:nvSpPr>
           <p:cNvPr id="2" name="Slide Image Placeholder 1"/>
           <p:cNvSpPr>
             <a:spLocks noGrp="1" noRot="1" noChangeAspect="1"/>
@@ -13576,107 +13919,6 @@
     <p:extLst>
       <p:ext uri="{BB962C8B-B14F-4D97-AF65-F5344CB8AC3E}">
         <p14:creationId xmlns:p14="http://schemas.microsoft.com/office/powerpoint/2010/main" val="2109707354"/>
-      </p:ext>
-    </p:extLst>
-  </p:cSld>
-  <p:clrMapOvr>
-    <a:masterClrMapping/>
-  </p:clrMapOvr>
-</p:notes>
-</file>
-
-<file path=ppt/notesSlides/notesSlide5.xml><?xml version="1.0" encoding="utf-8"?>
-<p:notes xmlns:a="http://schemas.openxmlformats.org/drawingml/2006/main" xmlns:r="http://schemas.openxmlformats.org/officeDocument/2006/relationships" xmlns:p="http://schemas.openxmlformats.org/presentationml/2006/main">
-  <p:cSld>
-    <p:spTree>
-      <p:nvGrpSpPr>
-        <p:cNvPr id="1" name=""/>
-        <p:cNvGrpSpPr/>
-        <p:nvPr/>
-      </p:nvGrpSpPr>
-      <p:grpSpPr>
-        <a:xfrm>
-          <a:off x="0" y="0"/>
-          <a:ext cx="0" cy="0"/>
-          <a:chOff x="0" y="0"/>
-          <a:chExt cx="0" cy="0"/>
-        </a:xfrm>
-      </p:grpSpPr>
-      <p:sp>
-        <p:nvSpPr>
-          <p:cNvPr id="2" name="Espaço Reservado para Imagem de Slide 1"/>
-          <p:cNvSpPr>
-            <a:spLocks noGrp="1" noRot="1" noChangeAspect="1"/>
-          </p:cNvSpPr>
-          <p:nvPr>
-            <p:ph type="sldImg"/>
-          </p:nvPr>
-        </p:nvSpPr>
-        <p:spPr>
-          <a:xfrm>
-            <a:off x="381000" y="685800"/>
-            <a:ext cx="6096000" cy="3429000"/>
-          </a:xfrm>
-        </p:spPr>
-      </p:sp>
-      <p:sp>
-        <p:nvSpPr>
-          <p:cNvPr id="3" name="Espaço Reservado para Anotações 2"/>
-          <p:cNvSpPr>
-            <a:spLocks noGrp="1"/>
-          </p:cNvSpPr>
-          <p:nvPr>
-            <p:ph type="body" idx="1"/>
-          </p:nvPr>
-        </p:nvSpPr>
-        <p:spPr/>
-        <p:txBody>
-          <a:bodyPr/>
-          <a:lstStyle/>
-          <a:p>
-            <a:r>
-              <a:rPr lang="pt-BR" baseline="0" dirty="0"/>
-              <a:t>*</a:t>
-            </a:r>
-            <a:r>
-              <a:rPr lang="pt-BR" baseline="30000" dirty="0"/>
-              <a:t> </a:t>
-            </a:r>
-            <a:r>
-              <a:rPr lang="pt-BR" baseline="0" dirty="0"/>
-              <a:t>No Visual C++ até a biblioteca padrão da linguagem é uma DLL. Se o programador quiser inserir a biblioteca no programa é preciso mudar uma opção no compilador.</a:t>
-            </a:r>
-            <a:endParaRPr lang="pt-BR" dirty="0"/>
-          </a:p>
-        </p:txBody>
-      </p:sp>
-      <p:sp>
-        <p:nvSpPr>
-          <p:cNvPr id="4" name="Espaço Reservado para Número de Slide 3"/>
-          <p:cNvSpPr>
-            <a:spLocks noGrp="1"/>
-          </p:cNvSpPr>
-          <p:nvPr>
-            <p:ph type="sldNum" sz="quarter" idx="10"/>
-          </p:nvPr>
-        </p:nvSpPr>
-        <p:spPr/>
-        <p:txBody>
-          <a:bodyPr/>
-          <a:lstStyle/>
-          <a:p>
-            <a:fld id="{25732CAE-24FB-40B5-80FE-C0DD30A05A09}" type="slidenum">
-              <a:rPr lang="pt-BR" smtClean="0"/>
-              <a:t>8</a:t>
-            </a:fld>
-            <a:endParaRPr lang="pt-BR"/>
-          </a:p>
-        </p:txBody>
-      </p:sp>
-    </p:spTree>
-    <p:extLst>
-      <p:ext uri="{BB962C8B-B14F-4D97-AF65-F5344CB8AC3E}">
-        <p14:creationId xmlns:p14="http://schemas.microsoft.com/office/powerpoint/2010/main" val="3458943591"/>
       </p:ext>
     </p:extLst>
   </p:cSld>
@@ -13736,44 +13978,16 @@
           <a:lstStyle/>
           <a:p>
             <a:r>
-              <a:rPr lang="pt-BR" dirty="0" err="1"/>
-              <a:t>void</a:t>
-            </a:r>
-            <a:r>
-              <a:rPr lang="pt-BR" dirty="0"/>
+              <a:rPr lang="pt-BR" baseline="0" dirty="0"/>
+              <a:t>*</a:t>
+            </a:r>
+            <a:r>
+              <a:rPr lang="pt-BR" baseline="30000" dirty="0"/>
               <a:t> </a:t>
             </a:r>
             <a:r>
-              <a:rPr lang="pt-BR" dirty="0" err="1"/>
-              <a:t>main</a:t>
-            </a:r>
-            <a:r>
-              <a:rPr lang="pt-BR" dirty="0"/>
-              <a:t> (</a:t>
-            </a:r>
-            <a:r>
-              <a:rPr lang="pt-BR" dirty="0" err="1"/>
-              <a:t>int</a:t>
-            </a:r>
-            <a:r>
               <a:rPr lang="pt-BR" baseline="0" dirty="0"/>
-              <a:t> </a:t>
-            </a:r>
-            <a:r>
-              <a:rPr lang="pt-BR" baseline="0" dirty="0" err="1"/>
-              <a:t>argc</a:t>
-            </a:r>
-            <a:r>
-              <a:rPr lang="pt-BR" baseline="0" dirty="0"/>
-              <a:t>, char ** </a:t>
-            </a:r>
-            <a:r>
-              <a:rPr lang="pt-BR" baseline="0" dirty="0" err="1"/>
-              <a:t>argv</a:t>
-            </a:r>
-            <a:r>
-              <a:rPr lang="pt-BR" baseline="0" dirty="0"/>
-              <a:t>)</a:t>
+              <a:t>No Visual C++ até a biblioteca padrão da linguagem é uma DLL. Se o programador quiser inserir a biblioteca no programa é preciso mudar uma opção no compilador.</a:t>
             </a:r>
             <a:endParaRPr lang="pt-BR" dirty="0"/>
           </a:p>
@@ -13796,7 +14010,7 @@
           <a:p>
             <a:fld id="{25732CAE-24FB-40B5-80FE-C0DD30A05A09}" type="slidenum">
               <a:rPr lang="pt-BR" smtClean="0"/>
-              <a:t>9</a:t>
+              <a:t>8</a:t>
             </a:fld>
             <a:endParaRPr lang="pt-BR"/>
           </a:p>
@@ -13805,7 +14019,7 @@
     </p:spTree>
     <p:extLst>
       <p:ext uri="{BB962C8B-B14F-4D97-AF65-F5344CB8AC3E}">
-        <p14:creationId xmlns:p14="http://schemas.microsoft.com/office/powerpoint/2010/main" val="2842100208"/>
+        <p14:creationId xmlns:p14="http://schemas.microsoft.com/office/powerpoint/2010/main" val="3458943591"/>
       </p:ext>
     </p:extLst>
   </p:cSld>
@@ -13834,7 +14048,7 @@
       </p:grpSpPr>
       <p:sp>
         <p:nvSpPr>
-          <p:cNvPr id="2" name="Slide Image Placeholder 1"/>
+          <p:cNvPr id="2" name="Espaço Reservado para Imagem de Slide 1"/>
           <p:cNvSpPr>
             <a:spLocks noGrp="1" noRot="1" noChangeAspect="1"/>
           </p:cNvSpPr>
@@ -13851,7 +14065,7 @@
       </p:sp>
       <p:sp>
         <p:nvSpPr>
-          <p:cNvPr id="3" name="Notes Placeholder 2"/>
+          <p:cNvPr id="3" name="Espaço Reservado para Anotações 2"/>
           <p:cNvSpPr>
             <a:spLocks noGrp="1"/>
           </p:cNvSpPr>
@@ -13861,21 +14075,56 @@
         </p:nvSpPr>
         <p:spPr/>
         <p:txBody>
-          <a:bodyPr>
-            <a:normAutofit/>
-          </a:bodyPr>
+          <a:bodyPr/>
           <a:lstStyle/>
           <a:p>
             <a:r>
+              <a:rPr lang="pt-BR" dirty="0" err="1"/>
+              <a:t>void</a:t>
+            </a:r>
+            <a:r>
               <a:rPr lang="pt-BR" dirty="0"/>
-              <a:t>No Visual Studio todo programa deve fazer parte de um projeto.</a:t>
-            </a:r>
+              <a:t> </a:t>
+            </a:r>
+            <a:r>
+              <a:rPr lang="pt-BR" dirty="0" err="1"/>
+              <a:t>main</a:t>
+            </a:r>
+            <a:r>
+              <a:rPr lang="pt-BR" dirty="0"/>
+              <a:t> (</a:t>
+            </a:r>
+            <a:r>
+              <a:rPr lang="pt-BR" dirty="0" err="1"/>
+              <a:t>int</a:t>
+            </a:r>
+            <a:r>
+              <a:rPr lang="pt-BR" baseline="0" dirty="0"/>
+              <a:t> </a:t>
+            </a:r>
+            <a:r>
+              <a:rPr lang="pt-BR" baseline="0" dirty="0" err="1"/>
+              <a:t>argc</a:t>
+            </a:r>
+            <a:r>
+              <a:rPr lang="pt-BR" baseline="0" dirty="0"/>
+              <a:t>, char ** </a:t>
+            </a:r>
+            <a:r>
+              <a:rPr lang="pt-BR" baseline="0" dirty="0" err="1"/>
+              <a:t>argv</a:t>
+            </a:r>
+            <a:r>
+              <a:rPr lang="pt-BR" baseline="0" dirty="0"/>
+              <a:t>)</a:t>
+            </a:r>
+            <a:endParaRPr lang="pt-BR" dirty="0"/>
           </a:p>
         </p:txBody>
       </p:sp>
       <p:sp>
         <p:nvSpPr>
-          <p:cNvPr id="4" name="Slide Number Placeholder 3"/>
+          <p:cNvPr id="4" name="Espaço Reservado para Número de Slide 3"/>
           <p:cNvSpPr>
             <a:spLocks noGrp="1"/>
           </p:cNvSpPr>
@@ -13888,10 +14137,9 @@
           <a:bodyPr/>
           <a:lstStyle/>
           <a:p>
-            <a:fld id="{6AF2F81C-3F53-42F9-BE4C-7ED0FD39D783}" type="slidenum">
+            <a:fld id="{25732CAE-24FB-40B5-80FE-C0DD30A05A09}" type="slidenum">
               <a:rPr lang="pt-BR" smtClean="0"/>
-              <a:pPr/>
-              <a:t>12</a:t>
+              <a:t>9</a:t>
             </a:fld>
             <a:endParaRPr lang="pt-BR"/>
           </a:p>
@@ -13900,7 +14148,7 @@
     </p:spTree>
     <p:extLst>
       <p:ext uri="{BB962C8B-B14F-4D97-AF65-F5344CB8AC3E}">
-        <p14:creationId xmlns:p14="http://schemas.microsoft.com/office/powerpoint/2010/main" val="3636461834"/>
+        <p14:creationId xmlns:p14="http://schemas.microsoft.com/office/powerpoint/2010/main" val="2842100208"/>
       </p:ext>
     </p:extLst>
   </p:cSld>
@@ -13963,7 +14211,7 @@
           <a:p>
             <a:r>
               <a:rPr lang="pt-BR" dirty="0"/>
-              <a:t>Esse assistente cria um projeto que utiliza a biblioteca Win32</a:t>
+              <a:t>No Visual Studio todo programa deve fazer parte de um projeto.</a:t>
             </a:r>
           </a:p>
         </p:txBody>
@@ -13986,7 +14234,7 @@
             <a:fld id="{6AF2F81C-3F53-42F9-BE4C-7ED0FD39D783}" type="slidenum">
               <a:rPr lang="pt-BR" smtClean="0"/>
               <a:pPr/>
-              <a:t>14</a:t>
+              <a:t>12</a:t>
             </a:fld>
             <a:endParaRPr lang="pt-BR"/>
           </a:p>
@@ -13995,7 +14243,7 @@
     </p:spTree>
     <p:extLst>
       <p:ext uri="{BB962C8B-B14F-4D97-AF65-F5344CB8AC3E}">
-        <p14:creationId xmlns:p14="http://schemas.microsoft.com/office/powerpoint/2010/main" val="1457690364"/>
+        <p14:creationId xmlns:p14="http://schemas.microsoft.com/office/powerpoint/2010/main" val="3636461834"/>
       </p:ext>
     </p:extLst>
   </p:cSld>
@@ -14058,58 +14306,8 @@
           <a:p>
             <a:r>
               <a:rPr lang="pt-BR" dirty="0"/>
-              <a:t>O guia de criação</a:t>
-            </a:r>
-            <a:r>
-              <a:rPr lang="pt-BR" baseline="0" dirty="0"/>
-              <a:t> de projetos para Desktop será mostrada. </a:t>
-            </a:r>
-          </a:p>
-          <a:p>
-            <a:endParaRPr lang="pt-BR" baseline="0" dirty="0"/>
-          </a:p>
-          <a:p>
-            <a:r>
-              <a:rPr lang="pt-BR" baseline="0" dirty="0"/>
-              <a:t>A opção SDL faz com que o compilador faça algumas verificações de segurança no código:</a:t>
-            </a:r>
-          </a:p>
-          <a:p>
-            <a:pPr marL="171450" indent="-171450">
-              <a:buFontTx/>
-              <a:buChar char="-"/>
-            </a:pPr>
-            <a:r>
-              <a:rPr lang="pt-BR" baseline="0" dirty="0"/>
-              <a:t>Transforma algumas mensagens de “</a:t>
-            </a:r>
-            <a:r>
-              <a:rPr lang="pt-BR" baseline="0" dirty="0" err="1"/>
-              <a:t>warning</a:t>
-            </a:r>
-            <a:r>
-              <a:rPr lang="pt-BR" baseline="0" dirty="0"/>
-              <a:t>” em erros na compilação</a:t>
-            </a:r>
-          </a:p>
-          <a:p>
-            <a:pPr marL="171450" indent="-171450">
-              <a:buFontTx/>
-              <a:buChar char="-"/>
-            </a:pPr>
-            <a:r>
-              <a:rPr lang="pt-BR" baseline="0" dirty="0"/>
-              <a:t>Na geração de código, traz proteção adicional contra “buffer </a:t>
-            </a:r>
-            <a:r>
-              <a:rPr lang="pt-BR" baseline="0" dirty="0" err="1"/>
-              <a:t>overrun</a:t>
-            </a:r>
-            <a:r>
-              <a:rPr lang="pt-BR" baseline="0" dirty="0"/>
-              <a:t>” e faz sanitização/inicialização de ponteiros em alguns cenários conhecidos.</a:t>
-            </a:r>
-            <a:endParaRPr lang="pt-BR" dirty="0"/>
+              <a:t>Esse assistente cria um projeto que utiliza a biblioteca Win32</a:t>
+            </a:r>
           </a:p>
         </p:txBody>
       </p:sp>
@@ -14131,7 +14329,7 @@
             <a:fld id="{6AF2F81C-3F53-42F9-BE4C-7ED0FD39D783}" type="slidenum">
               <a:rPr lang="pt-BR" smtClean="0"/>
               <a:pPr/>
-              <a:t>15</a:t>
+              <a:t>14</a:t>
             </a:fld>
             <a:endParaRPr lang="pt-BR"/>
           </a:p>
@@ -14140,7 +14338,7 @@
     </p:spTree>
     <p:extLst>
       <p:ext uri="{BB962C8B-B14F-4D97-AF65-F5344CB8AC3E}">
-        <p14:creationId xmlns:p14="http://schemas.microsoft.com/office/powerpoint/2010/main" val="3110747411"/>
+        <p14:creationId xmlns:p14="http://schemas.microsoft.com/office/powerpoint/2010/main" val="1457690364"/>
       </p:ext>
     </p:extLst>
   </p:cSld>
@@ -15163,7 +15361,7 @@
             <a:fld id="{B41ABA4E-CD72-497B-97AA-7213B3980F60}" type="datetimeFigureOut">
               <a:rPr lang="en-US" smtClean="0"/>
               <a:pPr/>
-              <a:t>7/21/2021</a:t>
+              <a:t>7/28/22</a:t>
             </a:fld>
             <a:endParaRPr lang="en-US" dirty="0"/>
           </a:p>
@@ -15340,7 +15538,7 @@
             <a:fld id="{B41ABA4E-CD72-497B-97AA-7213B3980F60}" type="datetimeFigureOut">
               <a:rPr lang="en-US" smtClean="0"/>
               <a:pPr/>
-              <a:t>7/21/2021</a:t>
+              <a:t>7/28/22</a:t>
             </a:fld>
             <a:endParaRPr lang="en-US" dirty="0"/>
           </a:p>
@@ -15536,7 +15734,7 @@
             <a:fld id="{B41ABA4E-CD72-497B-97AA-7213B3980F60}" type="datetimeFigureOut">
               <a:rPr lang="en-US" smtClean="0"/>
               <a:pPr/>
-              <a:t>7/21/2021</a:t>
+              <a:t>7/28/22</a:t>
             </a:fld>
             <a:endParaRPr lang="en-US" dirty="0"/>
           </a:p>
@@ -15797,7 +15995,7 @@
             <a:fld id="{B41ABA4E-CD72-497B-97AA-7213B3980F60}" type="datetimeFigureOut">
               <a:rPr lang="en-US" smtClean="0"/>
               <a:pPr/>
-              <a:t>7/21/2021</a:t>
+              <a:t>7/28/22</a:t>
             </a:fld>
             <a:endParaRPr lang="en-US" dirty="0"/>
           </a:p>
@@ -16198,7 +16396,7 @@
             <a:fld id="{B41ABA4E-CD72-497B-97AA-7213B3980F60}" type="datetimeFigureOut">
               <a:rPr lang="en-US" smtClean="0"/>
               <a:pPr/>
-              <a:t>7/21/2021</a:t>
+              <a:t>7/28/22</a:t>
             </a:fld>
             <a:endParaRPr lang="en-US" dirty="0"/>
           </a:p>
@@ -16638,7 +16836,7 @@
             <a:fld id="{B41ABA4E-CD72-497B-97AA-7213B3980F60}" type="datetimeFigureOut">
               <a:rPr lang="en-US" smtClean="0"/>
               <a:pPr/>
-              <a:t>7/21/2021</a:t>
+              <a:t>7/28/22</a:t>
             </a:fld>
             <a:endParaRPr lang="en-US" dirty="0"/>
           </a:p>
@@ -16735,7 +16933,7 @@
             <a:fld id="{B41ABA4E-CD72-497B-97AA-7213B3980F60}" type="datetimeFigureOut">
               <a:rPr lang="en-US" smtClean="0"/>
               <a:pPr/>
-              <a:t>7/21/2021</a:t>
+              <a:t>7/28/22</a:t>
             </a:fld>
             <a:endParaRPr lang="en-US" dirty="0"/>
           </a:p>
@@ -16850,7 +17048,7 @@
             <a:fld id="{B41ABA4E-CD72-497B-97AA-7213B3980F60}" type="datetimeFigureOut">
               <a:rPr lang="en-US" smtClean="0"/>
               <a:pPr/>
-              <a:t>7/21/2021</a:t>
+              <a:t>7/28/22</a:t>
             </a:fld>
             <a:endParaRPr lang="en-US" dirty="0"/>
           </a:p>
@@ -17120,7 +17318,7 @@
             <a:fld id="{B41ABA4E-CD72-497B-97AA-7213B3980F60}" type="datetimeFigureOut">
               <a:rPr lang="en-US" smtClean="0"/>
               <a:pPr/>
-              <a:t>7/21/2021</a:t>
+              <a:t>7/28/22</a:t>
             </a:fld>
             <a:endParaRPr lang="en-US" dirty="0"/>
           </a:p>
@@ -17323,7 +17521,7 @@
             <a:fld id="{B41ABA4E-CD72-497B-97AA-7213B3980F60}" type="datetimeFigureOut">
               <a:rPr lang="en-US" smtClean="0"/>
               <a:pPr/>
-              <a:t>7/21/2021</a:t>
+              <a:t>7/28/22</a:t>
             </a:fld>
             <a:endParaRPr lang="en-US" dirty="0"/>
           </a:p>
@@ -18500,7 +18698,7 @@
             <a:fld id="{B41ABA4E-CD72-497B-97AA-7213B3980F60}" type="datetimeFigureOut">
               <a:rPr lang="en-US" smtClean="0"/>
               <a:pPr/>
-              <a:t>7/21/2021</a:t>
+              <a:t>7/28/22</a:t>
             </a:fld>
             <a:endParaRPr lang="en-US" dirty="0"/>
           </a:p>
@@ -34525,14 +34723,14 @@
           <p:nvPr>
             <p:extLst>
               <p:ext uri="{D42A27DB-BD31-4B8C-83A1-F6EECF244321}">
-                <p14:modId xmlns:p14="http://schemas.microsoft.com/office/powerpoint/2010/main" val="510277985"/>
+                <p14:modId xmlns:p14="http://schemas.microsoft.com/office/powerpoint/2010/main" val="44428644"/>
               </p:ext>
             </p:extLst>
           </p:nvPr>
         </p:nvGraphicFramePr>
         <p:xfrm>
           <a:off x="2495600" y="2204864"/>
-          <a:ext cx="7632848" cy="4033520"/>
+          <a:ext cx="7632848" cy="3850640"/>
         </p:xfrm>
         <a:graphic>
           <a:graphicData uri="http://schemas.openxmlformats.org/drawingml/2006/table">
@@ -34714,22 +34912,6 @@
                           </a:solidFill>
                         </a:rPr>
                         <a:t>WS_OVERLAPPED</a:t>
-                      </a:r>
-                      <a:r>
-                        <a:rPr lang="pt-BR" sz="1400" dirty="0">
-                          <a:solidFill>
-                            <a:schemeClr val="tx1"/>
-                          </a:solidFill>
-                        </a:rPr>
-                        <a:t>, </a:t>
-                      </a:r>
-                      <a:r>
-                        <a:rPr lang="pt-BR" sz="1200" dirty="0">
-                          <a:solidFill>
-                            <a:schemeClr val="tx1"/>
-                          </a:solidFill>
-                        </a:rPr>
-                        <a:t>WS_CAPTION</a:t>
                       </a:r>
                       <a:r>
                         <a:rPr lang="pt-BR" sz="1400" dirty="0">
@@ -35821,6 +36003,19 @@
             <a:r>
               <a:rPr lang="pt-BR" sz="1600" dirty="0" err="1">
                 <a:solidFill>
+                  <a:schemeClr val="accent4">
+                    <a:lumMod val="60000"/>
+                    <a:lumOff val="40000"/>
+                  </a:schemeClr>
+                </a:solidFill>
+                <a:latin typeface="Consolas" pitchFamily="49" charset="0"/>
+                <a:cs typeface="Consolas" pitchFamily="49" charset="0"/>
+              </a:rPr>
+              <a:t>hwnd</a:t>
+            </a:r>
+            <a:r>
+              <a:rPr lang="pt-BR" sz="1600" dirty="0">
+                <a:solidFill>
                   <a:schemeClr val="bg1">
                     <a:lumMod val="85000"/>
                   </a:schemeClr>
@@ -35828,7 +36023,19 @@
                 <a:latin typeface="Consolas" pitchFamily="49" charset="0"/>
                 <a:cs typeface="Consolas" pitchFamily="49" charset="0"/>
               </a:rPr>
-              <a:t>hwnd</a:t>
+              <a:t>, </a:t>
+            </a:r>
+            <a:r>
+              <a:rPr lang="pt-BR" sz="1600" dirty="0">
+                <a:solidFill>
+                  <a:schemeClr val="accent1">
+                    <a:lumMod val="75000"/>
+                  </a:schemeClr>
+                </a:solidFill>
+                <a:latin typeface="Consolas" pitchFamily="49" charset="0"/>
+                <a:cs typeface="Consolas" pitchFamily="49" charset="0"/>
+              </a:rPr>
+              <a:t>UINT</a:t>
             </a:r>
             <a:r>
               <a:rPr lang="pt-BR" sz="1600" dirty="0">
@@ -35840,6 +36047,31 @@
                 <a:latin typeface="Consolas" pitchFamily="49" charset="0"/>
                 <a:cs typeface="Consolas" pitchFamily="49" charset="0"/>
               </a:rPr>
+              <a:t> </a:t>
+            </a:r>
+            <a:r>
+              <a:rPr lang="pt-BR" sz="1600" dirty="0" err="1">
+                <a:solidFill>
+                  <a:schemeClr val="accent4">
+                    <a:lumMod val="60000"/>
+                    <a:lumOff val="40000"/>
+                  </a:schemeClr>
+                </a:solidFill>
+                <a:latin typeface="Consolas" pitchFamily="49" charset="0"/>
+                <a:cs typeface="Consolas" pitchFamily="49" charset="0"/>
+              </a:rPr>
+              <a:t>message</a:t>
+            </a:r>
+            <a:r>
+              <a:rPr lang="pt-BR" sz="1600" dirty="0">
+                <a:solidFill>
+                  <a:schemeClr val="bg1">
+                    <a:lumMod val="85000"/>
+                  </a:schemeClr>
+                </a:solidFill>
+                <a:latin typeface="Consolas" pitchFamily="49" charset="0"/>
+                <a:cs typeface="Consolas" pitchFamily="49" charset="0"/>
+              </a:rPr>
               <a:t>, </a:t>
             </a:r>
             <a:r>
@@ -35852,7 +36084,7 @@
                 <a:latin typeface="Consolas" pitchFamily="49" charset="0"/>
                 <a:cs typeface="Consolas" pitchFamily="49" charset="0"/>
               </a:rPr>
-              <a:t>UINT</a:t>
+              <a:t>WPARAM</a:t>
             </a:r>
             <a:r>
               <a:rPr lang="pt-BR" sz="1600" dirty="0">
@@ -35869,6 +36101,19 @@
             <a:r>
               <a:rPr lang="pt-BR" sz="1600" dirty="0" err="1">
                 <a:solidFill>
+                  <a:schemeClr val="accent4">
+                    <a:lumMod val="60000"/>
+                    <a:lumOff val="40000"/>
+                  </a:schemeClr>
+                </a:solidFill>
+                <a:latin typeface="Consolas" pitchFamily="49" charset="0"/>
+                <a:cs typeface="Consolas" pitchFamily="49" charset="0"/>
+              </a:rPr>
+              <a:t>wParam</a:t>
+            </a:r>
+            <a:r>
+              <a:rPr lang="pt-BR" sz="1600" dirty="0">
+                <a:solidFill>
                   <a:schemeClr val="bg1">
                     <a:lumMod val="85000"/>
                   </a:schemeClr>
@@ -35876,7 +36121,19 @@
                 <a:latin typeface="Consolas" pitchFamily="49" charset="0"/>
                 <a:cs typeface="Consolas" pitchFamily="49" charset="0"/>
               </a:rPr>
-              <a:t>message</a:t>
+              <a:t>, </a:t>
+            </a:r>
+            <a:r>
+              <a:rPr lang="pt-BR" sz="1600" dirty="0">
+                <a:solidFill>
+                  <a:schemeClr val="accent1">
+                    <a:lumMod val="75000"/>
+                  </a:schemeClr>
+                </a:solidFill>
+                <a:latin typeface="Consolas" pitchFamily="49" charset="0"/>
+                <a:cs typeface="Consolas" pitchFamily="49" charset="0"/>
+              </a:rPr>
+              <a:t>LPARAM</a:t>
             </a:r>
             <a:r>
               <a:rPr lang="pt-BR" sz="1600" dirty="0">
@@ -35888,85 +36145,14 @@
                 <a:latin typeface="Consolas" pitchFamily="49" charset="0"/>
                 <a:cs typeface="Consolas" pitchFamily="49" charset="0"/>
               </a:rPr>
-              <a:t>, </a:t>
-            </a:r>
-            <a:r>
-              <a:rPr lang="pt-BR" sz="1600" dirty="0">
-                <a:solidFill>
-                  <a:schemeClr val="accent1">
-                    <a:lumMod val="75000"/>
-                  </a:schemeClr>
-                </a:solidFill>
-                <a:latin typeface="Consolas" pitchFamily="49" charset="0"/>
-                <a:cs typeface="Consolas" pitchFamily="49" charset="0"/>
-              </a:rPr>
-              <a:t>WPARAM</a:t>
-            </a:r>
-            <a:r>
-              <a:rPr lang="pt-BR" sz="1600" dirty="0">
-                <a:solidFill>
-                  <a:schemeClr val="bg1">
-                    <a:lumMod val="85000"/>
-                  </a:schemeClr>
-                </a:solidFill>
-                <a:latin typeface="Consolas" pitchFamily="49" charset="0"/>
-                <a:cs typeface="Consolas" pitchFamily="49" charset="0"/>
-              </a:rPr>
               <a:t> </a:t>
             </a:r>
             <a:r>
               <a:rPr lang="pt-BR" sz="1600" dirty="0" err="1">
                 <a:solidFill>
-                  <a:schemeClr val="bg1">
-                    <a:lumMod val="85000"/>
-                  </a:schemeClr>
-                </a:solidFill>
-                <a:latin typeface="Consolas" pitchFamily="49" charset="0"/>
-                <a:cs typeface="Consolas" pitchFamily="49" charset="0"/>
-              </a:rPr>
-              <a:t>wParam</a:t>
-            </a:r>
-            <a:r>
-              <a:rPr lang="pt-BR" sz="1600" dirty="0">
-                <a:solidFill>
-                  <a:schemeClr val="bg1">
-                    <a:lumMod val="85000"/>
-                  </a:schemeClr>
-                </a:solidFill>
-                <a:latin typeface="Consolas" pitchFamily="49" charset="0"/>
-                <a:cs typeface="Consolas" pitchFamily="49" charset="0"/>
-              </a:rPr>
-              <a:t>, </a:t>
-            </a:r>
-            <a:r>
-              <a:rPr lang="pt-BR" sz="1600" dirty="0">
-                <a:solidFill>
-                  <a:schemeClr val="accent1">
-                    <a:lumMod val="75000"/>
-                  </a:schemeClr>
-                </a:solidFill>
-                <a:latin typeface="Consolas" pitchFamily="49" charset="0"/>
-                <a:cs typeface="Consolas" pitchFamily="49" charset="0"/>
-              </a:rPr>
-              <a:t>LPARAM</a:t>
-            </a:r>
-            <a:r>
-              <a:rPr lang="pt-BR" sz="1600" dirty="0">
-                <a:solidFill>
-                  <a:schemeClr val="bg1">
-                    <a:lumMod val="85000"/>
-                  </a:schemeClr>
-                </a:solidFill>
-                <a:latin typeface="Consolas" pitchFamily="49" charset="0"/>
-                <a:cs typeface="Consolas" pitchFamily="49" charset="0"/>
-              </a:rPr>
-              <a:t> </a:t>
-            </a:r>
-            <a:r>
-              <a:rPr lang="pt-BR" sz="1600" dirty="0" err="1">
-                <a:solidFill>
-                  <a:schemeClr val="bg1">
-                    <a:lumMod val="85000"/>
+                  <a:schemeClr val="accent4">
+                    <a:lumMod val="60000"/>
+                    <a:lumOff val="40000"/>
                   </a:schemeClr>
                 </a:solidFill>
                 <a:latin typeface="Consolas" pitchFamily="49" charset="0"/>
@@ -36176,6 +36362,19 @@
             <a:r>
               <a:rPr lang="pt-BR" sz="1600" dirty="0" err="1">
                 <a:solidFill>
+                  <a:schemeClr val="accent4">
+                    <a:lumMod val="60000"/>
+                    <a:lumOff val="40000"/>
+                  </a:schemeClr>
+                </a:solidFill>
+                <a:latin typeface="Consolas" pitchFamily="49" charset="0"/>
+                <a:cs typeface="Consolas" pitchFamily="49" charset="0"/>
+              </a:rPr>
+              <a:t>message</a:t>
+            </a:r>
+            <a:r>
+              <a:rPr lang="pt-BR" sz="1600" dirty="0">
+                <a:solidFill>
                   <a:schemeClr val="bg1">
                     <a:lumMod val="85000"/>
                   </a:schemeClr>
@@ -36183,9 +36382,9 @@
                 <a:latin typeface="Consolas" pitchFamily="49" charset="0"/>
                 <a:cs typeface="Consolas" pitchFamily="49" charset="0"/>
               </a:rPr>
-              <a:t>message</a:t>
-            </a:r>
-            <a:r>
+              <a:t>) </a:t>
+            </a:r>
+            <a:br>
               <a:rPr lang="pt-BR" sz="1600" dirty="0">
                 <a:solidFill>
                   <a:schemeClr val="bg1">
@@ -36195,7 +36394,68 @@
                 <a:latin typeface="Consolas" pitchFamily="49" charset="0"/>
                 <a:cs typeface="Consolas" pitchFamily="49" charset="0"/>
               </a:rPr>
-              <a:t>) </a:t>
+            </a:br>
+            <a:r>
+              <a:rPr lang="pt-BR" sz="1600" dirty="0">
+                <a:solidFill>
+                  <a:schemeClr val="bg1">
+                    <a:lumMod val="85000"/>
+                  </a:schemeClr>
+                </a:solidFill>
+                <a:latin typeface="Consolas" pitchFamily="49" charset="0"/>
+                <a:cs typeface="Consolas" pitchFamily="49" charset="0"/>
+              </a:rPr>
+              <a:t>     {</a:t>
+            </a:r>
+          </a:p>
+          <a:p>
+            <a:r>
+              <a:rPr lang="pt-BR" sz="1600" dirty="0">
+                <a:solidFill>
+                  <a:schemeClr val="accent1">
+                    <a:lumMod val="75000"/>
+                  </a:schemeClr>
+                </a:solidFill>
+                <a:latin typeface="Consolas" pitchFamily="49" charset="0"/>
+                <a:cs typeface="Consolas" pitchFamily="49" charset="0"/>
+              </a:rPr>
+              <a:t>     case</a:t>
+            </a:r>
+            <a:r>
+              <a:rPr lang="pt-BR" sz="1600" dirty="0">
+                <a:solidFill>
+                  <a:schemeClr val="bg1">
+                    <a:lumMod val="85000"/>
+                  </a:schemeClr>
+                </a:solidFill>
+                <a:latin typeface="Consolas" pitchFamily="49" charset="0"/>
+                <a:cs typeface="Consolas" pitchFamily="49" charset="0"/>
+              </a:rPr>
+              <a:t> </a:t>
+            </a:r>
+            <a:r>
+              <a:rPr lang="pt-BR" sz="1600" dirty="0">
+                <a:solidFill>
+                  <a:schemeClr val="accent1">
+                    <a:lumMod val="75000"/>
+                  </a:schemeClr>
+                </a:solidFill>
+                <a:latin typeface="Consolas" pitchFamily="49" charset="0"/>
+                <a:cs typeface="Consolas" pitchFamily="49" charset="0"/>
+              </a:rPr>
+              <a:t>WM_PAINT</a:t>
+            </a:r>
+            <a:r>
+              <a:rPr lang="pt-BR" sz="1600" dirty="0">
+                <a:solidFill>
+                  <a:schemeClr val="bg1">
+                    <a:lumMod val="85000"/>
+                  </a:schemeClr>
+                </a:solidFill>
+                <a:latin typeface="Consolas" pitchFamily="49" charset="0"/>
+                <a:cs typeface="Consolas" pitchFamily="49" charset="0"/>
+              </a:rPr>
+              <a:t>:</a:t>
             </a:r>
             <a:br>
               <a:rPr lang="pt-BR" sz="1600" dirty="0">
@@ -36218,10 +36478,8 @@
                 <a:latin typeface="Consolas" pitchFamily="49" charset="0"/>
                 <a:cs typeface="Consolas" pitchFamily="49" charset="0"/>
               </a:rPr>
-              <a:t>     {</a:t>
-            </a:r>
-          </a:p>
-          <a:p>
+              <a:t>          </a:t>
+            </a:r>
             <a:r>
               <a:rPr lang="pt-BR" sz="1600" dirty="0">
                 <a:solidFill>
@@ -36232,7 +36490,7 @@
                 <a:latin typeface="Consolas" pitchFamily="49" charset="0"/>
                 <a:cs typeface="Consolas" pitchFamily="49" charset="0"/>
               </a:rPr>
-              <a:t>     case</a:t>
+              <a:t>HDC</a:t>
             </a:r>
             <a:r>
               <a:rPr lang="pt-BR" sz="1600" dirty="0">
@@ -36247,6 +36505,300 @@
               <a:t> </a:t>
             </a:r>
             <a:r>
+              <a:rPr lang="pt-BR" sz="1600" dirty="0" err="1">
+                <a:solidFill>
+                  <a:schemeClr val="bg1">
+                    <a:lumMod val="85000"/>
+                  </a:schemeClr>
+                </a:solidFill>
+                <a:latin typeface="Consolas" pitchFamily="49" charset="0"/>
+                <a:cs typeface="Consolas" pitchFamily="49" charset="0"/>
+              </a:rPr>
+              <a:t>hdc</a:t>
+            </a:r>
+            <a:r>
+              <a:rPr lang="pt-BR" sz="1600" dirty="0">
+                <a:solidFill>
+                  <a:schemeClr val="bg1">
+                    <a:lumMod val="85000"/>
+                  </a:schemeClr>
+                </a:solidFill>
+                <a:latin typeface="Consolas" pitchFamily="49" charset="0"/>
+                <a:cs typeface="Consolas" pitchFamily="49" charset="0"/>
+              </a:rPr>
+              <a:t> = </a:t>
+            </a:r>
+            <a:r>
+              <a:rPr lang="pt-BR" sz="1600" dirty="0" err="1">
+                <a:solidFill>
+                  <a:schemeClr val="bg1">
+                    <a:lumMod val="85000"/>
+                  </a:schemeClr>
+                </a:solidFill>
+                <a:latin typeface="Consolas" pitchFamily="49" charset="0"/>
+                <a:cs typeface="Consolas" pitchFamily="49" charset="0"/>
+              </a:rPr>
+              <a:t>BeginPaint</a:t>
+            </a:r>
+            <a:r>
+              <a:rPr lang="pt-BR" sz="1600" dirty="0">
+                <a:solidFill>
+                  <a:schemeClr val="bg1">
+                    <a:lumMod val="85000"/>
+                  </a:schemeClr>
+                </a:solidFill>
+                <a:latin typeface="Consolas" pitchFamily="49" charset="0"/>
+                <a:cs typeface="Consolas" pitchFamily="49" charset="0"/>
+              </a:rPr>
+              <a:t>(</a:t>
+            </a:r>
+            <a:r>
+              <a:rPr lang="pt-BR" sz="1600" dirty="0" err="1">
+                <a:solidFill>
+                  <a:schemeClr val="accent4">
+                    <a:lumMod val="60000"/>
+                    <a:lumOff val="40000"/>
+                  </a:schemeClr>
+                </a:solidFill>
+                <a:latin typeface="Consolas" pitchFamily="49" charset="0"/>
+                <a:cs typeface="Consolas" pitchFamily="49" charset="0"/>
+              </a:rPr>
+              <a:t>hwnd</a:t>
+            </a:r>
+            <a:r>
+              <a:rPr lang="pt-BR" sz="1600" dirty="0">
+                <a:solidFill>
+                  <a:schemeClr val="bg1">
+                    <a:lumMod val="85000"/>
+                  </a:schemeClr>
+                </a:solidFill>
+                <a:latin typeface="Consolas" pitchFamily="49" charset="0"/>
+                <a:cs typeface="Consolas" pitchFamily="49" charset="0"/>
+              </a:rPr>
+              <a:t>, &amp;</a:t>
+            </a:r>
+            <a:r>
+              <a:rPr lang="pt-BR" sz="1600" dirty="0" err="1">
+                <a:solidFill>
+                  <a:schemeClr val="bg1">
+                    <a:lumMod val="85000"/>
+                  </a:schemeClr>
+                </a:solidFill>
+                <a:latin typeface="Consolas" pitchFamily="49" charset="0"/>
+                <a:cs typeface="Consolas" pitchFamily="49" charset="0"/>
+              </a:rPr>
+              <a:t>ps</a:t>
+            </a:r>
+            <a:r>
+              <a:rPr lang="pt-BR" sz="1600" dirty="0">
+                <a:solidFill>
+                  <a:schemeClr val="bg1">
+                    <a:lumMod val="85000"/>
+                  </a:schemeClr>
+                </a:solidFill>
+                <a:latin typeface="Consolas" pitchFamily="49" charset="0"/>
+                <a:cs typeface="Consolas" pitchFamily="49" charset="0"/>
+              </a:rPr>
+              <a:t>);          </a:t>
+            </a:r>
+          </a:p>
+          <a:p>
+            <a:r>
+              <a:rPr lang="pt-BR" sz="1600" dirty="0">
+                <a:solidFill>
+                  <a:schemeClr val="bg1">
+                    <a:lumMod val="85000"/>
+                  </a:schemeClr>
+                </a:solidFill>
+                <a:latin typeface="Consolas" pitchFamily="49" charset="0"/>
+                <a:cs typeface="Consolas" pitchFamily="49" charset="0"/>
+              </a:rPr>
+              <a:t>          </a:t>
+            </a:r>
+            <a:r>
+              <a:rPr lang="pt-BR" sz="1600" dirty="0" err="1">
+                <a:solidFill>
+                  <a:schemeClr val="bg1">
+                    <a:lumMod val="85000"/>
+                  </a:schemeClr>
+                </a:solidFill>
+                <a:latin typeface="Consolas" pitchFamily="49" charset="0"/>
+                <a:cs typeface="Consolas" pitchFamily="49" charset="0"/>
+              </a:rPr>
+              <a:t>GetClientRect</a:t>
+            </a:r>
+            <a:r>
+              <a:rPr lang="pt-BR" sz="1600" dirty="0">
+                <a:solidFill>
+                  <a:schemeClr val="bg1">
+                    <a:lumMod val="85000"/>
+                  </a:schemeClr>
+                </a:solidFill>
+                <a:latin typeface="Consolas" pitchFamily="49" charset="0"/>
+                <a:cs typeface="Consolas" pitchFamily="49" charset="0"/>
+              </a:rPr>
+              <a:t> (</a:t>
+            </a:r>
+            <a:r>
+              <a:rPr lang="pt-BR" sz="1600" dirty="0" err="1">
+                <a:solidFill>
+                  <a:schemeClr val="accent4">
+                    <a:lumMod val="60000"/>
+                    <a:lumOff val="40000"/>
+                  </a:schemeClr>
+                </a:solidFill>
+                <a:latin typeface="Consolas" pitchFamily="49" charset="0"/>
+                <a:cs typeface="Consolas" pitchFamily="49" charset="0"/>
+              </a:rPr>
+              <a:t>hwnd</a:t>
+            </a:r>
+            <a:r>
+              <a:rPr lang="pt-BR" sz="1600" dirty="0">
+                <a:solidFill>
+                  <a:schemeClr val="bg1">
+                    <a:lumMod val="85000"/>
+                  </a:schemeClr>
+                </a:solidFill>
+                <a:latin typeface="Consolas" pitchFamily="49" charset="0"/>
+                <a:cs typeface="Consolas" pitchFamily="49" charset="0"/>
+              </a:rPr>
+              <a:t>, &amp;</a:t>
+            </a:r>
+            <a:r>
+              <a:rPr lang="pt-BR" sz="1600" dirty="0" err="1">
+                <a:solidFill>
+                  <a:schemeClr val="bg1">
+                    <a:lumMod val="85000"/>
+                  </a:schemeClr>
+                </a:solidFill>
+                <a:latin typeface="Consolas" pitchFamily="49" charset="0"/>
+                <a:cs typeface="Consolas" pitchFamily="49" charset="0"/>
+              </a:rPr>
+              <a:t>rect</a:t>
+            </a:r>
+            <a:r>
+              <a:rPr lang="pt-BR" sz="1600" dirty="0">
+                <a:solidFill>
+                  <a:schemeClr val="bg1">
+                    <a:lumMod val="85000"/>
+                  </a:schemeClr>
+                </a:solidFill>
+                <a:latin typeface="Consolas" pitchFamily="49" charset="0"/>
+                <a:cs typeface="Consolas" pitchFamily="49" charset="0"/>
+              </a:rPr>
+              <a:t>);</a:t>
+            </a:r>
+          </a:p>
+          <a:p>
+            <a:r>
+              <a:rPr lang="pt-BR" sz="1600" dirty="0">
+                <a:solidFill>
+                  <a:schemeClr val="bg1">
+                    <a:lumMod val="85000"/>
+                  </a:schemeClr>
+                </a:solidFill>
+                <a:latin typeface="Consolas" pitchFamily="49" charset="0"/>
+                <a:cs typeface="Consolas" pitchFamily="49" charset="0"/>
+              </a:rPr>
+              <a:t>          </a:t>
+            </a:r>
+            <a:r>
+              <a:rPr lang="pt-BR" sz="1600" dirty="0" err="1">
+                <a:solidFill>
+                  <a:schemeClr val="bg1">
+                    <a:lumMod val="85000"/>
+                  </a:schemeClr>
+                </a:solidFill>
+                <a:latin typeface="Consolas" pitchFamily="49" charset="0"/>
+                <a:cs typeface="Consolas" pitchFamily="49" charset="0"/>
+              </a:rPr>
+              <a:t>DrawText</a:t>
+            </a:r>
+            <a:r>
+              <a:rPr lang="pt-BR" sz="1600" dirty="0">
+                <a:solidFill>
+                  <a:schemeClr val="bg1">
+                    <a:lumMod val="85000"/>
+                  </a:schemeClr>
+                </a:solidFill>
+                <a:latin typeface="Consolas" pitchFamily="49" charset="0"/>
+                <a:cs typeface="Consolas" pitchFamily="49" charset="0"/>
+              </a:rPr>
+              <a:t> (</a:t>
+            </a:r>
+            <a:r>
+              <a:rPr lang="pt-BR" sz="1600" dirty="0" err="1">
+                <a:solidFill>
+                  <a:schemeClr val="bg1">
+                    <a:lumMod val="85000"/>
+                  </a:schemeClr>
+                </a:solidFill>
+                <a:latin typeface="Consolas" pitchFamily="49" charset="0"/>
+                <a:cs typeface="Consolas" pitchFamily="49" charset="0"/>
+              </a:rPr>
+              <a:t>hdc</a:t>
+            </a:r>
+            <a:r>
+              <a:rPr lang="pt-BR" sz="1600" dirty="0">
+                <a:solidFill>
+                  <a:schemeClr val="bg1">
+                    <a:lumMod val="85000"/>
+                  </a:schemeClr>
+                </a:solidFill>
+                <a:latin typeface="Consolas" pitchFamily="49" charset="0"/>
+                <a:cs typeface="Consolas" pitchFamily="49" charset="0"/>
+              </a:rPr>
+              <a:t>, </a:t>
+            </a:r>
+            <a:r>
+              <a:rPr lang="pt-BR" sz="1600" dirty="0">
+                <a:solidFill>
+                  <a:schemeClr val="accent4">
+                    <a:lumMod val="75000"/>
+                  </a:schemeClr>
+                </a:solidFill>
+                <a:latin typeface="Consolas" pitchFamily="49" charset="0"/>
+                <a:cs typeface="Consolas" pitchFamily="49" charset="0"/>
+              </a:rPr>
+              <a:t>"Minha Janela!"</a:t>
+            </a:r>
+            <a:r>
+              <a:rPr lang="pt-BR" sz="1600" dirty="0">
+                <a:solidFill>
+                  <a:schemeClr val="bg1">
+                    <a:lumMod val="85000"/>
+                  </a:schemeClr>
+                </a:solidFill>
+                <a:latin typeface="Consolas" pitchFamily="49" charset="0"/>
+                <a:cs typeface="Consolas" pitchFamily="49" charset="0"/>
+              </a:rPr>
+              <a:t>, -1, &amp;</a:t>
+            </a:r>
+            <a:r>
+              <a:rPr lang="pt-BR" sz="1600" dirty="0" err="1">
+                <a:solidFill>
+                  <a:schemeClr val="bg1">
+                    <a:lumMod val="85000"/>
+                  </a:schemeClr>
+                </a:solidFill>
+                <a:latin typeface="Consolas" pitchFamily="49" charset="0"/>
+                <a:cs typeface="Consolas" pitchFamily="49" charset="0"/>
+              </a:rPr>
+              <a:t>rect</a:t>
+            </a:r>
+            <a:r>
+              <a:rPr lang="pt-BR" sz="1600" dirty="0">
+                <a:solidFill>
+                  <a:schemeClr val="bg1">
+                    <a:lumMod val="85000"/>
+                  </a:schemeClr>
+                </a:solidFill>
+                <a:latin typeface="Consolas" pitchFamily="49" charset="0"/>
+                <a:cs typeface="Consolas" pitchFamily="49" charset="0"/>
+              </a:rPr>
+              <a:t>, </a:t>
+            </a:r>
+            <a:r>
               <a:rPr lang="pt-BR" sz="1600" dirty="0">
                 <a:solidFill>
                   <a:schemeClr val="accent1">
@@ -36256,7 +36808,7 @@
                 <a:latin typeface="Consolas" pitchFamily="49" charset="0"/>
                 <a:cs typeface="Consolas" pitchFamily="49" charset="0"/>
               </a:rPr>
-              <a:t>WM_PAINT</a:t>
+              <a:t>DT_CENTER</a:t>
             </a:r>
             <a:r>
               <a:rPr lang="pt-BR" sz="1600" dirty="0">
@@ -36268,9 +36820,21 @@
                 <a:latin typeface="Consolas" pitchFamily="49" charset="0"/>
                 <a:cs typeface="Consolas" pitchFamily="49" charset="0"/>
               </a:rPr>
-              <a:t>:</a:t>
-            </a:r>
-            <a:br>
+              <a:t> | </a:t>
+            </a:r>
+            <a:r>
+              <a:rPr lang="pt-BR" sz="1600" dirty="0">
+                <a:solidFill>
+                  <a:schemeClr val="accent1">
+                    <a:lumMod val="75000"/>
+                  </a:schemeClr>
+                </a:solidFill>
+                <a:latin typeface="Consolas" pitchFamily="49" charset="0"/>
+                <a:cs typeface="Consolas" pitchFamily="49" charset="0"/>
+              </a:rPr>
+              <a:t>DT_VCENTER</a:t>
+            </a:r>
+            <a:r>
               <a:rPr lang="pt-BR" sz="1600" dirty="0">
                 <a:solidFill>
                   <a:schemeClr val="bg1">
@@ -36280,7 +36844,10 @@
                 <a:latin typeface="Consolas" pitchFamily="49" charset="0"/>
                 <a:cs typeface="Consolas" pitchFamily="49" charset="0"/>
               </a:rPr>
-            </a:br>
+              <a:t>);</a:t>
+            </a:r>
+          </a:p>
+          <a:p>
             <a:r>
               <a:rPr lang="pt-BR" sz="1600" dirty="0">
                 <a:solidFill>
@@ -36294,7 +36861,94 @@
               <a:t>          </a:t>
             </a:r>
             <a:r>
+              <a:rPr lang="pt-BR" sz="1600" dirty="0" err="1">
+                <a:solidFill>
+                  <a:schemeClr val="bg1">
+                    <a:lumMod val="85000"/>
+                  </a:schemeClr>
+                </a:solidFill>
+                <a:latin typeface="Consolas" pitchFamily="49" charset="0"/>
+                <a:cs typeface="Consolas" pitchFamily="49" charset="0"/>
+              </a:rPr>
+              <a:t>EndPaint</a:t>
+            </a:r>
+            <a:r>
               <a:rPr lang="pt-BR" sz="1600" dirty="0">
+                <a:solidFill>
+                  <a:schemeClr val="bg1">
+                    <a:lumMod val="85000"/>
+                  </a:schemeClr>
+                </a:solidFill>
+                <a:latin typeface="Consolas" pitchFamily="49" charset="0"/>
+                <a:cs typeface="Consolas" pitchFamily="49" charset="0"/>
+              </a:rPr>
+              <a:t> (</a:t>
+            </a:r>
+            <a:r>
+              <a:rPr lang="pt-BR" sz="1600" dirty="0" err="1">
+                <a:solidFill>
+                  <a:schemeClr val="accent4">
+                    <a:lumMod val="60000"/>
+                    <a:lumOff val="40000"/>
+                  </a:schemeClr>
+                </a:solidFill>
+                <a:latin typeface="Consolas" pitchFamily="49" charset="0"/>
+                <a:cs typeface="Consolas" pitchFamily="49" charset="0"/>
+              </a:rPr>
+              <a:t>hwnd</a:t>
+            </a:r>
+            <a:r>
+              <a:rPr lang="pt-BR" sz="1600" dirty="0">
+                <a:solidFill>
+                  <a:schemeClr val="bg1">
+                    <a:lumMod val="85000"/>
+                  </a:schemeClr>
+                </a:solidFill>
+                <a:latin typeface="Consolas" pitchFamily="49" charset="0"/>
+                <a:cs typeface="Consolas" pitchFamily="49" charset="0"/>
+              </a:rPr>
+              <a:t>, &amp;</a:t>
+            </a:r>
+            <a:r>
+              <a:rPr lang="pt-BR" sz="1600" dirty="0" err="1">
+                <a:solidFill>
+                  <a:schemeClr val="bg1">
+                    <a:lumMod val="85000"/>
+                  </a:schemeClr>
+                </a:solidFill>
+                <a:latin typeface="Consolas" pitchFamily="49" charset="0"/>
+                <a:cs typeface="Consolas" pitchFamily="49" charset="0"/>
+              </a:rPr>
+              <a:t>ps</a:t>
+            </a:r>
+            <a:r>
+              <a:rPr lang="pt-BR" sz="1600" dirty="0">
+                <a:solidFill>
+                  <a:schemeClr val="bg1">
+                    <a:lumMod val="85000"/>
+                  </a:schemeClr>
+                </a:solidFill>
+                <a:latin typeface="Consolas" pitchFamily="49" charset="0"/>
+                <a:cs typeface="Consolas" pitchFamily="49" charset="0"/>
+              </a:rPr>
+              <a:t>);</a:t>
+            </a:r>
+          </a:p>
+          <a:p>
+            <a:r>
+              <a:rPr lang="pt-BR" sz="1600" dirty="0">
+                <a:solidFill>
+                  <a:schemeClr val="bg1">
+                    <a:lumMod val="85000"/>
+                  </a:schemeClr>
+                </a:solidFill>
+                <a:latin typeface="Consolas" pitchFamily="49" charset="0"/>
+                <a:cs typeface="Consolas" pitchFamily="49" charset="0"/>
+              </a:rPr>
+              <a:t>          </a:t>
+            </a:r>
+            <a:r>
+              <a:rPr lang="pt-BR" sz="1600" dirty="0" err="1">
                 <a:solidFill>
                   <a:schemeClr val="accent1">
                     <a:lumMod val="75000"/>
@@ -36303,7 +36957,19 @@
                 <a:latin typeface="Consolas" pitchFamily="49" charset="0"/>
                 <a:cs typeface="Consolas" pitchFamily="49" charset="0"/>
               </a:rPr>
-              <a:t>HDC</a:t>
+              <a:t>return</a:t>
+            </a:r>
+            <a:r>
+              <a:rPr lang="pt-BR" sz="1600" dirty="0">
+                <a:solidFill>
+                  <a:schemeClr val="accent1">
+                    <a:lumMod val="75000"/>
+                  </a:schemeClr>
+                </a:solidFill>
+                <a:latin typeface="Consolas" pitchFamily="49" charset="0"/>
+                <a:cs typeface="Consolas" pitchFamily="49" charset="0"/>
+              </a:rPr>
+              <a:t> </a:t>
             </a:r>
             <a:r>
               <a:rPr lang="pt-BR" sz="1600" dirty="0">
@@ -36315,10 +36981,12 @@
                 <a:latin typeface="Consolas" pitchFamily="49" charset="0"/>
                 <a:cs typeface="Consolas" pitchFamily="49" charset="0"/>
               </a:rPr>
-              <a:t> </a:t>
-            </a:r>
-            <a:r>
-              <a:rPr lang="pt-BR" sz="1600" dirty="0" err="1">
+              <a:t>0;</a:t>
+            </a:r>
+          </a:p>
+          <a:p>
+            <a:r>
+              <a:rPr lang="pt-BR" sz="1600" dirty="0">
                 <a:solidFill>
                   <a:schemeClr val="bg1">
                     <a:lumMod val="85000"/>
@@ -36327,8 +36995,10 @@
                 <a:latin typeface="Consolas" pitchFamily="49" charset="0"/>
                 <a:cs typeface="Consolas" pitchFamily="49" charset="0"/>
               </a:rPr>
-              <a:t>hdc</a:t>
-            </a:r>
+              <a:t>     }</a:t>
+            </a:r>
+          </a:p>
+          <a:p>
             <a:r>
               <a:rPr lang="pt-BR" sz="1600" dirty="0">
                 <a:solidFill>
@@ -36339,7 +37009,31 @@
                 <a:latin typeface="Consolas" pitchFamily="49" charset="0"/>
                 <a:cs typeface="Consolas" pitchFamily="49" charset="0"/>
               </a:rPr>
-              <a:t> = </a:t>
+              <a:t>     </a:t>
+            </a:r>
+            <a:r>
+              <a:rPr lang="pt-BR" sz="1600" dirty="0" err="1">
+                <a:solidFill>
+                  <a:schemeClr val="accent1">
+                    <a:lumMod val="75000"/>
+                  </a:schemeClr>
+                </a:solidFill>
+                <a:latin typeface="Consolas" pitchFamily="49" charset="0"/>
+                <a:cs typeface="Consolas" pitchFamily="49" charset="0"/>
+              </a:rPr>
+              <a:t>return</a:t>
+            </a:r>
+            <a:r>
+              <a:rPr lang="pt-BR" sz="1600" dirty="0">
+                <a:solidFill>
+                  <a:schemeClr val="accent1">
+                    <a:lumMod val="75000"/>
+                  </a:schemeClr>
+                </a:solidFill>
+                <a:latin typeface="Consolas" pitchFamily="49" charset="0"/>
+                <a:cs typeface="Consolas" pitchFamily="49" charset="0"/>
+              </a:rPr>
+              <a:t> </a:t>
             </a:r>
             <a:r>
               <a:rPr lang="pt-BR" sz="1600" dirty="0" err="1">
@@ -36351,7 +37045,7 @@
                 <a:latin typeface="Consolas" pitchFamily="49" charset="0"/>
                 <a:cs typeface="Consolas" pitchFamily="49" charset="0"/>
               </a:rPr>
-              <a:t>BeginPaint</a:t>
+              <a:t>DefWindowProc</a:t>
             </a:r>
             <a:r>
               <a:rPr lang="pt-BR" sz="1600" dirty="0">
@@ -36368,6 +37062,19 @@
             <a:r>
               <a:rPr lang="pt-BR" sz="1600" dirty="0" err="1">
                 <a:solidFill>
+                  <a:schemeClr val="accent4">
+                    <a:lumMod val="60000"/>
+                    <a:lumOff val="40000"/>
+                  </a:schemeClr>
+                </a:solidFill>
+                <a:latin typeface="Consolas" pitchFamily="49" charset="0"/>
+                <a:cs typeface="Consolas" pitchFamily="49" charset="0"/>
+              </a:rPr>
+              <a:t>hwnd</a:t>
+            </a:r>
+            <a:r>
+              <a:rPr lang="pt-BR" sz="1600" dirty="0">
+                <a:solidFill>
                   <a:schemeClr val="bg1">
                     <a:lumMod val="85000"/>
                   </a:schemeClr>
@@ -36375,7 +37082,20 @@
                 <a:latin typeface="Consolas" pitchFamily="49" charset="0"/>
                 <a:cs typeface="Consolas" pitchFamily="49" charset="0"/>
               </a:rPr>
-              <a:t>hwnd</a:t>
+              <a:t>, </a:t>
+            </a:r>
+            <a:r>
+              <a:rPr lang="pt-BR" sz="1600" dirty="0" err="1">
+                <a:solidFill>
+                  <a:schemeClr val="accent4">
+                    <a:lumMod val="60000"/>
+                    <a:lumOff val="40000"/>
+                  </a:schemeClr>
+                </a:solidFill>
+                <a:latin typeface="Consolas" pitchFamily="49" charset="0"/>
+                <a:cs typeface="Consolas" pitchFamily="49" charset="0"/>
+              </a:rPr>
+              <a:t>message</a:t>
             </a:r>
             <a:r>
               <a:rPr lang="pt-BR" sz="1600" dirty="0">
@@ -36387,10 +37107,23 @@
                 <a:latin typeface="Consolas" pitchFamily="49" charset="0"/>
                 <a:cs typeface="Consolas" pitchFamily="49" charset="0"/>
               </a:rPr>
-              <a:t>, &amp;</a:t>
+              <a:t>, </a:t>
             </a:r>
             <a:r>
               <a:rPr lang="pt-BR" sz="1600" dirty="0" err="1">
+                <a:solidFill>
+                  <a:schemeClr val="accent4">
+                    <a:lumMod val="60000"/>
+                    <a:lumOff val="40000"/>
+                  </a:schemeClr>
+                </a:solidFill>
+                <a:latin typeface="Consolas" pitchFamily="49" charset="0"/>
+                <a:cs typeface="Consolas" pitchFamily="49" charset="0"/>
+              </a:rPr>
+              <a:t>wParam</a:t>
+            </a:r>
+            <a:r>
+              <a:rPr lang="pt-BR" sz="1600" dirty="0">
                 <a:solidFill>
                   <a:schemeClr val="bg1">
                     <a:lumMod val="85000"/>
@@ -36399,553 +37132,14 @@
                 <a:latin typeface="Consolas" pitchFamily="49" charset="0"/>
                 <a:cs typeface="Consolas" pitchFamily="49" charset="0"/>
               </a:rPr>
-              <a:t>ps</a:t>
-            </a:r>
-            <a:r>
-              <a:rPr lang="pt-BR" sz="1600" dirty="0">
-                <a:solidFill>
-                  <a:schemeClr val="bg1">
-                    <a:lumMod val="85000"/>
-                  </a:schemeClr>
-                </a:solidFill>
-                <a:latin typeface="Consolas" pitchFamily="49" charset="0"/>
-                <a:cs typeface="Consolas" pitchFamily="49" charset="0"/>
-              </a:rPr>
-              <a:t>);          </a:t>
-            </a:r>
-          </a:p>
-          <a:p>
-            <a:r>
-              <a:rPr lang="pt-BR" sz="1600" dirty="0">
-                <a:solidFill>
-                  <a:schemeClr val="bg1">
-                    <a:lumMod val="85000"/>
-                  </a:schemeClr>
-                </a:solidFill>
-                <a:latin typeface="Consolas" pitchFamily="49" charset="0"/>
-                <a:cs typeface="Consolas" pitchFamily="49" charset="0"/>
-              </a:rPr>
-              <a:t>          </a:t>
+              <a:t>, </a:t>
             </a:r>
             <a:r>
               <a:rPr lang="pt-BR" sz="1600" dirty="0" err="1">
                 <a:solidFill>
-                  <a:schemeClr val="bg1">
-                    <a:lumMod val="85000"/>
-                  </a:schemeClr>
-                </a:solidFill>
-                <a:latin typeface="Consolas" pitchFamily="49" charset="0"/>
-                <a:cs typeface="Consolas" pitchFamily="49" charset="0"/>
-              </a:rPr>
-              <a:t>GetClientRect</a:t>
-            </a:r>
-            <a:r>
-              <a:rPr lang="pt-BR" sz="1600" dirty="0">
-                <a:solidFill>
-                  <a:schemeClr val="bg1">
-                    <a:lumMod val="85000"/>
-                  </a:schemeClr>
-                </a:solidFill>
-                <a:latin typeface="Consolas" pitchFamily="49" charset="0"/>
-                <a:cs typeface="Consolas" pitchFamily="49" charset="0"/>
-              </a:rPr>
-              <a:t> (</a:t>
-            </a:r>
-            <a:r>
-              <a:rPr lang="pt-BR" sz="1600" dirty="0" err="1">
-                <a:solidFill>
-                  <a:schemeClr val="bg1">
-                    <a:lumMod val="85000"/>
-                  </a:schemeClr>
-                </a:solidFill>
-                <a:latin typeface="Consolas" pitchFamily="49" charset="0"/>
-                <a:cs typeface="Consolas" pitchFamily="49" charset="0"/>
-              </a:rPr>
-              <a:t>hwnd</a:t>
-            </a:r>
-            <a:r>
-              <a:rPr lang="pt-BR" sz="1600" dirty="0">
-                <a:solidFill>
-                  <a:schemeClr val="bg1">
-                    <a:lumMod val="85000"/>
-                  </a:schemeClr>
-                </a:solidFill>
-                <a:latin typeface="Consolas" pitchFamily="49" charset="0"/>
-                <a:cs typeface="Consolas" pitchFamily="49" charset="0"/>
-              </a:rPr>
-              <a:t>, &amp;</a:t>
-            </a:r>
-            <a:r>
-              <a:rPr lang="pt-BR" sz="1600" dirty="0" err="1">
-                <a:solidFill>
-                  <a:schemeClr val="bg1">
-                    <a:lumMod val="85000"/>
-                  </a:schemeClr>
-                </a:solidFill>
-                <a:latin typeface="Consolas" pitchFamily="49" charset="0"/>
-                <a:cs typeface="Consolas" pitchFamily="49" charset="0"/>
-              </a:rPr>
-              <a:t>rect</a:t>
-            </a:r>
-            <a:r>
-              <a:rPr lang="pt-BR" sz="1600" dirty="0">
-                <a:solidFill>
-                  <a:schemeClr val="bg1">
-                    <a:lumMod val="85000"/>
-                  </a:schemeClr>
-                </a:solidFill>
-                <a:latin typeface="Consolas" pitchFamily="49" charset="0"/>
-                <a:cs typeface="Consolas" pitchFamily="49" charset="0"/>
-              </a:rPr>
-              <a:t>);</a:t>
-            </a:r>
-          </a:p>
-          <a:p>
-            <a:r>
-              <a:rPr lang="pt-BR" sz="1600" dirty="0">
-                <a:solidFill>
-                  <a:schemeClr val="bg1">
-                    <a:lumMod val="85000"/>
-                  </a:schemeClr>
-                </a:solidFill>
-                <a:latin typeface="Consolas" pitchFamily="49" charset="0"/>
-                <a:cs typeface="Consolas" pitchFamily="49" charset="0"/>
-              </a:rPr>
-              <a:t>          </a:t>
-            </a:r>
-            <a:r>
-              <a:rPr lang="pt-BR" sz="1600" dirty="0" err="1">
-                <a:solidFill>
-                  <a:schemeClr val="bg1">
-                    <a:lumMod val="85000"/>
-                  </a:schemeClr>
-                </a:solidFill>
-                <a:latin typeface="Consolas" pitchFamily="49" charset="0"/>
-                <a:cs typeface="Consolas" pitchFamily="49" charset="0"/>
-              </a:rPr>
-              <a:t>DrawText</a:t>
-            </a:r>
-            <a:r>
-              <a:rPr lang="pt-BR" sz="1600" dirty="0">
-                <a:solidFill>
-                  <a:schemeClr val="bg1">
-                    <a:lumMod val="85000"/>
-                  </a:schemeClr>
-                </a:solidFill>
-                <a:latin typeface="Consolas" pitchFamily="49" charset="0"/>
-                <a:cs typeface="Consolas" pitchFamily="49" charset="0"/>
-              </a:rPr>
-              <a:t> (</a:t>
-            </a:r>
-            <a:r>
-              <a:rPr lang="pt-BR" sz="1600" dirty="0" err="1">
-                <a:solidFill>
-                  <a:schemeClr val="bg1">
-                    <a:lumMod val="85000"/>
-                  </a:schemeClr>
-                </a:solidFill>
-                <a:latin typeface="Consolas" pitchFamily="49" charset="0"/>
-                <a:cs typeface="Consolas" pitchFamily="49" charset="0"/>
-              </a:rPr>
-              <a:t>hdc</a:t>
-            </a:r>
-            <a:r>
-              <a:rPr lang="pt-BR" sz="1600" dirty="0">
-                <a:solidFill>
-                  <a:schemeClr val="bg1">
-                    <a:lumMod val="85000"/>
-                  </a:schemeClr>
-                </a:solidFill>
-                <a:latin typeface="Consolas" pitchFamily="49" charset="0"/>
-                <a:cs typeface="Consolas" pitchFamily="49" charset="0"/>
-              </a:rPr>
-              <a:t>, </a:t>
-            </a:r>
-            <a:r>
-              <a:rPr lang="pt-BR" sz="1600" dirty="0">
-                <a:solidFill>
                   <a:schemeClr val="accent4">
-                    <a:lumMod val="75000"/>
-                  </a:schemeClr>
-                </a:solidFill>
-                <a:latin typeface="Consolas" pitchFamily="49" charset="0"/>
-                <a:cs typeface="Consolas" pitchFamily="49" charset="0"/>
-              </a:rPr>
-              <a:t>"Minha Janela!"</a:t>
-            </a:r>
-            <a:r>
-              <a:rPr lang="pt-BR" sz="1600" dirty="0">
-                <a:solidFill>
-                  <a:schemeClr val="bg1">
-                    <a:lumMod val="85000"/>
-                  </a:schemeClr>
-                </a:solidFill>
-                <a:latin typeface="Consolas" pitchFamily="49" charset="0"/>
-                <a:cs typeface="Consolas" pitchFamily="49" charset="0"/>
-              </a:rPr>
-              <a:t>, -1, &amp;</a:t>
-            </a:r>
-            <a:r>
-              <a:rPr lang="pt-BR" sz="1600" dirty="0" err="1">
-                <a:solidFill>
-                  <a:schemeClr val="bg1">
-                    <a:lumMod val="85000"/>
-                  </a:schemeClr>
-                </a:solidFill>
-                <a:latin typeface="Consolas" pitchFamily="49" charset="0"/>
-                <a:cs typeface="Consolas" pitchFamily="49" charset="0"/>
-              </a:rPr>
-              <a:t>rect</a:t>
-            </a:r>
-            <a:r>
-              <a:rPr lang="pt-BR" sz="1600" dirty="0">
-                <a:solidFill>
-                  <a:schemeClr val="bg1">
-                    <a:lumMod val="85000"/>
-                  </a:schemeClr>
-                </a:solidFill>
-                <a:latin typeface="Consolas" pitchFamily="49" charset="0"/>
-                <a:cs typeface="Consolas" pitchFamily="49" charset="0"/>
-              </a:rPr>
-              <a:t>, </a:t>
-            </a:r>
-            <a:r>
-              <a:rPr lang="pt-BR" sz="1600" dirty="0">
-                <a:solidFill>
-                  <a:schemeClr val="accent1">
-                    <a:lumMod val="75000"/>
-                  </a:schemeClr>
-                </a:solidFill>
-                <a:latin typeface="Consolas" pitchFamily="49" charset="0"/>
-                <a:cs typeface="Consolas" pitchFamily="49" charset="0"/>
-              </a:rPr>
-              <a:t>DT_CENTER</a:t>
-            </a:r>
-            <a:r>
-              <a:rPr lang="pt-BR" sz="1600" dirty="0">
-                <a:solidFill>
-                  <a:schemeClr val="bg1">
-                    <a:lumMod val="85000"/>
-                  </a:schemeClr>
-                </a:solidFill>
-                <a:latin typeface="Consolas" pitchFamily="49" charset="0"/>
-                <a:cs typeface="Consolas" pitchFamily="49" charset="0"/>
-              </a:rPr>
-              <a:t> | </a:t>
-            </a:r>
-            <a:r>
-              <a:rPr lang="pt-BR" sz="1600" dirty="0">
-                <a:solidFill>
-                  <a:schemeClr val="accent1">
-                    <a:lumMod val="75000"/>
-                  </a:schemeClr>
-                </a:solidFill>
-                <a:latin typeface="Consolas" pitchFamily="49" charset="0"/>
-                <a:cs typeface="Consolas" pitchFamily="49" charset="0"/>
-              </a:rPr>
-              <a:t>DT_VCENTER</a:t>
-            </a:r>
-            <a:r>
-              <a:rPr lang="pt-BR" sz="1600" dirty="0">
-                <a:solidFill>
-                  <a:schemeClr val="bg1">
-                    <a:lumMod val="85000"/>
-                  </a:schemeClr>
-                </a:solidFill>
-                <a:latin typeface="Consolas" pitchFamily="49" charset="0"/>
-                <a:cs typeface="Consolas" pitchFamily="49" charset="0"/>
-              </a:rPr>
-              <a:t>);</a:t>
-            </a:r>
-          </a:p>
-          <a:p>
-            <a:r>
-              <a:rPr lang="pt-BR" sz="1600" dirty="0">
-                <a:solidFill>
-                  <a:schemeClr val="bg1">
-                    <a:lumMod val="85000"/>
-                  </a:schemeClr>
-                </a:solidFill>
-                <a:latin typeface="Consolas" pitchFamily="49" charset="0"/>
-                <a:cs typeface="Consolas" pitchFamily="49" charset="0"/>
-              </a:rPr>
-              <a:t>          </a:t>
-            </a:r>
-            <a:r>
-              <a:rPr lang="pt-BR" sz="1600" dirty="0" err="1">
-                <a:solidFill>
-                  <a:schemeClr val="bg1">
-                    <a:lumMod val="85000"/>
-                  </a:schemeClr>
-                </a:solidFill>
-                <a:latin typeface="Consolas" pitchFamily="49" charset="0"/>
-                <a:cs typeface="Consolas" pitchFamily="49" charset="0"/>
-              </a:rPr>
-              <a:t>EndPaint</a:t>
-            </a:r>
-            <a:r>
-              <a:rPr lang="pt-BR" sz="1600" dirty="0">
-                <a:solidFill>
-                  <a:schemeClr val="bg1">
-                    <a:lumMod val="85000"/>
-                  </a:schemeClr>
-                </a:solidFill>
-                <a:latin typeface="Consolas" pitchFamily="49" charset="0"/>
-                <a:cs typeface="Consolas" pitchFamily="49" charset="0"/>
-              </a:rPr>
-              <a:t> (</a:t>
-            </a:r>
-            <a:r>
-              <a:rPr lang="pt-BR" sz="1600" dirty="0" err="1">
-                <a:solidFill>
-                  <a:schemeClr val="bg1">
-                    <a:lumMod val="85000"/>
-                  </a:schemeClr>
-                </a:solidFill>
-                <a:latin typeface="Consolas" pitchFamily="49" charset="0"/>
-                <a:cs typeface="Consolas" pitchFamily="49" charset="0"/>
-              </a:rPr>
-              <a:t>hwnd</a:t>
-            </a:r>
-            <a:r>
-              <a:rPr lang="pt-BR" sz="1600" dirty="0">
-                <a:solidFill>
-                  <a:schemeClr val="bg1">
-                    <a:lumMod val="85000"/>
-                  </a:schemeClr>
-                </a:solidFill>
-                <a:latin typeface="Consolas" pitchFamily="49" charset="0"/>
-                <a:cs typeface="Consolas" pitchFamily="49" charset="0"/>
-              </a:rPr>
-              <a:t>, &amp;</a:t>
-            </a:r>
-            <a:r>
-              <a:rPr lang="pt-BR" sz="1600" dirty="0" err="1">
-                <a:solidFill>
-                  <a:schemeClr val="bg1">
-                    <a:lumMod val="85000"/>
-                  </a:schemeClr>
-                </a:solidFill>
-                <a:latin typeface="Consolas" pitchFamily="49" charset="0"/>
-                <a:cs typeface="Consolas" pitchFamily="49" charset="0"/>
-              </a:rPr>
-              <a:t>ps</a:t>
-            </a:r>
-            <a:r>
-              <a:rPr lang="pt-BR" sz="1600" dirty="0">
-                <a:solidFill>
-                  <a:schemeClr val="bg1">
-                    <a:lumMod val="85000"/>
-                  </a:schemeClr>
-                </a:solidFill>
-                <a:latin typeface="Consolas" pitchFamily="49" charset="0"/>
-                <a:cs typeface="Consolas" pitchFamily="49" charset="0"/>
-              </a:rPr>
-              <a:t>);</a:t>
-            </a:r>
-          </a:p>
-          <a:p>
-            <a:r>
-              <a:rPr lang="pt-BR" sz="1600" dirty="0">
-                <a:solidFill>
-                  <a:schemeClr val="bg1">
-                    <a:lumMod val="85000"/>
-                  </a:schemeClr>
-                </a:solidFill>
-                <a:latin typeface="Consolas" pitchFamily="49" charset="0"/>
-                <a:cs typeface="Consolas" pitchFamily="49" charset="0"/>
-              </a:rPr>
-              <a:t>          </a:t>
-            </a:r>
-            <a:r>
-              <a:rPr lang="pt-BR" sz="1600" dirty="0" err="1">
-                <a:solidFill>
-                  <a:schemeClr val="accent1">
-                    <a:lumMod val="75000"/>
-                  </a:schemeClr>
-                </a:solidFill>
-                <a:latin typeface="Consolas" pitchFamily="49" charset="0"/>
-                <a:cs typeface="Consolas" pitchFamily="49" charset="0"/>
-              </a:rPr>
-              <a:t>return</a:t>
-            </a:r>
-            <a:r>
-              <a:rPr lang="pt-BR" sz="1600" dirty="0">
-                <a:solidFill>
-                  <a:schemeClr val="accent1">
-                    <a:lumMod val="75000"/>
-                  </a:schemeClr>
-                </a:solidFill>
-                <a:latin typeface="Consolas" pitchFamily="49" charset="0"/>
-                <a:cs typeface="Consolas" pitchFamily="49" charset="0"/>
-              </a:rPr>
-              <a:t> </a:t>
-            </a:r>
-            <a:r>
-              <a:rPr lang="pt-BR" sz="1600" dirty="0">
-                <a:solidFill>
-                  <a:schemeClr val="bg1">
-                    <a:lumMod val="85000"/>
-                  </a:schemeClr>
-                </a:solidFill>
-                <a:latin typeface="Consolas" pitchFamily="49" charset="0"/>
-                <a:cs typeface="Consolas" pitchFamily="49" charset="0"/>
-              </a:rPr>
-              <a:t>0;</a:t>
-            </a:r>
-          </a:p>
-          <a:p>
-            <a:r>
-              <a:rPr lang="pt-BR" sz="1600" dirty="0">
-                <a:solidFill>
-                  <a:schemeClr val="bg1">
-                    <a:lumMod val="85000"/>
-                  </a:schemeClr>
-                </a:solidFill>
-                <a:latin typeface="Consolas" pitchFamily="49" charset="0"/>
-                <a:cs typeface="Consolas" pitchFamily="49" charset="0"/>
-              </a:rPr>
-              <a:t>     }</a:t>
-            </a:r>
-          </a:p>
-          <a:p>
-            <a:r>
-              <a:rPr lang="pt-BR" sz="1600" dirty="0">
-                <a:solidFill>
-                  <a:schemeClr val="bg1">
-                    <a:lumMod val="85000"/>
-                  </a:schemeClr>
-                </a:solidFill>
-                <a:latin typeface="Consolas" pitchFamily="49" charset="0"/>
-                <a:cs typeface="Consolas" pitchFamily="49" charset="0"/>
-              </a:rPr>
-              <a:t>     </a:t>
-            </a:r>
-            <a:r>
-              <a:rPr lang="pt-BR" sz="1600" dirty="0" err="1">
-                <a:solidFill>
-                  <a:schemeClr val="accent1">
-                    <a:lumMod val="75000"/>
-                  </a:schemeClr>
-                </a:solidFill>
-                <a:latin typeface="Consolas" pitchFamily="49" charset="0"/>
-                <a:cs typeface="Consolas" pitchFamily="49" charset="0"/>
-              </a:rPr>
-              <a:t>return</a:t>
-            </a:r>
-            <a:r>
-              <a:rPr lang="pt-BR" sz="1600" dirty="0">
-                <a:solidFill>
-                  <a:schemeClr val="accent1">
-                    <a:lumMod val="75000"/>
-                  </a:schemeClr>
-                </a:solidFill>
-                <a:latin typeface="Consolas" pitchFamily="49" charset="0"/>
-                <a:cs typeface="Consolas" pitchFamily="49" charset="0"/>
-              </a:rPr>
-              <a:t> </a:t>
-            </a:r>
-            <a:r>
-              <a:rPr lang="pt-BR" sz="1600" dirty="0" err="1">
-                <a:solidFill>
-                  <a:schemeClr val="bg1">
-                    <a:lumMod val="85000"/>
-                  </a:schemeClr>
-                </a:solidFill>
-                <a:latin typeface="Consolas" pitchFamily="49" charset="0"/>
-                <a:cs typeface="Consolas" pitchFamily="49" charset="0"/>
-              </a:rPr>
-              <a:t>DefWindowProc</a:t>
-            </a:r>
-            <a:r>
-              <a:rPr lang="pt-BR" sz="1600" dirty="0">
-                <a:solidFill>
-                  <a:schemeClr val="bg1">
-                    <a:lumMod val="85000"/>
-                  </a:schemeClr>
-                </a:solidFill>
-                <a:latin typeface="Consolas" pitchFamily="49" charset="0"/>
-                <a:cs typeface="Consolas" pitchFamily="49" charset="0"/>
-              </a:rPr>
-              <a:t>(</a:t>
-            </a:r>
-            <a:r>
-              <a:rPr lang="pt-BR" sz="1600" dirty="0" err="1">
-                <a:solidFill>
-                  <a:schemeClr val="bg1">
-                    <a:lumMod val="85000"/>
-                  </a:schemeClr>
-                </a:solidFill>
-                <a:latin typeface="Consolas" pitchFamily="49" charset="0"/>
-                <a:cs typeface="Consolas" pitchFamily="49" charset="0"/>
-              </a:rPr>
-              <a:t>hwnd</a:t>
-            </a:r>
-            <a:r>
-              <a:rPr lang="pt-BR" sz="1600" dirty="0">
-                <a:solidFill>
-                  <a:schemeClr val="bg1">
-                    <a:lumMod val="85000"/>
-                  </a:schemeClr>
-                </a:solidFill>
-                <a:latin typeface="Consolas" pitchFamily="49" charset="0"/>
-                <a:cs typeface="Consolas" pitchFamily="49" charset="0"/>
-              </a:rPr>
-              <a:t>, </a:t>
-            </a:r>
-            <a:r>
-              <a:rPr lang="pt-BR" sz="1600" dirty="0" err="1">
-                <a:solidFill>
-                  <a:schemeClr val="bg1">
-                    <a:lumMod val="85000"/>
-                  </a:schemeClr>
-                </a:solidFill>
-                <a:latin typeface="Consolas" pitchFamily="49" charset="0"/>
-                <a:cs typeface="Consolas" pitchFamily="49" charset="0"/>
-              </a:rPr>
-              <a:t>message</a:t>
-            </a:r>
-            <a:r>
-              <a:rPr lang="pt-BR" sz="1600" dirty="0">
-                <a:solidFill>
-                  <a:schemeClr val="bg1">
-                    <a:lumMod val="85000"/>
-                  </a:schemeClr>
-                </a:solidFill>
-                <a:latin typeface="Consolas" pitchFamily="49" charset="0"/>
-                <a:cs typeface="Consolas" pitchFamily="49" charset="0"/>
-              </a:rPr>
-              <a:t>, </a:t>
-            </a:r>
-            <a:r>
-              <a:rPr lang="pt-BR" sz="1600" dirty="0" err="1">
-                <a:solidFill>
-                  <a:schemeClr val="bg1">
-                    <a:lumMod val="85000"/>
-                  </a:schemeClr>
-                </a:solidFill>
-                <a:latin typeface="Consolas" pitchFamily="49" charset="0"/>
-                <a:cs typeface="Consolas" pitchFamily="49" charset="0"/>
-              </a:rPr>
-              <a:t>wParam</a:t>
-            </a:r>
-            <a:r>
-              <a:rPr lang="pt-BR" sz="1600" dirty="0">
-                <a:solidFill>
-                  <a:schemeClr val="bg1">
-                    <a:lumMod val="85000"/>
-                  </a:schemeClr>
-                </a:solidFill>
-                <a:latin typeface="Consolas" pitchFamily="49" charset="0"/>
-                <a:cs typeface="Consolas" pitchFamily="49" charset="0"/>
-              </a:rPr>
-              <a:t>, </a:t>
-            </a:r>
-            <a:r>
-              <a:rPr lang="pt-BR" sz="1600" dirty="0" err="1">
-                <a:solidFill>
-                  <a:schemeClr val="bg1">
-                    <a:lumMod val="85000"/>
+                    <a:lumMod val="60000"/>
+                    <a:lumOff val="40000"/>
                   </a:schemeClr>
                 </a:solidFill>
                 <a:latin typeface="Consolas" pitchFamily="49" charset="0"/>
@@ -38142,8 +38336,9 @@
               <a:r>
                 <a:rPr lang="pt-BR" dirty="0" err="1">
                   <a:solidFill>
-                    <a:schemeClr val="bg1">
-                      <a:lumMod val="85000"/>
+                    <a:schemeClr val="accent4">
+                      <a:lumMod val="60000"/>
+                      <a:lumOff val="40000"/>
                     </a:schemeClr>
                   </a:solidFill>
                   <a:latin typeface="Consolas" pitchFamily="49" charset="0"/>
@@ -38619,8 +38814,9 @@
             <a:r>
               <a:rPr lang="pt-BR" sz="1400" dirty="0" err="1">
                 <a:solidFill>
-                  <a:schemeClr val="bg1">
-                    <a:lumMod val="85000"/>
+                  <a:schemeClr val="accent4">
+                    <a:lumMod val="60000"/>
+                    <a:lumOff val="40000"/>
                   </a:schemeClr>
                 </a:solidFill>
                 <a:latin typeface="Consolas" pitchFamily="49" charset="0"/>
@@ -38770,8 +38966,9 @@
             <a:r>
               <a:rPr lang="pt-BR" sz="1400" dirty="0" err="1">
                 <a:solidFill>
-                  <a:schemeClr val="bg1">
-                    <a:lumMod val="85000"/>
+                  <a:schemeClr val="accent4">
+                    <a:lumMod val="60000"/>
+                    <a:lumOff val="40000"/>
                   </a:schemeClr>
                 </a:solidFill>
                 <a:latin typeface="Consolas" pitchFamily="49" charset="0"/>
@@ -39258,8 +39455,9 @@
             <a:r>
               <a:rPr lang="pt-BR" sz="1400" dirty="0" err="1">
                 <a:solidFill>
-                  <a:schemeClr val="bg1">
-                    <a:lumMod val="85000"/>
+                  <a:schemeClr val="accent4">
+                    <a:lumMod val="60000"/>
+                    <a:lumOff val="40000"/>
                   </a:schemeClr>
                 </a:solidFill>
                 <a:latin typeface="Consolas" pitchFamily="49" charset="0"/>
@@ -41450,7 +41648,7 @@
             <a:pPr lvl="2"/>
             <a:r>
               <a:rPr lang="pt-BR" dirty="0"/>
-              <a:t>lógica de controle das janelas</a:t>
+              <a:t>controle das janelas</a:t>
             </a:r>
           </a:p>
           <a:p>
@@ -41935,7 +42133,7 @@
             </a:br>
             <a:r>
               <a:rPr lang="pt-BR" dirty="0"/>
-              <a:t>padrão* do C++ e as DLLs do Windows é que </a:t>
+              <a:t>padrão do C++ e as DLLs do Windows é que </a:t>
             </a:r>
             <a:r>
               <a:rPr lang="pt-BR" dirty="0">
@@ -41975,6 +42173,10 @@
                 </a:solidFill>
               </a:rPr>
               <a:t> não são incluídas no código executável</a:t>
+            </a:r>
+            <a:r>
+              <a:rPr lang="pt-BR" dirty="0"/>
+              <a:t>*</a:t>
             </a:r>
           </a:p>
         </p:txBody>
@@ -43749,7 +43951,7 @@
         <p:spPr>
           <a:xfrm>
             <a:off x="1119874" y="2616643"/>
-            <a:ext cx="8465024" cy="2554545"/>
+            <a:ext cx="8465024" cy="2308324"/>
           </a:xfrm>
           <a:prstGeom prst="rect">
             <a:avLst/>
@@ -43968,59 +44170,6 @@
             <a:pPr>
               <a:defRPr/>
             </a:pPr>
-            <a:endParaRPr lang="pt-BR" sz="1600" kern="0" dirty="0">
-              <a:solidFill>
-                <a:schemeClr val="bg1"/>
-              </a:solidFill>
-              <a:latin typeface="Consolas"/>
-            </a:endParaRPr>
-          </a:p>
-          <a:p>
-            <a:pPr>
-              <a:defRPr/>
-            </a:pPr>
-            <a:r>
-              <a:rPr lang="pt-BR" sz="1600" kern="0" dirty="0">
-                <a:solidFill>
-                  <a:schemeClr val="bg1"/>
-                </a:solidFill>
-                <a:latin typeface="Consolas"/>
-              </a:rPr>
-              <a:t>     </a:t>
-            </a:r>
-            <a:r>
-              <a:rPr lang="pt-BR" sz="1600" kern="0" dirty="0">
-                <a:solidFill>
-                  <a:schemeClr val="bg1">
-                    <a:lumMod val="85000"/>
-                  </a:schemeClr>
-                </a:solidFill>
-                <a:latin typeface="Consolas"/>
-              </a:rPr>
-              <a:t>system(</a:t>
-            </a:r>
-            <a:r>
-              <a:rPr lang="pt-BR" sz="1600" kern="0" dirty="0">
-                <a:solidFill>
-                  <a:schemeClr val="accent4">
-                    <a:lumMod val="75000"/>
-                  </a:schemeClr>
-                </a:solidFill>
-                <a:latin typeface="Consolas"/>
-              </a:rPr>
-              <a:t>"pause"</a:t>
-            </a:r>
-            <a:r>
-              <a:rPr lang="pt-BR" sz="1600" kern="0" dirty="0">
-                <a:solidFill>
-                  <a:schemeClr val="bg1">
-                    <a:lumMod val="85000"/>
-                  </a:schemeClr>
-                </a:solidFill>
-                <a:latin typeface="Consolas"/>
-              </a:rPr>
-              <a:t>);</a:t>
-            </a:r>
             <a:r>
               <a:rPr lang="pt-BR" sz="1600" kern="0" dirty="0">
                 <a:solidFill>
